--- a/Project_3_Presentation.pptx
+++ b/Project_3_Presentation.pptx
@@ -5,7 +5,7 @@
     <p:sldMasterId id="2147483660" r:id="rId1"/>
   </p:sldMasterIdLst>
   <p:notesMasterIdLst>
-    <p:notesMasterId r:id="rId55"/>
+    <p:notesMasterId r:id="rId54"/>
   </p:notesMasterIdLst>
   <p:sldIdLst>
     <p:sldId id="256" r:id="rId2"/>
@@ -56,11 +56,10 @@
     <p:sldId id="378" r:id="rId47"/>
     <p:sldId id="380" r:id="rId48"/>
     <p:sldId id="381" r:id="rId49"/>
-    <p:sldId id="379" r:id="rId50"/>
-    <p:sldId id="382" r:id="rId51"/>
-    <p:sldId id="389" r:id="rId52"/>
-    <p:sldId id="383" r:id="rId53"/>
-    <p:sldId id="264" r:id="rId54"/>
+    <p:sldId id="382" r:id="rId50"/>
+    <p:sldId id="389" r:id="rId51"/>
+    <p:sldId id="383" r:id="rId52"/>
+    <p:sldId id="264" r:id="rId53"/>
   </p:sldIdLst>
   <p:sldSz cx="9144000" cy="6858000" type="screen4x3"/>
   <p:notesSz cx="6858000" cy="9144000"/>
@@ -17028,7 +17027,6 @@
               <a:rPr lang="en-CA" sz="1000" dirty="0"/>
               <a:t>” for the Gini impurity and “entropy” for the information gain. </a:t>
             </a:r>
-            <a:endParaRPr lang="en-CA" sz="1000" dirty="0"/>
           </a:p>
           <a:p>
             <a:pPr algn="l" fontAlgn="base"/>
@@ -17041,11 +17039,7 @@
             </a:pPr>
             <a:r>
               <a:rPr lang="en-CA" sz="1400" dirty="0" smtClean="0"/>
-              <a:t>It </a:t>
-            </a:r>
-            <a:r>
-              <a:rPr lang="en-CA" sz="1400" dirty="0" smtClean="0"/>
-              <a:t>calculates </a:t>
+              <a:t>It calculates </a:t>
             </a:r>
             <a:r>
               <a:rPr lang="en-CA" sz="1400" dirty="0"/>
@@ -17082,7 +17076,6 @@
               <a:rPr lang="en-CA" sz="1400" dirty="0"/>
               <a:t> importance” or “mean decrease impurity” </a:t>
             </a:r>
-            <a:endParaRPr lang="en-CA" sz="1400" dirty="0"/>
           </a:p>
           <a:p>
             <a:pPr marL="285750" indent="-285750" algn="l" fontAlgn="base">
@@ -20390,23 +20383,7 @@
                   <a:srgbClr val="FFC000"/>
                 </a:solidFill>
               </a:rPr>
-              <a:t>For example, the </a:t>
-            </a:r>
-            <a:r>
-              <a:rPr lang="en-CA" sz="1200" dirty="0" smtClean="0">
-                <a:solidFill>
-                  <a:srgbClr val="FFC000"/>
-                </a:solidFill>
-              </a:rPr>
-              <a:t>Optimal Strategy </a:t>
-            </a:r>
-            <a:r>
-              <a:rPr lang="en-CA" sz="1200" dirty="0" smtClean="0">
-                <a:solidFill>
-                  <a:srgbClr val="FFC000"/>
-                </a:solidFill>
-              </a:rPr>
-              <a:t>was invested in the equity market on 75 days where the market experienced a return greater than or equal to 1%</a:t>
+              <a:t>For example, the Optimal Strategy was invested in the equity market on 75 days where the market experienced a return greater than or equal to 1%</a:t>
             </a:r>
           </a:p>
           <a:p>
@@ -20790,36 +20767,6 @@
             <a:endParaRPr lang="en-CA" sz="1800" dirty="0"/>
           </a:p>
           <a:p>
-            <a:pPr marL="285750" indent="-285750" algn="l">
-              <a:buFont typeface="Wingdings" panose="05000000000000000000" pitchFamily="2" charset="2"/>
-              <a:buChar char="Ø"/>
-            </a:pPr>
-            <a:r>
-              <a:rPr lang="en-CA" sz="1800" dirty="0" smtClean="0"/>
-              <a:t>Given the lagged nature of the model, the required feature set data already exists to make these predictions</a:t>
-            </a:r>
-          </a:p>
-          <a:p>
-            <a:pPr marL="742950" lvl="1" indent="-285750" algn="l">
-              <a:buFont typeface="Wingdings" panose="05000000000000000000" pitchFamily="2" charset="2"/>
-              <a:buChar char="Ø"/>
-            </a:pPr>
-            <a:r>
-              <a:rPr lang="en-CA" sz="1400" dirty="0" smtClean="0"/>
-              <a:t>Naïve Model can already predict market states for the next 27 days</a:t>
-            </a:r>
-          </a:p>
-          <a:p>
-            <a:pPr marL="742950" lvl="1" indent="-285750" algn="l">
-              <a:buFont typeface="Wingdings" panose="05000000000000000000" pitchFamily="2" charset="2"/>
-              <a:buChar char="Ø"/>
-            </a:pPr>
-            <a:r>
-              <a:rPr lang="en-CA" sz="1400" dirty="0" smtClean="0"/>
-              <a:t>Optimal Model can already predict market states for the next 30 Days</a:t>
-            </a:r>
-          </a:p>
-          <a:p>
             <a:pPr marL="742950" lvl="1" indent="-285750" algn="l">
               <a:buFont typeface="Wingdings" panose="05000000000000000000" pitchFamily="2" charset="2"/>
               <a:buChar char="Ø"/>
@@ -21528,7 +21475,7 @@
                   <a:srgbClr val="FFC000"/>
                 </a:solidFill>
               </a:rPr>
-              <a:t>To allow for a clearer representation of the data, only the next 27 trading days are selected above</a:t>
+              <a:t>Let the forward test battle begin!</a:t>
             </a:r>
           </a:p>
           <a:p>
@@ -21542,7 +21489,21 @@
                   <a:srgbClr val="FFC000"/>
                 </a:solidFill>
               </a:rPr>
-              <a:t>Note that predictions vary between the models</a:t>
+              <a:t>1 = Positive Market State &amp; 0 = Flat or Negative Market State</a:t>
+            </a:r>
+          </a:p>
+          <a:p>
+            <a:pPr marL="285750" indent="-285750" algn="l">
+              <a:buFont typeface="Wingdings" panose="05000000000000000000" pitchFamily="2" charset="2"/>
+              <a:buChar char="Ø"/>
+            </a:pPr>
+            <a:r>
+              <a:rPr lang="en-CA" sz="1400" dirty="0" smtClean="0">
+                <a:solidFill>
+                  <a:srgbClr val="FFC000"/>
+                </a:solidFill>
+              </a:rPr>
+              <a:t>Long Equity or Long Cash Strategy</a:t>
             </a:r>
           </a:p>
           <a:p>
@@ -21570,7 +21531,7 @@
       </p:sp>
       <p:pic>
         <p:nvPicPr>
-          <p:cNvPr id="1027" name="Picture 3"/>
+          <p:cNvPr id="2" name="Picture 2"/>
           <p:cNvPicPr>
             <a:picLocks noChangeAspect="1" noChangeArrowheads="1"/>
           </p:cNvPicPr>
@@ -21591,8 +21552,8 @@
         </p:blipFill>
         <p:spPr bwMode="auto">
           <a:xfrm>
-            <a:off x="0" y="685801"/>
-            <a:ext cx="9143999" cy="4182991"/>
+            <a:off x="0" y="681039"/>
+            <a:ext cx="9216980" cy="4576762"/>
           </a:xfrm>
           <a:prstGeom prst="rect">
             <a:avLst/>
@@ -21625,7 +21586,7 @@
     </p:spTree>
     <p:extLst>
       <p:ext uri="{BB962C8B-B14F-4D97-AF65-F5344CB8AC3E}">
-        <p14:creationId xmlns:p14="http://schemas.microsoft.com/office/powerpoint/2010/main" val="3333006591"/>
+        <p14:creationId xmlns:p14="http://schemas.microsoft.com/office/powerpoint/2010/main" val="2712962087"/>
       </p:ext>
     </p:extLst>
   </p:cSld>
@@ -21978,10 +21939,6 @@
           </a:bodyPr>
           <a:lstStyle/>
           <a:p>
-            <a:r>
-              <a:rPr lang="en-US" sz="2800" dirty="0" smtClean="0"/>
-              <a:t>Naïve &amp; Optimal Predictions</a:t>
-            </a:r>
             <a:endParaRPr lang="en-US" sz="2800" dirty="0"/>
           </a:p>
         </p:txBody>
@@ -22008,709 +21965,66 @@
           </a:bodyPr>
           <a:lstStyle/>
           <a:p>
-            <a:pPr marL="285750" indent="-285750" algn="l">
-              <a:buFont typeface="Wingdings" panose="05000000000000000000" pitchFamily="2" charset="2"/>
-              <a:buChar char="Ø"/>
-            </a:pPr>
-            <a:endParaRPr lang="en-CA" sz="1800" dirty="0" smtClean="0"/>
-          </a:p>
-          <a:p>
-            <a:pPr marL="285750" indent="-285750" algn="l">
-              <a:buFont typeface="Wingdings" panose="05000000000000000000" pitchFamily="2" charset="2"/>
-              <a:buChar char="Ø"/>
-            </a:pPr>
-            <a:endParaRPr lang="en-CA" sz="1800" dirty="0"/>
-          </a:p>
-          <a:p>
-            <a:pPr marL="285750" indent="-285750" algn="l">
-              <a:buFont typeface="Wingdings" panose="05000000000000000000" pitchFamily="2" charset="2"/>
-              <a:buChar char="Ø"/>
-            </a:pPr>
-            <a:endParaRPr lang="en-CA" sz="1800" dirty="0" smtClean="0"/>
-          </a:p>
-          <a:p>
-            <a:pPr marL="285750" indent="-285750" algn="l">
-              <a:buFont typeface="Wingdings" panose="05000000000000000000" pitchFamily="2" charset="2"/>
-              <a:buChar char="Ø"/>
-            </a:pPr>
-            <a:endParaRPr lang="en-CA" sz="1800" dirty="0"/>
-          </a:p>
-          <a:p>
-            <a:pPr marL="285750" indent="-285750" algn="l">
-              <a:buFont typeface="Wingdings" panose="05000000000000000000" pitchFamily="2" charset="2"/>
-              <a:buChar char="Ø"/>
-            </a:pPr>
-            <a:endParaRPr lang="en-CA" sz="1800" dirty="0"/>
-          </a:p>
-          <a:p>
-            <a:pPr marL="742950" lvl="1" indent="-285750" algn="l">
-              <a:buFont typeface="Wingdings" panose="05000000000000000000" pitchFamily="2" charset="2"/>
-              <a:buChar char="Ø"/>
-            </a:pPr>
-            <a:endParaRPr lang="en-CA" sz="1600" dirty="0" smtClean="0"/>
-          </a:p>
-        </p:txBody>
-      </p:sp>
-      <p:sp>
-        <p:nvSpPr>
-          <p:cNvPr id="5" name="Subtitle 2"/>
-          <p:cNvSpPr txBox="1">
-            <a:spLocks/>
-          </p:cNvSpPr>
-          <p:nvPr/>
-        </p:nvSpPr>
-        <p:spPr>
-          <a:xfrm>
-            <a:off x="914400" y="685800"/>
-            <a:ext cx="7315200" cy="5867400"/>
-          </a:xfrm>
-          <a:prstGeom prst="rect">
-            <a:avLst/>
-          </a:prstGeom>
-        </p:spPr>
-        <p:txBody>
-          <a:bodyPr vert="horz">
-            <a:normAutofit/>
-          </a:bodyPr>
-          <a:lstStyle>
-            <a:lvl1pPr marL="0" indent="0" algn="ctr" rtl="0" eaLnBrk="1" latinLnBrk="0" hangingPunct="1">
-              <a:spcBef>
-                <a:spcPct val="20000"/>
-              </a:spcBef>
-              <a:buClr>
-                <a:schemeClr val="tx1">
-                  <a:shade val="95000"/>
-                </a:schemeClr>
-              </a:buClr>
-              <a:buSzPct val="65000"/>
-              <a:buFont typeface="Wingdings 2"/>
-              <a:buNone/>
-              <a:defRPr kumimoji="0" sz="2800" kern="1200">
-                <a:solidFill>
-                  <a:schemeClr val="tx1"/>
-                </a:solidFill>
-                <a:latin typeface="+mn-lt"/>
-                <a:ea typeface="+mn-ea"/>
-                <a:cs typeface="+mn-cs"/>
-              </a:defRPr>
-            </a:lvl1pPr>
-            <a:lvl2pPr marL="457200" indent="0" algn="ctr" rtl="0" eaLnBrk="1" latinLnBrk="0" hangingPunct="1">
-              <a:spcBef>
-                <a:spcPct val="20000"/>
-              </a:spcBef>
-              <a:buClr>
-                <a:schemeClr val="tx1"/>
-              </a:buClr>
-              <a:buSzPct val="80000"/>
-              <a:buFont typeface="Wingdings 2"/>
-              <a:buNone/>
-              <a:defRPr kumimoji="0" sz="2400" kern="1200">
-                <a:solidFill>
-                  <a:schemeClr val="tx1"/>
-                </a:solidFill>
-                <a:latin typeface="+mn-lt"/>
-                <a:ea typeface="+mn-ea"/>
-                <a:cs typeface="+mn-cs"/>
-              </a:defRPr>
-            </a:lvl2pPr>
-            <a:lvl3pPr marL="914400" indent="0" algn="ctr" rtl="0" eaLnBrk="1" latinLnBrk="0" hangingPunct="1">
-              <a:spcBef>
-                <a:spcPct val="20000"/>
-              </a:spcBef>
-              <a:buClr>
-                <a:schemeClr val="tx1"/>
-              </a:buClr>
-              <a:buSzPct val="95000"/>
-              <a:buFont typeface="Wingdings"/>
-              <a:buNone/>
-              <a:defRPr kumimoji="0" sz="2200" kern="1200">
-                <a:solidFill>
-                  <a:schemeClr val="tx1"/>
-                </a:solidFill>
-                <a:latin typeface="+mn-lt"/>
-                <a:ea typeface="+mn-ea"/>
-                <a:cs typeface="+mn-cs"/>
-              </a:defRPr>
-            </a:lvl3pPr>
-            <a:lvl4pPr marL="1371600" indent="0" algn="ctr" rtl="0" eaLnBrk="1" latinLnBrk="0" hangingPunct="1">
-              <a:spcBef>
-                <a:spcPct val="20000"/>
-              </a:spcBef>
-              <a:buClr>
-                <a:schemeClr val="tx1"/>
-              </a:buClr>
-              <a:buSzPct val="100000"/>
-              <a:buFont typeface="Wingdings 3"/>
-              <a:buNone/>
-              <a:defRPr kumimoji="0" sz="2000" kern="1200">
-                <a:solidFill>
-                  <a:schemeClr val="tx1"/>
-                </a:solidFill>
-                <a:latin typeface="+mn-lt"/>
-                <a:ea typeface="+mn-ea"/>
-                <a:cs typeface="+mn-cs"/>
-              </a:defRPr>
-            </a:lvl4pPr>
-            <a:lvl5pPr marL="1828800" indent="0" algn="ctr" rtl="0" eaLnBrk="1" latinLnBrk="0" hangingPunct="1">
-              <a:spcBef>
-                <a:spcPct val="20000"/>
-              </a:spcBef>
-              <a:buClr>
-                <a:schemeClr val="tx1"/>
-              </a:buClr>
-              <a:buFont typeface="Wingdings 2"/>
-              <a:buNone/>
-              <a:defRPr kumimoji="0" sz="2000" kern="1200">
-                <a:solidFill>
-                  <a:schemeClr val="tx1"/>
-                </a:solidFill>
-                <a:latin typeface="+mn-lt"/>
-                <a:ea typeface="+mn-ea"/>
-                <a:cs typeface="+mn-cs"/>
-              </a:defRPr>
-            </a:lvl5pPr>
-            <a:lvl6pPr marL="2286000" indent="0" algn="ctr" rtl="0" eaLnBrk="1" latinLnBrk="0" hangingPunct="1">
-              <a:spcBef>
-                <a:spcPct val="20000"/>
-              </a:spcBef>
-              <a:buClr>
-                <a:schemeClr val="tx1"/>
-              </a:buClr>
-              <a:buFont typeface="Wingdings 3"/>
-              <a:buNone/>
-              <a:defRPr kumimoji="0" sz="1800" kern="1200">
-                <a:solidFill>
-                  <a:schemeClr val="tx1"/>
-                </a:solidFill>
-                <a:latin typeface="+mn-lt"/>
-                <a:ea typeface="+mn-ea"/>
-                <a:cs typeface="+mn-cs"/>
-              </a:defRPr>
-            </a:lvl6pPr>
-            <a:lvl7pPr marL="2743200" indent="0" algn="ctr" rtl="0" eaLnBrk="1" latinLnBrk="0" hangingPunct="1">
-              <a:spcBef>
-                <a:spcPct val="20000"/>
-              </a:spcBef>
-              <a:buClr>
-                <a:schemeClr val="tx1"/>
-              </a:buClr>
-              <a:buFont typeface="Wingdings 2"/>
-              <a:buNone/>
-              <a:defRPr kumimoji="0" sz="1600" kern="1200">
-                <a:solidFill>
-                  <a:schemeClr val="tx1"/>
-                </a:solidFill>
-                <a:latin typeface="+mn-lt"/>
-                <a:ea typeface="+mn-ea"/>
-                <a:cs typeface="+mn-cs"/>
-              </a:defRPr>
-            </a:lvl7pPr>
-            <a:lvl8pPr marL="3200400" indent="0" algn="ctr" rtl="0" eaLnBrk="1" latinLnBrk="0" hangingPunct="1">
-              <a:spcBef>
-                <a:spcPct val="20000"/>
-              </a:spcBef>
-              <a:buClr>
-                <a:schemeClr val="tx1"/>
-              </a:buClr>
-              <a:buFont typeface="Wingdings 2"/>
-              <a:buNone/>
-              <a:defRPr kumimoji="0" sz="1400" kern="1200">
-                <a:solidFill>
-                  <a:schemeClr val="tx1"/>
-                </a:solidFill>
-                <a:latin typeface="+mn-lt"/>
-                <a:ea typeface="+mn-ea"/>
-                <a:cs typeface="+mn-cs"/>
-              </a:defRPr>
-            </a:lvl8pPr>
-            <a:lvl9pPr marL="3657600" indent="0" algn="ctr" rtl="0" eaLnBrk="1" latinLnBrk="0" hangingPunct="1">
-              <a:spcBef>
-                <a:spcPct val="20000"/>
-              </a:spcBef>
-              <a:buClr>
-                <a:schemeClr val="tx1"/>
-              </a:buClr>
-              <a:buFont typeface="Wingdings 2"/>
-              <a:buNone/>
-              <a:defRPr kumimoji="0" sz="1400" kern="1200" baseline="0">
-                <a:solidFill>
-                  <a:schemeClr val="tx1"/>
-                </a:solidFill>
-                <a:latin typeface="+mn-lt"/>
-                <a:ea typeface="+mn-ea"/>
-                <a:cs typeface="+mn-cs"/>
-              </a:defRPr>
-            </a:lvl9pPr>
-          </a:lstStyle>
-          <a:p>
-            <a:pPr marL="285750" indent="-285750" algn="l">
-              <a:buFont typeface="Wingdings" panose="05000000000000000000" pitchFamily="2" charset="2"/>
-              <a:buChar char="Ø"/>
-            </a:pPr>
-            <a:endParaRPr lang="en-CA" sz="1800" smtClean="0"/>
-          </a:p>
-          <a:p>
-            <a:pPr marL="285750" indent="-285750" algn="l">
-              <a:buFont typeface="Wingdings" panose="05000000000000000000" pitchFamily="2" charset="2"/>
-              <a:buChar char="Ø"/>
-            </a:pPr>
-            <a:endParaRPr lang="en-CA" sz="1800" smtClean="0"/>
-          </a:p>
-          <a:p>
-            <a:pPr marL="285750" indent="-285750" algn="l">
-              <a:buFont typeface="Wingdings" panose="05000000000000000000" pitchFamily="2" charset="2"/>
-              <a:buChar char="Ø"/>
-            </a:pPr>
-            <a:endParaRPr lang="en-CA" sz="1800" smtClean="0"/>
-          </a:p>
-          <a:p>
-            <a:pPr marL="285750" indent="-285750" algn="l">
-              <a:buFont typeface="Wingdings" panose="05000000000000000000" pitchFamily="2" charset="2"/>
-              <a:buChar char="Ø"/>
-            </a:pPr>
-            <a:endParaRPr lang="en-CA" sz="1800" smtClean="0"/>
-          </a:p>
-          <a:p>
-            <a:pPr marL="285750" indent="-285750" algn="l">
-              <a:buFont typeface="Wingdings" panose="05000000000000000000" pitchFamily="2" charset="2"/>
-              <a:buChar char="Ø"/>
-            </a:pPr>
-            <a:endParaRPr lang="en-CA" sz="1800" smtClean="0"/>
-          </a:p>
-          <a:p>
-            <a:pPr marL="742950" lvl="1" indent="-285750" algn="l">
-              <a:buFont typeface="Wingdings" panose="05000000000000000000" pitchFamily="2" charset="2"/>
-              <a:buChar char="Ø"/>
-            </a:pPr>
-            <a:endParaRPr lang="en-CA" sz="1600" dirty="0" smtClean="0"/>
-          </a:p>
-        </p:txBody>
-      </p:sp>
-      <p:sp>
-        <p:nvSpPr>
-          <p:cNvPr id="7" name="Subtitle 2"/>
-          <p:cNvSpPr txBox="1">
-            <a:spLocks/>
-          </p:cNvSpPr>
-          <p:nvPr/>
-        </p:nvSpPr>
-        <p:spPr>
-          <a:xfrm>
-            <a:off x="1066800" y="838200"/>
-            <a:ext cx="7315200" cy="5486400"/>
-          </a:xfrm>
-          <a:prstGeom prst="rect">
-            <a:avLst/>
-          </a:prstGeom>
-        </p:spPr>
-        <p:txBody>
-          <a:bodyPr vert="horz">
-            <a:normAutofit/>
-          </a:bodyPr>
-          <a:lstStyle>
-            <a:lvl1pPr marL="0" indent="0" algn="ctr" rtl="0" eaLnBrk="1" latinLnBrk="0" hangingPunct="1">
-              <a:spcBef>
-                <a:spcPct val="20000"/>
-              </a:spcBef>
-              <a:buClr>
-                <a:schemeClr val="tx1">
-                  <a:shade val="95000"/>
-                </a:schemeClr>
-              </a:buClr>
-              <a:buSzPct val="65000"/>
-              <a:buFont typeface="Wingdings 2"/>
-              <a:buNone/>
-              <a:defRPr kumimoji="0" sz="2800" kern="1200">
-                <a:solidFill>
-                  <a:schemeClr val="tx1"/>
-                </a:solidFill>
-                <a:latin typeface="+mn-lt"/>
-                <a:ea typeface="+mn-ea"/>
-                <a:cs typeface="+mn-cs"/>
-              </a:defRPr>
-            </a:lvl1pPr>
-            <a:lvl2pPr marL="457200" indent="0" algn="ctr" rtl="0" eaLnBrk="1" latinLnBrk="0" hangingPunct="1">
-              <a:spcBef>
-                <a:spcPct val="20000"/>
-              </a:spcBef>
-              <a:buClr>
-                <a:schemeClr val="tx1"/>
-              </a:buClr>
-              <a:buSzPct val="80000"/>
-              <a:buFont typeface="Wingdings 2"/>
-              <a:buNone/>
-              <a:defRPr kumimoji="0" sz="2400" kern="1200">
-                <a:solidFill>
-                  <a:schemeClr val="tx1"/>
-                </a:solidFill>
-                <a:latin typeface="+mn-lt"/>
-                <a:ea typeface="+mn-ea"/>
-                <a:cs typeface="+mn-cs"/>
-              </a:defRPr>
-            </a:lvl2pPr>
-            <a:lvl3pPr marL="914400" indent="0" algn="ctr" rtl="0" eaLnBrk="1" latinLnBrk="0" hangingPunct="1">
-              <a:spcBef>
-                <a:spcPct val="20000"/>
-              </a:spcBef>
-              <a:buClr>
-                <a:schemeClr val="tx1"/>
-              </a:buClr>
-              <a:buSzPct val="95000"/>
-              <a:buFont typeface="Wingdings"/>
-              <a:buNone/>
-              <a:defRPr kumimoji="0" sz="2200" kern="1200">
-                <a:solidFill>
-                  <a:schemeClr val="tx1"/>
-                </a:solidFill>
-                <a:latin typeface="+mn-lt"/>
-                <a:ea typeface="+mn-ea"/>
-                <a:cs typeface="+mn-cs"/>
-              </a:defRPr>
-            </a:lvl3pPr>
-            <a:lvl4pPr marL="1371600" indent="0" algn="ctr" rtl="0" eaLnBrk="1" latinLnBrk="0" hangingPunct="1">
-              <a:spcBef>
-                <a:spcPct val="20000"/>
-              </a:spcBef>
-              <a:buClr>
-                <a:schemeClr val="tx1"/>
-              </a:buClr>
-              <a:buSzPct val="100000"/>
-              <a:buFont typeface="Wingdings 3"/>
-              <a:buNone/>
-              <a:defRPr kumimoji="0" sz="2000" kern="1200">
-                <a:solidFill>
-                  <a:schemeClr val="tx1"/>
-                </a:solidFill>
-                <a:latin typeface="+mn-lt"/>
-                <a:ea typeface="+mn-ea"/>
-                <a:cs typeface="+mn-cs"/>
-              </a:defRPr>
-            </a:lvl4pPr>
-            <a:lvl5pPr marL="1828800" indent="0" algn="ctr" rtl="0" eaLnBrk="1" latinLnBrk="0" hangingPunct="1">
-              <a:spcBef>
-                <a:spcPct val="20000"/>
-              </a:spcBef>
-              <a:buClr>
-                <a:schemeClr val="tx1"/>
-              </a:buClr>
-              <a:buFont typeface="Wingdings 2"/>
-              <a:buNone/>
-              <a:defRPr kumimoji="0" sz="2000" kern="1200">
-                <a:solidFill>
-                  <a:schemeClr val="tx1"/>
-                </a:solidFill>
-                <a:latin typeface="+mn-lt"/>
-                <a:ea typeface="+mn-ea"/>
-                <a:cs typeface="+mn-cs"/>
-              </a:defRPr>
-            </a:lvl5pPr>
-            <a:lvl6pPr marL="2286000" indent="0" algn="ctr" rtl="0" eaLnBrk="1" latinLnBrk="0" hangingPunct="1">
-              <a:spcBef>
-                <a:spcPct val="20000"/>
-              </a:spcBef>
-              <a:buClr>
-                <a:schemeClr val="tx1"/>
-              </a:buClr>
-              <a:buFont typeface="Wingdings 3"/>
-              <a:buNone/>
-              <a:defRPr kumimoji="0" sz="1800" kern="1200">
-                <a:solidFill>
-                  <a:schemeClr val="tx1"/>
-                </a:solidFill>
-                <a:latin typeface="+mn-lt"/>
-                <a:ea typeface="+mn-ea"/>
-                <a:cs typeface="+mn-cs"/>
-              </a:defRPr>
-            </a:lvl6pPr>
-            <a:lvl7pPr marL="2743200" indent="0" algn="ctr" rtl="0" eaLnBrk="1" latinLnBrk="0" hangingPunct="1">
-              <a:spcBef>
-                <a:spcPct val="20000"/>
-              </a:spcBef>
-              <a:buClr>
-                <a:schemeClr val="tx1"/>
-              </a:buClr>
-              <a:buFont typeface="Wingdings 2"/>
-              <a:buNone/>
-              <a:defRPr kumimoji="0" sz="1600" kern="1200">
-                <a:solidFill>
-                  <a:schemeClr val="tx1"/>
-                </a:solidFill>
-                <a:latin typeface="+mn-lt"/>
-                <a:ea typeface="+mn-ea"/>
-                <a:cs typeface="+mn-cs"/>
-              </a:defRPr>
-            </a:lvl7pPr>
-            <a:lvl8pPr marL="3200400" indent="0" algn="ctr" rtl="0" eaLnBrk="1" latinLnBrk="0" hangingPunct="1">
-              <a:spcBef>
-                <a:spcPct val="20000"/>
-              </a:spcBef>
-              <a:buClr>
-                <a:schemeClr val="tx1"/>
-              </a:buClr>
-              <a:buFont typeface="Wingdings 2"/>
-              <a:buNone/>
-              <a:defRPr kumimoji="0" sz="1400" kern="1200">
-                <a:solidFill>
-                  <a:schemeClr val="tx1"/>
-                </a:solidFill>
-                <a:latin typeface="+mn-lt"/>
-                <a:ea typeface="+mn-ea"/>
-                <a:cs typeface="+mn-cs"/>
-              </a:defRPr>
-            </a:lvl8pPr>
-            <a:lvl9pPr marL="3657600" indent="0" algn="ctr" rtl="0" eaLnBrk="1" latinLnBrk="0" hangingPunct="1">
-              <a:spcBef>
-                <a:spcPct val="20000"/>
-              </a:spcBef>
-              <a:buClr>
-                <a:schemeClr val="tx1"/>
-              </a:buClr>
-              <a:buFont typeface="Wingdings 2"/>
-              <a:buNone/>
-              <a:defRPr kumimoji="0" sz="1400" kern="1200" baseline="0">
-                <a:solidFill>
-                  <a:schemeClr val="tx1"/>
-                </a:solidFill>
-                <a:latin typeface="+mn-lt"/>
-                <a:ea typeface="+mn-ea"/>
-                <a:cs typeface="+mn-cs"/>
-              </a:defRPr>
-            </a:lvl9pPr>
-          </a:lstStyle>
-          <a:p>
-            <a:pPr marL="285750" indent="-285750" algn="l">
-              <a:buFont typeface="Wingdings" panose="05000000000000000000" pitchFamily="2" charset="2"/>
-              <a:buChar char="Ø"/>
-            </a:pPr>
-            <a:endParaRPr lang="en-CA" sz="1800" dirty="0" smtClean="0"/>
-          </a:p>
-          <a:p>
-            <a:pPr marL="285750" indent="-285750" algn="l">
-              <a:buFont typeface="Wingdings" panose="05000000000000000000" pitchFamily="2" charset="2"/>
-              <a:buChar char="Ø"/>
-            </a:pPr>
-            <a:endParaRPr lang="en-CA" sz="1800" dirty="0"/>
-          </a:p>
-          <a:p>
-            <a:pPr marL="285750" indent="-285750" algn="l">
-              <a:buFont typeface="Wingdings" panose="05000000000000000000" pitchFamily="2" charset="2"/>
-              <a:buChar char="Ø"/>
-            </a:pPr>
-            <a:endParaRPr lang="en-CA" sz="1800" dirty="0" smtClean="0"/>
-          </a:p>
-          <a:p>
-            <a:pPr marL="285750" indent="-285750" algn="l">
-              <a:buFont typeface="Wingdings" panose="05000000000000000000" pitchFamily="2" charset="2"/>
-              <a:buChar char="Ø"/>
-            </a:pPr>
-            <a:endParaRPr lang="en-CA" sz="1800" dirty="0"/>
-          </a:p>
-          <a:p>
-            <a:pPr marL="285750" indent="-285750" algn="l">
-              <a:buFont typeface="Wingdings" panose="05000000000000000000" pitchFamily="2" charset="2"/>
-              <a:buChar char="Ø"/>
-            </a:pPr>
-            <a:endParaRPr lang="en-CA" sz="1800" dirty="0" smtClean="0"/>
-          </a:p>
-          <a:p>
-            <a:pPr marL="285750" indent="-285750" algn="l">
-              <a:buFont typeface="Wingdings" panose="05000000000000000000" pitchFamily="2" charset="2"/>
-              <a:buChar char="Ø"/>
-            </a:pPr>
-            <a:endParaRPr lang="en-CA" sz="1800" dirty="0"/>
-          </a:p>
-          <a:p>
-            <a:pPr marL="285750" indent="-285750" algn="l">
-              <a:buFont typeface="Wingdings" panose="05000000000000000000" pitchFamily="2" charset="2"/>
-              <a:buChar char="Ø"/>
-            </a:pPr>
-            <a:endParaRPr lang="en-CA" sz="1800" dirty="0" smtClean="0"/>
-          </a:p>
-          <a:p>
-            <a:pPr marL="285750" indent="-285750" algn="l">
-              <a:buFont typeface="Wingdings" panose="05000000000000000000" pitchFamily="2" charset="2"/>
-              <a:buChar char="Ø"/>
-            </a:pPr>
-            <a:endParaRPr lang="en-CA" sz="1800" dirty="0"/>
-          </a:p>
-          <a:p>
-            <a:pPr marL="285750" indent="-285750" algn="l">
-              <a:buFont typeface="Wingdings" panose="05000000000000000000" pitchFamily="2" charset="2"/>
-              <a:buChar char="Ø"/>
-            </a:pPr>
-            <a:endParaRPr lang="en-CA" sz="1800" dirty="0" smtClean="0"/>
-          </a:p>
-          <a:p>
-            <a:pPr marL="285750" indent="-285750" algn="l">
-              <a:buFont typeface="Wingdings" panose="05000000000000000000" pitchFamily="2" charset="2"/>
-              <a:buChar char="Ø"/>
-            </a:pPr>
-            <a:endParaRPr lang="en-CA" sz="1800" dirty="0"/>
-          </a:p>
-          <a:p>
-            <a:pPr marL="285750" indent="-285750" algn="l">
-              <a:buFont typeface="Wingdings" panose="05000000000000000000" pitchFamily="2" charset="2"/>
-              <a:buChar char="Ø"/>
-            </a:pPr>
-            <a:endParaRPr lang="en-CA" sz="1800" dirty="0" smtClean="0"/>
-          </a:p>
-          <a:p>
-            <a:pPr marL="285750" indent="-285750" algn="l">
-              <a:buFont typeface="Wingdings" panose="05000000000000000000" pitchFamily="2" charset="2"/>
-              <a:buChar char="Ø"/>
-            </a:pPr>
-            <a:endParaRPr lang="en-CA" sz="1800" dirty="0"/>
-          </a:p>
-          <a:p>
-            <a:pPr marL="285750" indent="-285750" algn="l">
-              <a:buFont typeface="Wingdings" panose="05000000000000000000" pitchFamily="2" charset="2"/>
-              <a:buChar char="Ø"/>
-            </a:pPr>
-            <a:endParaRPr lang="en-CA" sz="1800" dirty="0" smtClean="0"/>
-          </a:p>
-          <a:p>
-            <a:pPr marL="285750" indent="-285750" algn="l">
-              <a:buFont typeface="Wingdings" panose="05000000000000000000" pitchFamily="2" charset="2"/>
-              <a:buChar char="Ø"/>
-            </a:pPr>
-            <a:endParaRPr lang="en-CA" sz="1800" dirty="0"/>
-          </a:p>
-          <a:p>
-            <a:pPr marL="285750" indent="-285750" algn="l">
-              <a:buFont typeface="Wingdings" panose="05000000000000000000" pitchFamily="2" charset="2"/>
-              <a:buChar char="Ø"/>
-            </a:pPr>
-            <a:r>
-              <a:rPr lang="en-CA" sz="1400" dirty="0" smtClean="0">
-                <a:solidFill>
-                  <a:srgbClr val="FFC000"/>
-                </a:solidFill>
-              </a:rPr>
-              <a:t>Let the forward test battle </a:t>
-            </a:r>
-            <a:r>
-              <a:rPr lang="en-CA" sz="1400" dirty="0" smtClean="0">
-                <a:solidFill>
-                  <a:srgbClr val="FFC000"/>
-                </a:solidFill>
-              </a:rPr>
-              <a:t>begin!</a:t>
-            </a:r>
-          </a:p>
-          <a:p>
-            <a:pPr marL="285750" indent="-285750" algn="l">
-              <a:buFont typeface="Wingdings" panose="05000000000000000000" pitchFamily="2" charset="2"/>
-              <a:buChar char="Ø"/>
-            </a:pPr>
-            <a:r>
-              <a:rPr lang="en-CA" sz="1400" dirty="0" smtClean="0">
-                <a:solidFill>
-                  <a:srgbClr val="FFC000"/>
-                </a:solidFill>
-              </a:rPr>
-              <a:t>1 = Positive Market State &amp; 0 = Flat or Negative Market State</a:t>
-            </a:r>
-          </a:p>
-          <a:p>
-            <a:pPr marL="285750" indent="-285750" algn="l">
-              <a:buFont typeface="Wingdings" panose="05000000000000000000" pitchFamily="2" charset="2"/>
-              <a:buChar char="Ø"/>
-            </a:pPr>
-            <a:r>
-              <a:rPr lang="en-CA" sz="1400" dirty="0" smtClean="0">
-                <a:solidFill>
-                  <a:srgbClr val="FFC000"/>
-                </a:solidFill>
-              </a:rPr>
-              <a:t>Long Equity or Long Cash Strategy</a:t>
-            </a:r>
-            <a:endParaRPr lang="en-CA" sz="1400" dirty="0" smtClean="0">
+            <a:pPr algn="l"/>
+            <a:endParaRPr lang="en-CA" sz="2600" dirty="0" smtClean="0">
               <a:solidFill>
                 <a:srgbClr val="FFC000"/>
               </a:solidFill>
             </a:endParaRPr>
           </a:p>
           <a:p>
-            <a:pPr marL="285750" indent="-285750" algn="l">
-              <a:buFont typeface="Wingdings" panose="05000000000000000000" pitchFamily="2" charset="2"/>
-              <a:buChar char="Ø"/>
-            </a:pPr>
-            <a:endParaRPr lang="en-CA" sz="1800" dirty="0" smtClean="0"/>
-          </a:p>
-          <a:p>
-            <a:pPr marL="285750" indent="-285750" algn="l">
-              <a:buFont typeface="Wingdings" panose="05000000000000000000" pitchFamily="2" charset="2"/>
-              <a:buChar char="Ø"/>
-            </a:pPr>
-            <a:endParaRPr lang="en-CA" sz="1800" dirty="0" smtClean="0"/>
-          </a:p>
-          <a:p>
-            <a:pPr marL="742950" lvl="1" indent="-285750" algn="l">
-              <a:buFont typeface="Wingdings" panose="05000000000000000000" pitchFamily="2" charset="2"/>
-              <a:buChar char="Ø"/>
-            </a:pPr>
-            <a:endParaRPr lang="en-CA" sz="1600" dirty="0" smtClean="0"/>
+            <a:pPr algn="l"/>
+            <a:endParaRPr lang="en-CA" sz="2600" dirty="0">
+              <a:solidFill>
+                <a:srgbClr val="FFC000"/>
+              </a:solidFill>
+            </a:endParaRPr>
+          </a:p>
+          <a:p>
+            <a:pPr algn="l"/>
+            <a:endParaRPr lang="en-CA" sz="2600" dirty="0" smtClean="0">
+              <a:solidFill>
+                <a:srgbClr val="FFC000"/>
+              </a:solidFill>
+            </a:endParaRPr>
+          </a:p>
+          <a:p>
+            <a:pPr algn="l"/>
+            <a:endParaRPr lang="en-CA" sz="2600" dirty="0">
+              <a:solidFill>
+                <a:srgbClr val="FFC000"/>
+              </a:solidFill>
+            </a:endParaRPr>
+          </a:p>
+          <a:p>
+            <a:pPr algn="l"/>
+            <a:endParaRPr lang="en-CA" sz="2600" dirty="0" smtClean="0">
+              <a:solidFill>
+                <a:srgbClr val="FFC000"/>
+              </a:solidFill>
+            </a:endParaRPr>
+          </a:p>
+          <a:p>
+            <a:r>
+              <a:rPr lang="en-CA" sz="2600" dirty="0" smtClean="0">
+                <a:solidFill>
+                  <a:srgbClr val="FFC000"/>
+                </a:solidFill>
+              </a:rPr>
+              <a:t>Thank you for your attention! </a:t>
+            </a:r>
+            <a:endParaRPr lang="en-CA" sz="2600" dirty="0">
+              <a:solidFill>
+                <a:srgbClr val="FFC000"/>
+              </a:solidFill>
+            </a:endParaRPr>
           </a:p>
         </p:txBody>
       </p:sp>
-      <p:pic>
-        <p:nvPicPr>
-          <p:cNvPr id="2050" name="Picture 2"/>
-          <p:cNvPicPr>
-            <a:picLocks noChangeAspect="1" noChangeArrowheads="1"/>
-          </p:cNvPicPr>
-          <p:nvPr/>
-        </p:nvPicPr>
-        <p:blipFill>
-          <a:blip r:embed="rId2">
-            <a:extLst>
-              <a:ext uri="{28A0092B-C50C-407E-A947-70E740481C1C}">
-                <a14:useLocalDpi xmlns:a14="http://schemas.microsoft.com/office/drawing/2010/main" val="0"/>
-              </a:ext>
-            </a:extLst>
-          </a:blip>
-          <a:srcRect/>
-          <a:stretch>
-            <a:fillRect/>
-          </a:stretch>
-        </p:blipFill>
-        <p:spPr bwMode="auto">
-          <a:xfrm>
-            <a:off x="1" y="595313"/>
-            <a:ext cx="9144000" cy="4690241"/>
-          </a:xfrm>
-          <a:prstGeom prst="rect">
-            <a:avLst/>
-          </a:prstGeom>
-          <a:noFill/>
-          <a:ln>
-            <a:noFill/>
-          </a:ln>
-          <a:extLst>
-            <a:ext uri="{909E8E84-426E-40DD-AFC4-6F175D3DCCD1}">
-              <a14:hiddenFill xmlns:a14="http://schemas.microsoft.com/office/drawing/2010/main">
-                <a:solidFill>
-                  <a:schemeClr val="accent1"/>
-                </a:solidFill>
-              </a14:hiddenFill>
-            </a:ext>
-            <a:ext uri="{91240B29-F687-4F45-9708-019B960494DF}">
-              <a14:hiddenLine xmlns:a14="http://schemas.microsoft.com/office/drawing/2010/main" w="9525">
-                <a:solidFill>
-                  <a:schemeClr val="tx1"/>
-                </a:solidFill>
-                <a:miter lim="800000"/>
-                <a:headEnd/>
-                <a:tailEnd/>
-              </a14:hiddenLine>
-            </a:ext>
-          </a:extLst>
-        </p:spPr>
-      </p:pic>
     </p:spTree>
     <p:extLst>
       <p:ext uri="{BB962C8B-B14F-4D97-AF65-F5344CB8AC3E}">
-        <p14:creationId xmlns:p14="http://schemas.microsoft.com/office/powerpoint/2010/main" val="2712962087"/>
+        <p14:creationId xmlns:p14="http://schemas.microsoft.com/office/powerpoint/2010/main" val="4083725659"/>
       </p:ext>
     </p:extLst>
   </p:cSld>
@@ -22778,159 +22092,6 @@
           </a:bodyPr>
           <a:lstStyle/>
           <a:p>
-            <a:endParaRPr lang="en-US" sz="2800" dirty="0"/>
-          </a:p>
-        </p:txBody>
-      </p:sp>
-      <p:sp>
-        <p:nvSpPr>
-          <p:cNvPr id="6" name="Subtitle 2"/>
-          <p:cNvSpPr>
-            <a:spLocks noGrp="1"/>
-          </p:cNvSpPr>
-          <p:nvPr>
-            <p:ph type="subTitle" idx="1"/>
-          </p:nvPr>
-        </p:nvSpPr>
-        <p:spPr>
-          <a:xfrm>
-            <a:off x="914400" y="685800"/>
-            <a:ext cx="7315200" cy="5486400"/>
-          </a:xfrm>
-        </p:spPr>
-        <p:txBody>
-          <a:bodyPr>
-            <a:normAutofit/>
-          </a:bodyPr>
-          <a:lstStyle/>
-          <a:p>
-            <a:pPr algn="l"/>
-            <a:endParaRPr lang="en-CA" sz="2600" dirty="0" smtClean="0">
-              <a:solidFill>
-                <a:srgbClr val="FFC000"/>
-              </a:solidFill>
-            </a:endParaRPr>
-          </a:p>
-          <a:p>
-            <a:pPr algn="l"/>
-            <a:endParaRPr lang="en-CA" sz="2600" dirty="0">
-              <a:solidFill>
-                <a:srgbClr val="FFC000"/>
-              </a:solidFill>
-            </a:endParaRPr>
-          </a:p>
-          <a:p>
-            <a:pPr algn="l"/>
-            <a:endParaRPr lang="en-CA" sz="2600" dirty="0" smtClean="0">
-              <a:solidFill>
-                <a:srgbClr val="FFC000"/>
-              </a:solidFill>
-            </a:endParaRPr>
-          </a:p>
-          <a:p>
-            <a:pPr algn="l"/>
-            <a:endParaRPr lang="en-CA" sz="2600" dirty="0">
-              <a:solidFill>
-                <a:srgbClr val="FFC000"/>
-              </a:solidFill>
-            </a:endParaRPr>
-          </a:p>
-          <a:p>
-            <a:pPr algn="l"/>
-            <a:endParaRPr lang="en-CA" sz="2600" dirty="0" smtClean="0">
-              <a:solidFill>
-                <a:srgbClr val="FFC000"/>
-              </a:solidFill>
-            </a:endParaRPr>
-          </a:p>
-          <a:p>
-            <a:r>
-              <a:rPr lang="en-CA" sz="2600" dirty="0" smtClean="0">
-                <a:solidFill>
-                  <a:srgbClr val="FFC000"/>
-                </a:solidFill>
-              </a:rPr>
-              <a:t>Thank you for your attention! </a:t>
-            </a:r>
-            <a:endParaRPr lang="en-CA" sz="2600" dirty="0">
-              <a:solidFill>
-                <a:srgbClr val="FFC000"/>
-              </a:solidFill>
-            </a:endParaRPr>
-          </a:p>
-        </p:txBody>
-      </p:sp>
-    </p:spTree>
-    <p:extLst>
-      <p:ext uri="{BB962C8B-B14F-4D97-AF65-F5344CB8AC3E}">
-        <p14:creationId xmlns:p14="http://schemas.microsoft.com/office/powerpoint/2010/main" val="4083725659"/>
-      </p:ext>
-    </p:extLst>
-  </p:cSld>
-  <p:clrMapOvr>
-    <a:masterClrMapping/>
-  </p:clrMapOvr>
-  <mc:AlternateContent xmlns:mc="http://schemas.openxmlformats.org/markup-compatibility/2006" xmlns:p14="http://schemas.microsoft.com/office/powerpoint/2010/main">
-    <mc:Choice Requires="p14">
-      <p:transition spd="med" p14:dur="700">
-        <p:fade/>
-      </p:transition>
-    </mc:Choice>
-    <mc:Fallback xmlns="">
-      <p:transition spd="med">
-        <p:fade/>
-      </p:transition>
-    </mc:Fallback>
-  </mc:AlternateContent>
-  <p:timing>
-    <p:tnLst>
-      <p:par>
-        <p:cTn id="1" dur="indefinite" restart="never" nodeType="tmRoot"/>
-      </p:par>
-    </p:tnLst>
-  </p:timing>
-</p:sld>
-</file>
-
-<file path=ppt/slides/slide52.xml><?xml version="1.0" encoding="utf-8"?>
-<p:sld xmlns:a="http://schemas.openxmlformats.org/drawingml/2006/main" xmlns:r="http://schemas.openxmlformats.org/officeDocument/2006/relationships" xmlns:p="http://schemas.openxmlformats.org/presentationml/2006/main">
-  <p:cSld>
-    <p:spTree>
-      <p:nvGrpSpPr>
-        <p:cNvPr id="1" name=""/>
-        <p:cNvGrpSpPr/>
-        <p:nvPr/>
-      </p:nvGrpSpPr>
-      <p:grpSpPr>
-        <a:xfrm>
-          <a:off x="0" y="0"/>
-          <a:ext cx="0" cy="0"/>
-          <a:chOff x="0" y="0"/>
-          <a:chExt cx="0" cy="0"/>
-        </a:xfrm>
-      </p:grpSpPr>
-      <p:sp>
-        <p:nvSpPr>
-          <p:cNvPr id="4" name="Title 3"/>
-          <p:cNvSpPr>
-            <a:spLocks noGrp="1"/>
-          </p:cNvSpPr>
-          <p:nvPr>
-            <p:ph type="ctrTitle"/>
-          </p:nvPr>
-        </p:nvSpPr>
-        <p:spPr>
-          <a:xfrm>
-            <a:off x="457200" y="76200"/>
-            <a:ext cx="8229600" cy="533400"/>
-          </a:xfrm>
-        </p:spPr>
-        <p:txBody>
-          <a:bodyPr>
-            <a:normAutofit/>
-          </a:bodyPr>
-          <a:lstStyle/>
-          <a:p>
             <a:r>
               <a:rPr lang="en-US" sz="2800" dirty="0" smtClean="0"/>
               <a:t>Appendix B</a:t>
@@ -23341,7 +22502,7 @@
 </p:sld>
 </file>
 
-<file path=ppt/slides/slide53.xml><?xml version="1.0" encoding="utf-8"?>
+<file path=ppt/slides/slide52.xml><?xml version="1.0" encoding="utf-8"?>
 <p:sld xmlns:a="http://schemas.openxmlformats.org/drawingml/2006/main" xmlns:r="http://schemas.openxmlformats.org/officeDocument/2006/relationships" xmlns:p="http://schemas.openxmlformats.org/presentationml/2006/main">
   <p:cSld>
     <p:spTree>

--- a/Project_3_Presentation.pptx
+++ b/Project_3_Presentation.pptx
@@ -243,7 +243,7 @@
           <a:p>
             <a:fld id="{CB1ACD7F-3F3F-489F-BF23-63CA95F3A7C0}" type="datetimeFigureOut">
               <a:rPr lang="en-US" smtClean="0"/>
-              <a:t>10/26/2021</a:t>
+              <a:t>10/27/2021</a:t>
             </a:fld>
             <a:endParaRPr lang="en-US"/>
           </a:p>
@@ -958,7 +958,7 @@
           <a:p>
             <a:fld id="{EFB8D598-913C-4247-97CD-5FBBEA2FCCF5}" type="datetimeFigureOut">
               <a:rPr lang="en-US" smtClean="0"/>
-              <a:t>10/26/2021</a:t>
+              <a:t>10/27/2021</a:t>
             </a:fld>
             <a:endParaRPr lang="en-US" dirty="0"/>
           </a:p>
@@ -1184,7 +1184,7 @@
           <a:p>
             <a:fld id="{EFB8D598-913C-4247-97CD-5FBBEA2FCCF5}" type="datetimeFigureOut">
               <a:rPr lang="en-US" smtClean="0"/>
-              <a:t>10/26/2021</a:t>
+              <a:t>10/27/2021</a:t>
             </a:fld>
             <a:endParaRPr lang="en-US" dirty="0"/>
           </a:p>
@@ -1359,7 +1359,7 @@
           <a:p>
             <a:fld id="{EFB8D598-913C-4247-97CD-5FBBEA2FCCF5}" type="datetimeFigureOut">
               <a:rPr lang="en-US" smtClean="0"/>
-              <a:t>10/26/2021</a:t>
+              <a:t>10/27/2021</a:t>
             </a:fld>
             <a:endParaRPr lang="en-US" dirty="0"/>
           </a:p>
@@ -1524,7 +1524,7 @@
           <a:p>
             <a:fld id="{EFB8D598-913C-4247-97CD-5FBBEA2FCCF5}" type="datetimeFigureOut">
               <a:rPr lang="en-US" smtClean="0"/>
-              <a:t>10/26/2021</a:t>
+              <a:t>10/27/2021</a:t>
             </a:fld>
             <a:endParaRPr lang="en-US" dirty="0"/>
           </a:p>
@@ -1768,7 +1768,7 @@
           <a:p>
             <a:fld id="{EFB8D598-913C-4247-97CD-5FBBEA2FCCF5}" type="datetimeFigureOut">
               <a:rPr lang="en-US" smtClean="0"/>
-              <a:t>10/26/2021</a:t>
+              <a:t>10/27/2021</a:t>
             </a:fld>
             <a:endParaRPr lang="en-US" dirty="0"/>
           </a:p>
@@ -2032,7 +2032,7 @@
           <a:p>
             <a:fld id="{EFB8D598-913C-4247-97CD-5FBBEA2FCCF5}" type="datetimeFigureOut">
               <a:rPr lang="en-US" smtClean="0"/>
-              <a:t>10/26/2021</a:t>
+              <a:t>10/27/2021</a:t>
             </a:fld>
             <a:endParaRPr lang="en-US" dirty="0"/>
           </a:p>
@@ -2406,7 +2406,7 @@
           <a:p>
             <a:fld id="{EFB8D598-913C-4247-97CD-5FBBEA2FCCF5}" type="datetimeFigureOut">
               <a:rPr lang="en-US" smtClean="0"/>
-              <a:t>10/26/2021</a:t>
+              <a:t>10/27/2021</a:t>
             </a:fld>
             <a:endParaRPr lang="en-US" dirty="0"/>
           </a:p>
@@ -2519,7 +2519,7 @@
           <a:p>
             <a:fld id="{EFB8D598-913C-4247-97CD-5FBBEA2FCCF5}" type="datetimeFigureOut">
               <a:rPr lang="en-US" smtClean="0"/>
-              <a:t>10/26/2021</a:t>
+              <a:t>10/27/2021</a:t>
             </a:fld>
             <a:endParaRPr lang="en-US" dirty="0"/>
           </a:p>
@@ -2609,7 +2609,7 @@
           <a:p>
             <a:fld id="{EFB8D598-913C-4247-97CD-5FBBEA2FCCF5}" type="datetimeFigureOut">
               <a:rPr lang="en-US" smtClean="0"/>
-              <a:t>10/26/2021</a:t>
+              <a:t>10/27/2021</a:t>
             </a:fld>
             <a:endParaRPr lang="en-US" dirty="0"/>
           </a:p>
@@ -2867,7 +2867,7 @@
           <a:p>
             <a:fld id="{EFB8D598-913C-4247-97CD-5FBBEA2FCCF5}" type="datetimeFigureOut">
               <a:rPr lang="en-US" smtClean="0"/>
-              <a:t>10/26/2021</a:t>
+              <a:t>10/27/2021</a:t>
             </a:fld>
             <a:endParaRPr lang="en-US" dirty="0"/>
           </a:p>
@@ -3131,7 +3131,7 @@
           <a:p>
             <a:fld id="{EFB8D598-913C-4247-97CD-5FBBEA2FCCF5}" type="datetimeFigureOut">
               <a:rPr lang="en-US" smtClean="0"/>
-              <a:t>10/26/2021</a:t>
+              <a:t>10/27/2021</a:t>
             </a:fld>
             <a:endParaRPr lang="en-US" dirty="0"/>
           </a:p>
@@ -3348,7 +3348,7 @@
           <a:p>
             <a:fld id="{EFB8D598-913C-4247-97CD-5FBBEA2FCCF5}" type="datetimeFigureOut">
               <a:rPr lang="en-US" smtClean="0"/>
-              <a:t>10/26/2021</a:t>
+              <a:t>10/27/2021</a:t>
             </a:fld>
             <a:endParaRPr lang="en-US" dirty="0"/>
           </a:p>
@@ -21531,7 +21531,7 @@
       </p:sp>
       <p:pic>
         <p:nvPicPr>
-          <p:cNvPr id="2" name="Picture 2"/>
+          <p:cNvPr id="1026" name="Picture 2"/>
           <p:cNvPicPr>
             <a:picLocks noChangeAspect="1" noChangeArrowheads="1"/>
           </p:cNvPicPr>
@@ -21552,8 +21552,8 @@
         </p:blipFill>
         <p:spPr bwMode="auto">
           <a:xfrm>
-            <a:off x="0" y="681039"/>
-            <a:ext cx="9216980" cy="4576762"/>
+            <a:off x="1" y="681039"/>
+            <a:ext cx="9144000" cy="4552276"/>
           </a:xfrm>
           <a:prstGeom prst="rect">
             <a:avLst/>

--- a/Project_3_Presentation.pptx
+++ b/Project_3_Presentation.pptx
@@ -5,7 +5,7 @@
     <p:sldMasterId id="2147483660" r:id="rId1"/>
   </p:sldMasterIdLst>
   <p:notesMasterIdLst>
-    <p:notesMasterId r:id="rId57"/>
+    <p:notesMasterId r:id="rId58"/>
   </p:notesMasterIdLst>
   <p:sldIdLst>
     <p:sldId id="256" r:id="rId2"/>
@@ -45,24 +45,25 @@
     <p:sldId id="259" r:id="rId36"/>
     <p:sldId id="360" r:id="rId37"/>
     <p:sldId id="361" r:id="rId38"/>
-    <p:sldId id="362" r:id="rId39"/>
-    <p:sldId id="363" r:id="rId40"/>
-    <p:sldId id="369" r:id="rId41"/>
-    <p:sldId id="364" r:id="rId42"/>
-    <p:sldId id="376" r:id="rId43"/>
-    <p:sldId id="387" r:id="rId44"/>
-    <p:sldId id="390" r:id="rId45"/>
-    <p:sldId id="388" r:id="rId46"/>
-    <p:sldId id="377" r:id="rId47"/>
-    <p:sldId id="378" r:id="rId48"/>
-    <p:sldId id="380" r:id="rId49"/>
-    <p:sldId id="381" r:id="rId50"/>
-    <p:sldId id="382" r:id="rId51"/>
-    <p:sldId id="391" r:id="rId52"/>
-    <p:sldId id="392" r:id="rId53"/>
-    <p:sldId id="389" r:id="rId54"/>
-    <p:sldId id="383" r:id="rId55"/>
-    <p:sldId id="264" r:id="rId56"/>
+    <p:sldId id="394" r:id="rId39"/>
+    <p:sldId id="362" r:id="rId40"/>
+    <p:sldId id="363" r:id="rId41"/>
+    <p:sldId id="369" r:id="rId42"/>
+    <p:sldId id="364" r:id="rId43"/>
+    <p:sldId id="376" r:id="rId44"/>
+    <p:sldId id="387" r:id="rId45"/>
+    <p:sldId id="390" r:id="rId46"/>
+    <p:sldId id="388" r:id="rId47"/>
+    <p:sldId id="377" r:id="rId48"/>
+    <p:sldId id="378" r:id="rId49"/>
+    <p:sldId id="380" r:id="rId50"/>
+    <p:sldId id="381" r:id="rId51"/>
+    <p:sldId id="382" r:id="rId52"/>
+    <p:sldId id="391" r:id="rId53"/>
+    <p:sldId id="392" r:id="rId54"/>
+    <p:sldId id="389" r:id="rId55"/>
+    <p:sldId id="383" r:id="rId56"/>
+    <p:sldId id="264" r:id="rId57"/>
   </p:sldIdLst>
   <p:sldSz cx="9144000" cy="6858000" type="screen4x3"/>
   <p:notesSz cx="6858000" cy="9144000"/>
@@ -831,7 +832,7 @@
           <a:p>
             <a:fld id="{7D3EADC1-F634-4057-986E-90702AAD2279}" type="slidenum">
               <a:rPr lang="en-US" smtClean="0"/>
-              <a:t>40</a:t>
+              <a:t>41</a:t>
             </a:fld>
             <a:endParaRPr lang="en-US"/>
           </a:p>
@@ -3840,7 +3841,7 @@
         </p:spPr>
         <p:txBody>
           <a:bodyPr>
-            <a:normAutofit fontScale="92500" lnSpcReduction="20000"/>
+            <a:normAutofit lnSpcReduction="10000"/>
           </a:bodyPr>
           <a:lstStyle/>
           <a:p>
@@ -3856,19 +3857,27 @@
                   <a:srgbClr val="FFC000"/>
                 </a:solidFill>
               </a:rPr>
-              <a:t>Equity Research &amp; Development Group</a:t>
-            </a:r>
-          </a:p>
-          <a:p>
-            <a:r>
-              <a:rPr lang="en-US" sz="2000" dirty="0" smtClean="0"/>
-              <a:t>Machine Learning Algorithm For </a:t>
-            </a:r>
-          </a:p>
-          <a:p>
-            <a:r>
-              <a:rPr lang="en-US" sz="2000" dirty="0" smtClean="0"/>
-              <a:t>Option Adjusted Spreads &amp; Equity Market Performance</a:t>
+              <a:t>Equity Strategy Research &amp; Development</a:t>
+            </a:r>
+          </a:p>
+          <a:p>
+            <a:r>
+              <a:rPr lang="en-US" sz="1500" i="1" dirty="0" smtClean="0"/>
+              <a:t>Machine </a:t>
+            </a:r>
+            <a:r>
+              <a:rPr lang="en-US" sz="1500" i="1" dirty="0" smtClean="0"/>
+              <a:t>Learning Algorithm</a:t>
+            </a:r>
+            <a:r>
+              <a:rPr lang="en-US" sz="1500" dirty="0" smtClean="0"/>
+              <a:t> </a:t>
+            </a:r>
+          </a:p>
+          <a:p>
+            <a:r>
+              <a:rPr lang="en-US" sz="1500" dirty="0" smtClean="0"/>
+              <a:t>Option Adjusted Spreads To Predict Equity Market States</a:t>
             </a:r>
           </a:p>
           <a:p>
@@ -4088,11 +4097,7 @@
           <a:p>
             <a:r>
               <a:rPr lang="en-US" sz="2000" dirty="0" smtClean="0"/>
-              <a:t>Antonio </a:t>
-            </a:r>
-            <a:r>
-              <a:rPr lang="en-US" sz="2000" dirty="0" smtClean="0"/>
-              <a:t>Girardi, </a:t>
+              <a:t>Antonio Girardi, </a:t>
             </a:r>
             <a:r>
               <a:rPr lang="en-US" sz="2000" dirty="0" err="1" smtClean="0"/>
@@ -14408,7 +14413,7 @@
           <a:p>
             <a:r>
               <a:rPr lang="en-US" sz="2800" dirty="0" smtClean="0"/>
-              <a:t>Creating baseline comparisons</a:t>
+              <a:t>In-Sample Approach Summary</a:t>
             </a:r>
             <a:endParaRPr lang="en-US" sz="2800" dirty="0"/>
           </a:p>
@@ -14479,64 +14484,1405 @@
           </a:p>
         </p:txBody>
       </p:sp>
-      <p:pic>
-        <p:nvPicPr>
-          <p:cNvPr id="39938" name="Picture 2"/>
-          <p:cNvPicPr>
-            <a:picLocks noChangeAspect="1" noChangeArrowheads="1"/>
-          </p:cNvPicPr>
+      <p:sp>
+        <p:nvSpPr>
+          <p:cNvPr id="5" name="Subtitle 2"/>
+          <p:cNvSpPr txBox="1">
+            <a:spLocks/>
+          </p:cNvSpPr>
           <p:nvPr/>
-        </p:nvPicPr>
-        <p:blipFill>
-          <a:blip r:embed="rId2">
-            <a:extLst>
-              <a:ext uri="{28A0092B-C50C-407E-A947-70E740481C1C}">
-                <a14:useLocalDpi xmlns:a14="http://schemas.microsoft.com/office/drawing/2010/main" val="0"/>
-              </a:ext>
-            </a:extLst>
-          </a:blip>
-          <a:srcRect/>
-          <a:stretch>
-            <a:fillRect/>
-          </a:stretch>
-        </p:blipFill>
-        <p:spPr bwMode="auto">
+        </p:nvSpPr>
+        <p:spPr>
           <a:xfrm>
-            <a:off x="0" y="847725"/>
-            <a:ext cx="9144000" cy="4538505"/>
+            <a:off x="1066800" y="838200"/>
+            <a:ext cx="3352800" cy="5486400"/>
           </a:xfrm>
           <a:prstGeom prst="rect">
             <a:avLst/>
           </a:prstGeom>
-          <a:noFill/>
-          <a:ln>
-            <a:noFill/>
-          </a:ln>
-          <a:extLst>
-            <a:ext uri="{909E8E84-426E-40DD-AFC4-6F175D3DCCD1}">
-              <a14:hiddenFill xmlns:a14="http://schemas.microsoft.com/office/drawing/2010/main">
-                <a:solidFill>
-                  <a:schemeClr val="accent1"/>
-                </a:solidFill>
-              </a14:hiddenFill>
-            </a:ext>
-            <a:ext uri="{91240B29-F687-4F45-9708-019B960494DF}">
-              <a14:hiddenLine xmlns:a14="http://schemas.microsoft.com/office/drawing/2010/main" w="9525">
-                <a:solidFill>
-                  <a:schemeClr val="tx1"/>
-                </a:solidFill>
-                <a:miter lim="800000"/>
-                <a:headEnd/>
-                <a:tailEnd/>
-              </a14:hiddenLine>
-            </a:ext>
-          </a:extLst>
         </p:spPr>
-      </p:pic>
+        <p:txBody>
+          <a:bodyPr vert="horz">
+            <a:normAutofit/>
+          </a:bodyPr>
+          <a:lstStyle>
+            <a:lvl1pPr marL="0" indent="0" algn="ctr" rtl="0" eaLnBrk="1" latinLnBrk="0" hangingPunct="1">
+              <a:spcBef>
+                <a:spcPct val="20000"/>
+              </a:spcBef>
+              <a:buClr>
+                <a:schemeClr val="tx1">
+                  <a:shade val="95000"/>
+                </a:schemeClr>
+              </a:buClr>
+              <a:buSzPct val="65000"/>
+              <a:buFont typeface="Wingdings 2"/>
+              <a:buNone/>
+              <a:defRPr kumimoji="0" sz="2800" kern="1200">
+                <a:solidFill>
+                  <a:schemeClr val="tx1"/>
+                </a:solidFill>
+                <a:latin typeface="+mn-lt"/>
+                <a:ea typeface="+mn-ea"/>
+                <a:cs typeface="+mn-cs"/>
+              </a:defRPr>
+            </a:lvl1pPr>
+            <a:lvl2pPr marL="457200" indent="0" algn="ctr" rtl="0" eaLnBrk="1" latinLnBrk="0" hangingPunct="1">
+              <a:spcBef>
+                <a:spcPct val="20000"/>
+              </a:spcBef>
+              <a:buClr>
+                <a:schemeClr val="tx1"/>
+              </a:buClr>
+              <a:buSzPct val="80000"/>
+              <a:buFont typeface="Wingdings 2"/>
+              <a:buNone/>
+              <a:defRPr kumimoji="0" sz="2400" kern="1200">
+                <a:solidFill>
+                  <a:schemeClr val="tx1"/>
+                </a:solidFill>
+                <a:latin typeface="+mn-lt"/>
+                <a:ea typeface="+mn-ea"/>
+                <a:cs typeface="+mn-cs"/>
+              </a:defRPr>
+            </a:lvl2pPr>
+            <a:lvl3pPr marL="914400" indent="0" algn="ctr" rtl="0" eaLnBrk="1" latinLnBrk="0" hangingPunct="1">
+              <a:spcBef>
+                <a:spcPct val="20000"/>
+              </a:spcBef>
+              <a:buClr>
+                <a:schemeClr val="tx1"/>
+              </a:buClr>
+              <a:buSzPct val="95000"/>
+              <a:buFont typeface="Wingdings"/>
+              <a:buNone/>
+              <a:defRPr kumimoji="0" sz="2200" kern="1200">
+                <a:solidFill>
+                  <a:schemeClr val="tx1"/>
+                </a:solidFill>
+                <a:latin typeface="+mn-lt"/>
+                <a:ea typeface="+mn-ea"/>
+                <a:cs typeface="+mn-cs"/>
+              </a:defRPr>
+            </a:lvl3pPr>
+            <a:lvl4pPr marL="1371600" indent="0" algn="ctr" rtl="0" eaLnBrk="1" latinLnBrk="0" hangingPunct="1">
+              <a:spcBef>
+                <a:spcPct val="20000"/>
+              </a:spcBef>
+              <a:buClr>
+                <a:schemeClr val="tx1"/>
+              </a:buClr>
+              <a:buSzPct val="100000"/>
+              <a:buFont typeface="Wingdings 3"/>
+              <a:buNone/>
+              <a:defRPr kumimoji="0" sz="2000" kern="1200">
+                <a:solidFill>
+                  <a:schemeClr val="tx1"/>
+                </a:solidFill>
+                <a:latin typeface="+mn-lt"/>
+                <a:ea typeface="+mn-ea"/>
+                <a:cs typeface="+mn-cs"/>
+              </a:defRPr>
+            </a:lvl4pPr>
+            <a:lvl5pPr marL="1828800" indent="0" algn="ctr" rtl="0" eaLnBrk="1" latinLnBrk="0" hangingPunct="1">
+              <a:spcBef>
+                <a:spcPct val="20000"/>
+              </a:spcBef>
+              <a:buClr>
+                <a:schemeClr val="tx1"/>
+              </a:buClr>
+              <a:buFont typeface="Wingdings 2"/>
+              <a:buNone/>
+              <a:defRPr kumimoji="0" sz="2000" kern="1200">
+                <a:solidFill>
+                  <a:schemeClr val="tx1"/>
+                </a:solidFill>
+                <a:latin typeface="+mn-lt"/>
+                <a:ea typeface="+mn-ea"/>
+                <a:cs typeface="+mn-cs"/>
+              </a:defRPr>
+            </a:lvl5pPr>
+            <a:lvl6pPr marL="2286000" indent="0" algn="ctr" rtl="0" eaLnBrk="1" latinLnBrk="0" hangingPunct="1">
+              <a:spcBef>
+                <a:spcPct val="20000"/>
+              </a:spcBef>
+              <a:buClr>
+                <a:schemeClr val="tx1"/>
+              </a:buClr>
+              <a:buFont typeface="Wingdings 3"/>
+              <a:buNone/>
+              <a:defRPr kumimoji="0" sz="1800" kern="1200">
+                <a:solidFill>
+                  <a:schemeClr val="tx1"/>
+                </a:solidFill>
+                <a:latin typeface="+mn-lt"/>
+                <a:ea typeface="+mn-ea"/>
+                <a:cs typeface="+mn-cs"/>
+              </a:defRPr>
+            </a:lvl6pPr>
+            <a:lvl7pPr marL="2743200" indent="0" algn="ctr" rtl="0" eaLnBrk="1" latinLnBrk="0" hangingPunct="1">
+              <a:spcBef>
+                <a:spcPct val="20000"/>
+              </a:spcBef>
+              <a:buClr>
+                <a:schemeClr val="tx1"/>
+              </a:buClr>
+              <a:buFont typeface="Wingdings 2"/>
+              <a:buNone/>
+              <a:defRPr kumimoji="0" sz="1600" kern="1200">
+                <a:solidFill>
+                  <a:schemeClr val="tx1"/>
+                </a:solidFill>
+                <a:latin typeface="+mn-lt"/>
+                <a:ea typeface="+mn-ea"/>
+                <a:cs typeface="+mn-cs"/>
+              </a:defRPr>
+            </a:lvl7pPr>
+            <a:lvl8pPr marL="3200400" indent="0" algn="ctr" rtl="0" eaLnBrk="1" latinLnBrk="0" hangingPunct="1">
+              <a:spcBef>
+                <a:spcPct val="20000"/>
+              </a:spcBef>
+              <a:buClr>
+                <a:schemeClr val="tx1"/>
+              </a:buClr>
+              <a:buFont typeface="Wingdings 2"/>
+              <a:buNone/>
+              <a:defRPr kumimoji="0" sz="1400" kern="1200">
+                <a:solidFill>
+                  <a:schemeClr val="tx1"/>
+                </a:solidFill>
+                <a:latin typeface="+mn-lt"/>
+                <a:ea typeface="+mn-ea"/>
+                <a:cs typeface="+mn-cs"/>
+              </a:defRPr>
+            </a:lvl8pPr>
+            <a:lvl9pPr marL="3657600" indent="0" algn="ctr" rtl="0" eaLnBrk="1" latinLnBrk="0" hangingPunct="1">
+              <a:spcBef>
+                <a:spcPct val="20000"/>
+              </a:spcBef>
+              <a:buClr>
+                <a:schemeClr val="tx1"/>
+              </a:buClr>
+              <a:buFont typeface="Wingdings 2"/>
+              <a:buNone/>
+              <a:defRPr kumimoji="0" sz="1400" kern="1200" baseline="0">
+                <a:solidFill>
+                  <a:schemeClr val="tx1"/>
+                </a:solidFill>
+                <a:latin typeface="+mn-lt"/>
+                <a:ea typeface="+mn-ea"/>
+                <a:cs typeface="+mn-cs"/>
+              </a:defRPr>
+            </a:lvl9pPr>
+          </a:lstStyle>
+          <a:p>
+            <a:pPr marL="285750" indent="-285750" algn="l">
+              <a:buFont typeface="Wingdings" panose="05000000000000000000" pitchFamily="2" charset="2"/>
+              <a:buChar char="Ø"/>
+            </a:pPr>
+            <a:endParaRPr lang="en-CA" sz="1800" dirty="0" smtClean="0"/>
+          </a:p>
+          <a:p>
+            <a:pPr marL="285750" indent="-285750" algn="l">
+              <a:buFont typeface="Wingdings" panose="05000000000000000000" pitchFamily="2" charset="2"/>
+              <a:buChar char="Ø"/>
+            </a:pPr>
+            <a:endParaRPr lang="en-CA" sz="1800" dirty="0" smtClean="0"/>
+          </a:p>
+          <a:p>
+            <a:pPr marL="285750" indent="-285750" algn="l">
+              <a:buFont typeface="Wingdings" panose="05000000000000000000" pitchFamily="2" charset="2"/>
+              <a:buChar char="Ø"/>
+            </a:pPr>
+            <a:endParaRPr lang="en-CA" sz="1800" dirty="0" smtClean="0"/>
+          </a:p>
+          <a:p>
+            <a:pPr marL="285750" indent="-285750" algn="l">
+              <a:buFont typeface="Wingdings" panose="05000000000000000000" pitchFamily="2" charset="2"/>
+              <a:buChar char="Ø"/>
+            </a:pPr>
+            <a:endParaRPr lang="en-CA" sz="1800" dirty="0" smtClean="0"/>
+          </a:p>
+          <a:p>
+            <a:pPr marL="285750" indent="-285750" algn="l">
+              <a:buFont typeface="Wingdings" panose="05000000000000000000" pitchFamily="2" charset="2"/>
+              <a:buChar char="Ø"/>
+            </a:pPr>
+            <a:endParaRPr lang="en-CA" sz="1800" dirty="0" smtClean="0"/>
+          </a:p>
+          <a:p>
+            <a:pPr marL="742950" lvl="1" indent="-285750" algn="l">
+              <a:buFont typeface="Wingdings" panose="05000000000000000000" pitchFamily="2" charset="2"/>
+              <a:buChar char="Ø"/>
+            </a:pPr>
+            <a:endParaRPr lang="en-CA" sz="1600" dirty="0" smtClean="0"/>
+          </a:p>
+        </p:txBody>
+      </p:sp>
+      <p:sp>
+        <p:nvSpPr>
+          <p:cNvPr id="7" name="Subtitle 2"/>
+          <p:cNvSpPr txBox="1">
+            <a:spLocks/>
+          </p:cNvSpPr>
+          <p:nvPr/>
+        </p:nvSpPr>
+        <p:spPr>
+          <a:xfrm>
+            <a:off x="3200400" y="685800"/>
+            <a:ext cx="5562600" cy="5486400"/>
+          </a:xfrm>
+          <a:prstGeom prst="rect">
+            <a:avLst/>
+          </a:prstGeom>
+        </p:spPr>
+        <p:txBody>
+          <a:bodyPr vert="horz">
+            <a:noAutofit/>
+          </a:bodyPr>
+          <a:lstStyle>
+            <a:lvl1pPr marL="0" indent="0" algn="ctr" rtl="0" eaLnBrk="1" latinLnBrk="0" hangingPunct="1">
+              <a:spcBef>
+                <a:spcPct val="20000"/>
+              </a:spcBef>
+              <a:buClr>
+                <a:schemeClr val="tx1">
+                  <a:shade val="95000"/>
+                </a:schemeClr>
+              </a:buClr>
+              <a:buSzPct val="65000"/>
+              <a:buFont typeface="Wingdings 2"/>
+              <a:buNone/>
+              <a:defRPr kumimoji="0" sz="2800" kern="1200">
+                <a:solidFill>
+                  <a:schemeClr val="tx1"/>
+                </a:solidFill>
+                <a:latin typeface="+mn-lt"/>
+                <a:ea typeface="+mn-ea"/>
+                <a:cs typeface="+mn-cs"/>
+              </a:defRPr>
+            </a:lvl1pPr>
+            <a:lvl2pPr marL="457200" indent="0" algn="ctr" rtl="0" eaLnBrk="1" latinLnBrk="0" hangingPunct="1">
+              <a:spcBef>
+                <a:spcPct val="20000"/>
+              </a:spcBef>
+              <a:buClr>
+                <a:schemeClr val="tx1"/>
+              </a:buClr>
+              <a:buSzPct val="80000"/>
+              <a:buFont typeface="Wingdings 2"/>
+              <a:buNone/>
+              <a:defRPr kumimoji="0" sz="2400" kern="1200">
+                <a:solidFill>
+                  <a:schemeClr val="tx1"/>
+                </a:solidFill>
+                <a:latin typeface="+mn-lt"/>
+                <a:ea typeface="+mn-ea"/>
+                <a:cs typeface="+mn-cs"/>
+              </a:defRPr>
+            </a:lvl2pPr>
+            <a:lvl3pPr marL="914400" indent="0" algn="ctr" rtl="0" eaLnBrk="1" latinLnBrk="0" hangingPunct="1">
+              <a:spcBef>
+                <a:spcPct val="20000"/>
+              </a:spcBef>
+              <a:buClr>
+                <a:schemeClr val="tx1"/>
+              </a:buClr>
+              <a:buSzPct val="95000"/>
+              <a:buFont typeface="Wingdings"/>
+              <a:buNone/>
+              <a:defRPr kumimoji="0" sz="2200" kern="1200">
+                <a:solidFill>
+                  <a:schemeClr val="tx1"/>
+                </a:solidFill>
+                <a:latin typeface="+mn-lt"/>
+                <a:ea typeface="+mn-ea"/>
+                <a:cs typeface="+mn-cs"/>
+              </a:defRPr>
+            </a:lvl3pPr>
+            <a:lvl4pPr marL="1371600" indent="0" algn="ctr" rtl="0" eaLnBrk="1" latinLnBrk="0" hangingPunct="1">
+              <a:spcBef>
+                <a:spcPct val="20000"/>
+              </a:spcBef>
+              <a:buClr>
+                <a:schemeClr val="tx1"/>
+              </a:buClr>
+              <a:buSzPct val="100000"/>
+              <a:buFont typeface="Wingdings 3"/>
+              <a:buNone/>
+              <a:defRPr kumimoji="0" sz="2000" kern="1200">
+                <a:solidFill>
+                  <a:schemeClr val="tx1"/>
+                </a:solidFill>
+                <a:latin typeface="+mn-lt"/>
+                <a:ea typeface="+mn-ea"/>
+                <a:cs typeface="+mn-cs"/>
+              </a:defRPr>
+            </a:lvl4pPr>
+            <a:lvl5pPr marL="1828800" indent="0" algn="ctr" rtl="0" eaLnBrk="1" latinLnBrk="0" hangingPunct="1">
+              <a:spcBef>
+                <a:spcPct val="20000"/>
+              </a:spcBef>
+              <a:buClr>
+                <a:schemeClr val="tx1"/>
+              </a:buClr>
+              <a:buFont typeface="Wingdings 2"/>
+              <a:buNone/>
+              <a:defRPr kumimoji="0" sz="2000" kern="1200">
+                <a:solidFill>
+                  <a:schemeClr val="tx1"/>
+                </a:solidFill>
+                <a:latin typeface="+mn-lt"/>
+                <a:ea typeface="+mn-ea"/>
+                <a:cs typeface="+mn-cs"/>
+              </a:defRPr>
+            </a:lvl5pPr>
+            <a:lvl6pPr marL="2286000" indent="0" algn="ctr" rtl="0" eaLnBrk="1" latinLnBrk="0" hangingPunct="1">
+              <a:spcBef>
+                <a:spcPct val="20000"/>
+              </a:spcBef>
+              <a:buClr>
+                <a:schemeClr val="tx1"/>
+              </a:buClr>
+              <a:buFont typeface="Wingdings 3"/>
+              <a:buNone/>
+              <a:defRPr kumimoji="0" sz="1800" kern="1200">
+                <a:solidFill>
+                  <a:schemeClr val="tx1"/>
+                </a:solidFill>
+                <a:latin typeface="+mn-lt"/>
+                <a:ea typeface="+mn-ea"/>
+                <a:cs typeface="+mn-cs"/>
+              </a:defRPr>
+            </a:lvl6pPr>
+            <a:lvl7pPr marL="2743200" indent="0" algn="ctr" rtl="0" eaLnBrk="1" latinLnBrk="0" hangingPunct="1">
+              <a:spcBef>
+                <a:spcPct val="20000"/>
+              </a:spcBef>
+              <a:buClr>
+                <a:schemeClr val="tx1"/>
+              </a:buClr>
+              <a:buFont typeface="Wingdings 2"/>
+              <a:buNone/>
+              <a:defRPr kumimoji="0" sz="1600" kern="1200">
+                <a:solidFill>
+                  <a:schemeClr val="tx1"/>
+                </a:solidFill>
+                <a:latin typeface="+mn-lt"/>
+                <a:ea typeface="+mn-ea"/>
+                <a:cs typeface="+mn-cs"/>
+              </a:defRPr>
+            </a:lvl7pPr>
+            <a:lvl8pPr marL="3200400" indent="0" algn="ctr" rtl="0" eaLnBrk="1" latinLnBrk="0" hangingPunct="1">
+              <a:spcBef>
+                <a:spcPct val="20000"/>
+              </a:spcBef>
+              <a:buClr>
+                <a:schemeClr val="tx1"/>
+              </a:buClr>
+              <a:buFont typeface="Wingdings 2"/>
+              <a:buNone/>
+              <a:defRPr kumimoji="0" sz="1400" kern="1200">
+                <a:solidFill>
+                  <a:schemeClr val="tx1"/>
+                </a:solidFill>
+                <a:latin typeface="+mn-lt"/>
+                <a:ea typeface="+mn-ea"/>
+                <a:cs typeface="+mn-cs"/>
+              </a:defRPr>
+            </a:lvl8pPr>
+            <a:lvl9pPr marL="3657600" indent="0" algn="ctr" rtl="0" eaLnBrk="1" latinLnBrk="0" hangingPunct="1">
+              <a:spcBef>
+                <a:spcPct val="20000"/>
+              </a:spcBef>
+              <a:buClr>
+                <a:schemeClr val="tx1"/>
+              </a:buClr>
+              <a:buFont typeface="Wingdings 2"/>
+              <a:buNone/>
+              <a:defRPr kumimoji="0" sz="1400" kern="1200" baseline="0">
+                <a:solidFill>
+                  <a:schemeClr val="tx1"/>
+                </a:solidFill>
+                <a:latin typeface="+mn-lt"/>
+                <a:ea typeface="+mn-ea"/>
+                <a:cs typeface="+mn-cs"/>
+              </a:defRPr>
+            </a:lvl9pPr>
+          </a:lstStyle>
+          <a:p>
+            <a:pPr marL="285750" indent="-285750" algn="l">
+              <a:buFont typeface="Wingdings" panose="05000000000000000000" pitchFamily="2" charset="2"/>
+              <a:buChar char="Ø"/>
+            </a:pPr>
+            <a:r>
+              <a:rPr lang="en-CA" sz="1200" dirty="0">
+                <a:solidFill>
+                  <a:srgbClr val="FFC000"/>
+                </a:solidFill>
+              </a:rPr>
+              <a:t>990 Naïve Lagged Model Versions Based On In-Sample Data</a:t>
+            </a:r>
+            <a:r>
+              <a:rPr lang="en-CA" sz="1200" dirty="0"/>
+              <a:t>	</a:t>
+            </a:r>
+          </a:p>
+          <a:p>
+            <a:pPr marL="742950" lvl="1" indent="-285750" algn="l">
+              <a:buFont typeface="Wingdings" panose="05000000000000000000" pitchFamily="2" charset="2"/>
+              <a:buChar char="Ø"/>
+            </a:pPr>
+            <a:r>
+              <a:rPr lang="en-CA" sz="1100" dirty="0" smtClean="0"/>
+              <a:t>Use </a:t>
+            </a:r>
+            <a:r>
+              <a:rPr lang="en-CA" sz="1100" dirty="0"/>
+              <a:t>the same Naïve Model Parameters for all lags	</a:t>
+            </a:r>
+          </a:p>
+          <a:p>
+            <a:pPr marL="742950" lvl="1" indent="-285750" algn="l">
+              <a:buFont typeface="Wingdings" panose="05000000000000000000" pitchFamily="2" charset="2"/>
+              <a:buChar char="Ø"/>
+            </a:pPr>
+            <a:r>
+              <a:rPr lang="en-CA" sz="1100" dirty="0" smtClean="0"/>
+              <a:t>The </a:t>
+            </a:r>
+            <a:r>
+              <a:rPr lang="en-CA" sz="1100" dirty="0"/>
+              <a:t>lagged version that produced the highest annual return expectation over this period was selected for forward testing</a:t>
+            </a:r>
+            <a:r>
+              <a:rPr lang="en-CA" sz="800" dirty="0"/>
+              <a:t>	</a:t>
+            </a:r>
+          </a:p>
+          <a:p>
+            <a:pPr marL="742950" lvl="1" indent="-285750" algn="l">
+              <a:buFont typeface="Wingdings" panose="05000000000000000000" pitchFamily="2" charset="2"/>
+              <a:buChar char="Ø"/>
+            </a:pPr>
+            <a:endParaRPr lang="en-CA" sz="800" dirty="0" smtClean="0"/>
+          </a:p>
+          <a:p>
+            <a:pPr marL="742950" lvl="1" indent="-285750" algn="l">
+              <a:buFont typeface="Wingdings" panose="05000000000000000000" pitchFamily="2" charset="2"/>
+              <a:buChar char="Ø"/>
+            </a:pPr>
+            <a:endParaRPr lang="en-CA" sz="1200" dirty="0"/>
+          </a:p>
+          <a:p>
+            <a:pPr marL="285750" indent="-285750" algn="l">
+              <a:buFont typeface="Wingdings" panose="05000000000000000000" pitchFamily="2" charset="2"/>
+              <a:buChar char="Ø"/>
+            </a:pPr>
+            <a:r>
+              <a:rPr lang="en-CA" sz="1200" dirty="0">
+                <a:solidFill>
+                  <a:srgbClr val="FFC000"/>
+                </a:solidFill>
+              </a:rPr>
+              <a:t>990 Optimal Lagged Model Versions Based on In-Sample Data</a:t>
+            </a:r>
+            <a:r>
+              <a:rPr lang="en-CA" sz="1200" dirty="0"/>
+              <a:t>	</a:t>
+            </a:r>
+          </a:p>
+          <a:p>
+            <a:pPr marL="742950" lvl="1" indent="-285750" algn="l">
+              <a:buFont typeface="Wingdings" panose="05000000000000000000" pitchFamily="2" charset="2"/>
+              <a:buChar char="Ø"/>
+            </a:pPr>
+            <a:r>
+              <a:rPr lang="en-CA" sz="1100" dirty="0" smtClean="0"/>
+              <a:t>Iterative </a:t>
+            </a:r>
+            <a:r>
+              <a:rPr lang="en-CA" sz="1100" dirty="0"/>
+              <a:t>approach	</a:t>
+            </a:r>
+            <a:endParaRPr lang="en-CA" sz="1100" dirty="0" smtClean="0"/>
+          </a:p>
+          <a:p>
+            <a:pPr marL="742950" lvl="1" indent="-285750" algn="l">
+              <a:buFont typeface="Wingdings" panose="05000000000000000000" pitchFamily="2" charset="2"/>
+              <a:buChar char="Ø"/>
+            </a:pPr>
+            <a:endParaRPr lang="en-CA" sz="1100" dirty="0"/>
+          </a:p>
+          <a:p>
+            <a:pPr marL="742950" lvl="1" indent="-285750" algn="l">
+              <a:buFont typeface="Wingdings" panose="05000000000000000000" pitchFamily="2" charset="2"/>
+              <a:buChar char="Ø"/>
+            </a:pPr>
+            <a:r>
+              <a:rPr lang="en-CA" sz="1100" dirty="0" smtClean="0"/>
+              <a:t>Use </a:t>
+            </a:r>
+            <a:r>
+              <a:rPr lang="en-CA" sz="1100" dirty="0" err="1"/>
+              <a:t>RandomizedSearchCV</a:t>
+            </a:r>
+            <a:r>
+              <a:rPr lang="en-CA" sz="1100" dirty="0"/>
+              <a:t> &amp; the </a:t>
+            </a:r>
+            <a:r>
+              <a:rPr lang="en-CA" sz="1100" dirty="0" err="1"/>
+              <a:t>best_params</a:t>
+            </a:r>
+            <a:r>
+              <a:rPr lang="en-CA" sz="1100" dirty="0"/>
+              <a:t>_ method to determine Random Forest Classifier parameter settings for each lag on each day in </a:t>
+            </a:r>
+            <a:r>
+              <a:rPr lang="en-CA" sz="1100" dirty="0" smtClean="0"/>
+              <a:t>period</a:t>
+            </a:r>
+            <a:endParaRPr lang="en-CA" sz="1100" dirty="0"/>
+          </a:p>
+          <a:p>
+            <a:pPr marL="742950" lvl="1" indent="-285750" algn="l">
+              <a:buFont typeface="Wingdings" panose="05000000000000000000" pitchFamily="2" charset="2"/>
+              <a:buChar char="Ø"/>
+            </a:pPr>
+            <a:endParaRPr lang="en-CA" sz="1100" dirty="0" smtClean="0"/>
+          </a:p>
+          <a:p>
+            <a:pPr marL="742950" lvl="1" indent="-285750" algn="l">
+              <a:buFont typeface="Wingdings" panose="05000000000000000000" pitchFamily="2" charset="2"/>
+              <a:buChar char="Ø"/>
+            </a:pPr>
+            <a:r>
+              <a:rPr lang="en-CA" sz="1100" dirty="0" smtClean="0"/>
+              <a:t>Calculate </a:t>
+            </a:r>
+            <a:r>
+              <a:rPr lang="en-CA" sz="1100" dirty="0"/>
+              <a:t>the mean parameter value, across all lags, for each of the following parameters	</a:t>
+            </a:r>
+          </a:p>
+          <a:p>
+            <a:pPr marL="1200150" lvl="2" indent="-285750" algn="l">
+              <a:buFont typeface="Wingdings" panose="05000000000000000000" pitchFamily="2" charset="2"/>
+              <a:buChar char="Ø"/>
+            </a:pPr>
+            <a:r>
+              <a:rPr lang="en-CA" sz="1100" dirty="0" err="1" smtClean="0"/>
+              <a:t>max_depth</a:t>
+            </a:r>
+            <a:r>
+              <a:rPr lang="en-CA" sz="1100" dirty="0"/>
+              <a:t>, </a:t>
+            </a:r>
+            <a:r>
+              <a:rPr lang="en-CA" sz="1100" dirty="0" err="1"/>
+              <a:t>max_features</a:t>
+            </a:r>
+            <a:r>
+              <a:rPr lang="en-CA" sz="1100" dirty="0"/>
+              <a:t>, </a:t>
+            </a:r>
+            <a:r>
+              <a:rPr lang="en-CA" sz="1100" dirty="0" err="1"/>
+              <a:t>n_estimators</a:t>
+            </a:r>
+            <a:r>
+              <a:rPr lang="en-CA" sz="1100" dirty="0"/>
+              <a:t>, and </a:t>
+            </a:r>
+            <a:r>
+              <a:rPr lang="en-CA" sz="1100" dirty="0" err="1"/>
+              <a:t>min_samples_split</a:t>
+            </a:r>
+            <a:endParaRPr lang="en-CA" sz="1100" dirty="0"/>
+          </a:p>
+          <a:p>
+            <a:pPr marL="742950" lvl="1" indent="-285750" algn="l">
+              <a:buFont typeface="Wingdings" panose="05000000000000000000" pitchFamily="2" charset="2"/>
+              <a:buChar char="Ø"/>
+            </a:pPr>
+            <a:endParaRPr lang="en-CA" sz="1100" dirty="0" smtClean="0"/>
+          </a:p>
+          <a:p>
+            <a:pPr marL="742950" lvl="1" indent="-285750" algn="l">
+              <a:buFont typeface="Wingdings" panose="05000000000000000000" pitchFamily="2" charset="2"/>
+              <a:buChar char="Ø"/>
+            </a:pPr>
+            <a:r>
+              <a:rPr lang="en-CA" sz="1100" dirty="0" smtClean="0"/>
+              <a:t>Train </a:t>
+            </a:r>
+            <a:r>
+              <a:rPr lang="en-CA" sz="1100" dirty="0"/>
+              <a:t>and Test each lag on each in-sample testing date using the mean parameter values	</a:t>
+            </a:r>
+          </a:p>
+          <a:p>
+            <a:pPr marL="742950" lvl="1" indent="-285750" algn="l">
+              <a:buFont typeface="Wingdings" panose="05000000000000000000" pitchFamily="2" charset="2"/>
+              <a:buChar char="Ø"/>
+            </a:pPr>
+            <a:endParaRPr lang="en-CA" sz="1100" dirty="0" smtClean="0"/>
+          </a:p>
+          <a:p>
+            <a:pPr marL="742950" lvl="1" indent="-285750" algn="l">
+              <a:buFont typeface="Wingdings" panose="05000000000000000000" pitchFamily="2" charset="2"/>
+              <a:buChar char="Ø"/>
+            </a:pPr>
+            <a:r>
+              <a:rPr lang="en-CA" sz="1100" dirty="0" smtClean="0"/>
+              <a:t>Calculate </a:t>
+            </a:r>
+            <a:r>
+              <a:rPr lang="en-CA" sz="1100" dirty="0"/>
+              <a:t>each lags mean annual return during the in-sample testing period	</a:t>
+            </a:r>
+          </a:p>
+          <a:p>
+            <a:pPr marL="742950" lvl="1" indent="-285750" algn="l">
+              <a:buFont typeface="Wingdings" panose="05000000000000000000" pitchFamily="2" charset="2"/>
+              <a:buChar char="Ø"/>
+            </a:pPr>
+            <a:r>
+              <a:rPr lang="en-CA" sz="1100" dirty="0" smtClean="0"/>
+              <a:t>Select </a:t>
+            </a:r>
+            <a:r>
+              <a:rPr lang="en-CA" sz="1100" dirty="0"/>
+              <a:t>the lag that produced the highest expected annual return during the in-sample testing period	</a:t>
+            </a:r>
+            <a:endParaRPr lang="en-CA" sz="1100" dirty="0" smtClean="0"/>
+          </a:p>
+          <a:p>
+            <a:pPr marL="285750" indent="-285750" algn="l">
+              <a:buFont typeface="Wingdings" panose="05000000000000000000" pitchFamily="2" charset="2"/>
+              <a:buChar char="Ø"/>
+            </a:pPr>
+            <a:endParaRPr lang="en-CA" sz="1200" dirty="0" smtClean="0"/>
+          </a:p>
+          <a:p>
+            <a:pPr marL="285750" indent="-285750" algn="l">
+              <a:buFont typeface="Wingdings" panose="05000000000000000000" pitchFamily="2" charset="2"/>
+              <a:buChar char="Ø"/>
+            </a:pPr>
+            <a:endParaRPr lang="en-CA" sz="1200" dirty="0" smtClean="0"/>
+          </a:p>
+          <a:p>
+            <a:pPr marL="285750" indent="-285750" algn="l">
+              <a:buFont typeface="Wingdings" panose="05000000000000000000" pitchFamily="2" charset="2"/>
+              <a:buChar char="Ø"/>
+            </a:pPr>
+            <a:endParaRPr lang="en-CA" sz="1200" dirty="0" smtClean="0"/>
+          </a:p>
+          <a:p>
+            <a:pPr marL="742950" lvl="1" indent="-285750" algn="l">
+              <a:buFont typeface="Wingdings" panose="05000000000000000000" pitchFamily="2" charset="2"/>
+              <a:buChar char="Ø"/>
+            </a:pPr>
+            <a:endParaRPr lang="en-CA" sz="1100" dirty="0" smtClean="0"/>
+          </a:p>
+        </p:txBody>
+      </p:sp>
+      <p:graphicFrame>
+        <p:nvGraphicFramePr>
+          <p:cNvPr id="2" name="Table 1"/>
+          <p:cNvGraphicFramePr>
+            <a:graphicFrameLocks noGrp="1"/>
+          </p:cNvGraphicFramePr>
+          <p:nvPr>
+            <p:extLst>
+              <p:ext uri="{D42A27DB-BD31-4B8C-83A1-F6EECF244321}">
+                <p14:modId xmlns:p14="http://schemas.microsoft.com/office/powerpoint/2010/main" val="2840343172"/>
+              </p:ext>
+            </p:extLst>
+          </p:nvPr>
+        </p:nvGraphicFramePr>
+        <p:xfrm>
+          <a:off x="457200" y="685800"/>
+          <a:ext cx="2667000" cy="5486400"/>
+        </p:xfrm>
+        <a:graphic>
+          <a:graphicData uri="http://schemas.openxmlformats.org/drawingml/2006/table">
+            <a:tbl>
+              <a:tblPr>
+                <a:tableStyleId>{5C22544A-7EE6-4342-B048-85BDC9FD1C3A}</a:tableStyleId>
+              </a:tblPr>
+              <a:tblGrid>
+                <a:gridCol w="1955800"/>
+                <a:gridCol w="711200"/>
+              </a:tblGrid>
+              <a:tr h="389433">
+                <a:tc gridSpan="2">
+                  <a:txBody>
+                    <a:bodyPr/>
+                    <a:lstStyle/>
+                    <a:p>
+                      <a:pPr algn="ctr" fontAlgn="ctr"/>
+                      <a:r>
+                        <a:rPr lang="en-US" sz="1100" u="none" strike="noStrike" dirty="0">
+                          <a:effectLst/>
+                        </a:rPr>
+                        <a:t>In-Sample Testing</a:t>
+                      </a:r>
+                      <a:endParaRPr lang="en-US" sz="1100" b="1" i="0" u="none" strike="noStrike" dirty="0">
+                        <a:solidFill>
+                          <a:srgbClr val="000000"/>
+                        </a:solidFill>
+                        <a:effectLst/>
+                        <a:latin typeface="Arial Narrow"/>
+                      </a:endParaRPr>
+                    </a:p>
+                  </a:txBody>
+                  <a:tcPr marL="9525" marR="9525" marT="9525" marB="0" anchor="ctr"/>
+                </a:tc>
+                <a:tc hMerge="1">
+                  <a:txBody>
+                    <a:bodyPr/>
+                    <a:lstStyle/>
+                    <a:p>
+                      <a:endParaRPr lang="en-US"/>
+                    </a:p>
+                  </a:txBody>
+                  <a:tcPr/>
+                </a:tc>
+              </a:tr>
+              <a:tr h="389433">
+                <a:tc>
+                  <a:txBody>
+                    <a:bodyPr/>
+                    <a:lstStyle/>
+                    <a:p>
+                      <a:pPr algn="l" fontAlgn="ctr"/>
+                      <a:r>
+                        <a:rPr lang="en-US" sz="1100" u="none" strike="noStrike">
+                          <a:effectLst/>
+                        </a:rPr>
+                        <a:t>Testing End Date</a:t>
+                      </a:r>
+                      <a:endParaRPr lang="en-US" sz="1100" b="1" i="0" u="none" strike="noStrike">
+                        <a:solidFill>
+                          <a:srgbClr val="000000"/>
+                        </a:solidFill>
+                        <a:effectLst/>
+                        <a:latin typeface="Arial Narrow"/>
+                      </a:endParaRPr>
+                    </a:p>
+                  </a:txBody>
+                  <a:tcPr marL="9525" marR="9525" marT="9525" marB="0" anchor="ctr"/>
+                </a:tc>
+                <a:tc>
+                  <a:txBody>
+                    <a:bodyPr/>
+                    <a:lstStyle/>
+                    <a:p>
+                      <a:pPr algn="ctr" fontAlgn="ctr"/>
+                      <a:r>
+                        <a:rPr lang="en-US" sz="1100" u="none" strike="noStrike">
+                          <a:effectLst/>
+                        </a:rPr>
+                        <a:t>Lags</a:t>
+                      </a:r>
+                      <a:endParaRPr lang="en-US" sz="1100" b="1" i="0" u="none" strike="noStrike">
+                        <a:solidFill>
+                          <a:srgbClr val="000000"/>
+                        </a:solidFill>
+                        <a:effectLst/>
+                        <a:latin typeface="Arial Narrow"/>
+                      </a:endParaRPr>
+                    </a:p>
+                  </a:txBody>
+                  <a:tcPr marL="9525" marR="9525" marT="9525" marB="0" anchor="ctr"/>
+                </a:tc>
+              </a:tr>
+              <a:tr h="389433">
+                <a:tc>
+                  <a:txBody>
+                    <a:bodyPr/>
+                    <a:lstStyle/>
+                    <a:p>
+                      <a:pPr algn="l" fontAlgn="ctr"/>
+                      <a:r>
+                        <a:rPr lang="en-US" sz="1100" u="none" strike="noStrike">
+                          <a:effectLst/>
+                        </a:rPr>
+                        <a:t>Friday, October 1, 2021</a:t>
+                      </a:r>
+                      <a:endParaRPr lang="en-US" sz="1100" b="0" i="0" u="none" strike="noStrike">
+                        <a:solidFill>
+                          <a:srgbClr val="000000"/>
+                        </a:solidFill>
+                        <a:effectLst/>
+                        <a:latin typeface="Arial Narrow"/>
+                      </a:endParaRPr>
+                    </a:p>
+                  </a:txBody>
+                  <a:tcPr marL="9525" marR="9525" marT="9525" marB="0" anchor="ctr"/>
+                </a:tc>
+                <a:tc>
+                  <a:txBody>
+                    <a:bodyPr/>
+                    <a:lstStyle/>
+                    <a:p>
+                      <a:pPr algn="ctr" fontAlgn="ctr"/>
+                      <a:r>
+                        <a:rPr lang="en-US" sz="1100" u="none" strike="noStrike">
+                          <a:effectLst/>
+                        </a:rPr>
+                        <a:t>90</a:t>
+                      </a:r>
+                      <a:endParaRPr lang="en-US" sz="1100" b="0" i="0" u="none" strike="noStrike">
+                        <a:solidFill>
+                          <a:srgbClr val="000000"/>
+                        </a:solidFill>
+                        <a:effectLst/>
+                        <a:latin typeface="Arial Narrow"/>
+                      </a:endParaRPr>
+                    </a:p>
+                  </a:txBody>
+                  <a:tcPr marL="9525" marR="9525" marT="9525" marB="0" anchor="ctr"/>
+                </a:tc>
+              </a:tr>
+              <a:tr h="389433">
+                <a:tc>
+                  <a:txBody>
+                    <a:bodyPr/>
+                    <a:lstStyle/>
+                    <a:p>
+                      <a:pPr algn="l" fontAlgn="ctr"/>
+                      <a:r>
+                        <a:rPr lang="en-US" sz="1100" u="none" strike="noStrike">
+                          <a:effectLst/>
+                        </a:rPr>
+                        <a:t>Monday, October 4, 2021</a:t>
+                      </a:r>
+                      <a:endParaRPr lang="en-US" sz="1100" b="0" i="0" u="none" strike="noStrike">
+                        <a:solidFill>
+                          <a:srgbClr val="000000"/>
+                        </a:solidFill>
+                        <a:effectLst/>
+                        <a:latin typeface="Arial Narrow"/>
+                      </a:endParaRPr>
+                    </a:p>
+                  </a:txBody>
+                  <a:tcPr marL="9525" marR="9525" marT="9525" marB="0" anchor="ctr"/>
+                </a:tc>
+                <a:tc>
+                  <a:txBody>
+                    <a:bodyPr/>
+                    <a:lstStyle/>
+                    <a:p>
+                      <a:pPr algn="ctr" fontAlgn="ctr"/>
+                      <a:r>
+                        <a:rPr lang="en-US" sz="1100" u="none" strike="noStrike">
+                          <a:effectLst/>
+                        </a:rPr>
+                        <a:t>90</a:t>
+                      </a:r>
+                      <a:endParaRPr lang="en-US" sz="1100" b="0" i="0" u="none" strike="noStrike">
+                        <a:solidFill>
+                          <a:srgbClr val="000000"/>
+                        </a:solidFill>
+                        <a:effectLst/>
+                        <a:latin typeface="Arial Narrow"/>
+                      </a:endParaRPr>
+                    </a:p>
+                  </a:txBody>
+                  <a:tcPr marL="9525" marR="9525" marT="9525" marB="0" anchor="ctr"/>
+                </a:tc>
+              </a:tr>
+              <a:tr h="389433">
+                <a:tc>
+                  <a:txBody>
+                    <a:bodyPr/>
+                    <a:lstStyle/>
+                    <a:p>
+                      <a:pPr algn="l" fontAlgn="ctr"/>
+                      <a:r>
+                        <a:rPr lang="en-US" sz="1100" u="none" strike="noStrike">
+                          <a:effectLst/>
+                        </a:rPr>
+                        <a:t>Tuesday, October 5, 2021</a:t>
+                      </a:r>
+                      <a:endParaRPr lang="en-US" sz="1100" b="0" i="0" u="none" strike="noStrike">
+                        <a:solidFill>
+                          <a:srgbClr val="000000"/>
+                        </a:solidFill>
+                        <a:effectLst/>
+                        <a:latin typeface="Arial Narrow"/>
+                      </a:endParaRPr>
+                    </a:p>
+                  </a:txBody>
+                  <a:tcPr marL="9525" marR="9525" marT="9525" marB="0" anchor="ctr"/>
+                </a:tc>
+                <a:tc>
+                  <a:txBody>
+                    <a:bodyPr/>
+                    <a:lstStyle/>
+                    <a:p>
+                      <a:pPr algn="ctr" fontAlgn="ctr"/>
+                      <a:r>
+                        <a:rPr lang="en-US" sz="1100" u="none" strike="noStrike">
+                          <a:effectLst/>
+                        </a:rPr>
+                        <a:t>90</a:t>
+                      </a:r>
+                      <a:endParaRPr lang="en-US" sz="1100" b="0" i="0" u="none" strike="noStrike">
+                        <a:solidFill>
+                          <a:srgbClr val="000000"/>
+                        </a:solidFill>
+                        <a:effectLst/>
+                        <a:latin typeface="Arial Narrow"/>
+                      </a:endParaRPr>
+                    </a:p>
+                  </a:txBody>
+                  <a:tcPr marL="9525" marR="9525" marT="9525" marB="0" anchor="ctr"/>
+                </a:tc>
+              </a:tr>
+              <a:tr h="389433">
+                <a:tc>
+                  <a:txBody>
+                    <a:bodyPr/>
+                    <a:lstStyle/>
+                    <a:p>
+                      <a:pPr algn="l" fontAlgn="ctr"/>
+                      <a:r>
+                        <a:rPr lang="en-US" sz="1100" u="none" strike="noStrike">
+                          <a:effectLst/>
+                        </a:rPr>
+                        <a:t>Wednesday, October 6, 2021</a:t>
+                      </a:r>
+                      <a:endParaRPr lang="en-US" sz="1100" b="0" i="0" u="none" strike="noStrike">
+                        <a:solidFill>
+                          <a:srgbClr val="000000"/>
+                        </a:solidFill>
+                        <a:effectLst/>
+                        <a:latin typeface="Arial Narrow"/>
+                      </a:endParaRPr>
+                    </a:p>
+                  </a:txBody>
+                  <a:tcPr marL="9525" marR="9525" marT="9525" marB="0" anchor="ctr"/>
+                </a:tc>
+                <a:tc>
+                  <a:txBody>
+                    <a:bodyPr/>
+                    <a:lstStyle/>
+                    <a:p>
+                      <a:pPr algn="ctr" fontAlgn="ctr"/>
+                      <a:r>
+                        <a:rPr lang="en-US" sz="1100" u="none" strike="noStrike">
+                          <a:effectLst/>
+                        </a:rPr>
+                        <a:t>90</a:t>
+                      </a:r>
+                      <a:endParaRPr lang="en-US" sz="1100" b="0" i="0" u="none" strike="noStrike">
+                        <a:solidFill>
+                          <a:srgbClr val="000000"/>
+                        </a:solidFill>
+                        <a:effectLst/>
+                        <a:latin typeface="Arial Narrow"/>
+                      </a:endParaRPr>
+                    </a:p>
+                  </a:txBody>
+                  <a:tcPr marL="9525" marR="9525" marT="9525" marB="0" anchor="ctr"/>
+                </a:tc>
+              </a:tr>
+              <a:tr h="389433">
+                <a:tc>
+                  <a:txBody>
+                    <a:bodyPr/>
+                    <a:lstStyle/>
+                    <a:p>
+                      <a:pPr algn="l" fontAlgn="ctr"/>
+                      <a:r>
+                        <a:rPr lang="en-US" sz="1100" u="none" strike="noStrike">
+                          <a:effectLst/>
+                        </a:rPr>
+                        <a:t>Thursday, October 7, 2021</a:t>
+                      </a:r>
+                      <a:endParaRPr lang="en-US" sz="1100" b="0" i="0" u="none" strike="noStrike">
+                        <a:solidFill>
+                          <a:srgbClr val="000000"/>
+                        </a:solidFill>
+                        <a:effectLst/>
+                        <a:latin typeface="Arial Narrow"/>
+                      </a:endParaRPr>
+                    </a:p>
+                  </a:txBody>
+                  <a:tcPr marL="9525" marR="9525" marT="9525" marB="0" anchor="ctr"/>
+                </a:tc>
+                <a:tc>
+                  <a:txBody>
+                    <a:bodyPr/>
+                    <a:lstStyle/>
+                    <a:p>
+                      <a:pPr algn="ctr" fontAlgn="ctr"/>
+                      <a:r>
+                        <a:rPr lang="en-US" sz="1100" u="none" strike="noStrike">
+                          <a:effectLst/>
+                        </a:rPr>
+                        <a:t>90</a:t>
+                      </a:r>
+                      <a:endParaRPr lang="en-US" sz="1100" b="0" i="0" u="none" strike="noStrike">
+                        <a:solidFill>
+                          <a:srgbClr val="000000"/>
+                        </a:solidFill>
+                        <a:effectLst/>
+                        <a:latin typeface="Arial Narrow"/>
+                      </a:endParaRPr>
+                    </a:p>
+                  </a:txBody>
+                  <a:tcPr marL="9525" marR="9525" marT="9525" marB="0" anchor="ctr"/>
+                </a:tc>
+              </a:tr>
+              <a:tr h="389433">
+                <a:tc>
+                  <a:txBody>
+                    <a:bodyPr/>
+                    <a:lstStyle/>
+                    <a:p>
+                      <a:pPr algn="l" fontAlgn="ctr"/>
+                      <a:r>
+                        <a:rPr lang="en-US" sz="1100" u="none" strike="noStrike">
+                          <a:effectLst/>
+                        </a:rPr>
+                        <a:t>Friday, October 8, 2021</a:t>
+                      </a:r>
+                      <a:endParaRPr lang="en-US" sz="1100" b="0" i="0" u="none" strike="noStrike">
+                        <a:solidFill>
+                          <a:srgbClr val="000000"/>
+                        </a:solidFill>
+                        <a:effectLst/>
+                        <a:latin typeface="Arial Narrow"/>
+                      </a:endParaRPr>
+                    </a:p>
+                  </a:txBody>
+                  <a:tcPr marL="9525" marR="9525" marT="9525" marB="0" anchor="ctr"/>
+                </a:tc>
+                <a:tc>
+                  <a:txBody>
+                    <a:bodyPr/>
+                    <a:lstStyle/>
+                    <a:p>
+                      <a:pPr algn="ctr" fontAlgn="ctr"/>
+                      <a:r>
+                        <a:rPr lang="en-US" sz="1100" u="none" strike="noStrike">
+                          <a:effectLst/>
+                        </a:rPr>
+                        <a:t>90</a:t>
+                      </a:r>
+                      <a:endParaRPr lang="en-US" sz="1100" b="0" i="0" u="none" strike="noStrike">
+                        <a:solidFill>
+                          <a:srgbClr val="000000"/>
+                        </a:solidFill>
+                        <a:effectLst/>
+                        <a:latin typeface="Arial Narrow"/>
+                      </a:endParaRPr>
+                    </a:p>
+                  </a:txBody>
+                  <a:tcPr marL="9525" marR="9525" marT="9525" marB="0" anchor="ctr"/>
+                </a:tc>
+              </a:tr>
+              <a:tr h="389433">
+                <a:tc>
+                  <a:txBody>
+                    <a:bodyPr/>
+                    <a:lstStyle/>
+                    <a:p>
+                      <a:pPr algn="l" fontAlgn="ctr"/>
+                      <a:r>
+                        <a:rPr lang="en-US" sz="1100" u="none" strike="noStrike">
+                          <a:effectLst/>
+                        </a:rPr>
+                        <a:t>Monday, October 11, 2021</a:t>
+                      </a:r>
+                      <a:endParaRPr lang="en-US" sz="1100" b="0" i="0" u="none" strike="noStrike">
+                        <a:solidFill>
+                          <a:srgbClr val="000000"/>
+                        </a:solidFill>
+                        <a:effectLst/>
+                        <a:latin typeface="Arial Narrow"/>
+                      </a:endParaRPr>
+                    </a:p>
+                  </a:txBody>
+                  <a:tcPr marL="9525" marR="9525" marT="9525" marB="0" anchor="ctr"/>
+                </a:tc>
+                <a:tc>
+                  <a:txBody>
+                    <a:bodyPr/>
+                    <a:lstStyle/>
+                    <a:p>
+                      <a:pPr algn="ctr" fontAlgn="ctr"/>
+                      <a:r>
+                        <a:rPr lang="en-US" sz="1100" u="none" strike="noStrike">
+                          <a:effectLst/>
+                        </a:rPr>
+                        <a:t>90</a:t>
+                      </a:r>
+                      <a:endParaRPr lang="en-US" sz="1100" b="0" i="0" u="none" strike="noStrike">
+                        <a:solidFill>
+                          <a:srgbClr val="000000"/>
+                        </a:solidFill>
+                        <a:effectLst/>
+                        <a:latin typeface="Arial Narrow"/>
+                      </a:endParaRPr>
+                    </a:p>
+                  </a:txBody>
+                  <a:tcPr marL="9525" marR="9525" marT="9525" marB="0" anchor="ctr"/>
+                </a:tc>
+              </a:tr>
+              <a:tr h="389433">
+                <a:tc>
+                  <a:txBody>
+                    <a:bodyPr/>
+                    <a:lstStyle/>
+                    <a:p>
+                      <a:pPr algn="l" fontAlgn="ctr"/>
+                      <a:r>
+                        <a:rPr lang="en-US" sz="1100" u="none" strike="noStrike">
+                          <a:effectLst/>
+                        </a:rPr>
+                        <a:t>Tuesday, October 12, 2021</a:t>
+                      </a:r>
+                      <a:endParaRPr lang="en-US" sz="1100" b="0" i="0" u="none" strike="noStrike">
+                        <a:solidFill>
+                          <a:srgbClr val="000000"/>
+                        </a:solidFill>
+                        <a:effectLst/>
+                        <a:latin typeface="Arial Narrow"/>
+                      </a:endParaRPr>
+                    </a:p>
+                  </a:txBody>
+                  <a:tcPr marL="9525" marR="9525" marT="9525" marB="0" anchor="ctr"/>
+                </a:tc>
+                <a:tc>
+                  <a:txBody>
+                    <a:bodyPr/>
+                    <a:lstStyle/>
+                    <a:p>
+                      <a:pPr algn="ctr" fontAlgn="ctr"/>
+                      <a:r>
+                        <a:rPr lang="en-US" sz="1100" u="none" strike="noStrike">
+                          <a:effectLst/>
+                        </a:rPr>
+                        <a:t>90</a:t>
+                      </a:r>
+                      <a:endParaRPr lang="en-US" sz="1100" b="0" i="0" u="none" strike="noStrike">
+                        <a:solidFill>
+                          <a:srgbClr val="000000"/>
+                        </a:solidFill>
+                        <a:effectLst/>
+                        <a:latin typeface="Arial Narrow"/>
+                      </a:endParaRPr>
+                    </a:p>
+                  </a:txBody>
+                  <a:tcPr marL="9525" marR="9525" marT="9525" marB="0" anchor="ctr"/>
+                </a:tc>
+              </a:tr>
+              <a:tr h="423771">
+                <a:tc>
+                  <a:txBody>
+                    <a:bodyPr/>
+                    <a:lstStyle/>
+                    <a:p>
+                      <a:pPr algn="l" fontAlgn="ctr"/>
+                      <a:r>
+                        <a:rPr lang="en-US" sz="1100" u="none" strike="noStrike">
+                          <a:effectLst/>
+                        </a:rPr>
+                        <a:t>Wednesday, October 13, 2021</a:t>
+                      </a:r>
+                      <a:endParaRPr lang="en-US" sz="1100" b="0" i="0" u="none" strike="noStrike">
+                        <a:solidFill>
+                          <a:srgbClr val="000000"/>
+                        </a:solidFill>
+                        <a:effectLst/>
+                        <a:latin typeface="Arial Narrow"/>
+                      </a:endParaRPr>
+                    </a:p>
+                  </a:txBody>
+                  <a:tcPr marL="9525" marR="9525" marT="9525" marB="0" anchor="ctr"/>
+                </a:tc>
+                <a:tc>
+                  <a:txBody>
+                    <a:bodyPr/>
+                    <a:lstStyle/>
+                    <a:p>
+                      <a:pPr algn="ctr" fontAlgn="ctr"/>
+                      <a:r>
+                        <a:rPr lang="en-US" sz="1100" u="none" strike="noStrike">
+                          <a:effectLst/>
+                        </a:rPr>
+                        <a:t>90</a:t>
+                      </a:r>
+                      <a:endParaRPr lang="en-US" sz="1100" b="0" i="0" u="none" strike="noStrike">
+                        <a:solidFill>
+                          <a:srgbClr val="000000"/>
+                        </a:solidFill>
+                        <a:effectLst/>
+                        <a:latin typeface="Arial Narrow"/>
+                      </a:endParaRPr>
+                    </a:p>
+                  </a:txBody>
+                  <a:tcPr marL="9525" marR="9525" marT="9525" marB="0" anchor="ctr"/>
+                </a:tc>
+              </a:tr>
+              <a:tr h="389433">
+                <a:tc>
+                  <a:txBody>
+                    <a:bodyPr/>
+                    <a:lstStyle/>
+                    <a:p>
+                      <a:pPr algn="l" fontAlgn="ctr"/>
+                      <a:r>
+                        <a:rPr lang="en-US" sz="1100" u="none" strike="noStrike">
+                          <a:effectLst/>
+                        </a:rPr>
+                        <a:t>Thursday, October 14, 2021</a:t>
+                      </a:r>
+                      <a:endParaRPr lang="en-US" sz="1100" b="0" i="0" u="none" strike="noStrike">
+                        <a:solidFill>
+                          <a:srgbClr val="000000"/>
+                        </a:solidFill>
+                        <a:effectLst/>
+                        <a:latin typeface="Arial Narrow"/>
+                      </a:endParaRPr>
+                    </a:p>
+                  </a:txBody>
+                  <a:tcPr marL="9525" marR="9525" marT="9525" marB="0" anchor="ctr"/>
+                </a:tc>
+                <a:tc>
+                  <a:txBody>
+                    <a:bodyPr/>
+                    <a:lstStyle/>
+                    <a:p>
+                      <a:pPr algn="ctr" fontAlgn="ctr"/>
+                      <a:r>
+                        <a:rPr lang="en-US" sz="1100" u="none" strike="noStrike">
+                          <a:effectLst/>
+                        </a:rPr>
+                        <a:t>90</a:t>
+                      </a:r>
+                      <a:endParaRPr lang="en-US" sz="1100" b="0" i="0" u="none" strike="noStrike">
+                        <a:solidFill>
+                          <a:srgbClr val="000000"/>
+                        </a:solidFill>
+                        <a:effectLst/>
+                        <a:latin typeface="Arial Narrow"/>
+                      </a:endParaRPr>
+                    </a:p>
+                  </a:txBody>
+                  <a:tcPr marL="9525" marR="9525" marT="9525" marB="0" anchor="ctr"/>
+                </a:tc>
+              </a:tr>
+              <a:tr h="389433">
+                <a:tc>
+                  <a:txBody>
+                    <a:bodyPr/>
+                    <a:lstStyle/>
+                    <a:p>
+                      <a:pPr algn="l" fontAlgn="ctr"/>
+                      <a:r>
+                        <a:rPr lang="en-US" sz="1100" u="none" strike="noStrike">
+                          <a:effectLst/>
+                        </a:rPr>
+                        <a:t>Friday, October 15, 2021</a:t>
+                      </a:r>
+                      <a:endParaRPr lang="en-US" sz="1100" b="0" i="0" u="none" strike="noStrike">
+                        <a:solidFill>
+                          <a:srgbClr val="000000"/>
+                        </a:solidFill>
+                        <a:effectLst/>
+                        <a:latin typeface="Arial Narrow"/>
+                      </a:endParaRPr>
+                    </a:p>
+                  </a:txBody>
+                  <a:tcPr marL="9525" marR="9525" marT="9525" marB="0" anchor="ctr"/>
+                </a:tc>
+                <a:tc>
+                  <a:txBody>
+                    <a:bodyPr/>
+                    <a:lstStyle/>
+                    <a:p>
+                      <a:pPr algn="ctr" fontAlgn="ctr"/>
+                      <a:r>
+                        <a:rPr lang="en-US" sz="1100" u="none" strike="noStrike">
+                          <a:effectLst/>
+                        </a:rPr>
+                        <a:t>90</a:t>
+                      </a:r>
+                      <a:endParaRPr lang="en-US" sz="1100" b="0" i="0" u="none" strike="noStrike">
+                        <a:solidFill>
+                          <a:srgbClr val="000000"/>
+                        </a:solidFill>
+                        <a:effectLst/>
+                        <a:latin typeface="Arial Narrow"/>
+                      </a:endParaRPr>
+                    </a:p>
+                  </a:txBody>
+                  <a:tcPr marL="9525" marR="9525" marT="9525" marB="0" anchor="ctr"/>
+                </a:tc>
+              </a:tr>
+              <a:tr h="389433">
+                <a:tc>
+                  <a:txBody>
+                    <a:bodyPr/>
+                    <a:lstStyle/>
+                    <a:p>
+                      <a:pPr algn="l" fontAlgn="ctr"/>
+                      <a:r>
+                        <a:rPr lang="en-US" sz="1100" b="1" u="none" strike="noStrike" dirty="0">
+                          <a:effectLst/>
+                        </a:rPr>
+                        <a:t>Total Model Versions</a:t>
+                      </a:r>
+                      <a:endParaRPr lang="en-US" sz="1100" b="1" i="0" u="none" strike="noStrike" dirty="0">
+                        <a:solidFill>
+                          <a:srgbClr val="000000"/>
+                        </a:solidFill>
+                        <a:effectLst/>
+                        <a:latin typeface="Arial Narrow"/>
+                      </a:endParaRPr>
+                    </a:p>
+                  </a:txBody>
+                  <a:tcPr marL="9525" marR="9525" marT="9525" marB="0" anchor="ctr"/>
+                </a:tc>
+                <a:tc>
+                  <a:txBody>
+                    <a:bodyPr/>
+                    <a:lstStyle/>
+                    <a:p>
+                      <a:pPr algn="ctr" fontAlgn="ctr"/>
+                      <a:r>
+                        <a:rPr lang="en-US" sz="1100" b="1" u="none" strike="noStrike" dirty="0">
+                          <a:effectLst/>
+                        </a:rPr>
+                        <a:t>990</a:t>
+                      </a:r>
+                      <a:endParaRPr lang="en-US" sz="1100" b="1" i="0" u="none" strike="noStrike" dirty="0">
+                        <a:solidFill>
+                          <a:srgbClr val="000000"/>
+                        </a:solidFill>
+                        <a:effectLst/>
+                        <a:latin typeface="Arial Narrow"/>
+                      </a:endParaRPr>
+                    </a:p>
+                  </a:txBody>
+                  <a:tcPr marL="9525" marR="9525" marT="9525" marB="0" anchor="ctr"/>
+                </a:tc>
+              </a:tr>
+            </a:tbl>
+          </a:graphicData>
+        </a:graphic>
+      </p:graphicFrame>
     </p:spTree>
     <p:extLst>
       <p:ext uri="{BB962C8B-B14F-4D97-AF65-F5344CB8AC3E}">
-        <p14:creationId xmlns:p14="http://schemas.microsoft.com/office/powerpoint/2010/main" val="2694437980"/>
+        <p14:creationId xmlns:p14="http://schemas.microsoft.com/office/powerpoint/2010/main" val="4271981327"/>
       </p:ext>
     </p:extLst>
   </p:cSld>
@@ -14679,7 +16025,7 @@
       </p:sp>
       <p:pic>
         <p:nvPicPr>
-          <p:cNvPr id="40963" name="Picture 3"/>
+          <p:cNvPr id="39938" name="Picture 2"/>
           <p:cNvPicPr>
             <a:picLocks noChangeAspect="1" noChangeArrowheads="1"/>
           </p:cNvPicPr>
@@ -14700,8 +16046,8 @@
         </p:blipFill>
         <p:spPr bwMode="auto">
           <a:xfrm>
-            <a:off x="0" y="828675"/>
-            <a:ext cx="9143999" cy="4559474"/>
+            <a:off x="0" y="847725"/>
+            <a:ext cx="9144000" cy="4538505"/>
           </a:xfrm>
           <a:prstGeom prst="rect">
             <a:avLst/>
@@ -14734,7 +16080,7 @@
     </p:spTree>
     <p:extLst>
       <p:ext uri="{BB962C8B-B14F-4D97-AF65-F5344CB8AC3E}">
-        <p14:creationId xmlns:p14="http://schemas.microsoft.com/office/powerpoint/2010/main" val="2879704564"/>
+        <p14:creationId xmlns:p14="http://schemas.microsoft.com/office/powerpoint/2010/main" val="2694437980"/>
       </p:ext>
     </p:extLst>
   </p:cSld>
@@ -14858,11 +16204,7 @@
             </a:pPr>
             <a:r>
               <a:rPr lang="en-CA" sz="1800" dirty="0" smtClean="0"/>
-              <a:t>OAS captures </a:t>
-            </a:r>
-            <a:r>
-              <a:rPr lang="en-CA" sz="1800" dirty="0" smtClean="0"/>
-              <a:t>sufficient risk </a:t>
+              <a:t>OAS captures sufficient risk </a:t>
             </a:r>
             <a:r>
               <a:rPr lang="en-CA" sz="1800" dirty="0" err="1" smtClean="0"/>
@@ -14876,7 +16218,6 @@
               <a:rPr lang="en-CA" sz="1800" dirty="0" smtClean="0"/>
               <a:t>to be used for predictive purposes</a:t>
             </a:r>
-            <a:endParaRPr lang="en-CA" sz="1800" dirty="0" smtClean="0"/>
           </a:p>
           <a:p>
             <a:pPr marL="1200150" lvl="2" indent="-285750" algn="l">
@@ -14885,13 +16226,18 @@
             </a:pPr>
             <a:r>
               <a:rPr lang="en-CA" sz="1200" dirty="0" smtClean="0"/>
-              <a:t>Credit Risk </a:t>
-            </a:r>
+              <a:t>Credit Risk Premiums via use of different rating indices</a:t>
+            </a:r>
+          </a:p>
+          <a:p>
+            <a:pPr marL="1200150" lvl="2" indent="-285750" algn="l">
+              <a:buFont typeface="Wingdings" panose="05000000000000000000" pitchFamily="2" charset="2"/>
+              <a:buChar char="Ø"/>
+            </a:pPr>
             <a:r>
               <a:rPr lang="en-CA" sz="1200" dirty="0" smtClean="0"/>
-              <a:t>Premiums via use of different rating indices</a:t>
-            </a:r>
-            <a:endParaRPr lang="en-CA" sz="1200" dirty="0" smtClean="0"/>
+              <a:t>Interest Rate Risk Premiums (Duration Risk) via nature of fixed income instruments</a:t>
+            </a:r>
           </a:p>
           <a:p>
             <a:pPr marL="1200150" lvl="2" indent="-285750" algn="l">
@@ -14900,34 +16246,7 @@
             </a:pPr>
             <a:r>
               <a:rPr lang="en-CA" sz="1200" dirty="0" smtClean="0"/>
-              <a:t>Interest Rate Risk </a:t>
-            </a:r>
-            <a:r>
-              <a:rPr lang="en-CA" sz="1200" dirty="0" smtClean="0"/>
-              <a:t>Premiums </a:t>
-            </a:r>
-            <a:r>
-              <a:rPr lang="en-CA" sz="1200" dirty="0" smtClean="0"/>
-              <a:t>(Duration Risk</a:t>
-            </a:r>
-            <a:r>
-              <a:rPr lang="en-CA" sz="1200" dirty="0" smtClean="0"/>
-              <a:t>) via nature of fixed income instruments</a:t>
-            </a:r>
-            <a:endParaRPr lang="en-CA" sz="1200" dirty="0" smtClean="0"/>
-          </a:p>
-          <a:p>
-            <a:pPr marL="1200150" lvl="2" indent="-285750" algn="l">
-              <a:buFont typeface="Wingdings" panose="05000000000000000000" pitchFamily="2" charset="2"/>
-              <a:buChar char="Ø"/>
-            </a:pPr>
-            <a:r>
-              <a:rPr lang="en-CA" sz="1200" dirty="0" smtClean="0"/>
-              <a:t>Liquidity Risk Premium (Off-the -run vs. On-the-run, Flight to quality</a:t>
-            </a:r>
-            <a:r>
-              <a:rPr lang="en-CA" sz="1200" dirty="0" smtClean="0"/>
-              <a:t>) via investor preference during market distressed periods</a:t>
+              <a:t>Liquidity Risk Premium (Off-the -run vs. On-the-run, Flight to quality) via investor preference during market distressed periods</a:t>
             </a:r>
           </a:p>
           <a:p>
@@ -14939,7 +16258,6 @@
               <a:rPr lang="en-CA" sz="1200" dirty="0" smtClean="0"/>
               <a:t>Changes in option premiums during varying market environments</a:t>
             </a:r>
-            <a:endParaRPr lang="en-CA" sz="1200" dirty="0" smtClean="0"/>
           </a:p>
           <a:p>
             <a:pPr marL="285750" indent="-285750" algn="l">
@@ -15027,11 +16345,7 @@
             </a:pPr>
             <a:r>
               <a:rPr lang="en-CA" sz="1800" dirty="0" smtClean="0"/>
-              <a:t>Empirical </a:t>
-            </a:r>
-            <a:r>
-              <a:rPr lang="en-CA" sz="1800" dirty="0" smtClean="0"/>
-              <a:t>Studies Already Exist</a:t>
+              <a:t>Empirical Studies Already Exist</a:t>
             </a:r>
           </a:p>
           <a:p>
@@ -15190,7 +16504,7 @@
         <p:spPr>
           <a:xfrm>
             <a:off x="457200" y="76200"/>
-            <a:ext cx="8229600" cy="838200"/>
+            <a:ext cx="8229600" cy="533400"/>
           </a:xfrm>
         </p:spPr>
         <p:txBody>
@@ -15200,14 +16514,10 @@
           <a:lstStyle/>
           <a:p>
             <a:r>
-              <a:rPr lang="en-US" sz="2800" dirty="0"/>
+              <a:rPr lang="en-US" sz="2800" dirty="0" smtClean="0"/>
               <a:t>Creating baseline comparisons</a:t>
             </a:r>
-            <a:endParaRPr lang="en-US" sz="2800" dirty="0">
-              <a:solidFill>
-                <a:srgbClr val="FFC000"/>
-              </a:solidFill>
-            </a:endParaRPr>
+            <a:endParaRPr lang="en-US" sz="2800" dirty="0"/>
           </a:p>
         </p:txBody>
       </p:sp>
@@ -15223,8 +16533,8 @@
         </p:nvSpPr>
         <p:spPr>
           <a:xfrm>
-            <a:off x="914400" y="914400"/>
-            <a:ext cx="7315200" cy="5257800"/>
+            <a:off x="914400" y="685800"/>
+            <a:ext cx="7315200" cy="5486400"/>
           </a:xfrm>
         </p:spPr>
         <p:txBody>
@@ -15233,282 +16543,107 @@
           </a:bodyPr>
           <a:lstStyle/>
           <a:p>
-            <a:pPr marL="285750" indent="-285750" algn="l" fontAlgn="base">
-              <a:buFont typeface="Wingdings" panose="05000000000000000000" pitchFamily="2" charset="2"/>
-              <a:buChar char="Ø"/>
-            </a:pPr>
-            <a:r>
-              <a:rPr lang="en-CA" sz="1800" dirty="0"/>
-              <a:t>Additional performance and risk statistics were </a:t>
-            </a:r>
-            <a:r>
-              <a:rPr lang="en-CA" sz="1800" dirty="0" smtClean="0"/>
-              <a:t>also calculated </a:t>
-            </a:r>
-            <a:r>
-              <a:rPr lang="en-CA" sz="1800" dirty="0"/>
-              <a:t>for future </a:t>
-            </a:r>
-            <a:r>
-              <a:rPr lang="en-CA" sz="1800" dirty="0" smtClean="0"/>
-              <a:t>use and for different objectives (i.e. Highest Shape Ratio)</a:t>
-            </a:r>
+            <a:pPr marL="285750" indent="-285750" algn="l">
+              <a:buFont typeface="Wingdings" panose="05000000000000000000" pitchFamily="2" charset="2"/>
+              <a:buChar char="Ø"/>
+            </a:pPr>
+            <a:endParaRPr lang="en-CA" sz="1800" dirty="0" smtClean="0"/>
+          </a:p>
+          <a:p>
+            <a:pPr marL="285750" indent="-285750" algn="l">
+              <a:buFont typeface="Wingdings" panose="05000000000000000000" pitchFamily="2" charset="2"/>
+              <a:buChar char="Ø"/>
+            </a:pPr>
             <a:endParaRPr lang="en-CA" sz="1800" dirty="0"/>
           </a:p>
           <a:p>
-            <a:pPr marL="285750" indent="-285750" algn="l" fontAlgn="base">
+            <a:pPr marL="285750" indent="-285750" algn="l">
               <a:buFont typeface="Wingdings" panose="05000000000000000000" pitchFamily="2" charset="2"/>
               <a:buChar char="Ø"/>
             </a:pPr>
             <a:endParaRPr lang="en-CA" sz="1800" dirty="0" smtClean="0"/>
           </a:p>
           <a:p>
-            <a:pPr marL="285750" indent="-285750" algn="l" fontAlgn="base">
-              <a:buFont typeface="Wingdings" panose="05000000000000000000" pitchFamily="2" charset="2"/>
-              <a:buChar char="Ø"/>
-            </a:pPr>
-            <a:r>
-              <a:rPr lang="en-CA" sz="1800" dirty="0" err="1" smtClean="0"/>
-              <a:t>pyfolio</a:t>
-            </a:r>
-            <a:r>
-              <a:rPr lang="en-CA" sz="1800" dirty="0" smtClean="0"/>
-              <a:t> </a:t>
-            </a:r>
-            <a:r>
-              <a:rPr lang="en-CA" sz="1800" dirty="0"/>
-              <a:t>is a Python library for performance and risk analysis of financial portfolios</a:t>
-            </a:r>
-          </a:p>
-          <a:p>
-            <a:pPr algn="l" fontAlgn="base"/>
+            <a:pPr marL="285750" indent="-285750" algn="l">
+              <a:buFont typeface="Wingdings" panose="05000000000000000000" pitchFamily="2" charset="2"/>
+              <a:buChar char="Ø"/>
+            </a:pPr>
             <a:endParaRPr lang="en-CA" sz="1800" dirty="0"/>
           </a:p>
           <a:p>
-            <a:pPr marL="285750" indent="-285750" algn="l" fontAlgn="base">
-              <a:buFont typeface="Wingdings" panose="05000000000000000000" pitchFamily="2" charset="2"/>
-              <a:buChar char="Ø"/>
-            </a:pPr>
-            <a:r>
-              <a:rPr lang="en-CA" sz="1800" dirty="0"/>
-              <a:t>The </a:t>
-            </a:r>
-            <a:r>
-              <a:rPr lang="en-CA" sz="1800" dirty="0" smtClean="0"/>
-              <a:t>‘</a:t>
-            </a:r>
-            <a:r>
-              <a:rPr lang="en-CA" sz="1800" dirty="0" err="1" smtClean="0"/>
-              <a:t>empyrical</a:t>
-            </a:r>
-            <a:r>
-              <a:rPr lang="en-CA" sz="1800" dirty="0" smtClean="0"/>
-              <a:t>’ library allows for accessing the risk and performance measures, which allows for flexibility in structuring code, as compared to their ‘tear sheet’</a:t>
-            </a:r>
+            <a:pPr marL="285750" indent="-285750" algn="l">
+              <a:buFont typeface="Wingdings" panose="05000000000000000000" pitchFamily="2" charset="2"/>
+              <a:buChar char="Ø"/>
+            </a:pPr>
+            <a:endParaRPr lang="en-CA" sz="1800" dirty="0"/>
           </a:p>
           <a:p>
             <a:pPr marL="742950" lvl="1" indent="-285750" algn="l">
               <a:buFont typeface="Wingdings" panose="05000000000000000000" pitchFamily="2" charset="2"/>
               <a:buChar char="Ø"/>
             </a:pPr>
-            <a:r>
-              <a:rPr lang="en-CA" sz="1400" dirty="0" err="1" smtClean="0"/>
-              <a:t>empyrical.annual_return</a:t>
-            </a:r>
-            <a:r>
-              <a:rPr lang="en-CA" sz="1400" dirty="0" smtClean="0"/>
-              <a:t>(</a:t>
-            </a:r>
-            <a:r>
-              <a:rPr lang="en-CA" sz="1400" dirty="0" err="1" smtClean="0"/>
-              <a:t>algo_performance_series</a:t>
-            </a:r>
-            <a:r>
-              <a:rPr lang="en-CA" sz="1400" dirty="0"/>
-              <a:t>),</a:t>
-            </a:r>
-          </a:p>
-          <a:p>
-            <a:pPr marL="742950" lvl="1" indent="-285750" algn="l">
-              <a:buFont typeface="Wingdings" panose="05000000000000000000" pitchFamily="2" charset="2"/>
-              <a:buChar char="Ø"/>
-            </a:pPr>
-            <a:r>
-              <a:rPr lang="en-CA" sz="1400" dirty="0" err="1"/>
-              <a:t>empyrical.annual_volatility</a:t>
-            </a:r>
-            <a:r>
-              <a:rPr lang="en-CA" sz="1400" dirty="0"/>
-              <a:t>(</a:t>
-            </a:r>
-            <a:r>
-              <a:rPr lang="en-CA" sz="1400" dirty="0" err="1"/>
-              <a:t>algo_performance_series</a:t>
-            </a:r>
-            <a:r>
-              <a:rPr lang="en-CA" sz="1400" dirty="0"/>
-              <a:t>),</a:t>
-            </a:r>
-          </a:p>
-          <a:p>
-            <a:pPr marL="742950" lvl="1" indent="-285750" algn="l">
-              <a:buFont typeface="Wingdings" panose="05000000000000000000" pitchFamily="2" charset="2"/>
-              <a:buChar char="Ø"/>
-            </a:pPr>
-            <a:r>
-              <a:rPr lang="en-CA" sz="1400" dirty="0" err="1"/>
-              <a:t>empyrical.sharpe_ratio</a:t>
-            </a:r>
-            <a:r>
-              <a:rPr lang="en-CA" sz="1400" dirty="0"/>
-              <a:t>(</a:t>
-            </a:r>
-            <a:r>
-              <a:rPr lang="en-CA" sz="1400" dirty="0" err="1"/>
-              <a:t>algo_performance_series</a:t>
-            </a:r>
-            <a:r>
-              <a:rPr lang="en-CA" sz="1400" dirty="0"/>
-              <a:t>),</a:t>
-            </a:r>
-          </a:p>
-          <a:p>
-            <a:pPr marL="742950" lvl="1" indent="-285750" algn="l">
-              <a:buFont typeface="Wingdings" panose="05000000000000000000" pitchFamily="2" charset="2"/>
-              <a:buChar char="Ø"/>
-            </a:pPr>
-            <a:r>
-              <a:rPr lang="en-CA" sz="1400" dirty="0" err="1"/>
-              <a:t>empyrical.calmar_ratio</a:t>
-            </a:r>
-            <a:r>
-              <a:rPr lang="en-CA" sz="1400" dirty="0"/>
-              <a:t>(</a:t>
-            </a:r>
-            <a:r>
-              <a:rPr lang="en-CA" sz="1400" dirty="0" err="1"/>
-              <a:t>algo_performance_series</a:t>
-            </a:r>
-            <a:r>
-              <a:rPr lang="en-CA" sz="1400" dirty="0"/>
-              <a:t>),</a:t>
-            </a:r>
-          </a:p>
-          <a:p>
-            <a:pPr marL="742950" lvl="1" indent="-285750" algn="l">
-              <a:buFont typeface="Wingdings" panose="05000000000000000000" pitchFamily="2" charset="2"/>
-              <a:buChar char="Ø"/>
-            </a:pPr>
-            <a:r>
-              <a:rPr lang="en-CA" sz="1400" dirty="0" err="1"/>
-              <a:t>empyrical.max_drawdown</a:t>
-            </a:r>
-            <a:r>
-              <a:rPr lang="en-CA" sz="1400" dirty="0"/>
-              <a:t>(</a:t>
-            </a:r>
-            <a:r>
-              <a:rPr lang="en-CA" sz="1400" dirty="0" err="1"/>
-              <a:t>algo_performance_series</a:t>
-            </a:r>
-            <a:r>
-              <a:rPr lang="en-CA" sz="1400" dirty="0"/>
-              <a:t>),</a:t>
-            </a:r>
-          </a:p>
-          <a:p>
-            <a:pPr marL="742950" lvl="1" indent="-285750" algn="l">
-              <a:buFont typeface="Wingdings" panose="05000000000000000000" pitchFamily="2" charset="2"/>
-              <a:buChar char="Ø"/>
-            </a:pPr>
-            <a:r>
-              <a:rPr lang="en-CA" sz="1400" dirty="0" err="1"/>
-              <a:t>empyrical.sortino_ratio</a:t>
-            </a:r>
-            <a:r>
-              <a:rPr lang="en-CA" sz="1400" dirty="0"/>
-              <a:t>(</a:t>
-            </a:r>
-            <a:r>
-              <a:rPr lang="en-CA" sz="1400" dirty="0" err="1"/>
-              <a:t>algo_performance_series</a:t>
-            </a:r>
-            <a:r>
-              <a:rPr lang="en-CA" sz="1400" dirty="0"/>
-              <a:t>),</a:t>
-            </a:r>
-          </a:p>
-          <a:p>
-            <a:pPr marL="742950" lvl="1" indent="-285750" algn="l">
-              <a:buFont typeface="Wingdings" panose="05000000000000000000" pitchFamily="2" charset="2"/>
-              <a:buChar char="Ø"/>
-            </a:pPr>
-            <a:r>
-              <a:rPr lang="en-CA" sz="1400" dirty="0" err="1"/>
-              <a:t>empyrical.alpha</a:t>
-            </a:r>
-            <a:r>
-              <a:rPr lang="en-CA" sz="1400" dirty="0"/>
-              <a:t>(</a:t>
-            </a:r>
-            <a:r>
-              <a:rPr lang="en-CA" sz="1400" dirty="0" err="1"/>
-              <a:t>algo_performance_series,Equity_performance_series</a:t>
-            </a:r>
-            <a:r>
-              <a:rPr lang="en-CA" sz="1400" dirty="0"/>
-              <a:t>),</a:t>
-            </a:r>
-          </a:p>
-          <a:p>
-            <a:pPr marL="742950" lvl="1" indent="-285750" algn="l">
-              <a:buFont typeface="Wingdings" panose="05000000000000000000" pitchFamily="2" charset="2"/>
-              <a:buChar char="Ø"/>
-            </a:pPr>
-            <a:r>
-              <a:rPr lang="en-CA" sz="1400" dirty="0" err="1"/>
-              <a:t>empyrical.beta</a:t>
-            </a:r>
-            <a:r>
-              <a:rPr lang="en-CA" sz="1400" dirty="0"/>
-              <a:t>(</a:t>
-            </a:r>
-            <a:r>
-              <a:rPr lang="en-CA" sz="1400" dirty="0" err="1"/>
-              <a:t>algo_performance_series,Equity_performance_series</a:t>
-            </a:r>
-            <a:r>
-              <a:rPr lang="en-CA" sz="1400" dirty="0"/>
-              <a:t>)</a:t>
-            </a:r>
-          </a:p>
-          <a:p>
-            <a:pPr marL="742950" lvl="1" indent="-285750" algn="l" fontAlgn="base">
-              <a:buFont typeface="Wingdings" panose="05000000000000000000" pitchFamily="2" charset="2"/>
-              <a:buChar char="Ø"/>
-            </a:pPr>
-            <a:endParaRPr lang="en-CA" sz="1400" dirty="0" smtClean="0"/>
-          </a:p>
-          <a:p>
-            <a:pPr marL="285750" indent="-285750" algn="l" fontAlgn="base">
-              <a:buFont typeface="Wingdings" panose="05000000000000000000" pitchFamily="2" charset="2"/>
-              <a:buChar char="Ø"/>
-            </a:pPr>
-            <a:endParaRPr lang="en-CA" sz="1800" dirty="0" smtClean="0"/>
-          </a:p>
-          <a:p>
-            <a:pPr marL="742950" lvl="1" indent="-285750" algn="l" fontAlgn="base">
-              <a:buFont typeface="Wingdings" panose="05000000000000000000" pitchFamily="2" charset="2"/>
-              <a:buChar char="Ø"/>
-            </a:pPr>
-            <a:endParaRPr lang="en-CA" sz="1400" dirty="0"/>
+            <a:endParaRPr lang="en-CA" sz="1600" dirty="0" smtClean="0"/>
           </a:p>
         </p:txBody>
       </p:sp>
+      <p:pic>
+        <p:nvPicPr>
+          <p:cNvPr id="40963" name="Picture 3"/>
+          <p:cNvPicPr>
+            <a:picLocks noChangeAspect="1" noChangeArrowheads="1"/>
+          </p:cNvPicPr>
+          <p:nvPr/>
+        </p:nvPicPr>
+        <p:blipFill>
+          <a:blip r:embed="rId2">
+            <a:extLst>
+              <a:ext uri="{28A0092B-C50C-407E-A947-70E740481C1C}">
+                <a14:useLocalDpi xmlns:a14="http://schemas.microsoft.com/office/drawing/2010/main" val="0"/>
+              </a:ext>
+            </a:extLst>
+          </a:blip>
+          <a:srcRect/>
+          <a:stretch>
+            <a:fillRect/>
+          </a:stretch>
+        </p:blipFill>
+        <p:spPr bwMode="auto">
+          <a:xfrm>
+            <a:off x="0" y="828675"/>
+            <a:ext cx="9143999" cy="4559474"/>
+          </a:xfrm>
+          <a:prstGeom prst="rect">
+            <a:avLst/>
+          </a:prstGeom>
+          <a:noFill/>
+          <a:ln>
+            <a:noFill/>
+          </a:ln>
+          <a:extLst>
+            <a:ext uri="{909E8E84-426E-40DD-AFC4-6F175D3DCCD1}">
+              <a14:hiddenFill xmlns:a14="http://schemas.microsoft.com/office/drawing/2010/main">
+                <a:solidFill>
+                  <a:schemeClr val="accent1"/>
+                </a:solidFill>
+              </a14:hiddenFill>
+            </a:ext>
+            <a:ext uri="{91240B29-F687-4F45-9708-019B960494DF}">
+              <a14:hiddenLine xmlns:a14="http://schemas.microsoft.com/office/drawing/2010/main" w="9525">
+                <a:solidFill>
+                  <a:schemeClr val="tx1"/>
+                </a:solidFill>
+                <a:miter lim="800000"/>
+                <a:headEnd/>
+                <a:tailEnd/>
+              </a14:hiddenLine>
+            </a:ext>
+          </a:extLst>
+        </p:spPr>
+      </p:pic>
     </p:spTree>
     <p:extLst>
       <p:ext uri="{BB962C8B-B14F-4D97-AF65-F5344CB8AC3E}">
-        <p14:creationId xmlns:p14="http://schemas.microsoft.com/office/powerpoint/2010/main" val="3915572104"/>
+        <p14:creationId xmlns:p14="http://schemas.microsoft.com/office/powerpoint/2010/main" val="2879704564"/>
       </p:ext>
     </p:extLst>
   </p:cSld>
@@ -15567,7 +16702,7 @@
         <p:spPr>
           <a:xfrm>
             <a:off x="457200" y="76200"/>
-            <a:ext cx="8229600" cy="533400"/>
+            <a:ext cx="8229600" cy="838200"/>
           </a:xfrm>
         </p:spPr>
         <p:txBody>
@@ -15577,10 +16712,14 @@
           <a:lstStyle/>
           <a:p>
             <a:r>
-              <a:rPr lang="en-US" sz="2800" dirty="0" smtClean="0"/>
-              <a:t>In-sample return path</a:t>
-            </a:r>
-            <a:endParaRPr lang="en-US" sz="2800" dirty="0"/>
+              <a:rPr lang="en-US" sz="2800" dirty="0"/>
+              <a:t>Creating baseline comparisons</a:t>
+            </a:r>
+            <a:endParaRPr lang="en-US" sz="2800" dirty="0">
+              <a:solidFill>
+                <a:srgbClr val="FFC000"/>
+              </a:solidFill>
+            </a:endParaRPr>
           </a:p>
         </p:txBody>
       </p:sp>
@@ -15596,8 +16735,8 @@
         </p:nvSpPr>
         <p:spPr>
           <a:xfrm>
-            <a:off x="914400" y="685800"/>
-            <a:ext cx="7315200" cy="5867400"/>
+            <a:off x="914400" y="914400"/>
+            <a:ext cx="7315200" cy="5257800"/>
           </a:xfrm>
         </p:spPr>
         <p:txBody>
@@ -15606,514 +16745,282 @@
           </a:bodyPr>
           <a:lstStyle/>
           <a:p>
-            <a:pPr marL="285750" indent="-285750" algn="l">
+            <a:pPr marL="285750" indent="-285750" algn="l" fontAlgn="base">
+              <a:buFont typeface="Wingdings" panose="05000000000000000000" pitchFamily="2" charset="2"/>
+              <a:buChar char="Ø"/>
+            </a:pPr>
+            <a:r>
+              <a:rPr lang="en-CA" sz="1800" dirty="0"/>
+              <a:t>Additional performance and risk statistics were </a:t>
+            </a:r>
+            <a:r>
+              <a:rPr lang="en-CA" sz="1800" dirty="0" smtClean="0"/>
+              <a:t>also calculated </a:t>
+            </a:r>
+            <a:r>
+              <a:rPr lang="en-CA" sz="1800" dirty="0"/>
+              <a:t>for future </a:t>
+            </a:r>
+            <a:r>
+              <a:rPr lang="en-CA" sz="1800" dirty="0" smtClean="0"/>
+              <a:t>use and for different objectives (i.e. Highest Shape Ratio)</a:t>
+            </a:r>
+            <a:endParaRPr lang="en-CA" sz="1800" dirty="0"/>
+          </a:p>
+          <a:p>
+            <a:pPr marL="285750" indent="-285750" algn="l" fontAlgn="base">
               <a:buFont typeface="Wingdings" panose="05000000000000000000" pitchFamily="2" charset="2"/>
               <a:buChar char="Ø"/>
             </a:pPr>
             <a:endParaRPr lang="en-CA" sz="1800" dirty="0" smtClean="0"/>
           </a:p>
           <a:p>
-            <a:pPr marL="285750" indent="-285750" algn="l">
-              <a:buFont typeface="Wingdings" panose="05000000000000000000" pitchFamily="2" charset="2"/>
-              <a:buChar char="Ø"/>
-            </a:pPr>
+            <a:pPr marL="285750" indent="-285750" algn="l" fontAlgn="base">
+              <a:buFont typeface="Wingdings" panose="05000000000000000000" pitchFamily="2" charset="2"/>
+              <a:buChar char="Ø"/>
+            </a:pPr>
+            <a:r>
+              <a:rPr lang="en-CA" sz="1800" dirty="0" err="1" smtClean="0"/>
+              <a:t>pyfolio</a:t>
+            </a:r>
+            <a:r>
+              <a:rPr lang="en-CA" sz="1800" dirty="0" smtClean="0"/>
+              <a:t> </a:t>
+            </a:r>
+            <a:r>
+              <a:rPr lang="en-CA" sz="1800" dirty="0"/>
+              <a:t>is a Python library for performance and risk analysis of financial portfolios</a:t>
+            </a:r>
+          </a:p>
+          <a:p>
+            <a:pPr algn="l" fontAlgn="base"/>
             <a:endParaRPr lang="en-CA" sz="1800" dirty="0"/>
           </a:p>
           <a:p>
-            <a:pPr marL="285750" indent="-285750" algn="l">
+            <a:pPr marL="285750" indent="-285750" algn="l" fontAlgn="base">
+              <a:buFont typeface="Wingdings" panose="05000000000000000000" pitchFamily="2" charset="2"/>
+              <a:buChar char="Ø"/>
+            </a:pPr>
+            <a:r>
+              <a:rPr lang="en-CA" sz="1800" dirty="0"/>
+              <a:t>The </a:t>
+            </a:r>
+            <a:r>
+              <a:rPr lang="en-CA" sz="1800" dirty="0" smtClean="0"/>
+              <a:t>‘</a:t>
+            </a:r>
+            <a:r>
+              <a:rPr lang="en-CA" sz="1800" dirty="0" err="1" smtClean="0"/>
+              <a:t>empyrical</a:t>
+            </a:r>
+            <a:r>
+              <a:rPr lang="en-CA" sz="1800" dirty="0" smtClean="0"/>
+              <a:t>’ library allows for accessing the risk and performance measures, which allows for flexibility in structuring code, as compared to their ‘tear sheet’</a:t>
+            </a:r>
+          </a:p>
+          <a:p>
+            <a:pPr marL="742950" lvl="1" indent="-285750" algn="l">
+              <a:buFont typeface="Wingdings" panose="05000000000000000000" pitchFamily="2" charset="2"/>
+              <a:buChar char="Ø"/>
+            </a:pPr>
+            <a:r>
+              <a:rPr lang="en-CA" sz="1400" dirty="0" err="1" smtClean="0"/>
+              <a:t>empyrical.annual_return</a:t>
+            </a:r>
+            <a:r>
+              <a:rPr lang="en-CA" sz="1400" dirty="0" smtClean="0"/>
+              <a:t>(</a:t>
+            </a:r>
+            <a:r>
+              <a:rPr lang="en-CA" sz="1400" dirty="0" err="1" smtClean="0"/>
+              <a:t>algo_performance_series</a:t>
+            </a:r>
+            <a:r>
+              <a:rPr lang="en-CA" sz="1400" dirty="0"/>
+              <a:t>),</a:t>
+            </a:r>
+          </a:p>
+          <a:p>
+            <a:pPr marL="742950" lvl="1" indent="-285750" algn="l">
+              <a:buFont typeface="Wingdings" panose="05000000000000000000" pitchFamily="2" charset="2"/>
+              <a:buChar char="Ø"/>
+            </a:pPr>
+            <a:r>
+              <a:rPr lang="en-CA" sz="1400" dirty="0" err="1"/>
+              <a:t>empyrical.annual_volatility</a:t>
+            </a:r>
+            <a:r>
+              <a:rPr lang="en-CA" sz="1400" dirty="0"/>
+              <a:t>(</a:t>
+            </a:r>
+            <a:r>
+              <a:rPr lang="en-CA" sz="1400" dirty="0" err="1"/>
+              <a:t>algo_performance_series</a:t>
+            </a:r>
+            <a:r>
+              <a:rPr lang="en-CA" sz="1400" dirty="0"/>
+              <a:t>),</a:t>
+            </a:r>
+          </a:p>
+          <a:p>
+            <a:pPr marL="742950" lvl="1" indent="-285750" algn="l">
+              <a:buFont typeface="Wingdings" panose="05000000000000000000" pitchFamily="2" charset="2"/>
+              <a:buChar char="Ø"/>
+            </a:pPr>
+            <a:r>
+              <a:rPr lang="en-CA" sz="1400" dirty="0" err="1"/>
+              <a:t>empyrical.sharpe_ratio</a:t>
+            </a:r>
+            <a:r>
+              <a:rPr lang="en-CA" sz="1400" dirty="0"/>
+              <a:t>(</a:t>
+            </a:r>
+            <a:r>
+              <a:rPr lang="en-CA" sz="1400" dirty="0" err="1"/>
+              <a:t>algo_performance_series</a:t>
+            </a:r>
+            <a:r>
+              <a:rPr lang="en-CA" sz="1400" dirty="0"/>
+              <a:t>),</a:t>
+            </a:r>
+          </a:p>
+          <a:p>
+            <a:pPr marL="742950" lvl="1" indent="-285750" algn="l">
+              <a:buFont typeface="Wingdings" panose="05000000000000000000" pitchFamily="2" charset="2"/>
+              <a:buChar char="Ø"/>
+            </a:pPr>
+            <a:r>
+              <a:rPr lang="en-CA" sz="1400" dirty="0" err="1"/>
+              <a:t>empyrical.calmar_ratio</a:t>
+            </a:r>
+            <a:r>
+              <a:rPr lang="en-CA" sz="1400" dirty="0"/>
+              <a:t>(</a:t>
+            </a:r>
+            <a:r>
+              <a:rPr lang="en-CA" sz="1400" dirty="0" err="1"/>
+              <a:t>algo_performance_series</a:t>
+            </a:r>
+            <a:r>
+              <a:rPr lang="en-CA" sz="1400" dirty="0"/>
+              <a:t>),</a:t>
+            </a:r>
+          </a:p>
+          <a:p>
+            <a:pPr marL="742950" lvl="1" indent="-285750" algn="l">
+              <a:buFont typeface="Wingdings" panose="05000000000000000000" pitchFamily="2" charset="2"/>
+              <a:buChar char="Ø"/>
+            </a:pPr>
+            <a:r>
+              <a:rPr lang="en-CA" sz="1400" dirty="0" err="1"/>
+              <a:t>empyrical.max_drawdown</a:t>
+            </a:r>
+            <a:r>
+              <a:rPr lang="en-CA" sz="1400" dirty="0"/>
+              <a:t>(</a:t>
+            </a:r>
+            <a:r>
+              <a:rPr lang="en-CA" sz="1400" dirty="0" err="1"/>
+              <a:t>algo_performance_series</a:t>
+            </a:r>
+            <a:r>
+              <a:rPr lang="en-CA" sz="1400" dirty="0"/>
+              <a:t>),</a:t>
+            </a:r>
+          </a:p>
+          <a:p>
+            <a:pPr marL="742950" lvl="1" indent="-285750" algn="l">
+              <a:buFont typeface="Wingdings" panose="05000000000000000000" pitchFamily="2" charset="2"/>
+              <a:buChar char="Ø"/>
+            </a:pPr>
+            <a:r>
+              <a:rPr lang="en-CA" sz="1400" dirty="0" err="1"/>
+              <a:t>empyrical.sortino_ratio</a:t>
+            </a:r>
+            <a:r>
+              <a:rPr lang="en-CA" sz="1400" dirty="0"/>
+              <a:t>(</a:t>
+            </a:r>
+            <a:r>
+              <a:rPr lang="en-CA" sz="1400" dirty="0" err="1"/>
+              <a:t>algo_performance_series</a:t>
+            </a:r>
+            <a:r>
+              <a:rPr lang="en-CA" sz="1400" dirty="0"/>
+              <a:t>),</a:t>
+            </a:r>
+          </a:p>
+          <a:p>
+            <a:pPr marL="742950" lvl="1" indent="-285750" algn="l">
+              <a:buFont typeface="Wingdings" panose="05000000000000000000" pitchFamily="2" charset="2"/>
+              <a:buChar char="Ø"/>
+            </a:pPr>
+            <a:r>
+              <a:rPr lang="en-CA" sz="1400" dirty="0" err="1"/>
+              <a:t>empyrical.alpha</a:t>
+            </a:r>
+            <a:r>
+              <a:rPr lang="en-CA" sz="1400" dirty="0"/>
+              <a:t>(</a:t>
+            </a:r>
+            <a:r>
+              <a:rPr lang="en-CA" sz="1400" dirty="0" err="1"/>
+              <a:t>algo_performance_series,Equity_performance_series</a:t>
+            </a:r>
+            <a:r>
+              <a:rPr lang="en-CA" sz="1400" dirty="0"/>
+              <a:t>),</a:t>
+            </a:r>
+          </a:p>
+          <a:p>
+            <a:pPr marL="742950" lvl="1" indent="-285750" algn="l">
+              <a:buFont typeface="Wingdings" panose="05000000000000000000" pitchFamily="2" charset="2"/>
+              <a:buChar char="Ø"/>
+            </a:pPr>
+            <a:r>
+              <a:rPr lang="en-CA" sz="1400" dirty="0" err="1"/>
+              <a:t>empyrical.beta</a:t>
+            </a:r>
+            <a:r>
+              <a:rPr lang="en-CA" sz="1400" dirty="0"/>
+              <a:t>(</a:t>
+            </a:r>
+            <a:r>
+              <a:rPr lang="en-CA" sz="1400" dirty="0" err="1"/>
+              <a:t>algo_performance_series,Equity_performance_series</a:t>
+            </a:r>
+            <a:r>
+              <a:rPr lang="en-CA" sz="1400" dirty="0"/>
+              <a:t>)</a:t>
+            </a:r>
+          </a:p>
+          <a:p>
+            <a:pPr marL="742950" lvl="1" indent="-285750" algn="l" fontAlgn="base">
+              <a:buFont typeface="Wingdings" panose="05000000000000000000" pitchFamily="2" charset="2"/>
+              <a:buChar char="Ø"/>
+            </a:pPr>
+            <a:endParaRPr lang="en-CA" sz="1400" dirty="0" smtClean="0"/>
+          </a:p>
+          <a:p>
+            <a:pPr marL="285750" indent="-285750" algn="l" fontAlgn="base">
               <a:buFont typeface="Wingdings" panose="05000000000000000000" pitchFamily="2" charset="2"/>
               <a:buChar char="Ø"/>
             </a:pPr>
             <a:endParaRPr lang="en-CA" sz="1800" dirty="0" smtClean="0"/>
           </a:p>
           <a:p>
-            <a:pPr marL="285750" indent="-285750" algn="l">
-              <a:buFont typeface="Wingdings" panose="05000000000000000000" pitchFamily="2" charset="2"/>
-              <a:buChar char="Ø"/>
-            </a:pPr>
-            <a:endParaRPr lang="en-CA" sz="1800" dirty="0"/>
-          </a:p>
-          <a:p>
-            <a:pPr marL="285750" indent="-285750" algn="l">
-              <a:buFont typeface="Wingdings" panose="05000000000000000000" pitchFamily="2" charset="2"/>
-              <a:buChar char="Ø"/>
-            </a:pPr>
-            <a:endParaRPr lang="en-CA" sz="1800" dirty="0"/>
-          </a:p>
-          <a:p>
-            <a:pPr marL="742950" lvl="1" indent="-285750" algn="l">
-              <a:buFont typeface="Wingdings" panose="05000000000000000000" pitchFamily="2" charset="2"/>
-              <a:buChar char="Ø"/>
-            </a:pPr>
-            <a:endParaRPr lang="en-CA" sz="1600" dirty="0" smtClean="0"/>
-          </a:p>
-        </p:txBody>
-      </p:sp>
-      <p:pic>
-        <p:nvPicPr>
-          <p:cNvPr id="41986" name="Picture 2"/>
-          <p:cNvPicPr>
-            <a:picLocks noChangeAspect="1" noChangeArrowheads="1"/>
-          </p:cNvPicPr>
-          <p:nvPr/>
-        </p:nvPicPr>
-        <p:blipFill>
-          <a:blip r:embed="rId2">
-            <a:extLst>
-              <a:ext uri="{28A0092B-C50C-407E-A947-70E740481C1C}">
-                <a14:useLocalDpi xmlns:a14="http://schemas.microsoft.com/office/drawing/2010/main" val="0"/>
-              </a:ext>
-            </a:extLst>
-          </a:blip>
-          <a:srcRect/>
-          <a:stretch>
-            <a:fillRect/>
-          </a:stretch>
-        </p:blipFill>
-        <p:spPr bwMode="auto">
-          <a:xfrm>
-            <a:off x="0" y="685800"/>
-            <a:ext cx="9143999" cy="4602278"/>
-          </a:xfrm>
-          <a:prstGeom prst="rect">
-            <a:avLst/>
-          </a:prstGeom>
-          <a:noFill/>
-          <a:ln>
-            <a:noFill/>
-          </a:ln>
-          <a:extLst>
-            <a:ext uri="{909E8E84-426E-40DD-AFC4-6F175D3DCCD1}">
-              <a14:hiddenFill xmlns:a14="http://schemas.microsoft.com/office/drawing/2010/main">
-                <a:solidFill>
-                  <a:schemeClr val="accent1"/>
-                </a:solidFill>
-              </a14:hiddenFill>
-            </a:ext>
-            <a:ext uri="{91240B29-F687-4F45-9708-019B960494DF}">
-              <a14:hiddenLine xmlns:a14="http://schemas.microsoft.com/office/drawing/2010/main" w="9525">
-                <a:solidFill>
-                  <a:schemeClr val="tx1"/>
-                </a:solidFill>
-                <a:miter lim="800000"/>
-                <a:headEnd/>
-                <a:tailEnd/>
-              </a14:hiddenLine>
-            </a:ext>
-          </a:extLst>
-        </p:spPr>
-      </p:pic>
-      <p:sp>
-        <p:nvSpPr>
-          <p:cNvPr id="7" name="Subtitle 2"/>
-          <p:cNvSpPr txBox="1">
-            <a:spLocks/>
-          </p:cNvSpPr>
-          <p:nvPr/>
-        </p:nvSpPr>
-        <p:spPr>
-          <a:xfrm>
-            <a:off x="914400" y="914400"/>
-            <a:ext cx="7315200" cy="5715000"/>
-          </a:xfrm>
-          <a:prstGeom prst="rect">
-            <a:avLst/>
-          </a:prstGeom>
-        </p:spPr>
-        <p:txBody>
-          <a:bodyPr vert="horz">
-            <a:normAutofit/>
-          </a:bodyPr>
-          <a:lstStyle>
-            <a:lvl1pPr marL="0" indent="0" algn="ctr" rtl="0" eaLnBrk="1" latinLnBrk="0" hangingPunct="1">
-              <a:spcBef>
-                <a:spcPct val="20000"/>
-              </a:spcBef>
-              <a:buClr>
-                <a:schemeClr val="tx1">
-                  <a:shade val="95000"/>
-                </a:schemeClr>
-              </a:buClr>
-              <a:buSzPct val="65000"/>
-              <a:buFont typeface="Wingdings 2"/>
-              <a:buNone/>
-              <a:defRPr kumimoji="0" sz="2800" kern="1200">
-                <a:solidFill>
-                  <a:schemeClr val="tx1"/>
-                </a:solidFill>
-                <a:latin typeface="+mn-lt"/>
-                <a:ea typeface="+mn-ea"/>
-                <a:cs typeface="+mn-cs"/>
-              </a:defRPr>
-            </a:lvl1pPr>
-            <a:lvl2pPr marL="457200" indent="0" algn="ctr" rtl="0" eaLnBrk="1" latinLnBrk="0" hangingPunct="1">
-              <a:spcBef>
-                <a:spcPct val="20000"/>
-              </a:spcBef>
-              <a:buClr>
-                <a:schemeClr val="tx1"/>
-              </a:buClr>
-              <a:buSzPct val="80000"/>
-              <a:buFont typeface="Wingdings 2"/>
-              <a:buNone/>
-              <a:defRPr kumimoji="0" sz="2400" kern="1200">
-                <a:solidFill>
-                  <a:schemeClr val="tx1"/>
-                </a:solidFill>
-                <a:latin typeface="+mn-lt"/>
-                <a:ea typeface="+mn-ea"/>
-                <a:cs typeface="+mn-cs"/>
-              </a:defRPr>
-            </a:lvl2pPr>
-            <a:lvl3pPr marL="914400" indent="0" algn="ctr" rtl="0" eaLnBrk="1" latinLnBrk="0" hangingPunct="1">
-              <a:spcBef>
-                <a:spcPct val="20000"/>
-              </a:spcBef>
-              <a:buClr>
-                <a:schemeClr val="tx1"/>
-              </a:buClr>
-              <a:buSzPct val="95000"/>
-              <a:buFont typeface="Wingdings"/>
-              <a:buNone/>
-              <a:defRPr kumimoji="0" sz="2200" kern="1200">
-                <a:solidFill>
-                  <a:schemeClr val="tx1"/>
-                </a:solidFill>
-                <a:latin typeface="+mn-lt"/>
-                <a:ea typeface="+mn-ea"/>
-                <a:cs typeface="+mn-cs"/>
-              </a:defRPr>
-            </a:lvl3pPr>
-            <a:lvl4pPr marL="1371600" indent="0" algn="ctr" rtl="0" eaLnBrk="1" latinLnBrk="0" hangingPunct="1">
-              <a:spcBef>
-                <a:spcPct val="20000"/>
-              </a:spcBef>
-              <a:buClr>
-                <a:schemeClr val="tx1"/>
-              </a:buClr>
-              <a:buSzPct val="100000"/>
-              <a:buFont typeface="Wingdings 3"/>
-              <a:buNone/>
-              <a:defRPr kumimoji="0" sz="2000" kern="1200">
-                <a:solidFill>
-                  <a:schemeClr val="tx1"/>
-                </a:solidFill>
-                <a:latin typeface="+mn-lt"/>
-                <a:ea typeface="+mn-ea"/>
-                <a:cs typeface="+mn-cs"/>
-              </a:defRPr>
-            </a:lvl4pPr>
-            <a:lvl5pPr marL="1828800" indent="0" algn="ctr" rtl="0" eaLnBrk="1" latinLnBrk="0" hangingPunct="1">
-              <a:spcBef>
-                <a:spcPct val="20000"/>
-              </a:spcBef>
-              <a:buClr>
-                <a:schemeClr val="tx1"/>
-              </a:buClr>
-              <a:buFont typeface="Wingdings 2"/>
-              <a:buNone/>
-              <a:defRPr kumimoji="0" sz="2000" kern="1200">
-                <a:solidFill>
-                  <a:schemeClr val="tx1"/>
-                </a:solidFill>
-                <a:latin typeface="+mn-lt"/>
-                <a:ea typeface="+mn-ea"/>
-                <a:cs typeface="+mn-cs"/>
-              </a:defRPr>
-            </a:lvl5pPr>
-            <a:lvl6pPr marL="2286000" indent="0" algn="ctr" rtl="0" eaLnBrk="1" latinLnBrk="0" hangingPunct="1">
-              <a:spcBef>
-                <a:spcPct val="20000"/>
-              </a:spcBef>
-              <a:buClr>
-                <a:schemeClr val="tx1"/>
-              </a:buClr>
-              <a:buFont typeface="Wingdings 3"/>
-              <a:buNone/>
-              <a:defRPr kumimoji="0" sz="1800" kern="1200">
-                <a:solidFill>
-                  <a:schemeClr val="tx1"/>
-                </a:solidFill>
-                <a:latin typeface="+mn-lt"/>
-                <a:ea typeface="+mn-ea"/>
-                <a:cs typeface="+mn-cs"/>
-              </a:defRPr>
-            </a:lvl6pPr>
-            <a:lvl7pPr marL="2743200" indent="0" algn="ctr" rtl="0" eaLnBrk="1" latinLnBrk="0" hangingPunct="1">
-              <a:spcBef>
-                <a:spcPct val="20000"/>
-              </a:spcBef>
-              <a:buClr>
-                <a:schemeClr val="tx1"/>
-              </a:buClr>
-              <a:buFont typeface="Wingdings 2"/>
-              <a:buNone/>
-              <a:defRPr kumimoji="0" sz="1600" kern="1200">
-                <a:solidFill>
-                  <a:schemeClr val="tx1"/>
-                </a:solidFill>
-                <a:latin typeface="+mn-lt"/>
-                <a:ea typeface="+mn-ea"/>
-                <a:cs typeface="+mn-cs"/>
-              </a:defRPr>
-            </a:lvl7pPr>
-            <a:lvl8pPr marL="3200400" indent="0" algn="ctr" rtl="0" eaLnBrk="1" latinLnBrk="0" hangingPunct="1">
-              <a:spcBef>
-                <a:spcPct val="20000"/>
-              </a:spcBef>
-              <a:buClr>
-                <a:schemeClr val="tx1"/>
-              </a:buClr>
-              <a:buFont typeface="Wingdings 2"/>
-              <a:buNone/>
-              <a:defRPr kumimoji="0" sz="1400" kern="1200">
-                <a:solidFill>
-                  <a:schemeClr val="tx1"/>
-                </a:solidFill>
-                <a:latin typeface="+mn-lt"/>
-                <a:ea typeface="+mn-ea"/>
-                <a:cs typeface="+mn-cs"/>
-              </a:defRPr>
-            </a:lvl8pPr>
-            <a:lvl9pPr marL="3657600" indent="0" algn="ctr" rtl="0" eaLnBrk="1" latinLnBrk="0" hangingPunct="1">
-              <a:spcBef>
-                <a:spcPct val="20000"/>
-              </a:spcBef>
-              <a:buClr>
-                <a:schemeClr val="tx1"/>
-              </a:buClr>
-              <a:buFont typeface="Wingdings 2"/>
-              <a:buNone/>
-              <a:defRPr kumimoji="0" sz="1400" kern="1200" baseline="0">
-                <a:solidFill>
-                  <a:schemeClr val="tx1"/>
-                </a:solidFill>
-                <a:latin typeface="+mn-lt"/>
-                <a:ea typeface="+mn-ea"/>
-                <a:cs typeface="+mn-cs"/>
-              </a:defRPr>
-            </a:lvl9pPr>
-          </a:lstStyle>
-          <a:p>
-            <a:pPr marL="285750" indent="-285750" algn="l" fontAlgn="base">
-              <a:buFont typeface="Wingdings" panose="05000000000000000000" pitchFamily="2" charset="2"/>
-              <a:buChar char="Ø"/>
-            </a:pPr>
-            <a:endParaRPr lang="en-CA" sz="1400" dirty="0" smtClean="0"/>
-          </a:p>
-          <a:p>
-            <a:pPr marL="285750" indent="-285750" algn="l" fontAlgn="base">
+            <a:pPr marL="742950" lvl="1" indent="-285750" algn="l" fontAlgn="base">
               <a:buFont typeface="Wingdings" panose="05000000000000000000" pitchFamily="2" charset="2"/>
               <a:buChar char="Ø"/>
             </a:pPr>
             <a:endParaRPr lang="en-CA" sz="1400" dirty="0"/>
-          </a:p>
-          <a:p>
-            <a:pPr marL="285750" indent="-285750" algn="l" fontAlgn="base">
-              <a:buFont typeface="Wingdings" panose="05000000000000000000" pitchFamily="2" charset="2"/>
-              <a:buChar char="Ø"/>
-            </a:pPr>
-            <a:endParaRPr lang="en-CA" sz="1400" dirty="0" smtClean="0"/>
-          </a:p>
-          <a:p>
-            <a:pPr marL="285750" indent="-285750" algn="l" fontAlgn="base">
-              <a:buFont typeface="Wingdings" panose="05000000000000000000" pitchFamily="2" charset="2"/>
-              <a:buChar char="Ø"/>
-            </a:pPr>
-            <a:endParaRPr lang="en-CA" sz="1400" dirty="0"/>
-          </a:p>
-          <a:p>
-            <a:pPr marL="285750" indent="-285750" algn="l" fontAlgn="base">
-              <a:buFont typeface="Wingdings" panose="05000000000000000000" pitchFamily="2" charset="2"/>
-              <a:buChar char="Ø"/>
-            </a:pPr>
-            <a:endParaRPr lang="en-CA" sz="1400" dirty="0" smtClean="0"/>
-          </a:p>
-          <a:p>
-            <a:pPr marL="285750" indent="-285750" algn="l" fontAlgn="base">
-              <a:buFont typeface="Wingdings" panose="05000000000000000000" pitchFamily="2" charset="2"/>
-              <a:buChar char="Ø"/>
-            </a:pPr>
-            <a:endParaRPr lang="en-CA" sz="1400" dirty="0"/>
-          </a:p>
-          <a:p>
-            <a:pPr marL="285750" indent="-285750" algn="l" fontAlgn="base">
-              <a:buFont typeface="Wingdings" panose="05000000000000000000" pitchFamily="2" charset="2"/>
-              <a:buChar char="Ø"/>
-            </a:pPr>
-            <a:endParaRPr lang="en-CA" sz="1400" dirty="0" smtClean="0"/>
-          </a:p>
-          <a:p>
-            <a:pPr marL="285750" indent="-285750" algn="l" fontAlgn="base">
-              <a:buFont typeface="Wingdings" panose="05000000000000000000" pitchFamily="2" charset="2"/>
-              <a:buChar char="Ø"/>
-            </a:pPr>
-            <a:endParaRPr lang="en-CA" sz="1400" dirty="0"/>
-          </a:p>
-          <a:p>
-            <a:pPr marL="285750" indent="-285750" algn="l" fontAlgn="base">
-              <a:buFont typeface="Wingdings" panose="05000000000000000000" pitchFamily="2" charset="2"/>
-              <a:buChar char="Ø"/>
-            </a:pPr>
-            <a:endParaRPr lang="en-CA" sz="1400" dirty="0" smtClean="0"/>
-          </a:p>
-          <a:p>
-            <a:pPr marL="285750" indent="-285750" algn="l" fontAlgn="base">
-              <a:buFont typeface="Wingdings" panose="05000000000000000000" pitchFamily="2" charset="2"/>
-              <a:buChar char="Ø"/>
-            </a:pPr>
-            <a:endParaRPr lang="en-CA" sz="1400" dirty="0"/>
-          </a:p>
-          <a:p>
-            <a:pPr marL="285750" indent="-285750" algn="l" fontAlgn="base">
-              <a:buFont typeface="Wingdings" panose="05000000000000000000" pitchFamily="2" charset="2"/>
-              <a:buChar char="Ø"/>
-            </a:pPr>
-            <a:endParaRPr lang="en-CA" sz="1400" dirty="0" smtClean="0"/>
-          </a:p>
-          <a:p>
-            <a:pPr marL="285750" indent="-285750" algn="l" fontAlgn="base">
-              <a:buFont typeface="Wingdings" panose="05000000000000000000" pitchFamily="2" charset="2"/>
-              <a:buChar char="Ø"/>
-            </a:pPr>
-            <a:endParaRPr lang="en-CA" sz="1400" dirty="0" smtClean="0"/>
-          </a:p>
-          <a:p>
-            <a:pPr marL="285750" indent="-285750" algn="l" fontAlgn="base">
-              <a:buFont typeface="Wingdings" panose="05000000000000000000" pitchFamily="2" charset="2"/>
-              <a:buChar char="Ø"/>
-            </a:pPr>
-            <a:endParaRPr lang="en-CA" sz="1400" dirty="0"/>
-          </a:p>
-          <a:p>
-            <a:pPr marL="285750" indent="-285750" algn="l" fontAlgn="base">
-              <a:buFont typeface="Wingdings" panose="05000000000000000000" pitchFamily="2" charset="2"/>
-              <a:buChar char="Ø"/>
-            </a:pPr>
-            <a:endParaRPr lang="en-CA" sz="1400" dirty="0" smtClean="0"/>
-          </a:p>
-          <a:p>
-            <a:pPr marL="285750" indent="-285750" algn="l" fontAlgn="base">
-              <a:buFont typeface="Wingdings" panose="05000000000000000000" pitchFamily="2" charset="2"/>
-              <a:buChar char="Ø"/>
-            </a:pPr>
-            <a:endParaRPr lang="en-CA" sz="1400" dirty="0" smtClean="0"/>
-          </a:p>
-          <a:p>
-            <a:pPr marL="285750" indent="-285750" algn="l" fontAlgn="base">
-              <a:buFont typeface="Wingdings" panose="05000000000000000000" pitchFamily="2" charset="2"/>
-              <a:buChar char="Ø"/>
-            </a:pPr>
-            <a:endParaRPr lang="en-CA" sz="1400" dirty="0" smtClean="0"/>
-          </a:p>
-          <a:p>
-            <a:pPr marL="285750" indent="-285750" algn="l" fontAlgn="base">
-              <a:buFont typeface="Wingdings" panose="05000000000000000000" pitchFamily="2" charset="2"/>
-              <a:buChar char="Ø"/>
-            </a:pPr>
-            <a:endParaRPr lang="en-CA" sz="1400" dirty="0" smtClean="0"/>
-          </a:p>
-          <a:p>
-            <a:pPr marL="285750" indent="-285750" algn="l" fontAlgn="base">
-              <a:buFont typeface="Wingdings" panose="05000000000000000000" pitchFamily="2" charset="2"/>
-              <a:buChar char="Ø"/>
-            </a:pPr>
-            <a:endParaRPr lang="en-CA" sz="1400" dirty="0"/>
-          </a:p>
-          <a:p>
-            <a:pPr marL="285750" indent="-285750" algn="l" fontAlgn="base">
-              <a:buFont typeface="Wingdings" panose="05000000000000000000" pitchFamily="2" charset="2"/>
-              <a:buChar char="Ø"/>
-            </a:pPr>
-            <a:r>
-              <a:rPr lang="en-CA" sz="1200" dirty="0" smtClean="0">
-                <a:solidFill>
-                  <a:srgbClr val="FFC000"/>
-                </a:solidFill>
-              </a:rPr>
-              <a:t>Aids </a:t>
-            </a:r>
-            <a:r>
-              <a:rPr lang="en-CA" sz="1200" dirty="0">
-                <a:solidFill>
-                  <a:srgbClr val="FFC000"/>
-                </a:solidFill>
-              </a:rPr>
-              <a:t>in understanding the return path taken to earn the </a:t>
-            </a:r>
-            <a:r>
-              <a:rPr lang="en-CA" sz="1200" dirty="0" smtClean="0">
-                <a:solidFill>
-                  <a:srgbClr val="FFC000"/>
-                </a:solidFill>
-              </a:rPr>
-              <a:t>cumulative </a:t>
-            </a:r>
-            <a:r>
-              <a:rPr lang="en-CA" sz="1200" dirty="0">
-                <a:solidFill>
-                  <a:srgbClr val="FFC000"/>
-                </a:solidFill>
-              </a:rPr>
-              <a:t>return</a:t>
-            </a:r>
-          </a:p>
-          <a:p>
-            <a:pPr marL="285750" indent="-285750" algn="l" fontAlgn="base">
-              <a:buFont typeface="Wingdings" panose="05000000000000000000" pitchFamily="2" charset="2"/>
-              <a:buChar char="Ø"/>
-            </a:pPr>
-            <a:r>
-              <a:rPr lang="en-CA" sz="1200" dirty="0">
-                <a:solidFill>
-                  <a:srgbClr val="FFC000"/>
-                </a:solidFill>
-              </a:rPr>
-              <a:t>Were strategy returns earned during volatile periods?</a:t>
-            </a:r>
-          </a:p>
-          <a:p>
-            <a:pPr marL="285750" indent="-285750" algn="l" fontAlgn="base">
-              <a:buFont typeface="Wingdings" panose="05000000000000000000" pitchFamily="2" charset="2"/>
-              <a:buChar char="Ø"/>
-            </a:pPr>
-            <a:r>
-              <a:rPr lang="en-CA" sz="1200" dirty="0">
-                <a:solidFill>
-                  <a:srgbClr val="FFC000"/>
-                </a:solidFill>
-              </a:rPr>
-              <a:t>Were strategy returns earned during up markets or down markets?</a:t>
-            </a:r>
-          </a:p>
-          <a:p>
-            <a:pPr marL="285750" indent="-285750" algn="l" fontAlgn="base">
-              <a:buFont typeface="Wingdings" panose="05000000000000000000" pitchFamily="2" charset="2"/>
-              <a:buChar char="Ø"/>
-            </a:pPr>
-            <a:r>
-              <a:rPr lang="en-CA" sz="1200" dirty="0">
-                <a:solidFill>
-                  <a:srgbClr val="FFC000"/>
-                </a:solidFill>
-              </a:rPr>
-              <a:t>Are there periods where one outperforms the other and how consistently does this occur</a:t>
-            </a:r>
-            <a:r>
-              <a:rPr lang="en-CA" sz="1200" dirty="0" smtClean="0">
-                <a:solidFill>
-                  <a:srgbClr val="FFC000"/>
-                </a:solidFill>
-              </a:rPr>
-              <a:t>?</a:t>
-            </a:r>
           </a:p>
         </p:txBody>
       </p:sp>
     </p:spTree>
     <p:extLst>
       <p:ext uri="{BB962C8B-B14F-4D97-AF65-F5344CB8AC3E}">
-        <p14:creationId xmlns:p14="http://schemas.microsoft.com/office/powerpoint/2010/main" val="504725093"/>
+        <p14:creationId xmlns:p14="http://schemas.microsoft.com/office/powerpoint/2010/main" val="3915572104"/>
       </p:ext>
     </p:extLst>
   </p:cSld>
@@ -16183,7 +17090,7 @@
           <a:p>
             <a:r>
               <a:rPr lang="en-US" sz="2800" dirty="0" smtClean="0"/>
-              <a:t>In-sample downside comparison</a:t>
+              <a:t>In-sample return path</a:t>
             </a:r>
             <a:endParaRPr lang="en-US" sz="2800" dirty="0"/>
           </a:p>
@@ -16202,7 +17109,7 @@
         <p:spPr>
           <a:xfrm>
             <a:off x="914400" y="685800"/>
-            <a:ext cx="7315200" cy="5486400"/>
+            <a:ext cx="7315200" cy="5867400"/>
           </a:xfrm>
         </p:spPr>
         <p:txBody>
@@ -16256,7 +17163,7 @@
       </p:sp>
       <p:pic>
         <p:nvPicPr>
-          <p:cNvPr id="43010" name="Picture 2"/>
+          <p:cNvPr id="41986" name="Picture 2"/>
           <p:cNvPicPr>
             <a:picLocks noChangeAspect="1" noChangeArrowheads="1"/>
           </p:cNvPicPr>
@@ -16277,8 +17184,8 @@
         </p:blipFill>
         <p:spPr bwMode="auto">
           <a:xfrm>
-            <a:off x="1" y="685800"/>
-            <a:ext cx="9144000" cy="4632758"/>
+            <a:off x="0" y="685800"/>
+            <a:ext cx="9143999" cy="4602278"/>
           </a:xfrm>
           <a:prstGeom prst="rect">
             <a:avLst/>
@@ -16310,7 +17217,7 @@
       </p:pic>
       <p:sp>
         <p:nvSpPr>
-          <p:cNvPr id="5" name="Subtitle 2"/>
+          <p:cNvPr id="7" name="Subtitle 2"/>
           <p:cNvSpPr txBox="1">
             <a:spLocks/>
           </p:cNvSpPr>
@@ -16318,8 +17225,8 @@
         </p:nvSpPr>
         <p:spPr>
           <a:xfrm>
-            <a:off x="914400" y="685800"/>
-            <a:ext cx="7315200" cy="5867400"/>
+            <a:off x="914400" y="914400"/>
+            <a:ext cx="7315200" cy="5715000"/>
           </a:xfrm>
           <a:prstGeom prst="rect">
             <a:avLst/>
@@ -16500,53 +17407,225 @@
             </a:lvl9pPr>
           </a:lstStyle>
           <a:p>
-            <a:pPr marL="285750" indent="-285750" algn="l">
-              <a:buFont typeface="Wingdings" panose="05000000000000000000" pitchFamily="2" charset="2"/>
-              <a:buChar char="Ø"/>
-            </a:pPr>
-            <a:endParaRPr lang="en-CA" sz="1800" smtClean="0"/>
-          </a:p>
-          <a:p>
-            <a:pPr marL="285750" indent="-285750" algn="l">
-              <a:buFont typeface="Wingdings" panose="05000000000000000000" pitchFamily="2" charset="2"/>
-              <a:buChar char="Ø"/>
-            </a:pPr>
-            <a:endParaRPr lang="en-CA" sz="1800" smtClean="0"/>
-          </a:p>
-          <a:p>
-            <a:pPr marL="285750" indent="-285750" algn="l">
-              <a:buFont typeface="Wingdings" panose="05000000000000000000" pitchFamily="2" charset="2"/>
-              <a:buChar char="Ø"/>
-            </a:pPr>
-            <a:endParaRPr lang="en-CA" sz="1800" smtClean="0"/>
-          </a:p>
-          <a:p>
-            <a:pPr marL="285750" indent="-285750" algn="l">
-              <a:buFont typeface="Wingdings" panose="05000000000000000000" pitchFamily="2" charset="2"/>
-              <a:buChar char="Ø"/>
-            </a:pPr>
-            <a:endParaRPr lang="en-CA" sz="1800" smtClean="0"/>
-          </a:p>
-          <a:p>
-            <a:pPr marL="285750" indent="-285750" algn="l">
-              <a:buFont typeface="Wingdings" panose="05000000000000000000" pitchFamily="2" charset="2"/>
-              <a:buChar char="Ø"/>
-            </a:pPr>
-            <a:endParaRPr lang="en-CA" sz="1800" smtClean="0"/>
-          </a:p>
-          <a:p>
-            <a:pPr marL="742950" lvl="1" indent="-285750" algn="l">
-              <a:buFont typeface="Wingdings" panose="05000000000000000000" pitchFamily="2" charset="2"/>
-              <a:buChar char="Ø"/>
-            </a:pPr>
-            <a:endParaRPr lang="en-CA" sz="1600" dirty="0" smtClean="0"/>
+            <a:pPr marL="285750" indent="-285750" algn="l" fontAlgn="base">
+              <a:buFont typeface="Wingdings" panose="05000000000000000000" pitchFamily="2" charset="2"/>
+              <a:buChar char="Ø"/>
+            </a:pPr>
+            <a:endParaRPr lang="en-CA" sz="1400" dirty="0" smtClean="0"/>
+          </a:p>
+          <a:p>
+            <a:pPr marL="285750" indent="-285750" algn="l" fontAlgn="base">
+              <a:buFont typeface="Wingdings" panose="05000000000000000000" pitchFamily="2" charset="2"/>
+              <a:buChar char="Ø"/>
+            </a:pPr>
+            <a:endParaRPr lang="en-CA" sz="1400" dirty="0"/>
+          </a:p>
+          <a:p>
+            <a:pPr marL="285750" indent="-285750" algn="l" fontAlgn="base">
+              <a:buFont typeface="Wingdings" panose="05000000000000000000" pitchFamily="2" charset="2"/>
+              <a:buChar char="Ø"/>
+            </a:pPr>
+            <a:endParaRPr lang="en-CA" sz="1400" dirty="0" smtClean="0"/>
+          </a:p>
+          <a:p>
+            <a:pPr marL="285750" indent="-285750" algn="l" fontAlgn="base">
+              <a:buFont typeface="Wingdings" panose="05000000000000000000" pitchFamily="2" charset="2"/>
+              <a:buChar char="Ø"/>
+            </a:pPr>
+            <a:endParaRPr lang="en-CA" sz="1400" dirty="0"/>
+          </a:p>
+          <a:p>
+            <a:pPr marL="285750" indent="-285750" algn="l" fontAlgn="base">
+              <a:buFont typeface="Wingdings" panose="05000000000000000000" pitchFamily="2" charset="2"/>
+              <a:buChar char="Ø"/>
+            </a:pPr>
+            <a:endParaRPr lang="en-CA" sz="1400" dirty="0" smtClean="0"/>
+          </a:p>
+          <a:p>
+            <a:pPr marL="285750" indent="-285750" algn="l" fontAlgn="base">
+              <a:buFont typeface="Wingdings" panose="05000000000000000000" pitchFamily="2" charset="2"/>
+              <a:buChar char="Ø"/>
+            </a:pPr>
+            <a:endParaRPr lang="en-CA" sz="1400" dirty="0"/>
+          </a:p>
+          <a:p>
+            <a:pPr marL="285750" indent="-285750" algn="l" fontAlgn="base">
+              <a:buFont typeface="Wingdings" panose="05000000000000000000" pitchFamily="2" charset="2"/>
+              <a:buChar char="Ø"/>
+            </a:pPr>
+            <a:endParaRPr lang="en-CA" sz="1400" dirty="0" smtClean="0"/>
+          </a:p>
+          <a:p>
+            <a:pPr marL="285750" indent="-285750" algn="l" fontAlgn="base">
+              <a:buFont typeface="Wingdings" panose="05000000000000000000" pitchFamily="2" charset="2"/>
+              <a:buChar char="Ø"/>
+            </a:pPr>
+            <a:endParaRPr lang="en-CA" sz="1400" dirty="0"/>
+          </a:p>
+          <a:p>
+            <a:pPr marL="285750" indent="-285750" algn="l" fontAlgn="base">
+              <a:buFont typeface="Wingdings" panose="05000000000000000000" pitchFamily="2" charset="2"/>
+              <a:buChar char="Ø"/>
+            </a:pPr>
+            <a:endParaRPr lang="en-CA" sz="1400" dirty="0" smtClean="0"/>
+          </a:p>
+          <a:p>
+            <a:pPr marL="285750" indent="-285750" algn="l" fontAlgn="base">
+              <a:buFont typeface="Wingdings" panose="05000000000000000000" pitchFamily="2" charset="2"/>
+              <a:buChar char="Ø"/>
+            </a:pPr>
+            <a:endParaRPr lang="en-CA" sz="1400" dirty="0"/>
+          </a:p>
+          <a:p>
+            <a:pPr marL="285750" indent="-285750" algn="l" fontAlgn="base">
+              <a:buFont typeface="Wingdings" panose="05000000000000000000" pitchFamily="2" charset="2"/>
+              <a:buChar char="Ø"/>
+            </a:pPr>
+            <a:endParaRPr lang="en-CA" sz="1400" dirty="0" smtClean="0"/>
+          </a:p>
+          <a:p>
+            <a:pPr marL="285750" indent="-285750" algn="l" fontAlgn="base">
+              <a:buFont typeface="Wingdings" panose="05000000000000000000" pitchFamily="2" charset="2"/>
+              <a:buChar char="Ø"/>
+            </a:pPr>
+            <a:endParaRPr lang="en-CA" sz="1400" dirty="0" smtClean="0"/>
+          </a:p>
+          <a:p>
+            <a:pPr marL="285750" indent="-285750" algn="l" fontAlgn="base">
+              <a:buFont typeface="Wingdings" panose="05000000000000000000" pitchFamily="2" charset="2"/>
+              <a:buChar char="Ø"/>
+            </a:pPr>
+            <a:endParaRPr lang="en-CA" sz="1400" dirty="0"/>
+          </a:p>
+          <a:p>
+            <a:pPr marL="285750" indent="-285750" algn="l" fontAlgn="base">
+              <a:buFont typeface="Wingdings" panose="05000000000000000000" pitchFamily="2" charset="2"/>
+              <a:buChar char="Ø"/>
+            </a:pPr>
+            <a:endParaRPr lang="en-CA" sz="1400" dirty="0" smtClean="0"/>
+          </a:p>
+          <a:p>
+            <a:pPr marL="285750" indent="-285750" algn="l" fontAlgn="base">
+              <a:buFont typeface="Wingdings" panose="05000000000000000000" pitchFamily="2" charset="2"/>
+              <a:buChar char="Ø"/>
+            </a:pPr>
+            <a:endParaRPr lang="en-CA" sz="1400" dirty="0" smtClean="0"/>
+          </a:p>
+          <a:p>
+            <a:pPr marL="285750" indent="-285750" algn="l" fontAlgn="base">
+              <a:buFont typeface="Wingdings" panose="05000000000000000000" pitchFamily="2" charset="2"/>
+              <a:buChar char="Ø"/>
+            </a:pPr>
+            <a:endParaRPr lang="en-CA" sz="1400" dirty="0" smtClean="0"/>
+          </a:p>
+          <a:p>
+            <a:pPr marL="285750" indent="-285750" algn="l" fontAlgn="base">
+              <a:buFont typeface="Wingdings" panose="05000000000000000000" pitchFamily="2" charset="2"/>
+              <a:buChar char="Ø"/>
+            </a:pPr>
+            <a:endParaRPr lang="en-CA" sz="1400" dirty="0" smtClean="0"/>
+          </a:p>
+          <a:p>
+            <a:pPr marL="285750" indent="-285750" algn="l" fontAlgn="base">
+              <a:buFont typeface="Wingdings" panose="05000000000000000000" pitchFamily="2" charset="2"/>
+              <a:buChar char="Ø"/>
+            </a:pPr>
+            <a:endParaRPr lang="en-CA" sz="1400" dirty="0"/>
+          </a:p>
+          <a:p>
+            <a:pPr marL="285750" indent="-285750" algn="l" fontAlgn="base">
+              <a:buFont typeface="Wingdings" panose="05000000000000000000" pitchFamily="2" charset="2"/>
+              <a:buChar char="Ø"/>
+            </a:pPr>
+            <a:r>
+              <a:rPr lang="en-CA" sz="1200" dirty="0" smtClean="0">
+                <a:solidFill>
+                  <a:srgbClr val="FFC000"/>
+                </a:solidFill>
+              </a:rPr>
+              <a:t>Aids </a:t>
+            </a:r>
+            <a:r>
+              <a:rPr lang="en-CA" sz="1200" dirty="0">
+                <a:solidFill>
+                  <a:srgbClr val="FFC000"/>
+                </a:solidFill>
+              </a:rPr>
+              <a:t>in understanding the return path taken to earn the </a:t>
+            </a:r>
+            <a:r>
+              <a:rPr lang="en-CA" sz="1200" dirty="0" smtClean="0">
+                <a:solidFill>
+                  <a:srgbClr val="FFC000"/>
+                </a:solidFill>
+              </a:rPr>
+              <a:t>cumulative </a:t>
+            </a:r>
+            <a:r>
+              <a:rPr lang="en-CA" sz="1200" dirty="0">
+                <a:solidFill>
+                  <a:srgbClr val="FFC000"/>
+                </a:solidFill>
+              </a:rPr>
+              <a:t>return</a:t>
+            </a:r>
+          </a:p>
+          <a:p>
+            <a:pPr marL="285750" indent="-285750" algn="l" fontAlgn="base">
+              <a:buFont typeface="Wingdings" panose="05000000000000000000" pitchFamily="2" charset="2"/>
+              <a:buChar char="Ø"/>
+            </a:pPr>
+            <a:r>
+              <a:rPr lang="en-CA" sz="1200" dirty="0">
+                <a:solidFill>
+                  <a:srgbClr val="FFC000"/>
+                </a:solidFill>
+              </a:rPr>
+              <a:t>Were strategy returns earned during volatile periods?</a:t>
+            </a:r>
+          </a:p>
+          <a:p>
+            <a:pPr marL="285750" indent="-285750" algn="l" fontAlgn="base">
+              <a:buFont typeface="Wingdings" panose="05000000000000000000" pitchFamily="2" charset="2"/>
+              <a:buChar char="Ø"/>
+            </a:pPr>
+            <a:r>
+              <a:rPr lang="en-CA" sz="1200" dirty="0">
+                <a:solidFill>
+                  <a:srgbClr val="FFC000"/>
+                </a:solidFill>
+              </a:rPr>
+              <a:t>Were strategy returns earned during up markets or down markets?</a:t>
+            </a:r>
+          </a:p>
+          <a:p>
+            <a:pPr marL="285750" indent="-285750" algn="l" fontAlgn="base">
+              <a:buFont typeface="Wingdings" panose="05000000000000000000" pitchFamily="2" charset="2"/>
+              <a:buChar char="Ø"/>
+            </a:pPr>
+            <a:r>
+              <a:rPr lang="en-CA" sz="1200" dirty="0">
+                <a:solidFill>
+                  <a:srgbClr val="FFC000"/>
+                </a:solidFill>
+              </a:rPr>
+              <a:t>Are there periods where one outperforms the other and how consistently does this occur</a:t>
+            </a:r>
+            <a:r>
+              <a:rPr lang="en-CA" sz="1200" dirty="0" smtClean="0">
+                <a:solidFill>
+                  <a:srgbClr val="FFC000"/>
+                </a:solidFill>
+              </a:rPr>
+              <a:t>?</a:t>
+            </a:r>
           </a:p>
         </p:txBody>
       </p:sp>
     </p:spTree>
     <p:extLst>
       <p:ext uri="{BB962C8B-B14F-4D97-AF65-F5344CB8AC3E}">
-        <p14:creationId xmlns:p14="http://schemas.microsoft.com/office/powerpoint/2010/main" val="2851234942"/>
+        <p14:creationId xmlns:p14="http://schemas.microsoft.com/office/powerpoint/2010/main" val="504725093"/>
       </p:ext>
     </p:extLst>
   </p:cSld>
@@ -16616,7 +17695,7 @@
           <a:p>
             <a:r>
               <a:rPr lang="en-US" sz="2800" dirty="0" smtClean="0"/>
-              <a:t>Optimal model feature importance</a:t>
+              <a:t>In-sample downside comparison</a:t>
             </a:r>
             <a:endParaRPr lang="en-US" sz="2800" dirty="0"/>
           </a:p>
@@ -16687,6 +17766,60 @@
           </a:p>
         </p:txBody>
       </p:sp>
+      <p:pic>
+        <p:nvPicPr>
+          <p:cNvPr id="43010" name="Picture 2"/>
+          <p:cNvPicPr>
+            <a:picLocks noChangeAspect="1" noChangeArrowheads="1"/>
+          </p:cNvPicPr>
+          <p:nvPr/>
+        </p:nvPicPr>
+        <p:blipFill>
+          <a:blip r:embed="rId2">
+            <a:extLst>
+              <a:ext uri="{28A0092B-C50C-407E-A947-70E740481C1C}">
+                <a14:useLocalDpi xmlns:a14="http://schemas.microsoft.com/office/drawing/2010/main" val="0"/>
+              </a:ext>
+            </a:extLst>
+          </a:blip>
+          <a:srcRect/>
+          <a:stretch>
+            <a:fillRect/>
+          </a:stretch>
+        </p:blipFill>
+        <p:spPr bwMode="auto">
+          <a:xfrm>
+            <a:off x="1" y="685800"/>
+            <a:ext cx="9144000" cy="4632758"/>
+          </a:xfrm>
+          <a:prstGeom prst="rect">
+            <a:avLst/>
+          </a:prstGeom>
+          <a:noFill/>
+          <a:ln>
+            <a:noFill/>
+          </a:ln>
+          <a:extLst>
+            <a:ext uri="{909E8E84-426E-40DD-AFC4-6F175D3DCCD1}">
+              <a14:hiddenFill xmlns:a14="http://schemas.microsoft.com/office/drawing/2010/main">
+                <a:solidFill>
+                  <a:schemeClr val="accent1"/>
+                </a:solidFill>
+              </a14:hiddenFill>
+            </a:ext>
+            <a:ext uri="{91240B29-F687-4F45-9708-019B960494DF}">
+              <a14:hiddenLine xmlns:a14="http://schemas.microsoft.com/office/drawing/2010/main" w="9525">
+                <a:solidFill>
+                  <a:schemeClr val="tx1"/>
+                </a:solidFill>
+                <a:miter lim="800000"/>
+                <a:headEnd/>
+                <a:tailEnd/>
+              </a14:hiddenLine>
+            </a:ext>
+          </a:extLst>
+        </p:spPr>
+      </p:pic>
       <p:sp>
         <p:nvSpPr>
           <p:cNvPr id="5" name="Subtitle 2"/>
@@ -16922,439 +18055,10 @@
           </a:p>
         </p:txBody>
       </p:sp>
-      <p:sp>
-        <p:nvSpPr>
-          <p:cNvPr id="8" name="Subtitle 2"/>
-          <p:cNvSpPr txBox="1">
-            <a:spLocks/>
-          </p:cNvSpPr>
-          <p:nvPr/>
-        </p:nvSpPr>
-        <p:spPr>
-          <a:xfrm>
-            <a:off x="914400" y="914400"/>
-            <a:ext cx="7315200" cy="5715000"/>
-          </a:xfrm>
-          <a:prstGeom prst="rect">
-            <a:avLst/>
-          </a:prstGeom>
-        </p:spPr>
-        <p:txBody>
-          <a:bodyPr vert="horz">
-            <a:normAutofit/>
-          </a:bodyPr>
-          <a:lstStyle>
-            <a:lvl1pPr marL="0" indent="0" algn="ctr" rtl="0" eaLnBrk="1" latinLnBrk="0" hangingPunct="1">
-              <a:spcBef>
-                <a:spcPct val="20000"/>
-              </a:spcBef>
-              <a:buClr>
-                <a:schemeClr val="tx1">
-                  <a:shade val="95000"/>
-                </a:schemeClr>
-              </a:buClr>
-              <a:buSzPct val="65000"/>
-              <a:buFont typeface="Wingdings 2"/>
-              <a:buNone/>
-              <a:defRPr kumimoji="0" sz="2800" kern="1200">
-                <a:solidFill>
-                  <a:schemeClr val="tx1"/>
-                </a:solidFill>
-                <a:latin typeface="+mn-lt"/>
-                <a:ea typeface="+mn-ea"/>
-                <a:cs typeface="+mn-cs"/>
-              </a:defRPr>
-            </a:lvl1pPr>
-            <a:lvl2pPr marL="457200" indent="0" algn="ctr" rtl="0" eaLnBrk="1" latinLnBrk="0" hangingPunct="1">
-              <a:spcBef>
-                <a:spcPct val="20000"/>
-              </a:spcBef>
-              <a:buClr>
-                <a:schemeClr val="tx1"/>
-              </a:buClr>
-              <a:buSzPct val="80000"/>
-              <a:buFont typeface="Wingdings 2"/>
-              <a:buNone/>
-              <a:defRPr kumimoji="0" sz="2400" kern="1200">
-                <a:solidFill>
-                  <a:schemeClr val="tx1"/>
-                </a:solidFill>
-                <a:latin typeface="+mn-lt"/>
-                <a:ea typeface="+mn-ea"/>
-                <a:cs typeface="+mn-cs"/>
-              </a:defRPr>
-            </a:lvl2pPr>
-            <a:lvl3pPr marL="914400" indent="0" algn="ctr" rtl="0" eaLnBrk="1" latinLnBrk="0" hangingPunct="1">
-              <a:spcBef>
-                <a:spcPct val="20000"/>
-              </a:spcBef>
-              <a:buClr>
-                <a:schemeClr val="tx1"/>
-              </a:buClr>
-              <a:buSzPct val="95000"/>
-              <a:buFont typeface="Wingdings"/>
-              <a:buNone/>
-              <a:defRPr kumimoji="0" sz="2200" kern="1200">
-                <a:solidFill>
-                  <a:schemeClr val="tx1"/>
-                </a:solidFill>
-                <a:latin typeface="+mn-lt"/>
-                <a:ea typeface="+mn-ea"/>
-                <a:cs typeface="+mn-cs"/>
-              </a:defRPr>
-            </a:lvl3pPr>
-            <a:lvl4pPr marL="1371600" indent="0" algn="ctr" rtl="0" eaLnBrk="1" latinLnBrk="0" hangingPunct="1">
-              <a:spcBef>
-                <a:spcPct val="20000"/>
-              </a:spcBef>
-              <a:buClr>
-                <a:schemeClr val="tx1"/>
-              </a:buClr>
-              <a:buSzPct val="100000"/>
-              <a:buFont typeface="Wingdings 3"/>
-              <a:buNone/>
-              <a:defRPr kumimoji="0" sz="2000" kern="1200">
-                <a:solidFill>
-                  <a:schemeClr val="tx1"/>
-                </a:solidFill>
-                <a:latin typeface="+mn-lt"/>
-                <a:ea typeface="+mn-ea"/>
-                <a:cs typeface="+mn-cs"/>
-              </a:defRPr>
-            </a:lvl4pPr>
-            <a:lvl5pPr marL="1828800" indent="0" algn="ctr" rtl="0" eaLnBrk="1" latinLnBrk="0" hangingPunct="1">
-              <a:spcBef>
-                <a:spcPct val="20000"/>
-              </a:spcBef>
-              <a:buClr>
-                <a:schemeClr val="tx1"/>
-              </a:buClr>
-              <a:buFont typeface="Wingdings 2"/>
-              <a:buNone/>
-              <a:defRPr kumimoji="0" sz="2000" kern="1200">
-                <a:solidFill>
-                  <a:schemeClr val="tx1"/>
-                </a:solidFill>
-                <a:latin typeface="+mn-lt"/>
-                <a:ea typeface="+mn-ea"/>
-                <a:cs typeface="+mn-cs"/>
-              </a:defRPr>
-            </a:lvl5pPr>
-            <a:lvl6pPr marL="2286000" indent="0" algn="ctr" rtl="0" eaLnBrk="1" latinLnBrk="0" hangingPunct="1">
-              <a:spcBef>
-                <a:spcPct val="20000"/>
-              </a:spcBef>
-              <a:buClr>
-                <a:schemeClr val="tx1"/>
-              </a:buClr>
-              <a:buFont typeface="Wingdings 3"/>
-              <a:buNone/>
-              <a:defRPr kumimoji="0" sz="1800" kern="1200">
-                <a:solidFill>
-                  <a:schemeClr val="tx1"/>
-                </a:solidFill>
-                <a:latin typeface="+mn-lt"/>
-                <a:ea typeface="+mn-ea"/>
-                <a:cs typeface="+mn-cs"/>
-              </a:defRPr>
-            </a:lvl6pPr>
-            <a:lvl7pPr marL="2743200" indent="0" algn="ctr" rtl="0" eaLnBrk="1" latinLnBrk="0" hangingPunct="1">
-              <a:spcBef>
-                <a:spcPct val="20000"/>
-              </a:spcBef>
-              <a:buClr>
-                <a:schemeClr val="tx1"/>
-              </a:buClr>
-              <a:buFont typeface="Wingdings 2"/>
-              <a:buNone/>
-              <a:defRPr kumimoji="0" sz="1600" kern="1200">
-                <a:solidFill>
-                  <a:schemeClr val="tx1"/>
-                </a:solidFill>
-                <a:latin typeface="+mn-lt"/>
-                <a:ea typeface="+mn-ea"/>
-                <a:cs typeface="+mn-cs"/>
-              </a:defRPr>
-            </a:lvl7pPr>
-            <a:lvl8pPr marL="3200400" indent="0" algn="ctr" rtl="0" eaLnBrk="1" latinLnBrk="0" hangingPunct="1">
-              <a:spcBef>
-                <a:spcPct val="20000"/>
-              </a:spcBef>
-              <a:buClr>
-                <a:schemeClr val="tx1"/>
-              </a:buClr>
-              <a:buFont typeface="Wingdings 2"/>
-              <a:buNone/>
-              <a:defRPr kumimoji="0" sz="1400" kern="1200">
-                <a:solidFill>
-                  <a:schemeClr val="tx1"/>
-                </a:solidFill>
-                <a:latin typeface="+mn-lt"/>
-                <a:ea typeface="+mn-ea"/>
-                <a:cs typeface="+mn-cs"/>
-              </a:defRPr>
-            </a:lvl8pPr>
-            <a:lvl9pPr marL="3657600" indent="0" algn="ctr" rtl="0" eaLnBrk="1" latinLnBrk="0" hangingPunct="1">
-              <a:spcBef>
-                <a:spcPct val="20000"/>
-              </a:spcBef>
-              <a:buClr>
-                <a:schemeClr val="tx1"/>
-              </a:buClr>
-              <a:buFont typeface="Wingdings 2"/>
-              <a:buNone/>
-              <a:defRPr kumimoji="0" sz="1400" kern="1200" baseline="0">
-                <a:solidFill>
-                  <a:schemeClr val="tx1"/>
-                </a:solidFill>
-                <a:latin typeface="+mn-lt"/>
-                <a:ea typeface="+mn-ea"/>
-                <a:cs typeface="+mn-cs"/>
-              </a:defRPr>
-            </a:lvl9pPr>
-          </a:lstStyle>
-          <a:p>
-            <a:pPr marL="285750" indent="-285750" algn="l" fontAlgn="base">
-              <a:buFont typeface="Wingdings" panose="05000000000000000000" pitchFamily="2" charset="2"/>
-              <a:buChar char="Ø"/>
-            </a:pPr>
-            <a:r>
-              <a:rPr lang="en-CA" sz="1400" dirty="0"/>
-              <a:t>Gini Importance or Mean Decrease in Impurity (MDI) </a:t>
-            </a:r>
-            <a:r>
-              <a:rPr lang="en-CA" sz="1400" dirty="0" smtClean="0"/>
-              <a:t> is the default RFC criterion setting</a:t>
-            </a:r>
-          </a:p>
-          <a:p>
-            <a:pPr marL="742950" lvl="1" indent="-285750" algn="l" fontAlgn="base">
-              <a:buFont typeface="Wingdings" panose="05000000000000000000" pitchFamily="2" charset="2"/>
-              <a:buChar char="Ø"/>
-            </a:pPr>
-            <a:r>
-              <a:rPr lang="en-CA" sz="1000" b="1" dirty="0" smtClean="0"/>
-              <a:t>criterion</a:t>
-            </a:r>
-            <a:r>
-              <a:rPr lang="en-CA" sz="1000" i="1" dirty="0"/>
-              <a:t>{“</a:t>
-            </a:r>
-            <a:r>
-              <a:rPr lang="en-CA" sz="1000" i="1" dirty="0" err="1"/>
-              <a:t>gini</a:t>
-            </a:r>
-            <a:r>
-              <a:rPr lang="en-CA" sz="1000" i="1" dirty="0"/>
-              <a:t>”, “entropy”}, default=”</a:t>
-            </a:r>
-            <a:r>
-              <a:rPr lang="en-CA" sz="1000" i="1" dirty="0" err="1"/>
-              <a:t>gini</a:t>
-            </a:r>
-            <a:r>
-              <a:rPr lang="en-CA" sz="1000" i="1" dirty="0" smtClean="0"/>
-              <a:t>”</a:t>
-            </a:r>
-          </a:p>
-          <a:p>
-            <a:pPr marL="742950" lvl="1" indent="-285750" algn="l" fontAlgn="base">
-              <a:buFont typeface="Wingdings" panose="05000000000000000000" pitchFamily="2" charset="2"/>
-              <a:buChar char="Ø"/>
-            </a:pPr>
-            <a:r>
-              <a:rPr lang="en-CA" sz="1000" dirty="0" smtClean="0"/>
-              <a:t>The </a:t>
-            </a:r>
-            <a:r>
-              <a:rPr lang="en-CA" sz="1000" dirty="0"/>
-              <a:t>function to measure the quality of a split. </a:t>
-            </a:r>
-            <a:endParaRPr lang="en-CA" sz="1000" dirty="0" smtClean="0"/>
-          </a:p>
-          <a:p>
-            <a:pPr marL="742950" lvl="1" indent="-285750" algn="l" fontAlgn="base">
-              <a:buFont typeface="Wingdings" panose="05000000000000000000" pitchFamily="2" charset="2"/>
-              <a:buChar char="Ø"/>
-            </a:pPr>
-            <a:r>
-              <a:rPr lang="en-CA" sz="1000" dirty="0"/>
-              <a:t>Supported criteria are “</a:t>
-            </a:r>
-            <a:r>
-              <a:rPr lang="en-CA" sz="1000" dirty="0" err="1"/>
-              <a:t>gini</a:t>
-            </a:r>
-            <a:r>
-              <a:rPr lang="en-CA" sz="1000" dirty="0"/>
-              <a:t>” for the Gini impurity and “entropy” for the information gain. </a:t>
-            </a:r>
-          </a:p>
-          <a:p>
-            <a:pPr algn="l" fontAlgn="base"/>
-            <a:endParaRPr lang="en-CA" sz="1400" dirty="0" smtClean="0"/>
-          </a:p>
-          <a:p>
-            <a:pPr marL="285750" indent="-285750" algn="l" fontAlgn="base">
-              <a:buFont typeface="Wingdings" panose="05000000000000000000" pitchFamily="2" charset="2"/>
-              <a:buChar char="Ø"/>
-            </a:pPr>
-            <a:r>
-              <a:rPr lang="en-CA" sz="1400" dirty="0" smtClean="0"/>
-              <a:t>It calculates </a:t>
-            </a:r>
-            <a:r>
-              <a:rPr lang="en-CA" sz="1400" dirty="0"/>
-              <a:t>each feature importance as the sum over the number of splits (across all tress) that include the feature, proportionally to the number of samples it splits. </a:t>
-            </a:r>
-            <a:endParaRPr lang="en-CA" sz="1400" dirty="0" smtClean="0"/>
-          </a:p>
-          <a:p>
-            <a:pPr algn="l" fontAlgn="base"/>
-            <a:endParaRPr lang="en-CA" sz="1400" dirty="0"/>
-          </a:p>
-          <a:p>
-            <a:pPr marL="285750" indent="-285750" algn="l" fontAlgn="base">
-              <a:buFont typeface="Wingdings" panose="05000000000000000000" pitchFamily="2" charset="2"/>
-              <a:buChar char="Ø"/>
-            </a:pPr>
-            <a:r>
-              <a:rPr lang="en-CA" sz="1400" dirty="0" smtClean="0"/>
-              <a:t>In </a:t>
-            </a:r>
-            <a:r>
-              <a:rPr lang="en-CA" sz="1400" dirty="0" err="1"/>
-              <a:t>scikit</a:t>
-            </a:r>
-            <a:r>
-              <a:rPr lang="en-CA" sz="1400" dirty="0"/>
-              <a:t>-learn, it is sometimes called “</a:t>
-            </a:r>
-            <a:r>
-              <a:rPr lang="en-CA" sz="1400" dirty="0" err="1"/>
-              <a:t>gini</a:t>
-            </a:r>
-            <a:r>
-              <a:rPr lang="en-CA" sz="1400" dirty="0"/>
-              <a:t> importance” or “mean decrease impurity” </a:t>
-            </a:r>
-          </a:p>
-          <a:p>
-            <a:pPr marL="285750" indent="-285750" algn="l" fontAlgn="base">
-              <a:buFont typeface="Wingdings" panose="05000000000000000000" pitchFamily="2" charset="2"/>
-              <a:buChar char="Ø"/>
-            </a:pPr>
-            <a:endParaRPr lang="en-CA" sz="1400" dirty="0" smtClean="0"/>
-          </a:p>
-          <a:p>
-            <a:pPr marL="285750" indent="-285750" algn="l" fontAlgn="base">
-              <a:buFont typeface="Wingdings" panose="05000000000000000000" pitchFamily="2" charset="2"/>
-              <a:buChar char="Ø"/>
-            </a:pPr>
-            <a:r>
-              <a:rPr lang="en-CA" sz="1400" dirty="0" smtClean="0"/>
-              <a:t>Defined </a:t>
-            </a:r>
-            <a:r>
-              <a:rPr lang="en-CA" sz="1400" dirty="0"/>
-              <a:t>as the total decrease in node impurity weighted by the probability of reaching that node (which is approximated by the proportion of samples reaching that node</a:t>
-            </a:r>
-            <a:r>
-              <a:rPr lang="en-CA" sz="1400" dirty="0" smtClean="0"/>
-              <a:t>) </a:t>
-            </a:r>
-            <a:r>
-              <a:rPr lang="en-CA" sz="1400" dirty="0"/>
-              <a:t>averaged over all trees of the ensemble. </a:t>
-            </a:r>
-            <a:endParaRPr lang="en-CA" sz="1400" dirty="0" smtClean="0"/>
-          </a:p>
-          <a:p>
-            <a:pPr marL="285750" indent="-285750" algn="l" fontAlgn="base">
-              <a:buFont typeface="Wingdings" panose="05000000000000000000" pitchFamily="2" charset="2"/>
-              <a:buChar char="Ø"/>
-            </a:pPr>
-            <a:endParaRPr lang="en-CA" sz="1400" dirty="0"/>
-          </a:p>
-          <a:p>
-            <a:pPr marL="285750" indent="-285750" algn="l" fontAlgn="base">
-              <a:buFont typeface="Wingdings" panose="05000000000000000000" pitchFamily="2" charset="2"/>
-              <a:buChar char="Ø"/>
-            </a:pPr>
-            <a:r>
-              <a:rPr lang="en-CA" sz="1400" i="1" dirty="0"/>
-              <a:t>At each split in each tree, </a:t>
-            </a:r>
-            <a:r>
-              <a:rPr lang="en-CA" sz="1400" b="1" i="1" dirty="0"/>
-              <a:t>the improvement in the split-criterion is the importance measure attributed to the splitting variable</a:t>
-            </a:r>
-            <a:r>
-              <a:rPr lang="en-CA" sz="1400" i="1" dirty="0"/>
-              <a:t>, and is accumulated over all the trees in the forest separately for each variable.</a:t>
-            </a:r>
-            <a:endParaRPr lang="en-CA" sz="1400" dirty="0" smtClean="0"/>
-          </a:p>
-          <a:p>
-            <a:pPr algn="l" fontAlgn="base"/>
-            <a:endParaRPr lang="en-CA" sz="1400" dirty="0"/>
-          </a:p>
-          <a:p>
-            <a:pPr marL="285750" indent="-285750" algn="l" fontAlgn="base">
-              <a:buFont typeface="Wingdings" panose="05000000000000000000" pitchFamily="2" charset="2"/>
-              <a:buChar char="Ø"/>
-            </a:pPr>
-            <a:r>
-              <a:rPr lang="en-CA" sz="1400" dirty="0" smtClean="0"/>
-              <a:t>Feature importance </a:t>
-            </a:r>
-            <a:r>
-              <a:rPr lang="en-CA" sz="1400" dirty="0"/>
-              <a:t>are provided by the fitted attribute </a:t>
-            </a:r>
-            <a:r>
-              <a:rPr lang="en-CA" sz="1400" dirty="0" err="1"/>
-              <a:t>feature_importances</a:t>
-            </a:r>
-            <a:r>
-              <a:rPr lang="en-CA" sz="1400" dirty="0"/>
-              <a:t>_ and they are computed as the mean and standard deviation of accumulation of the impurity decrease within each tree</a:t>
-            </a:r>
-            <a:r>
-              <a:rPr lang="en-CA" sz="1400" dirty="0" smtClean="0"/>
-              <a:t>.</a:t>
-            </a:r>
-          </a:p>
-          <a:p>
-            <a:pPr algn="l" fontAlgn="base"/>
-            <a:endParaRPr lang="en-CA" sz="800" dirty="0" smtClean="0"/>
-          </a:p>
-          <a:p>
-            <a:pPr algn="l" fontAlgn="base"/>
-            <a:r>
-              <a:rPr lang="en-CA" sz="1000" i="1" dirty="0"/>
-              <a:t>https://scikit-learn.org/stable/modules/generated/sklearn.ensemble.RandomForestClassifier.html</a:t>
-            </a:r>
-            <a:endParaRPr lang="en-CA" sz="1000" i="1" dirty="0" smtClean="0"/>
-          </a:p>
-          <a:p>
-            <a:pPr algn="l" fontAlgn="base"/>
-            <a:r>
-              <a:rPr lang="en-CA" sz="1000" i="1" dirty="0" smtClean="0"/>
-              <a:t>https</a:t>
-            </a:r>
-            <a:r>
-              <a:rPr lang="en-CA" sz="1000" i="1" dirty="0"/>
-              <a:t>://medium.com/the-artificial-impostor/feature-importance-measures-for-tree-models-part-i-47f187c1a2c3</a:t>
-            </a:r>
-            <a:endParaRPr lang="en-CA" sz="1000" i="1" dirty="0" smtClean="0"/>
-          </a:p>
-        </p:txBody>
-      </p:sp>
     </p:spTree>
     <p:extLst>
       <p:ext uri="{BB962C8B-B14F-4D97-AF65-F5344CB8AC3E}">
-        <p14:creationId xmlns:p14="http://schemas.microsoft.com/office/powerpoint/2010/main" val="1008592947"/>
+        <p14:creationId xmlns:p14="http://schemas.microsoft.com/office/powerpoint/2010/main" val="2851234942"/>
       </p:ext>
     </p:extLst>
   </p:cSld>
@@ -17926,6 +18630,80 @@
               <a:buFont typeface="Wingdings" panose="05000000000000000000" pitchFamily="2" charset="2"/>
               <a:buChar char="Ø"/>
             </a:pPr>
+            <a:r>
+              <a:rPr lang="en-CA" sz="1400" dirty="0"/>
+              <a:t>Gini Importance or Mean Decrease in Impurity (MDI) </a:t>
+            </a:r>
+            <a:r>
+              <a:rPr lang="en-CA" sz="1400" dirty="0" smtClean="0"/>
+              <a:t> is the default RFC criterion setting</a:t>
+            </a:r>
+          </a:p>
+          <a:p>
+            <a:pPr marL="742950" lvl="1" indent="-285750" algn="l" fontAlgn="base">
+              <a:buFont typeface="Wingdings" panose="05000000000000000000" pitchFamily="2" charset="2"/>
+              <a:buChar char="Ø"/>
+            </a:pPr>
+            <a:r>
+              <a:rPr lang="en-CA" sz="1000" b="1" dirty="0" smtClean="0"/>
+              <a:t>criterion</a:t>
+            </a:r>
+            <a:r>
+              <a:rPr lang="en-CA" sz="1000" i="1" dirty="0"/>
+              <a:t>{“</a:t>
+            </a:r>
+            <a:r>
+              <a:rPr lang="en-CA" sz="1000" i="1" dirty="0" err="1"/>
+              <a:t>gini</a:t>
+            </a:r>
+            <a:r>
+              <a:rPr lang="en-CA" sz="1000" i="1" dirty="0"/>
+              <a:t>”, “entropy”}, default=”</a:t>
+            </a:r>
+            <a:r>
+              <a:rPr lang="en-CA" sz="1000" i="1" dirty="0" err="1"/>
+              <a:t>gini</a:t>
+            </a:r>
+            <a:r>
+              <a:rPr lang="en-CA" sz="1000" i="1" dirty="0" smtClean="0"/>
+              <a:t>”</a:t>
+            </a:r>
+          </a:p>
+          <a:p>
+            <a:pPr marL="742950" lvl="1" indent="-285750" algn="l" fontAlgn="base">
+              <a:buFont typeface="Wingdings" panose="05000000000000000000" pitchFamily="2" charset="2"/>
+              <a:buChar char="Ø"/>
+            </a:pPr>
+            <a:r>
+              <a:rPr lang="en-CA" sz="1000" dirty="0" smtClean="0"/>
+              <a:t>The </a:t>
+            </a:r>
+            <a:r>
+              <a:rPr lang="en-CA" sz="1000" dirty="0"/>
+              <a:t>function to measure the quality of a split. </a:t>
+            </a:r>
+            <a:endParaRPr lang="en-CA" sz="1000" dirty="0" smtClean="0"/>
+          </a:p>
+          <a:p>
+            <a:pPr marL="742950" lvl="1" indent="-285750" algn="l" fontAlgn="base">
+              <a:buFont typeface="Wingdings" panose="05000000000000000000" pitchFamily="2" charset="2"/>
+              <a:buChar char="Ø"/>
+            </a:pPr>
+            <a:r>
+              <a:rPr lang="en-CA" sz="1000" dirty="0"/>
+              <a:t>Supported criteria are “</a:t>
+            </a:r>
+            <a:r>
+              <a:rPr lang="en-CA" sz="1000" dirty="0" err="1"/>
+              <a:t>gini</a:t>
+            </a:r>
+            <a:r>
+              <a:rPr lang="en-CA" sz="1000" dirty="0"/>
+              <a:t>” for the Gini impurity and “entropy” for the information gain. </a:t>
+            </a:r>
+          </a:p>
+          <a:p>
+            <a:pPr algn="l" fontAlgn="base"/>
             <a:endParaRPr lang="en-CA" sz="1400" dirty="0" smtClean="0"/>
           </a:p>
           <a:p>
@@ -17933,41 +18711,14 @@
               <a:buFont typeface="Wingdings" panose="05000000000000000000" pitchFamily="2" charset="2"/>
               <a:buChar char="Ø"/>
             </a:pPr>
-            <a:endParaRPr lang="en-CA" sz="1400" dirty="0"/>
-          </a:p>
-          <a:p>
-            <a:pPr marL="285750" indent="-285750" algn="l" fontAlgn="base">
-              <a:buFont typeface="Wingdings" panose="05000000000000000000" pitchFamily="2" charset="2"/>
-              <a:buChar char="Ø"/>
-            </a:pPr>
-            <a:endParaRPr lang="en-CA" sz="1400" dirty="0" smtClean="0"/>
-          </a:p>
-          <a:p>
-            <a:pPr marL="285750" indent="-285750" algn="l" fontAlgn="base">
-              <a:buFont typeface="Wingdings" panose="05000000000000000000" pitchFamily="2" charset="2"/>
-              <a:buChar char="Ø"/>
-            </a:pPr>
-            <a:endParaRPr lang="en-CA" sz="1400" dirty="0"/>
-          </a:p>
-          <a:p>
-            <a:pPr marL="285750" indent="-285750" algn="l" fontAlgn="base">
-              <a:buFont typeface="Wingdings" panose="05000000000000000000" pitchFamily="2" charset="2"/>
-              <a:buChar char="Ø"/>
-            </a:pPr>
-            <a:endParaRPr lang="en-CA" sz="1400" dirty="0" smtClean="0"/>
-          </a:p>
-          <a:p>
-            <a:pPr marL="285750" indent="-285750" algn="l" fontAlgn="base">
-              <a:buFont typeface="Wingdings" panose="05000000000000000000" pitchFamily="2" charset="2"/>
-              <a:buChar char="Ø"/>
-            </a:pPr>
-            <a:endParaRPr lang="en-CA" sz="1400" dirty="0"/>
-          </a:p>
-          <a:p>
-            <a:pPr marL="285750" indent="-285750" algn="l" fontAlgn="base">
-              <a:buFont typeface="Wingdings" panose="05000000000000000000" pitchFamily="2" charset="2"/>
-              <a:buChar char="Ø"/>
-            </a:pPr>
+            <a:r>
+              <a:rPr lang="en-CA" sz="1400" dirty="0" smtClean="0"/>
+              <a:t>It calculates </a:t>
+            </a:r>
+            <a:r>
+              <a:rPr lang="en-CA" sz="1400" dirty="0"/>
+              <a:t>each feature importance as the sum over the number of splits (across all tress) that include the feature, proportionally to the number of samples it splits. </a:t>
+            </a:r>
             <a:endParaRPr lang="en-CA" sz="1400" dirty="0" smtClean="0"/>
           </a:p>
           <a:p>
@@ -17979,6 +18730,81 @@
               <a:buFont typeface="Wingdings" panose="05000000000000000000" pitchFamily="2" charset="2"/>
               <a:buChar char="Ø"/>
             </a:pPr>
+            <a:r>
+              <a:rPr lang="en-CA" sz="1400" dirty="0" smtClean="0"/>
+              <a:t>In </a:t>
+            </a:r>
+            <a:r>
+              <a:rPr lang="en-CA" sz="1400" dirty="0" err="1"/>
+              <a:t>scikit</a:t>
+            </a:r>
+            <a:r>
+              <a:rPr lang="en-CA" sz="1400" dirty="0"/>
+              <a:t>-learn, it is sometimes called “</a:t>
+            </a:r>
+            <a:r>
+              <a:rPr lang="en-CA" sz="1400" dirty="0" err="1"/>
+              <a:t>gini</a:t>
+            </a:r>
+            <a:r>
+              <a:rPr lang="en-CA" sz="1400" dirty="0"/>
+              <a:t> importance” or “mean decrease impurity” </a:t>
+            </a:r>
+          </a:p>
+          <a:p>
+            <a:pPr marL="285750" indent="-285750" algn="l" fontAlgn="base">
+              <a:buFont typeface="Wingdings" panose="05000000000000000000" pitchFamily="2" charset="2"/>
+              <a:buChar char="Ø"/>
+            </a:pPr>
+            <a:endParaRPr lang="en-CA" sz="1400" dirty="0" smtClean="0"/>
+          </a:p>
+          <a:p>
+            <a:pPr marL="285750" indent="-285750" algn="l" fontAlgn="base">
+              <a:buFont typeface="Wingdings" panose="05000000000000000000" pitchFamily="2" charset="2"/>
+              <a:buChar char="Ø"/>
+            </a:pPr>
+            <a:r>
+              <a:rPr lang="en-CA" sz="1400" dirty="0" smtClean="0"/>
+              <a:t>Defined </a:t>
+            </a:r>
+            <a:r>
+              <a:rPr lang="en-CA" sz="1400" dirty="0"/>
+              <a:t>as the total decrease in node impurity weighted by the probability of reaching that node (which is approximated by the proportion of samples reaching that node</a:t>
+            </a:r>
+            <a:r>
+              <a:rPr lang="en-CA" sz="1400" dirty="0" smtClean="0"/>
+              <a:t>) </a:t>
+            </a:r>
+            <a:r>
+              <a:rPr lang="en-CA" sz="1400" dirty="0"/>
+              <a:t>averaged over all trees of the ensemble. </a:t>
+            </a:r>
+            <a:endParaRPr lang="en-CA" sz="1400" dirty="0" smtClean="0"/>
+          </a:p>
+          <a:p>
+            <a:pPr marL="285750" indent="-285750" algn="l" fontAlgn="base">
+              <a:buFont typeface="Wingdings" panose="05000000000000000000" pitchFamily="2" charset="2"/>
+              <a:buChar char="Ø"/>
+            </a:pPr>
+            <a:endParaRPr lang="en-CA" sz="1400" dirty="0"/>
+          </a:p>
+          <a:p>
+            <a:pPr marL="285750" indent="-285750" algn="l" fontAlgn="base">
+              <a:buFont typeface="Wingdings" panose="05000000000000000000" pitchFamily="2" charset="2"/>
+              <a:buChar char="Ø"/>
+            </a:pPr>
+            <a:r>
+              <a:rPr lang="en-CA" sz="1400" i="1" dirty="0"/>
+              <a:t>At each split in each tree, </a:t>
+            </a:r>
+            <a:r>
+              <a:rPr lang="en-CA" sz="1400" b="1" i="1" dirty="0"/>
+              <a:t>the improvement in the split-criterion is the importance measure attributed to the splitting variable</a:t>
+            </a:r>
+            <a:r>
+              <a:rPr lang="en-CA" sz="1400" i="1" dirty="0"/>
+              <a:t>, and is accumulated over all the trees in the forest separately for each variable.</a:t>
+            </a:r>
             <a:endParaRPr lang="en-CA" sz="1400" dirty="0" smtClean="0"/>
           </a:p>
           <a:p>
@@ -17991,336 +18817,56 @@
               <a:buChar char="Ø"/>
             </a:pPr>
             <a:r>
+              <a:rPr lang="en-CA" sz="1400" dirty="0" smtClean="0"/>
+              <a:t>Feature importance </a:t>
+            </a:r>
+            <a:r>
               <a:rPr lang="en-CA" sz="1400" dirty="0"/>
-              <a:t>The blue bars are the feature importance of the forest, along with their inter-trees variability represented by the error bars. </a:t>
-            </a:r>
-          </a:p>
-          <a:p>
-            <a:pPr marL="285750" indent="-285750" algn="l" fontAlgn="base">
-              <a:buFont typeface="Wingdings" panose="05000000000000000000" pitchFamily="2" charset="2"/>
-              <a:buChar char="Ø"/>
-            </a:pPr>
-            <a:endParaRPr lang="en-CA" sz="1400" dirty="0" smtClean="0"/>
-          </a:p>
-          <a:p>
-            <a:pPr marL="285750" indent="-285750" algn="l" fontAlgn="base">
-              <a:buFont typeface="Wingdings" panose="05000000000000000000" pitchFamily="2" charset="2"/>
-              <a:buChar char="Ø"/>
-            </a:pPr>
+              <a:t>are provided by the fitted attribute </a:t>
+            </a:r>
+            <a:r>
+              <a:rPr lang="en-CA" sz="1400" dirty="0" err="1"/>
+              <a:t>feature_importances</a:t>
+            </a:r>
+            <a:r>
+              <a:rPr lang="en-CA" sz="1400" dirty="0"/>
+              <a:t>_ and they are computed as the mean and standard deviation of accumulation of the impurity decrease within each tree</a:t>
+            </a:r>
             <a:r>
               <a:rPr lang="en-CA" sz="1400" dirty="0" smtClean="0"/>
-              <a:t>The gold highlighted features that follow appear to have a greater level of importance, justifying a another model approach the less important features are dropped</a:t>
-            </a:r>
-          </a:p>
-          <a:p>
-            <a:pPr marL="742950" lvl="1" indent="-285750" algn="l" fontAlgn="base">
-              <a:buFont typeface="Wingdings" panose="05000000000000000000" pitchFamily="2" charset="2"/>
-              <a:buChar char="Ø"/>
-            </a:pPr>
-            <a:r>
-              <a:rPr lang="en-CA" sz="1050" b="1" dirty="0" smtClean="0">
-                <a:solidFill>
-                  <a:srgbClr val="FFC000"/>
-                </a:solidFill>
-              </a:rPr>
-              <a:t>Feature 0 Index:  ICE </a:t>
-            </a:r>
-            <a:r>
-              <a:rPr lang="en-CA" sz="1050" b="1" dirty="0" err="1">
-                <a:solidFill>
-                  <a:srgbClr val="FFC000"/>
-                </a:solidFill>
-              </a:rPr>
-              <a:t>BofA</a:t>
-            </a:r>
-            <a:r>
-              <a:rPr lang="en-CA" sz="1050" b="1" dirty="0">
-                <a:solidFill>
-                  <a:srgbClr val="FFC000"/>
-                </a:solidFill>
-              </a:rPr>
-              <a:t> US High Yield Index Option-Adjusted Spread (BAMLH0A0HYM2</a:t>
-            </a:r>
-            <a:r>
-              <a:rPr lang="en-CA" sz="1050" b="1" dirty="0" smtClean="0">
-                <a:solidFill>
-                  <a:srgbClr val="FFC000"/>
-                </a:solidFill>
-              </a:rPr>
-              <a:t>)</a:t>
-            </a:r>
-          </a:p>
-          <a:p>
-            <a:pPr marL="1200150" lvl="2" indent="-285750" algn="l" fontAlgn="base">
-              <a:buFont typeface="Wingdings" panose="05000000000000000000" pitchFamily="2" charset="2"/>
-              <a:buChar char="Ø"/>
-            </a:pPr>
+              <a:t>.</a:t>
+            </a:r>
+          </a:p>
+          <a:p>
+            <a:pPr algn="l" fontAlgn="base"/>
+            <a:endParaRPr lang="en-CA" sz="800" dirty="0" smtClean="0"/>
+          </a:p>
+          <a:p>
+            <a:pPr algn="l" fontAlgn="base"/>
+            <a:r>
+              <a:rPr lang="en-CA" sz="1000" i="1" dirty="0"/>
+              <a:t>https://scikit-learn.org/stable/modules/generated/sklearn.ensemble.RandomForestClassifier.html</a:t>
+            </a:r>
+            <a:endParaRPr lang="en-CA" sz="1000" i="1" dirty="0" smtClean="0"/>
+          </a:p>
+          <a:p>
+            <a:pPr algn="l" fontAlgn="base"/>
             <a:r>
               <a:rPr lang="en-CA" sz="1000" i="1" dirty="0" smtClean="0"/>
-              <a:t>Expected as HY captures a greater amount of credit risk</a:t>
-            </a:r>
-            <a:endParaRPr lang="en-CA" sz="1000" b="1" dirty="0"/>
-          </a:p>
-          <a:p>
-            <a:pPr marL="742950" lvl="1" indent="-285750" algn="l" fontAlgn="base">
-              <a:buFont typeface="Wingdings" panose="05000000000000000000" pitchFamily="2" charset="2"/>
-              <a:buChar char="Ø"/>
-            </a:pPr>
-            <a:r>
-              <a:rPr lang="en-CA" sz="1050" i="1" dirty="0"/>
-              <a:t>Feature </a:t>
-            </a:r>
-            <a:r>
-              <a:rPr lang="en-CA" sz="1050" i="1" dirty="0" smtClean="0"/>
-              <a:t>1 Index:  ICE </a:t>
-            </a:r>
-            <a:r>
-              <a:rPr lang="en-CA" sz="1050" i="1" dirty="0" err="1"/>
-              <a:t>BofA</a:t>
-            </a:r>
-            <a:r>
-              <a:rPr lang="en-CA" sz="1050" i="1" dirty="0"/>
-              <a:t> US Corporate Index Option-Adjusted Spread (BAMLC0A0CM</a:t>
-            </a:r>
-            <a:r>
-              <a:rPr lang="en-CA" sz="1050" i="1" dirty="0" smtClean="0"/>
-              <a:t>)</a:t>
-            </a:r>
-          </a:p>
-          <a:p>
-            <a:pPr marL="1200150" lvl="2" indent="-285750" algn="l" fontAlgn="base">
-              <a:buFont typeface="Wingdings" panose="05000000000000000000" pitchFamily="2" charset="2"/>
-              <a:buChar char="Ø"/>
-            </a:pPr>
-            <a:r>
-              <a:rPr lang="en-CA" sz="1000" i="1" dirty="0" smtClean="0"/>
-              <a:t>Expected as this is a broader index with higher rated names</a:t>
-            </a:r>
-            <a:endParaRPr lang="en-CA" sz="1050" i="1" dirty="0" smtClean="0"/>
-          </a:p>
-          <a:p>
-            <a:pPr marL="742950" lvl="1" indent="-285750" algn="l" fontAlgn="base">
-              <a:buFont typeface="Wingdings" panose="05000000000000000000" pitchFamily="2" charset="2"/>
-              <a:buChar char="Ø"/>
-            </a:pPr>
-            <a:r>
-              <a:rPr lang="en-CA" sz="1050" i="1" dirty="0" smtClean="0"/>
-              <a:t>Feature 2 Index:  ICE </a:t>
-            </a:r>
-            <a:r>
-              <a:rPr lang="en-CA" sz="1050" i="1" dirty="0" err="1"/>
-              <a:t>BofA</a:t>
-            </a:r>
-            <a:r>
-              <a:rPr lang="en-CA" sz="1050" i="1" dirty="0"/>
-              <a:t> BBB US Corporate Index Option-Adjusted Spread (BAMLC0A4CBBB</a:t>
-            </a:r>
-            <a:r>
-              <a:rPr lang="en-CA" sz="1050" i="1" dirty="0" smtClean="0"/>
-              <a:t>)</a:t>
-            </a:r>
-          </a:p>
-          <a:p>
-            <a:pPr marL="1200150" lvl="2" indent="-285750" algn="l" fontAlgn="base">
-              <a:buFont typeface="Wingdings" panose="05000000000000000000" pitchFamily="2" charset="2"/>
-              <a:buChar char="Ø"/>
-            </a:pPr>
-            <a:r>
-              <a:rPr lang="en-CA" sz="1000" b="1" i="1" dirty="0" smtClean="0">
-                <a:solidFill>
-                  <a:srgbClr val="FFC000"/>
-                </a:solidFill>
-              </a:rPr>
-              <a:t>Unexpected</a:t>
-            </a:r>
-            <a:r>
-              <a:rPr lang="en-CA" sz="1000" i="1" dirty="0" smtClean="0"/>
-              <a:t> as BBB was expected to capture a sufficient amount of credit risk </a:t>
-            </a:r>
-            <a:endParaRPr lang="en-CA" sz="1000" i="1" dirty="0"/>
-          </a:p>
-          <a:p>
-            <a:pPr marL="742950" lvl="1" indent="-285750" algn="l" fontAlgn="base">
-              <a:buFont typeface="Wingdings" panose="05000000000000000000" pitchFamily="2" charset="2"/>
-              <a:buChar char="Ø"/>
-            </a:pPr>
-            <a:r>
-              <a:rPr lang="en-CA" sz="1050" b="1" dirty="0">
-                <a:solidFill>
-                  <a:srgbClr val="FFC000"/>
-                </a:solidFill>
-              </a:rPr>
-              <a:t>Feature </a:t>
-            </a:r>
-            <a:r>
-              <a:rPr lang="en-CA" sz="1050" b="1" dirty="0" smtClean="0">
-                <a:solidFill>
-                  <a:srgbClr val="FFC000"/>
-                </a:solidFill>
-              </a:rPr>
-              <a:t>3 Index:  ICE </a:t>
-            </a:r>
-            <a:r>
-              <a:rPr lang="en-CA" sz="1050" b="1" dirty="0" err="1">
-                <a:solidFill>
-                  <a:srgbClr val="FFC000"/>
-                </a:solidFill>
-              </a:rPr>
-              <a:t>BofA</a:t>
-            </a:r>
-            <a:r>
-              <a:rPr lang="en-CA" sz="1050" b="1" dirty="0">
-                <a:solidFill>
-                  <a:srgbClr val="FFC000"/>
-                </a:solidFill>
-              </a:rPr>
-              <a:t> BB US High Yield Index Option-Adjusted Spread (BAMLH0A1HYBB</a:t>
-            </a:r>
-            <a:r>
-              <a:rPr lang="en-CA" sz="1050" b="1" dirty="0" smtClean="0">
-                <a:solidFill>
-                  <a:srgbClr val="FFC000"/>
-                </a:solidFill>
-              </a:rPr>
-              <a:t>)</a:t>
-            </a:r>
-          </a:p>
-          <a:p>
-            <a:pPr marL="1200150" lvl="2" indent="-285750" algn="l" fontAlgn="base">
-              <a:buFont typeface="Wingdings" panose="05000000000000000000" pitchFamily="2" charset="2"/>
-              <a:buChar char="Ø"/>
-            </a:pPr>
-            <a:r>
-              <a:rPr lang="en-CA" sz="1000" i="1" dirty="0" smtClean="0"/>
-              <a:t>Expected as BB is still below investment grade and expected to capture a sufficient level of credit risk</a:t>
-            </a:r>
-            <a:endParaRPr lang="en-CA" sz="850" b="1" dirty="0">
-              <a:solidFill>
-                <a:srgbClr val="FFC000"/>
-              </a:solidFill>
-            </a:endParaRPr>
-          </a:p>
-          <a:p>
-            <a:pPr marL="742950" lvl="1" indent="-285750" algn="l" fontAlgn="base">
-              <a:buFont typeface="Wingdings" panose="05000000000000000000" pitchFamily="2" charset="2"/>
-              <a:buChar char="Ø"/>
-            </a:pPr>
-            <a:r>
-              <a:rPr lang="en-CA" sz="1050" b="1" dirty="0">
-                <a:solidFill>
-                  <a:srgbClr val="FFC000"/>
-                </a:solidFill>
-              </a:rPr>
-              <a:t>Feature </a:t>
-            </a:r>
-            <a:r>
-              <a:rPr lang="en-CA" sz="1050" b="1" dirty="0" smtClean="0">
-                <a:solidFill>
-                  <a:srgbClr val="FFC000"/>
-                </a:solidFill>
-              </a:rPr>
-              <a:t>4 Index:  ICE </a:t>
-            </a:r>
-            <a:r>
-              <a:rPr lang="en-CA" sz="1050" b="1" dirty="0" err="1">
-                <a:solidFill>
-                  <a:srgbClr val="FFC000"/>
-                </a:solidFill>
-              </a:rPr>
-              <a:t>BofA</a:t>
-            </a:r>
-            <a:r>
-              <a:rPr lang="en-CA" sz="1050" b="1" dirty="0">
-                <a:solidFill>
-                  <a:srgbClr val="FFC000"/>
-                </a:solidFill>
-              </a:rPr>
-              <a:t> CCC &amp; Lower US High Yield Index Option-Adjusted Spread (BAMLH0A3HYC</a:t>
-            </a:r>
-            <a:r>
-              <a:rPr lang="en-CA" sz="1050" b="1" dirty="0" smtClean="0">
-                <a:solidFill>
-                  <a:srgbClr val="FFC000"/>
-                </a:solidFill>
-              </a:rPr>
-              <a:t>)</a:t>
-            </a:r>
-          </a:p>
-          <a:p>
-            <a:pPr marL="1200150" lvl="2" indent="-285750" algn="l" fontAlgn="base">
-              <a:buFont typeface="Wingdings" panose="05000000000000000000" pitchFamily="2" charset="2"/>
-              <a:buChar char="Ø"/>
-            </a:pPr>
+              <a:t>https</a:t>
+            </a:r>
             <a:r>
               <a:rPr lang="en-CA" sz="1000" i="1" dirty="0"/>
-              <a:t>Expected as BB is still below investment grade and expected to capture a sufficient level of credit risk</a:t>
-            </a:r>
-            <a:endParaRPr lang="en-CA" sz="1000" b="1" dirty="0" smtClean="0">
-              <a:solidFill>
-                <a:srgbClr val="FFC000"/>
-              </a:solidFill>
-            </a:endParaRPr>
+              <a:t>://medium.com/the-artificial-impostor/feature-importance-measures-for-tree-models-part-i-47f187c1a2c3</a:t>
+            </a:r>
+            <a:endParaRPr lang="en-CA" sz="1000" i="1" dirty="0" smtClean="0"/>
           </a:p>
         </p:txBody>
       </p:sp>
-      <p:pic>
-        <p:nvPicPr>
-          <p:cNvPr id="4098" name="Picture 2"/>
-          <p:cNvPicPr>
-            <a:picLocks noChangeAspect="1" noChangeArrowheads="1"/>
-          </p:cNvPicPr>
-          <p:nvPr/>
-        </p:nvPicPr>
-        <p:blipFill>
-          <a:blip r:embed="rId2">
-            <a:extLst>
-              <a:ext uri="{28A0092B-C50C-407E-A947-70E740481C1C}">
-                <a14:useLocalDpi xmlns:a14="http://schemas.microsoft.com/office/drawing/2010/main" val="0"/>
-              </a:ext>
-            </a:extLst>
-          </a:blip>
-          <a:srcRect/>
-          <a:stretch>
-            <a:fillRect/>
-          </a:stretch>
-        </p:blipFill>
-        <p:spPr bwMode="auto">
-          <a:xfrm>
-            <a:off x="2286000" y="685800"/>
-            <a:ext cx="4171950" cy="2705100"/>
-          </a:xfrm>
-          <a:prstGeom prst="rect">
-            <a:avLst/>
-          </a:prstGeom>
-          <a:noFill/>
-          <a:ln>
-            <a:noFill/>
-          </a:ln>
-          <a:extLst>
-            <a:ext uri="{909E8E84-426E-40DD-AFC4-6F175D3DCCD1}">
-              <a14:hiddenFill xmlns:a14="http://schemas.microsoft.com/office/drawing/2010/main">
-                <a:solidFill>
-                  <a:schemeClr val="accent1"/>
-                </a:solidFill>
-              </a14:hiddenFill>
-            </a:ext>
-            <a:ext uri="{91240B29-F687-4F45-9708-019B960494DF}">
-              <a14:hiddenLine xmlns:a14="http://schemas.microsoft.com/office/drawing/2010/main" w="9525">
-                <a:solidFill>
-                  <a:schemeClr val="tx1"/>
-                </a:solidFill>
-                <a:miter lim="800000"/>
-                <a:headEnd/>
-                <a:tailEnd/>
-              </a14:hiddenLine>
-            </a:ext>
-          </a:extLst>
-        </p:spPr>
-      </p:pic>
     </p:spTree>
     <p:extLst>
       <p:ext uri="{BB962C8B-B14F-4D97-AF65-F5344CB8AC3E}">
-        <p14:creationId xmlns:p14="http://schemas.microsoft.com/office/powerpoint/2010/main" val="344796243"/>
+        <p14:creationId xmlns:p14="http://schemas.microsoft.com/office/powerpoint/2010/main" val="1008592947"/>
       </p:ext>
     </p:extLst>
   </p:cSld>
@@ -18390,7 +18936,7 @@
           <a:p>
             <a:r>
               <a:rPr lang="en-US" sz="2800" dirty="0" smtClean="0"/>
-              <a:t>Potential over-fitting</a:t>
+              <a:t>Optimal model feature importance</a:t>
             </a:r>
             <a:endParaRPr lang="en-US" sz="2800" dirty="0"/>
           </a:p>
@@ -18657,35 +19203,35 @@
               <a:buFont typeface="Wingdings" panose="05000000000000000000" pitchFamily="2" charset="2"/>
               <a:buChar char="Ø"/>
             </a:pPr>
-            <a:endParaRPr lang="en-CA" sz="1800" dirty="0" smtClean="0"/>
+            <a:endParaRPr lang="en-CA" sz="1800" smtClean="0"/>
           </a:p>
           <a:p>
             <a:pPr marL="285750" indent="-285750" algn="l">
               <a:buFont typeface="Wingdings" panose="05000000000000000000" pitchFamily="2" charset="2"/>
               <a:buChar char="Ø"/>
             </a:pPr>
-            <a:endParaRPr lang="en-CA" sz="1800" dirty="0" smtClean="0"/>
+            <a:endParaRPr lang="en-CA" sz="1800" smtClean="0"/>
           </a:p>
           <a:p>
             <a:pPr marL="285750" indent="-285750" algn="l">
               <a:buFont typeface="Wingdings" panose="05000000000000000000" pitchFamily="2" charset="2"/>
               <a:buChar char="Ø"/>
             </a:pPr>
-            <a:endParaRPr lang="en-CA" sz="1800" dirty="0" smtClean="0"/>
+            <a:endParaRPr lang="en-CA" sz="1800" smtClean="0"/>
           </a:p>
           <a:p>
             <a:pPr marL="285750" indent="-285750" algn="l">
               <a:buFont typeface="Wingdings" panose="05000000000000000000" pitchFamily="2" charset="2"/>
               <a:buChar char="Ø"/>
             </a:pPr>
-            <a:endParaRPr lang="en-CA" sz="1800" dirty="0" smtClean="0"/>
+            <a:endParaRPr lang="en-CA" sz="1800" smtClean="0"/>
           </a:p>
           <a:p>
             <a:pPr marL="285750" indent="-285750" algn="l">
               <a:buFont typeface="Wingdings" panose="05000000000000000000" pitchFamily="2" charset="2"/>
               <a:buChar char="Ø"/>
             </a:pPr>
-            <a:endParaRPr lang="en-CA" sz="1800" dirty="0" smtClean="0"/>
+            <a:endParaRPr lang="en-CA" sz="1800" smtClean="0"/>
           </a:p>
           <a:p>
             <a:pPr marL="742950" lvl="1" indent="-285750" algn="l">
@@ -18892,90 +19438,401 @@
               <a:buFont typeface="Wingdings" panose="05000000000000000000" pitchFamily="2" charset="2"/>
               <a:buChar char="Ø"/>
             </a:pPr>
+            <a:endParaRPr lang="en-CA" sz="1400" dirty="0" smtClean="0"/>
+          </a:p>
+          <a:p>
+            <a:pPr marL="285750" indent="-285750" algn="l" fontAlgn="base">
+              <a:buFont typeface="Wingdings" panose="05000000000000000000" pitchFamily="2" charset="2"/>
+              <a:buChar char="Ø"/>
+            </a:pPr>
+            <a:endParaRPr lang="en-CA" sz="1400" dirty="0"/>
+          </a:p>
+          <a:p>
+            <a:pPr marL="285750" indent="-285750" algn="l" fontAlgn="base">
+              <a:buFont typeface="Wingdings" panose="05000000000000000000" pitchFamily="2" charset="2"/>
+              <a:buChar char="Ø"/>
+            </a:pPr>
+            <a:endParaRPr lang="en-CA" sz="1400" dirty="0" smtClean="0"/>
+          </a:p>
+          <a:p>
+            <a:pPr marL="285750" indent="-285750" algn="l" fontAlgn="base">
+              <a:buFont typeface="Wingdings" panose="05000000000000000000" pitchFamily="2" charset="2"/>
+              <a:buChar char="Ø"/>
+            </a:pPr>
+            <a:endParaRPr lang="en-CA" sz="1400" dirty="0"/>
+          </a:p>
+          <a:p>
+            <a:pPr marL="285750" indent="-285750" algn="l" fontAlgn="base">
+              <a:buFont typeface="Wingdings" panose="05000000000000000000" pitchFamily="2" charset="2"/>
+              <a:buChar char="Ø"/>
+            </a:pPr>
+            <a:endParaRPr lang="en-CA" sz="1400" dirty="0" smtClean="0"/>
+          </a:p>
+          <a:p>
+            <a:pPr marL="285750" indent="-285750" algn="l" fontAlgn="base">
+              <a:buFont typeface="Wingdings" panose="05000000000000000000" pitchFamily="2" charset="2"/>
+              <a:buChar char="Ø"/>
+            </a:pPr>
+            <a:endParaRPr lang="en-CA" sz="1400" dirty="0"/>
+          </a:p>
+          <a:p>
+            <a:pPr marL="285750" indent="-285750" algn="l" fontAlgn="base">
+              <a:buFont typeface="Wingdings" panose="05000000000000000000" pitchFamily="2" charset="2"/>
+              <a:buChar char="Ø"/>
+            </a:pPr>
+            <a:endParaRPr lang="en-CA" sz="1400" dirty="0" smtClean="0"/>
+          </a:p>
+          <a:p>
+            <a:pPr algn="l" fontAlgn="base"/>
+            <a:endParaRPr lang="en-CA" sz="1400" dirty="0"/>
+          </a:p>
+          <a:p>
+            <a:pPr marL="285750" indent="-285750" algn="l" fontAlgn="base">
+              <a:buFont typeface="Wingdings" panose="05000000000000000000" pitchFamily="2" charset="2"/>
+              <a:buChar char="Ø"/>
+            </a:pPr>
+            <a:endParaRPr lang="en-CA" sz="1400" dirty="0" smtClean="0"/>
+          </a:p>
+          <a:p>
+            <a:pPr algn="l" fontAlgn="base"/>
+            <a:endParaRPr lang="en-CA" sz="1400" dirty="0"/>
+          </a:p>
+          <a:p>
+            <a:pPr marL="285750" indent="-285750" algn="l" fontAlgn="base">
+              <a:buFont typeface="Wingdings" panose="05000000000000000000" pitchFamily="2" charset="2"/>
+              <a:buChar char="Ø"/>
+            </a:pPr>
             <a:r>
               <a:rPr lang="en-CA" sz="1400" dirty="0"/>
-              <a:t>The </a:t>
-            </a:r>
+              <a:t>The blue bars are the feature importance of the forest, along with their inter-trees variability represented by the error bars. </a:t>
+            </a:r>
+          </a:p>
+          <a:p>
+            <a:pPr marL="285750" indent="-285750" algn="l" fontAlgn="base">
+              <a:buFont typeface="Wingdings" panose="05000000000000000000" pitchFamily="2" charset="2"/>
+              <a:buChar char="Ø"/>
+            </a:pPr>
+            <a:endParaRPr lang="en-CA" sz="1400" dirty="0" smtClean="0"/>
+          </a:p>
+          <a:p>
+            <a:pPr marL="285750" indent="-285750" algn="l" fontAlgn="base">
+              <a:buFont typeface="Wingdings" panose="05000000000000000000" pitchFamily="2" charset="2"/>
+              <a:buChar char="Ø"/>
+            </a:pPr>
             <a:r>
               <a:rPr lang="en-CA" sz="1400" dirty="0" smtClean="0"/>
-              <a:t>“.score” method can be used to obtain the training and testing period score</a:t>
-            </a:r>
-          </a:p>
-          <a:p>
-            <a:pPr marL="285750" indent="-285750" algn="l" fontAlgn="base">
-              <a:buFont typeface="Wingdings" panose="05000000000000000000" pitchFamily="2" charset="2"/>
-              <a:buChar char="Ø"/>
-            </a:pPr>
-            <a:endParaRPr lang="en-CA" sz="1400" dirty="0"/>
-          </a:p>
-          <a:p>
-            <a:pPr marL="285750" indent="-285750" algn="l" fontAlgn="base">
-              <a:buFont typeface="Wingdings" panose="05000000000000000000" pitchFamily="2" charset="2"/>
-              <a:buChar char="Ø"/>
-            </a:pPr>
-            <a:r>
-              <a:rPr lang="en-CA" sz="1400" dirty="0" smtClean="0"/>
-              <a:t>The score represents the mean accuracy during the respective training and testing periods</a:t>
-            </a:r>
-          </a:p>
-          <a:p>
-            <a:pPr marL="285750" indent="-285750" algn="l" fontAlgn="base">
-              <a:buFont typeface="Wingdings" panose="05000000000000000000" pitchFamily="2" charset="2"/>
-              <a:buChar char="Ø"/>
-            </a:pPr>
-            <a:endParaRPr lang="en-CA" sz="1400" dirty="0"/>
-          </a:p>
-          <a:p>
-            <a:pPr marL="285750" indent="-285750" algn="l" fontAlgn="base">
-              <a:buFont typeface="Wingdings" panose="05000000000000000000" pitchFamily="2" charset="2"/>
-              <a:buChar char="Ø"/>
-            </a:pPr>
-            <a:r>
-              <a:rPr lang="en-CA" sz="1400" dirty="0" smtClean="0"/>
-              <a:t>Optimal RFC Model accuracy during training period: 0.8709</a:t>
-            </a:r>
-          </a:p>
-          <a:p>
-            <a:pPr marL="285750" indent="-285750" algn="l" fontAlgn="base">
-              <a:buFont typeface="Wingdings" panose="05000000000000000000" pitchFamily="2" charset="2"/>
-              <a:buChar char="Ø"/>
-            </a:pPr>
-            <a:endParaRPr lang="en-CA" sz="1400" dirty="0"/>
-          </a:p>
-          <a:p>
-            <a:pPr marL="285750" indent="-285750" algn="l" fontAlgn="base">
-              <a:buFont typeface="Wingdings" panose="05000000000000000000" pitchFamily="2" charset="2"/>
-              <a:buChar char="Ø"/>
-            </a:pPr>
-            <a:r>
-              <a:rPr lang="en-CA" sz="1400" dirty="0" smtClean="0"/>
-              <a:t>Optimal RFC Model accuracy during testing : 0.5686</a:t>
-            </a:r>
-          </a:p>
-          <a:p>
-            <a:pPr marL="285750" indent="-285750" algn="l" fontAlgn="base">
-              <a:buFont typeface="Wingdings" panose="05000000000000000000" pitchFamily="2" charset="2"/>
-              <a:buChar char="Ø"/>
-            </a:pPr>
-            <a:endParaRPr lang="en-CA" sz="1400" dirty="0"/>
-          </a:p>
-          <a:p>
-            <a:pPr marL="285750" indent="-285750" algn="l" fontAlgn="base">
-              <a:buFont typeface="Wingdings" panose="05000000000000000000" pitchFamily="2" charset="2"/>
-              <a:buChar char="Ø"/>
-            </a:pPr>
-            <a:r>
-              <a:rPr lang="en-CA" sz="1400" dirty="0" smtClean="0"/>
-              <a:t>Given the material decline in accuracy score during the testing period, evidence exists that over-fitting may introduce issues with the model during the Forward Test Period (out-of-sample testing)</a:t>
-            </a:r>
-            <a:endParaRPr lang="en-CA" sz="1200" dirty="0" smtClean="0"/>
+              <a:t>The gold highlighted features that follow appear to have a greater level of importance, justifying a another model approach the less important features are dropped</a:t>
+            </a:r>
+          </a:p>
+          <a:p>
+            <a:pPr marL="742950" lvl="1" indent="-285750" algn="l" fontAlgn="base">
+              <a:buFont typeface="Wingdings" panose="05000000000000000000" pitchFamily="2" charset="2"/>
+              <a:buChar char="Ø"/>
+            </a:pPr>
+            <a:r>
+              <a:rPr lang="en-CA" sz="1050" b="1" dirty="0" smtClean="0">
+                <a:solidFill>
+                  <a:srgbClr val="FFC000"/>
+                </a:solidFill>
+              </a:rPr>
+              <a:t>Feature 0 Index:  ICE </a:t>
+            </a:r>
+            <a:r>
+              <a:rPr lang="en-CA" sz="1050" b="1" dirty="0" err="1">
+                <a:solidFill>
+                  <a:srgbClr val="FFC000"/>
+                </a:solidFill>
+              </a:rPr>
+              <a:t>BofA</a:t>
+            </a:r>
+            <a:r>
+              <a:rPr lang="en-CA" sz="1050" b="1" dirty="0">
+                <a:solidFill>
+                  <a:srgbClr val="FFC000"/>
+                </a:solidFill>
+              </a:rPr>
+              <a:t> US High Yield Index Option-Adjusted Spread (BAMLH0A0HYM2</a:t>
+            </a:r>
+            <a:r>
+              <a:rPr lang="en-CA" sz="1050" b="1" dirty="0" smtClean="0">
+                <a:solidFill>
+                  <a:srgbClr val="FFC000"/>
+                </a:solidFill>
+              </a:rPr>
+              <a:t>)</a:t>
+            </a:r>
+          </a:p>
+          <a:p>
+            <a:pPr marL="1200150" lvl="2" indent="-285750" algn="l" fontAlgn="base">
+              <a:buFont typeface="Wingdings" panose="05000000000000000000" pitchFamily="2" charset="2"/>
+              <a:buChar char="Ø"/>
+            </a:pPr>
+            <a:r>
+              <a:rPr lang="en-CA" sz="1000" i="1" dirty="0" smtClean="0"/>
+              <a:t>Expected as HY captures a greater amount of credit risk</a:t>
+            </a:r>
+            <a:endParaRPr lang="en-CA" sz="1000" b="1" dirty="0"/>
+          </a:p>
+          <a:p>
+            <a:pPr marL="742950" lvl="1" indent="-285750" algn="l" fontAlgn="base">
+              <a:buFont typeface="Wingdings" panose="05000000000000000000" pitchFamily="2" charset="2"/>
+              <a:buChar char="Ø"/>
+            </a:pPr>
+            <a:r>
+              <a:rPr lang="en-CA" sz="1050" i="1" dirty="0"/>
+              <a:t>Feature </a:t>
+            </a:r>
+            <a:r>
+              <a:rPr lang="en-CA" sz="1050" i="1" dirty="0" smtClean="0"/>
+              <a:t>1 Index:  ICE </a:t>
+            </a:r>
+            <a:r>
+              <a:rPr lang="en-CA" sz="1050" i="1" dirty="0" err="1"/>
+              <a:t>BofA</a:t>
+            </a:r>
+            <a:r>
+              <a:rPr lang="en-CA" sz="1050" i="1" dirty="0"/>
+              <a:t> US Corporate Index Option-Adjusted Spread (BAMLC0A0CM</a:t>
+            </a:r>
+            <a:r>
+              <a:rPr lang="en-CA" sz="1050" i="1" dirty="0" smtClean="0"/>
+              <a:t>)</a:t>
+            </a:r>
+          </a:p>
+          <a:p>
+            <a:pPr marL="1200150" lvl="2" indent="-285750" algn="l" fontAlgn="base">
+              <a:buFont typeface="Wingdings" panose="05000000000000000000" pitchFamily="2" charset="2"/>
+              <a:buChar char="Ø"/>
+            </a:pPr>
+            <a:r>
+              <a:rPr lang="en-CA" sz="1000" i="1" dirty="0" smtClean="0"/>
+              <a:t>Expected as this is a broader index with higher rated names</a:t>
+            </a:r>
+            <a:endParaRPr lang="en-CA" sz="1050" i="1" dirty="0" smtClean="0"/>
+          </a:p>
+          <a:p>
+            <a:pPr marL="742950" lvl="1" indent="-285750" algn="l" fontAlgn="base">
+              <a:buFont typeface="Wingdings" panose="05000000000000000000" pitchFamily="2" charset="2"/>
+              <a:buChar char="Ø"/>
+            </a:pPr>
+            <a:r>
+              <a:rPr lang="en-CA" sz="1050" i="1" dirty="0" smtClean="0"/>
+              <a:t>Feature 2 Index:  ICE </a:t>
+            </a:r>
+            <a:r>
+              <a:rPr lang="en-CA" sz="1050" i="1" dirty="0" err="1"/>
+              <a:t>BofA</a:t>
+            </a:r>
+            <a:r>
+              <a:rPr lang="en-CA" sz="1050" i="1" dirty="0"/>
+              <a:t> BBB US Corporate Index Option-Adjusted Spread (BAMLC0A4CBBB</a:t>
+            </a:r>
+            <a:r>
+              <a:rPr lang="en-CA" sz="1050" i="1" dirty="0" smtClean="0"/>
+              <a:t>)</a:t>
+            </a:r>
+          </a:p>
+          <a:p>
+            <a:pPr marL="1200150" lvl="2" indent="-285750" algn="l" fontAlgn="base">
+              <a:buFont typeface="Wingdings" panose="05000000000000000000" pitchFamily="2" charset="2"/>
+              <a:buChar char="Ø"/>
+            </a:pPr>
+            <a:r>
+              <a:rPr lang="en-CA" sz="1000" b="1" i="1" dirty="0" smtClean="0">
+                <a:solidFill>
+                  <a:srgbClr val="FFC000"/>
+                </a:solidFill>
+              </a:rPr>
+              <a:t>Unexpected</a:t>
+            </a:r>
+            <a:r>
+              <a:rPr lang="en-CA" sz="1000" i="1" dirty="0" smtClean="0"/>
+              <a:t> as BBB was expected to capture a sufficient amount of credit risk </a:t>
+            </a:r>
+            <a:endParaRPr lang="en-CA" sz="1000" i="1" dirty="0"/>
+          </a:p>
+          <a:p>
+            <a:pPr marL="742950" lvl="1" indent="-285750" algn="l" fontAlgn="base">
+              <a:buFont typeface="Wingdings" panose="05000000000000000000" pitchFamily="2" charset="2"/>
+              <a:buChar char="Ø"/>
+            </a:pPr>
+            <a:r>
+              <a:rPr lang="en-CA" sz="1050" b="1" dirty="0">
+                <a:solidFill>
+                  <a:srgbClr val="FFC000"/>
+                </a:solidFill>
+              </a:rPr>
+              <a:t>Feature </a:t>
+            </a:r>
+            <a:r>
+              <a:rPr lang="en-CA" sz="1050" b="1" dirty="0" smtClean="0">
+                <a:solidFill>
+                  <a:srgbClr val="FFC000"/>
+                </a:solidFill>
+              </a:rPr>
+              <a:t>3 Index:  ICE </a:t>
+            </a:r>
+            <a:r>
+              <a:rPr lang="en-CA" sz="1050" b="1" dirty="0" err="1">
+                <a:solidFill>
+                  <a:srgbClr val="FFC000"/>
+                </a:solidFill>
+              </a:rPr>
+              <a:t>BofA</a:t>
+            </a:r>
+            <a:r>
+              <a:rPr lang="en-CA" sz="1050" b="1" dirty="0">
+                <a:solidFill>
+                  <a:srgbClr val="FFC000"/>
+                </a:solidFill>
+              </a:rPr>
+              <a:t> BB US High Yield Index Option-Adjusted Spread (BAMLH0A1HYBB</a:t>
+            </a:r>
+            <a:r>
+              <a:rPr lang="en-CA" sz="1050" b="1" dirty="0" smtClean="0">
+                <a:solidFill>
+                  <a:srgbClr val="FFC000"/>
+                </a:solidFill>
+              </a:rPr>
+              <a:t>)</a:t>
+            </a:r>
+          </a:p>
+          <a:p>
+            <a:pPr marL="1200150" lvl="2" indent="-285750" algn="l" fontAlgn="base">
+              <a:buFont typeface="Wingdings" panose="05000000000000000000" pitchFamily="2" charset="2"/>
+              <a:buChar char="Ø"/>
+            </a:pPr>
+            <a:r>
+              <a:rPr lang="en-CA" sz="1000" i="1" dirty="0" smtClean="0"/>
+              <a:t>Expected as BB is still below investment grade and expected to capture a sufficient level of credit risk</a:t>
+            </a:r>
+            <a:endParaRPr lang="en-CA" sz="850" b="1" dirty="0">
+              <a:solidFill>
+                <a:srgbClr val="FFC000"/>
+              </a:solidFill>
+            </a:endParaRPr>
+          </a:p>
+          <a:p>
+            <a:pPr marL="742950" lvl="1" indent="-285750" algn="l" fontAlgn="base">
+              <a:buFont typeface="Wingdings" panose="05000000000000000000" pitchFamily="2" charset="2"/>
+              <a:buChar char="Ø"/>
+            </a:pPr>
+            <a:r>
+              <a:rPr lang="en-CA" sz="1050" b="1" dirty="0">
+                <a:solidFill>
+                  <a:srgbClr val="FFC000"/>
+                </a:solidFill>
+              </a:rPr>
+              <a:t>Feature </a:t>
+            </a:r>
+            <a:r>
+              <a:rPr lang="en-CA" sz="1050" b="1" dirty="0" smtClean="0">
+                <a:solidFill>
+                  <a:srgbClr val="FFC000"/>
+                </a:solidFill>
+              </a:rPr>
+              <a:t>4 Index:  ICE </a:t>
+            </a:r>
+            <a:r>
+              <a:rPr lang="en-CA" sz="1050" b="1" dirty="0" err="1">
+                <a:solidFill>
+                  <a:srgbClr val="FFC000"/>
+                </a:solidFill>
+              </a:rPr>
+              <a:t>BofA</a:t>
+            </a:r>
+            <a:r>
+              <a:rPr lang="en-CA" sz="1050" b="1" dirty="0">
+                <a:solidFill>
+                  <a:srgbClr val="FFC000"/>
+                </a:solidFill>
+              </a:rPr>
+              <a:t> CCC &amp; Lower US High Yield Index Option-Adjusted Spread (BAMLH0A3HYC</a:t>
+            </a:r>
+            <a:r>
+              <a:rPr lang="en-CA" sz="1050" b="1" dirty="0" smtClean="0">
+                <a:solidFill>
+                  <a:srgbClr val="FFC000"/>
+                </a:solidFill>
+              </a:rPr>
+              <a:t>)</a:t>
+            </a:r>
+          </a:p>
+          <a:p>
+            <a:pPr marL="1200150" lvl="2" indent="-285750" algn="l" fontAlgn="base">
+              <a:buFont typeface="Wingdings" panose="05000000000000000000" pitchFamily="2" charset="2"/>
+              <a:buChar char="Ø"/>
+            </a:pPr>
+            <a:r>
+              <a:rPr lang="en-CA" sz="1000" i="1" dirty="0"/>
+              <a:t>Expected as BB is still below investment grade and expected to capture a sufficient level of credit risk</a:t>
+            </a:r>
+            <a:endParaRPr lang="en-CA" sz="1000" b="1" dirty="0" smtClean="0">
+              <a:solidFill>
+                <a:srgbClr val="FFC000"/>
+              </a:solidFill>
+            </a:endParaRPr>
           </a:p>
         </p:txBody>
       </p:sp>
+      <p:pic>
+        <p:nvPicPr>
+          <p:cNvPr id="4098" name="Picture 2"/>
+          <p:cNvPicPr>
+            <a:picLocks noChangeAspect="1" noChangeArrowheads="1"/>
+          </p:cNvPicPr>
+          <p:nvPr/>
+        </p:nvPicPr>
+        <p:blipFill>
+          <a:blip r:embed="rId2">
+            <a:extLst>
+              <a:ext uri="{28A0092B-C50C-407E-A947-70E740481C1C}">
+                <a14:useLocalDpi xmlns:a14="http://schemas.microsoft.com/office/drawing/2010/main" val="0"/>
+              </a:ext>
+            </a:extLst>
+          </a:blip>
+          <a:srcRect/>
+          <a:stretch>
+            <a:fillRect/>
+          </a:stretch>
+        </p:blipFill>
+        <p:spPr bwMode="auto">
+          <a:xfrm>
+            <a:off x="2286000" y="685800"/>
+            <a:ext cx="4171950" cy="2705100"/>
+          </a:xfrm>
+          <a:prstGeom prst="rect">
+            <a:avLst/>
+          </a:prstGeom>
+          <a:noFill/>
+          <a:ln>
+            <a:noFill/>
+          </a:ln>
+          <a:extLst>
+            <a:ext uri="{909E8E84-426E-40DD-AFC4-6F175D3DCCD1}">
+              <a14:hiddenFill xmlns:a14="http://schemas.microsoft.com/office/drawing/2010/main">
+                <a:solidFill>
+                  <a:schemeClr val="accent1"/>
+                </a:solidFill>
+              </a14:hiddenFill>
+            </a:ext>
+            <a:ext uri="{91240B29-F687-4F45-9708-019B960494DF}">
+              <a14:hiddenLine xmlns:a14="http://schemas.microsoft.com/office/drawing/2010/main" w="9525">
+                <a:solidFill>
+                  <a:schemeClr val="tx1"/>
+                </a:solidFill>
+                <a:miter lim="800000"/>
+                <a:headEnd/>
+                <a:tailEnd/>
+              </a14:hiddenLine>
+            </a:ext>
+          </a:extLst>
+        </p:spPr>
+      </p:pic>
     </p:spTree>
     <p:extLst>
       <p:ext uri="{BB962C8B-B14F-4D97-AF65-F5344CB8AC3E}">
-        <p14:creationId xmlns:p14="http://schemas.microsoft.com/office/powerpoint/2010/main" val="16653660"/>
+        <p14:creationId xmlns:p14="http://schemas.microsoft.com/office/powerpoint/2010/main" val="344796243"/>
       </p:ext>
     </p:extLst>
   </p:cSld>
@@ -19045,7 +19902,7 @@
           <a:p>
             <a:r>
               <a:rPr lang="en-US" sz="2800" dirty="0" smtClean="0"/>
-              <a:t>Development phase</a:t>
+              <a:t>Potential over-fitting</a:t>
             </a:r>
             <a:endParaRPr lang="en-US" sz="2800" dirty="0"/>
           </a:p>
@@ -19312,35 +20169,35 @@
               <a:buFont typeface="Wingdings" panose="05000000000000000000" pitchFamily="2" charset="2"/>
               <a:buChar char="Ø"/>
             </a:pPr>
-            <a:endParaRPr lang="en-CA" sz="1800" smtClean="0"/>
+            <a:endParaRPr lang="en-CA" sz="1800" dirty="0" smtClean="0"/>
           </a:p>
           <a:p>
             <a:pPr marL="285750" indent="-285750" algn="l">
               <a:buFont typeface="Wingdings" panose="05000000000000000000" pitchFamily="2" charset="2"/>
               <a:buChar char="Ø"/>
             </a:pPr>
-            <a:endParaRPr lang="en-CA" sz="1800" smtClean="0"/>
+            <a:endParaRPr lang="en-CA" sz="1800" dirty="0" smtClean="0"/>
           </a:p>
           <a:p>
             <a:pPr marL="285750" indent="-285750" algn="l">
               <a:buFont typeface="Wingdings" panose="05000000000000000000" pitchFamily="2" charset="2"/>
               <a:buChar char="Ø"/>
             </a:pPr>
-            <a:endParaRPr lang="en-CA" sz="1800" smtClean="0"/>
+            <a:endParaRPr lang="en-CA" sz="1800" dirty="0" smtClean="0"/>
           </a:p>
           <a:p>
             <a:pPr marL="285750" indent="-285750" algn="l">
               <a:buFont typeface="Wingdings" panose="05000000000000000000" pitchFamily="2" charset="2"/>
               <a:buChar char="Ø"/>
             </a:pPr>
-            <a:endParaRPr lang="en-CA" sz="1800" smtClean="0"/>
+            <a:endParaRPr lang="en-CA" sz="1800" dirty="0" smtClean="0"/>
           </a:p>
           <a:p>
             <a:pPr marL="285750" indent="-285750" algn="l">
               <a:buFont typeface="Wingdings" panose="05000000000000000000" pitchFamily="2" charset="2"/>
               <a:buChar char="Ø"/>
             </a:pPr>
-            <a:endParaRPr lang="en-CA" sz="1800" smtClean="0"/>
+            <a:endParaRPr lang="en-CA" sz="1800" dirty="0" smtClean="0"/>
           </a:p>
           <a:p>
             <a:pPr marL="742950" lvl="1" indent="-285750" algn="l">
@@ -19351,60 +20208,6 @@
           </a:p>
         </p:txBody>
       </p:sp>
-      <p:pic>
-        <p:nvPicPr>
-          <p:cNvPr id="2050" name="Picture 2"/>
-          <p:cNvPicPr>
-            <a:picLocks noChangeAspect="1" noChangeArrowheads="1"/>
-          </p:cNvPicPr>
-          <p:nvPr/>
-        </p:nvPicPr>
-        <p:blipFill>
-          <a:blip r:embed="rId2">
-            <a:extLst>
-              <a:ext uri="{28A0092B-C50C-407E-A947-70E740481C1C}">
-                <a14:useLocalDpi xmlns:a14="http://schemas.microsoft.com/office/drawing/2010/main" val="0"/>
-              </a:ext>
-            </a:extLst>
-          </a:blip>
-          <a:srcRect/>
-          <a:stretch>
-            <a:fillRect/>
-          </a:stretch>
-        </p:blipFill>
-        <p:spPr bwMode="auto">
-          <a:xfrm>
-            <a:off x="0" y="685800"/>
-            <a:ext cx="9143999" cy="4203510"/>
-          </a:xfrm>
-          <a:prstGeom prst="rect">
-            <a:avLst/>
-          </a:prstGeom>
-          <a:noFill/>
-          <a:ln>
-            <a:noFill/>
-          </a:ln>
-          <a:extLst>
-            <a:ext uri="{909E8E84-426E-40DD-AFC4-6F175D3DCCD1}">
-              <a14:hiddenFill xmlns:a14="http://schemas.microsoft.com/office/drawing/2010/main">
-                <a:solidFill>
-                  <a:schemeClr val="accent1"/>
-                </a:solidFill>
-              </a14:hiddenFill>
-            </a:ext>
-            <a:ext uri="{91240B29-F687-4F45-9708-019B960494DF}">
-              <a14:hiddenLine xmlns:a14="http://schemas.microsoft.com/office/drawing/2010/main" w="9525">
-                <a:solidFill>
-                  <a:schemeClr val="tx1"/>
-                </a:solidFill>
-                <a:miter lim="800000"/>
-                <a:headEnd/>
-                <a:tailEnd/>
-              </a14:hiddenLine>
-            </a:ext>
-          </a:extLst>
-        </p:spPr>
-      </p:pic>
       <p:sp>
         <p:nvSpPr>
           <p:cNvPr id="8" name="Subtitle 2"/>
@@ -19424,7 +20227,7 @@
         </p:spPr>
         <p:txBody>
           <a:bodyPr vert="horz">
-            <a:normAutofit lnSpcReduction="10000"/>
+            <a:normAutofit/>
           </a:bodyPr>
           <a:lstStyle>
             <a:lvl1pPr marL="0" indent="0" algn="ctr" rtl="0" eaLnBrk="1" latinLnBrk="0" hangingPunct="1">
@@ -19601,7 +20404,14 @@
               <a:buFont typeface="Wingdings" panose="05000000000000000000" pitchFamily="2" charset="2"/>
               <a:buChar char="Ø"/>
             </a:pPr>
-            <a:endParaRPr lang="en-CA" sz="1400" dirty="0" smtClean="0"/>
+            <a:r>
+              <a:rPr lang="en-CA" sz="1400" dirty="0"/>
+              <a:t>The </a:t>
+            </a:r>
+            <a:r>
+              <a:rPr lang="en-CA" sz="1400" dirty="0" smtClean="0"/>
+              <a:t>“.score” method can be used to obtain the training and testing period score</a:t>
+            </a:r>
           </a:p>
           <a:p>
             <a:pPr marL="285750" indent="-285750" algn="l" fontAlgn="base">
@@ -19615,7 +20425,10 @@
               <a:buFont typeface="Wingdings" panose="05000000000000000000" pitchFamily="2" charset="2"/>
               <a:buChar char="Ø"/>
             </a:pPr>
-            <a:endParaRPr lang="en-CA" sz="1400" dirty="0" smtClean="0"/>
+            <a:r>
+              <a:rPr lang="en-CA" sz="1400" dirty="0" smtClean="0"/>
+              <a:t>The score represents the mean accuracy during the respective training and testing periods</a:t>
+            </a:r>
           </a:p>
           <a:p>
             <a:pPr marL="285750" indent="-285750" algn="l" fontAlgn="base">
@@ -19629,7 +20442,10 @@
               <a:buFont typeface="Wingdings" panose="05000000000000000000" pitchFamily="2" charset="2"/>
               <a:buChar char="Ø"/>
             </a:pPr>
-            <a:endParaRPr lang="en-CA" sz="1400" dirty="0" smtClean="0"/>
+            <a:r>
+              <a:rPr lang="en-CA" sz="1400" dirty="0" smtClean="0"/>
+              <a:t>Optimal RFC Model accuracy during training period: 0.8709</a:t>
+            </a:r>
           </a:p>
           <a:p>
             <a:pPr marL="285750" indent="-285750" algn="l" fontAlgn="base">
@@ -19643,7 +20459,10 @@
               <a:buFont typeface="Wingdings" panose="05000000000000000000" pitchFamily="2" charset="2"/>
               <a:buChar char="Ø"/>
             </a:pPr>
-            <a:endParaRPr lang="en-CA" sz="1400" dirty="0" smtClean="0"/>
+            <a:r>
+              <a:rPr lang="en-CA" sz="1400" dirty="0" smtClean="0"/>
+              <a:t>Optimal RFC Model accuracy during testing : 0.5686</a:t>
+            </a:r>
           </a:p>
           <a:p>
             <a:pPr marL="285750" indent="-285750" algn="l" fontAlgn="base">
@@ -19657,148 +20476,18 @@
               <a:buFont typeface="Wingdings" panose="05000000000000000000" pitchFamily="2" charset="2"/>
               <a:buChar char="Ø"/>
             </a:pPr>
-            <a:endParaRPr lang="en-CA" sz="1400" dirty="0" smtClean="0"/>
-          </a:p>
-          <a:p>
-            <a:pPr marL="285750" indent="-285750" algn="l" fontAlgn="base">
-              <a:buFont typeface="Wingdings" panose="05000000000000000000" pitchFamily="2" charset="2"/>
-              <a:buChar char="Ø"/>
-            </a:pPr>
-            <a:endParaRPr lang="en-CA" sz="1400" dirty="0"/>
-          </a:p>
-          <a:p>
-            <a:pPr marL="285750" indent="-285750" algn="l" fontAlgn="base">
-              <a:buFont typeface="Wingdings" panose="05000000000000000000" pitchFamily="2" charset="2"/>
-              <a:buChar char="Ø"/>
-            </a:pPr>
-            <a:endParaRPr lang="en-CA" sz="1400" dirty="0" smtClean="0"/>
-          </a:p>
-          <a:p>
-            <a:pPr marL="285750" indent="-285750" algn="l" fontAlgn="base">
-              <a:buFont typeface="Wingdings" panose="05000000000000000000" pitchFamily="2" charset="2"/>
-              <a:buChar char="Ø"/>
-            </a:pPr>
-            <a:endParaRPr lang="en-CA" sz="1400" dirty="0" smtClean="0"/>
-          </a:p>
-          <a:p>
-            <a:pPr marL="285750" indent="-285750" algn="l" fontAlgn="base">
-              <a:buFont typeface="Wingdings" panose="05000000000000000000" pitchFamily="2" charset="2"/>
-              <a:buChar char="Ø"/>
-            </a:pPr>
-            <a:endParaRPr lang="en-CA" sz="1400" dirty="0"/>
-          </a:p>
-          <a:p>
-            <a:pPr marL="285750" indent="-285750" algn="l" fontAlgn="base">
-              <a:buFont typeface="Wingdings" panose="05000000000000000000" pitchFamily="2" charset="2"/>
-              <a:buChar char="Ø"/>
-            </a:pPr>
-            <a:endParaRPr lang="en-CA" sz="1400" dirty="0" smtClean="0"/>
-          </a:p>
-          <a:p>
-            <a:pPr marL="285750" indent="-285750" algn="l" fontAlgn="base">
-              <a:buFont typeface="Wingdings" panose="05000000000000000000" pitchFamily="2" charset="2"/>
-              <a:buChar char="Ø"/>
-            </a:pPr>
-            <a:endParaRPr lang="en-CA" sz="1400" dirty="0" smtClean="0"/>
-          </a:p>
-          <a:p>
-            <a:pPr marL="285750" indent="-285750" algn="l" fontAlgn="base">
-              <a:buFont typeface="Wingdings" panose="05000000000000000000" pitchFamily="2" charset="2"/>
-              <a:buChar char="Ø"/>
-            </a:pPr>
-            <a:endParaRPr lang="en-CA" sz="1400" dirty="0" smtClean="0"/>
-          </a:p>
-          <a:p>
-            <a:pPr marL="285750" indent="-285750" algn="l" fontAlgn="base">
-              <a:buFont typeface="Wingdings" panose="05000000000000000000" pitchFamily="2" charset="2"/>
-              <a:buChar char="Ø"/>
-            </a:pPr>
-            <a:endParaRPr lang="en-CA" sz="1400" dirty="0" smtClean="0"/>
-          </a:p>
-          <a:p>
-            <a:pPr marL="285750" indent="-285750" algn="l" fontAlgn="base">
-              <a:buFont typeface="Wingdings" panose="05000000000000000000" pitchFamily="2" charset="2"/>
-              <a:buChar char="Ø"/>
-            </a:pPr>
-            <a:endParaRPr lang="en-CA" sz="1400" dirty="0"/>
-          </a:p>
-          <a:p>
-            <a:pPr marL="285750" indent="-285750" algn="l" fontAlgn="base">
-              <a:buFont typeface="Wingdings" panose="05000000000000000000" pitchFamily="2" charset="2"/>
-              <a:buChar char="Ø"/>
-            </a:pPr>
-            <a:r>
-              <a:rPr lang="en-CA" sz="1200" dirty="0" smtClean="0">
-                <a:solidFill>
-                  <a:srgbClr val="FFC000"/>
-                </a:solidFill>
-              </a:rPr>
-              <a:t>The above represents Naïve Model capture and Equity Market state statistics (in-sample)</a:t>
-            </a:r>
-            <a:endParaRPr lang="en-CA" sz="1200" dirty="0">
-              <a:solidFill>
-                <a:srgbClr val="FFC000"/>
-              </a:solidFill>
-            </a:endParaRPr>
-          </a:p>
-          <a:p>
-            <a:pPr marL="285750" indent="-285750" algn="l" fontAlgn="base">
-              <a:buFont typeface="Wingdings" panose="05000000000000000000" pitchFamily="2" charset="2"/>
-              <a:buChar char="Ø"/>
-            </a:pPr>
-            <a:r>
-              <a:rPr lang="en-CA" sz="1200" dirty="0" smtClean="0">
-                <a:solidFill>
-                  <a:srgbClr val="FFC000"/>
-                </a:solidFill>
-              </a:rPr>
-              <a:t>Purpose of this analysis is to understand whether the strategy contains any biases in different market states</a:t>
-            </a:r>
-            <a:endParaRPr lang="en-CA" sz="1200" dirty="0">
-              <a:solidFill>
-                <a:srgbClr val="FFC000"/>
-              </a:solidFill>
-            </a:endParaRPr>
-          </a:p>
-          <a:p>
-            <a:pPr marL="285750" indent="-285750" algn="l" fontAlgn="base">
-              <a:buFont typeface="Wingdings" panose="05000000000000000000" pitchFamily="2" charset="2"/>
-              <a:buChar char="Ø"/>
-            </a:pPr>
-            <a:r>
-              <a:rPr lang="en-CA" sz="1200" dirty="0" smtClean="0">
-                <a:solidFill>
-                  <a:srgbClr val="FFC000"/>
-                </a:solidFill>
-              </a:rPr>
-              <a:t>The analysis compliments the return path analysis</a:t>
-            </a:r>
-            <a:endParaRPr lang="en-CA" sz="1200" dirty="0">
-              <a:solidFill>
-                <a:srgbClr val="FFC000"/>
-              </a:solidFill>
-            </a:endParaRPr>
-          </a:p>
-          <a:p>
-            <a:pPr marL="285750" indent="-285750" algn="l" fontAlgn="base">
-              <a:buFont typeface="Wingdings" panose="05000000000000000000" pitchFamily="2" charset="2"/>
-              <a:buChar char="Ø"/>
-            </a:pPr>
-            <a:r>
-              <a:rPr lang="en-CA" sz="1200" dirty="0" smtClean="0">
-                <a:solidFill>
-                  <a:srgbClr val="FFC000"/>
-                </a:solidFill>
-              </a:rPr>
-              <a:t>For example, the Naïve Strategy was invested in the equity market on 71 days where the market experienced a return greater than or equal to 1%</a:t>
-            </a:r>
+            <a:r>
+              <a:rPr lang="en-CA" sz="1400" dirty="0" smtClean="0"/>
+              <a:t>Given the material decline in accuracy score during the testing period, evidence exists that over-fitting may introduce issues with the model during the Forward Test Period (out-of-sample testing)</a:t>
+            </a:r>
+            <a:endParaRPr lang="en-CA" sz="1200" dirty="0" smtClean="0"/>
           </a:p>
         </p:txBody>
       </p:sp>
     </p:spTree>
     <p:extLst>
       <p:ext uri="{BB962C8B-B14F-4D97-AF65-F5344CB8AC3E}">
-        <p14:creationId xmlns:p14="http://schemas.microsoft.com/office/powerpoint/2010/main" val="1983548169"/>
+        <p14:creationId xmlns:p14="http://schemas.microsoft.com/office/powerpoint/2010/main" val="16653660"/>
       </p:ext>
     </p:extLst>
   </p:cSld>
@@ -20174,399 +20863,9 @@
           </a:p>
         </p:txBody>
       </p:sp>
-      <p:sp>
-        <p:nvSpPr>
-          <p:cNvPr id="8" name="Subtitle 2"/>
-          <p:cNvSpPr txBox="1">
-            <a:spLocks/>
-          </p:cNvSpPr>
-          <p:nvPr/>
-        </p:nvSpPr>
-        <p:spPr>
-          <a:xfrm>
-            <a:off x="914400" y="914400"/>
-            <a:ext cx="7315200" cy="5715000"/>
-          </a:xfrm>
-          <a:prstGeom prst="rect">
-            <a:avLst/>
-          </a:prstGeom>
-        </p:spPr>
-        <p:txBody>
-          <a:bodyPr vert="horz">
-            <a:normAutofit/>
-          </a:bodyPr>
-          <a:lstStyle>
-            <a:lvl1pPr marL="0" indent="0" algn="ctr" rtl="0" eaLnBrk="1" latinLnBrk="0" hangingPunct="1">
-              <a:spcBef>
-                <a:spcPct val="20000"/>
-              </a:spcBef>
-              <a:buClr>
-                <a:schemeClr val="tx1">
-                  <a:shade val="95000"/>
-                </a:schemeClr>
-              </a:buClr>
-              <a:buSzPct val="65000"/>
-              <a:buFont typeface="Wingdings 2"/>
-              <a:buNone/>
-              <a:defRPr kumimoji="0" sz="2800" kern="1200">
-                <a:solidFill>
-                  <a:schemeClr val="tx1"/>
-                </a:solidFill>
-                <a:latin typeface="+mn-lt"/>
-                <a:ea typeface="+mn-ea"/>
-                <a:cs typeface="+mn-cs"/>
-              </a:defRPr>
-            </a:lvl1pPr>
-            <a:lvl2pPr marL="457200" indent="0" algn="ctr" rtl="0" eaLnBrk="1" latinLnBrk="0" hangingPunct="1">
-              <a:spcBef>
-                <a:spcPct val="20000"/>
-              </a:spcBef>
-              <a:buClr>
-                <a:schemeClr val="tx1"/>
-              </a:buClr>
-              <a:buSzPct val="80000"/>
-              <a:buFont typeface="Wingdings 2"/>
-              <a:buNone/>
-              <a:defRPr kumimoji="0" sz="2400" kern="1200">
-                <a:solidFill>
-                  <a:schemeClr val="tx1"/>
-                </a:solidFill>
-                <a:latin typeface="+mn-lt"/>
-                <a:ea typeface="+mn-ea"/>
-                <a:cs typeface="+mn-cs"/>
-              </a:defRPr>
-            </a:lvl2pPr>
-            <a:lvl3pPr marL="914400" indent="0" algn="ctr" rtl="0" eaLnBrk="1" latinLnBrk="0" hangingPunct="1">
-              <a:spcBef>
-                <a:spcPct val="20000"/>
-              </a:spcBef>
-              <a:buClr>
-                <a:schemeClr val="tx1"/>
-              </a:buClr>
-              <a:buSzPct val="95000"/>
-              <a:buFont typeface="Wingdings"/>
-              <a:buNone/>
-              <a:defRPr kumimoji="0" sz="2200" kern="1200">
-                <a:solidFill>
-                  <a:schemeClr val="tx1"/>
-                </a:solidFill>
-                <a:latin typeface="+mn-lt"/>
-                <a:ea typeface="+mn-ea"/>
-                <a:cs typeface="+mn-cs"/>
-              </a:defRPr>
-            </a:lvl3pPr>
-            <a:lvl4pPr marL="1371600" indent="0" algn="ctr" rtl="0" eaLnBrk="1" latinLnBrk="0" hangingPunct="1">
-              <a:spcBef>
-                <a:spcPct val="20000"/>
-              </a:spcBef>
-              <a:buClr>
-                <a:schemeClr val="tx1"/>
-              </a:buClr>
-              <a:buSzPct val="100000"/>
-              <a:buFont typeface="Wingdings 3"/>
-              <a:buNone/>
-              <a:defRPr kumimoji="0" sz="2000" kern="1200">
-                <a:solidFill>
-                  <a:schemeClr val="tx1"/>
-                </a:solidFill>
-                <a:latin typeface="+mn-lt"/>
-                <a:ea typeface="+mn-ea"/>
-                <a:cs typeface="+mn-cs"/>
-              </a:defRPr>
-            </a:lvl4pPr>
-            <a:lvl5pPr marL="1828800" indent="0" algn="ctr" rtl="0" eaLnBrk="1" latinLnBrk="0" hangingPunct="1">
-              <a:spcBef>
-                <a:spcPct val="20000"/>
-              </a:spcBef>
-              <a:buClr>
-                <a:schemeClr val="tx1"/>
-              </a:buClr>
-              <a:buFont typeface="Wingdings 2"/>
-              <a:buNone/>
-              <a:defRPr kumimoji="0" sz="2000" kern="1200">
-                <a:solidFill>
-                  <a:schemeClr val="tx1"/>
-                </a:solidFill>
-                <a:latin typeface="+mn-lt"/>
-                <a:ea typeface="+mn-ea"/>
-                <a:cs typeface="+mn-cs"/>
-              </a:defRPr>
-            </a:lvl5pPr>
-            <a:lvl6pPr marL="2286000" indent="0" algn="ctr" rtl="0" eaLnBrk="1" latinLnBrk="0" hangingPunct="1">
-              <a:spcBef>
-                <a:spcPct val="20000"/>
-              </a:spcBef>
-              <a:buClr>
-                <a:schemeClr val="tx1"/>
-              </a:buClr>
-              <a:buFont typeface="Wingdings 3"/>
-              <a:buNone/>
-              <a:defRPr kumimoji="0" sz="1800" kern="1200">
-                <a:solidFill>
-                  <a:schemeClr val="tx1"/>
-                </a:solidFill>
-                <a:latin typeface="+mn-lt"/>
-                <a:ea typeface="+mn-ea"/>
-                <a:cs typeface="+mn-cs"/>
-              </a:defRPr>
-            </a:lvl6pPr>
-            <a:lvl7pPr marL="2743200" indent="0" algn="ctr" rtl="0" eaLnBrk="1" latinLnBrk="0" hangingPunct="1">
-              <a:spcBef>
-                <a:spcPct val="20000"/>
-              </a:spcBef>
-              <a:buClr>
-                <a:schemeClr val="tx1"/>
-              </a:buClr>
-              <a:buFont typeface="Wingdings 2"/>
-              <a:buNone/>
-              <a:defRPr kumimoji="0" sz="1600" kern="1200">
-                <a:solidFill>
-                  <a:schemeClr val="tx1"/>
-                </a:solidFill>
-                <a:latin typeface="+mn-lt"/>
-                <a:ea typeface="+mn-ea"/>
-                <a:cs typeface="+mn-cs"/>
-              </a:defRPr>
-            </a:lvl7pPr>
-            <a:lvl8pPr marL="3200400" indent="0" algn="ctr" rtl="0" eaLnBrk="1" latinLnBrk="0" hangingPunct="1">
-              <a:spcBef>
-                <a:spcPct val="20000"/>
-              </a:spcBef>
-              <a:buClr>
-                <a:schemeClr val="tx1"/>
-              </a:buClr>
-              <a:buFont typeface="Wingdings 2"/>
-              <a:buNone/>
-              <a:defRPr kumimoji="0" sz="1400" kern="1200">
-                <a:solidFill>
-                  <a:schemeClr val="tx1"/>
-                </a:solidFill>
-                <a:latin typeface="+mn-lt"/>
-                <a:ea typeface="+mn-ea"/>
-                <a:cs typeface="+mn-cs"/>
-              </a:defRPr>
-            </a:lvl8pPr>
-            <a:lvl9pPr marL="3657600" indent="0" algn="ctr" rtl="0" eaLnBrk="1" latinLnBrk="0" hangingPunct="1">
-              <a:spcBef>
-                <a:spcPct val="20000"/>
-              </a:spcBef>
-              <a:buClr>
-                <a:schemeClr val="tx1"/>
-              </a:buClr>
-              <a:buFont typeface="Wingdings 2"/>
-              <a:buNone/>
-              <a:defRPr kumimoji="0" sz="1400" kern="1200" baseline="0">
-                <a:solidFill>
-                  <a:schemeClr val="tx1"/>
-                </a:solidFill>
-                <a:latin typeface="+mn-lt"/>
-                <a:ea typeface="+mn-ea"/>
-                <a:cs typeface="+mn-cs"/>
-              </a:defRPr>
-            </a:lvl9pPr>
-          </a:lstStyle>
-          <a:p>
-            <a:pPr marL="285750" indent="-285750" algn="l" fontAlgn="base">
-              <a:buFont typeface="Wingdings" panose="05000000000000000000" pitchFamily="2" charset="2"/>
-              <a:buChar char="Ø"/>
-            </a:pPr>
-            <a:endParaRPr lang="en-CA" sz="1400" dirty="0" smtClean="0"/>
-          </a:p>
-          <a:p>
-            <a:pPr marL="285750" indent="-285750" algn="l" fontAlgn="base">
-              <a:buFont typeface="Wingdings" panose="05000000000000000000" pitchFamily="2" charset="2"/>
-              <a:buChar char="Ø"/>
-            </a:pPr>
-            <a:endParaRPr lang="en-CA" sz="1400" dirty="0"/>
-          </a:p>
-          <a:p>
-            <a:pPr marL="285750" indent="-285750" algn="l" fontAlgn="base">
-              <a:buFont typeface="Wingdings" panose="05000000000000000000" pitchFamily="2" charset="2"/>
-              <a:buChar char="Ø"/>
-            </a:pPr>
-            <a:endParaRPr lang="en-CA" sz="1400" dirty="0" smtClean="0"/>
-          </a:p>
-          <a:p>
-            <a:pPr marL="285750" indent="-285750" algn="l" fontAlgn="base">
-              <a:buFont typeface="Wingdings" panose="05000000000000000000" pitchFamily="2" charset="2"/>
-              <a:buChar char="Ø"/>
-            </a:pPr>
-            <a:endParaRPr lang="en-CA" sz="1400" dirty="0"/>
-          </a:p>
-          <a:p>
-            <a:pPr marL="285750" indent="-285750" algn="l" fontAlgn="base">
-              <a:buFont typeface="Wingdings" panose="05000000000000000000" pitchFamily="2" charset="2"/>
-              <a:buChar char="Ø"/>
-            </a:pPr>
-            <a:endParaRPr lang="en-CA" sz="1400" dirty="0" smtClean="0"/>
-          </a:p>
-          <a:p>
-            <a:pPr marL="285750" indent="-285750" algn="l" fontAlgn="base">
-              <a:buFont typeface="Wingdings" panose="05000000000000000000" pitchFamily="2" charset="2"/>
-              <a:buChar char="Ø"/>
-            </a:pPr>
-            <a:endParaRPr lang="en-CA" sz="1400" dirty="0"/>
-          </a:p>
-          <a:p>
-            <a:pPr marL="285750" indent="-285750" algn="l" fontAlgn="base">
-              <a:buFont typeface="Wingdings" panose="05000000000000000000" pitchFamily="2" charset="2"/>
-              <a:buChar char="Ø"/>
-            </a:pPr>
-            <a:endParaRPr lang="en-CA" sz="1400" dirty="0" smtClean="0"/>
-          </a:p>
-          <a:p>
-            <a:pPr marL="285750" indent="-285750" algn="l" fontAlgn="base">
-              <a:buFont typeface="Wingdings" panose="05000000000000000000" pitchFamily="2" charset="2"/>
-              <a:buChar char="Ø"/>
-            </a:pPr>
-            <a:endParaRPr lang="en-CA" sz="1400" dirty="0"/>
-          </a:p>
-          <a:p>
-            <a:pPr marL="285750" indent="-285750" algn="l" fontAlgn="base">
-              <a:buFont typeface="Wingdings" panose="05000000000000000000" pitchFamily="2" charset="2"/>
-              <a:buChar char="Ø"/>
-            </a:pPr>
-            <a:endParaRPr lang="en-CA" sz="1400" dirty="0" smtClean="0"/>
-          </a:p>
-          <a:p>
-            <a:pPr marL="285750" indent="-285750" algn="l" fontAlgn="base">
-              <a:buFont typeface="Wingdings" panose="05000000000000000000" pitchFamily="2" charset="2"/>
-              <a:buChar char="Ø"/>
-            </a:pPr>
-            <a:endParaRPr lang="en-CA" sz="1400" dirty="0"/>
-          </a:p>
-          <a:p>
-            <a:pPr marL="285750" indent="-285750" algn="l" fontAlgn="base">
-              <a:buFont typeface="Wingdings" panose="05000000000000000000" pitchFamily="2" charset="2"/>
-              <a:buChar char="Ø"/>
-            </a:pPr>
-            <a:endParaRPr lang="en-CA" sz="1400" dirty="0" smtClean="0"/>
-          </a:p>
-          <a:p>
-            <a:pPr marL="285750" indent="-285750" algn="l" fontAlgn="base">
-              <a:buFont typeface="Wingdings" panose="05000000000000000000" pitchFamily="2" charset="2"/>
-              <a:buChar char="Ø"/>
-            </a:pPr>
-            <a:endParaRPr lang="en-CA" sz="1400" dirty="0" smtClean="0"/>
-          </a:p>
-          <a:p>
-            <a:pPr marL="285750" indent="-285750" algn="l" fontAlgn="base">
-              <a:buFont typeface="Wingdings" panose="05000000000000000000" pitchFamily="2" charset="2"/>
-              <a:buChar char="Ø"/>
-            </a:pPr>
-            <a:endParaRPr lang="en-CA" sz="1400" dirty="0"/>
-          </a:p>
-          <a:p>
-            <a:pPr marL="285750" indent="-285750" algn="l" fontAlgn="base">
-              <a:buFont typeface="Wingdings" panose="05000000000000000000" pitchFamily="2" charset="2"/>
-              <a:buChar char="Ø"/>
-            </a:pPr>
-            <a:endParaRPr lang="en-CA" sz="1400" dirty="0" smtClean="0"/>
-          </a:p>
-          <a:p>
-            <a:pPr marL="285750" indent="-285750" algn="l" fontAlgn="base">
-              <a:buFont typeface="Wingdings" panose="05000000000000000000" pitchFamily="2" charset="2"/>
-              <a:buChar char="Ø"/>
-            </a:pPr>
-            <a:endParaRPr lang="en-CA" sz="1400" dirty="0" smtClean="0"/>
-          </a:p>
-          <a:p>
-            <a:pPr marL="285750" indent="-285750" algn="l" fontAlgn="base">
-              <a:buFont typeface="Wingdings" panose="05000000000000000000" pitchFamily="2" charset="2"/>
-              <a:buChar char="Ø"/>
-            </a:pPr>
-            <a:endParaRPr lang="en-CA" sz="1400" dirty="0" smtClean="0"/>
-          </a:p>
-          <a:p>
-            <a:pPr marL="285750" indent="-285750" algn="l" fontAlgn="base">
-              <a:buFont typeface="Wingdings" panose="05000000000000000000" pitchFamily="2" charset="2"/>
-              <a:buChar char="Ø"/>
-            </a:pPr>
-            <a:endParaRPr lang="en-CA" sz="1400" dirty="0" smtClean="0"/>
-          </a:p>
-          <a:p>
-            <a:pPr marL="285750" indent="-285750" algn="l" fontAlgn="base">
-              <a:buFont typeface="Wingdings" panose="05000000000000000000" pitchFamily="2" charset="2"/>
-              <a:buChar char="Ø"/>
-            </a:pPr>
-            <a:endParaRPr lang="en-CA" sz="1400" dirty="0"/>
-          </a:p>
-          <a:p>
-            <a:pPr marL="285750" indent="-285750" algn="l" fontAlgn="base">
-              <a:buFont typeface="Wingdings" panose="05000000000000000000" pitchFamily="2" charset="2"/>
-              <a:buChar char="Ø"/>
-            </a:pPr>
-            <a:r>
-              <a:rPr lang="en-CA" sz="1200" dirty="0">
-                <a:solidFill>
-                  <a:srgbClr val="FFC000"/>
-                </a:solidFill>
-              </a:rPr>
-              <a:t>The above represents </a:t>
-            </a:r>
-            <a:r>
-              <a:rPr lang="en-CA" sz="1200" dirty="0" smtClean="0">
-                <a:solidFill>
-                  <a:srgbClr val="FFC000"/>
-                </a:solidFill>
-              </a:rPr>
-              <a:t>Optimal Model </a:t>
-            </a:r>
-            <a:r>
-              <a:rPr lang="en-CA" sz="1200" dirty="0">
-                <a:solidFill>
-                  <a:srgbClr val="FFC000"/>
-                </a:solidFill>
-              </a:rPr>
-              <a:t>capture and Equity Market state </a:t>
-            </a:r>
-            <a:r>
-              <a:rPr lang="en-CA" sz="1200" dirty="0" smtClean="0">
-                <a:solidFill>
-                  <a:srgbClr val="FFC000"/>
-                </a:solidFill>
-              </a:rPr>
-              <a:t>statistics (in-sample)</a:t>
-            </a:r>
-            <a:endParaRPr lang="en-CA" sz="1200" dirty="0">
-              <a:solidFill>
-                <a:srgbClr val="FFC000"/>
-              </a:solidFill>
-            </a:endParaRPr>
-          </a:p>
-          <a:p>
-            <a:pPr marL="285750" indent="-285750" algn="l" fontAlgn="base">
-              <a:buFont typeface="Wingdings" panose="05000000000000000000" pitchFamily="2" charset="2"/>
-              <a:buChar char="Ø"/>
-            </a:pPr>
-            <a:r>
-              <a:rPr lang="en-CA" sz="1200" dirty="0" smtClean="0">
-                <a:solidFill>
-                  <a:srgbClr val="FFC000"/>
-                </a:solidFill>
-              </a:rPr>
-              <a:t>For example, the Optimal Strategy was invested in the equity market on 75 days where the market experienced a return greater than or equal to 1%</a:t>
-            </a:r>
-          </a:p>
-          <a:p>
-            <a:pPr marL="285750" indent="-285750" algn="l" fontAlgn="base">
-              <a:buFont typeface="Wingdings" panose="05000000000000000000" pitchFamily="2" charset="2"/>
-              <a:buChar char="Ø"/>
-            </a:pPr>
-            <a:r>
-              <a:rPr lang="en-CA" sz="1200" dirty="0" smtClean="0">
-                <a:solidFill>
-                  <a:srgbClr val="FFC000"/>
-                </a:solidFill>
-              </a:rPr>
-              <a:t>These statistics are calculated for all Naïve &amp; Optimal Models, including the different lagged versions</a:t>
-            </a:r>
-          </a:p>
-        </p:txBody>
-      </p:sp>
       <p:pic>
         <p:nvPicPr>
-          <p:cNvPr id="3074" name="Picture 2"/>
+          <p:cNvPr id="2050" name="Picture 2"/>
           <p:cNvPicPr>
             <a:picLocks noChangeAspect="1" noChangeArrowheads="1"/>
           </p:cNvPicPr>
@@ -20587,8 +20886,8 @@
         </p:blipFill>
         <p:spPr bwMode="auto">
           <a:xfrm>
-            <a:off x="1" y="685800"/>
-            <a:ext cx="9144000" cy="4203511"/>
+            <a:off x="0" y="685800"/>
+            <a:ext cx="9143999" cy="4203510"/>
           </a:xfrm>
           <a:prstGeom prst="rect">
             <a:avLst/>
@@ -20618,10 +20917,400 @@
           </a:extLst>
         </p:spPr>
       </p:pic>
+      <p:sp>
+        <p:nvSpPr>
+          <p:cNvPr id="8" name="Subtitle 2"/>
+          <p:cNvSpPr txBox="1">
+            <a:spLocks/>
+          </p:cNvSpPr>
+          <p:nvPr/>
+        </p:nvSpPr>
+        <p:spPr>
+          <a:xfrm>
+            <a:off x="914400" y="914400"/>
+            <a:ext cx="7315200" cy="5715000"/>
+          </a:xfrm>
+          <a:prstGeom prst="rect">
+            <a:avLst/>
+          </a:prstGeom>
+        </p:spPr>
+        <p:txBody>
+          <a:bodyPr vert="horz">
+            <a:normAutofit lnSpcReduction="10000"/>
+          </a:bodyPr>
+          <a:lstStyle>
+            <a:lvl1pPr marL="0" indent="0" algn="ctr" rtl="0" eaLnBrk="1" latinLnBrk="0" hangingPunct="1">
+              <a:spcBef>
+                <a:spcPct val="20000"/>
+              </a:spcBef>
+              <a:buClr>
+                <a:schemeClr val="tx1">
+                  <a:shade val="95000"/>
+                </a:schemeClr>
+              </a:buClr>
+              <a:buSzPct val="65000"/>
+              <a:buFont typeface="Wingdings 2"/>
+              <a:buNone/>
+              <a:defRPr kumimoji="0" sz="2800" kern="1200">
+                <a:solidFill>
+                  <a:schemeClr val="tx1"/>
+                </a:solidFill>
+                <a:latin typeface="+mn-lt"/>
+                <a:ea typeface="+mn-ea"/>
+                <a:cs typeface="+mn-cs"/>
+              </a:defRPr>
+            </a:lvl1pPr>
+            <a:lvl2pPr marL="457200" indent="0" algn="ctr" rtl="0" eaLnBrk="1" latinLnBrk="0" hangingPunct="1">
+              <a:spcBef>
+                <a:spcPct val="20000"/>
+              </a:spcBef>
+              <a:buClr>
+                <a:schemeClr val="tx1"/>
+              </a:buClr>
+              <a:buSzPct val="80000"/>
+              <a:buFont typeface="Wingdings 2"/>
+              <a:buNone/>
+              <a:defRPr kumimoji="0" sz="2400" kern="1200">
+                <a:solidFill>
+                  <a:schemeClr val="tx1"/>
+                </a:solidFill>
+                <a:latin typeface="+mn-lt"/>
+                <a:ea typeface="+mn-ea"/>
+                <a:cs typeface="+mn-cs"/>
+              </a:defRPr>
+            </a:lvl2pPr>
+            <a:lvl3pPr marL="914400" indent="0" algn="ctr" rtl="0" eaLnBrk="1" latinLnBrk="0" hangingPunct="1">
+              <a:spcBef>
+                <a:spcPct val="20000"/>
+              </a:spcBef>
+              <a:buClr>
+                <a:schemeClr val="tx1"/>
+              </a:buClr>
+              <a:buSzPct val="95000"/>
+              <a:buFont typeface="Wingdings"/>
+              <a:buNone/>
+              <a:defRPr kumimoji="0" sz="2200" kern="1200">
+                <a:solidFill>
+                  <a:schemeClr val="tx1"/>
+                </a:solidFill>
+                <a:latin typeface="+mn-lt"/>
+                <a:ea typeface="+mn-ea"/>
+                <a:cs typeface="+mn-cs"/>
+              </a:defRPr>
+            </a:lvl3pPr>
+            <a:lvl4pPr marL="1371600" indent="0" algn="ctr" rtl="0" eaLnBrk="1" latinLnBrk="0" hangingPunct="1">
+              <a:spcBef>
+                <a:spcPct val="20000"/>
+              </a:spcBef>
+              <a:buClr>
+                <a:schemeClr val="tx1"/>
+              </a:buClr>
+              <a:buSzPct val="100000"/>
+              <a:buFont typeface="Wingdings 3"/>
+              <a:buNone/>
+              <a:defRPr kumimoji="0" sz="2000" kern="1200">
+                <a:solidFill>
+                  <a:schemeClr val="tx1"/>
+                </a:solidFill>
+                <a:latin typeface="+mn-lt"/>
+                <a:ea typeface="+mn-ea"/>
+                <a:cs typeface="+mn-cs"/>
+              </a:defRPr>
+            </a:lvl4pPr>
+            <a:lvl5pPr marL="1828800" indent="0" algn="ctr" rtl="0" eaLnBrk="1" latinLnBrk="0" hangingPunct="1">
+              <a:spcBef>
+                <a:spcPct val="20000"/>
+              </a:spcBef>
+              <a:buClr>
+                <a:schemeClr val="tx1"/>
+              </a:buClr>
+              <a:buFont typeface="Wingdings 2"/>
+              <a:buNone/>
+              <a:defRPr kumimoji="0" sz="2000" kern="1200">
+                <a:solidFill>
+                  <a:schemeClr val="tx1"/>
+                </a:solidFill>
+                <a:latin typeface="+mn-lt"/>
+                <a:ea typeface="+mn-ea"/>
+                <a:cs typeface="+mn-cs"/>
+              </a:defRPr>
+            </a:lvl5pPr>
+            <a:lvl6pPr marL="2286000" indent="0" algn="ctr" rtl="0" eaLnBrk="1" latinLnBrk="0" hangingPunct="1">
+              <a:spcBef>
+                <a:spcPct val="20000"/>
+              </a:spcBef>
+              <a:buClr>
+                <a:schemeClr val="tx1"/>
+              </a:buClr>
+              <a:buFont typeface="Wingdings 3"/>
+              <a:buNone/>
+              <a:defRPr kumimoji="0" sz="1800" kern="1200">
+                <a:solidFill>
+                  <a:schemeClr val="tx1"/>
+                </a:solidFill>
+                <a:latin typeface="+mn-lt"/>
+                <a:ea typeface="+mn-ea"/>
+                <a:cs typeface="+mn-cs"/>
+              </a:defRPr>
+            </a:lvl6pPr>
+            <a:lvl7pPr marL="2743200" indent="0" algn="ctr" rtl="0" eaLnBrk="1" latinLnBrk="0" hangingPunct="1">
+              <a:spcBef>
+                <a:spcPct val="20000"/>
+              </a:spcBef>
+              <a:buClr>
+                <a:schemeClr val="tx1"/>
+              </a:buClr>
+              <a:buFont typeface="Wingdings 2"/>
+              <a:buNone/>
+              <a:defRPr kumimoji="0" sz="1600" kern="1200">
+                <a:solidFill>
+                  <a:schemeClr val="tx1"/>
+                </a:solidFill>
+                <a:latin typeface="+mn-lt"/>
+                <a:ea typeface="+mn-ea"/>
+                <a:cs typeface="+mn-cs"/>
+              </a:defRPr>
+            </a:lvl7pPr>
+            <a:lvl8pPr marL="3200400" indent="0" algn="ctr" rtl="0" eaLnBrk="1" latinLnBrk="0" hangingPunct="1">
+              <a:spcBef>
+                <a:spcPct val="20000"/>
+              </a:spcBef>
+              <a:buClr>
+                <a:schemeClr val="tx1"/>
+              </a:buClr>
+              <a:buFont typeface="Wingdings 2"/>
+              <a:buNone/>
+              <a:defRPr kumimoji="0" sz="1400" kern="1200">
+                <a:solidFill>
+                  <a:schemeClr val="tx1"/>
+                </a:solidFill>
+                <a:latin typeface="+mn-lt"/>
+                <a:ea typeface="+mn-ea"/>
+                <a:cs typeface="+mn-cs"/>
+              </a:defRPr>
+            </a:lvl8pPr>
+            <a:lvl9pPr marL="3657600" indent="0" algn="ctr" rtl="0" eaLnBrk="1" latinLnBrk="0" hangingPunct="1">
+              <a:spcBef>
+                <a:spcPct val="20000"/>
+              </a:spcBef>
+              <a:buClr>
+                <a:schemeClr val="tx1"/>
+              </a:buClr>
+              <a:buFont typeface="Wingdings 2"/>
+              <a:buNone/>
+              <a:defRPr kumimoji="0" sz="1400" kern="1200" baseline="0">
+                <a:solidFill>
+                  <a:schemeClr val="tx1"/>
+                </a:solidFill>
+                <a:latin typeface="+mn-lt"/>
+                <a:ea typeface="+mn-ea"/>
+                <a:cs typeface="+mn-cs"/>
+              </a:defRPr>
+            </a:lvl9pPr>
+          </a:lstStyle>
+          <a:p>
+            <a:pPr marL="285750" indent="-285750" algn="l" fontAlgn="base">
+              <a:buFont typeface="Wingdings" panose="05000000000000000000" pitchFamily="2" charset="2"/>
+              <a:buChar char="Ø"/>
+            </a:pPr>
+            <a:endParaRPr lang="en-CA" sz="1400" dirty="0" smtClean="0"/>
+          </a:p>
+          <a:p>
+            <a:pPr marL="285750" indent="-285750" algn="l" fontAlgn="base">
+              <a:buFont typeface="Wingdings" panose="05000000000000000000" pitchFamily="2" charset="2"/>
+              <a:buChar char="Ø"/>
+            </a:pPr>
+            <a:endParaRPr lang="en-CA" sz="1400" dirty="0"/>
+          </a:p>
+          <a:p>
+            <a:pPr marL="285750" indent="-285750" algn="l" fontAlgn="base">
+              <a:buFont typeface="Wingdings" panose="05000000000000000000" pitchFamily="2" charset="2"/>
+              <a:buChar char="Ø"/>
+            </a:pPr>
+            <a:endParaRPr lang="en-CA" sz="1400" dirty="0" smtClean="0"/>
+          </a:p>
+          <a:p>
+            <a:pPr marL="285750" indent="-285750" algn="l" fontAlgn="base">
+              <a:buFont typeface="Wingdings" panose="05000000000000000000" pitchFamily="2" charset="2"/>
+              <a:buChar char="Ø"/>
+            </a:pPr>
+            <a:endParaRPr lang="en-CA" sz="1400" dirty="0"/>
+          </a:p>
+          <a:p>
+            <a:pPr marL="285750" indent="-285750" algn="l" fontAlgn="base">
+              <a:buFont typeface="Wingdings" panose="05000000000000000000" pitchFamily="2" charset="2"/>
+              <a:buChar char="Ø"/>
+            </a:pPr>
+            <a:endParaRPr lang="en-CA" sz="1400" dirty="0" smtClean="0"/>
+          </a:p>
+          <a:p>
+            <a:pPr marL="285750" indent="-285750" algn="l" fontAlgn="base">
+              <a:buFont typeface="Wingdings" panose="05000000000000000000" pitchFamily="2" charset="2"/>
+              <a:buChar char="Ø"/>
+            </a:pPr>
+            <a:endParaRPr lang="en-CA" sz="1400" dirty="0"/>
+          </a:p>
+          <a:p>
+            <a:pPr marL="285750" indent="-285750" algn="l" fontAlgn="base">
+              <a:buFont typeface="Wingdings" panose="05000000000000000000" pitchFamily="2" charset="2"/>
+              <a:buChar char="Ø"/>
+            </a:pPr>
+            <a:endParaRPr lang="en-CA" sz="1400" dirty="0" smtClean="0"/>
+          </a:p>
+          <a:p>
+            <a:pPr marL="285750" indent="-285750" algn="l" fontAlgn="base">
+              <a:buFont typeface="Wingdings" panose="05000000000000000000" pitchFamily="2" charset="2"/>
+              <a:buChar char="Ø"/>
+            </a:pPr>
+            <a:endParaRPr lang="en-CA" sz="1400" dirty="0"/>
+          </a:p>
+          <a:p>
+            <a:pPr marL="285750" indent="-285750" algn="l" fontAlgn="base">
+              <a:buFont typeface="Wingdings" panose="05000000000000000000" pitchFamily="2" charset="2"/>
+              <a:buChar char="Ø"/>
+            </a:pPr>
+            <a:endParaRPr lang="en-CA" sz="1400" dirty="0" smtClean="0"/>
+          </a:p>
+          <a:p>
+            <a:pPr marL="285750" indent="-285750" algn="l" fontAlgn="base">
+              <a:buFont typeface="Wingdings" panose="05000000000000000000" pitchFamily="2" charset="2"/>
+              <a:buChar char="Ø"/>
+            </a:pPr>
+            <a:endParaRPr lang="en-CA" sz="1400" dirty="0"/>
+          </a:p>
+          <a:p>
+            <a:pPr marL="285750" indent="-285750" algn="l" fontAlgn="base">
+              <a:buFont typeface="Wingdings" panose="05000000000000000000" pitchFamily="2" charset="2"/>
+              <a:buChar char="Ø"/>
+            </a:pPr>
+            <a:endParaRPr lang="en-CA" sz="1400" dirty="0" smtClean="0"/>
+          </a:p>
+          <a:p>
+            <a:pPr marL="285750" indent="-285750" algn="l" fontAlgn="base">
+              <a:buFont typeface="Wingdings" panose="05000000000000000000" pitchFamily="2" charset="2"/>
+              <a:buChar char="Ø"/>
+            </a:pPr>
+            <a:endParaRPr lang="en-CA" sz="1400" dirty="0" smtClean="0"/>
+          </a:p>
+          <a:p>
+            <a:pPr marL="285750" indent="-285750" algn="l" fontAlgn="base">
+              <a:buFont typeface="Wingdings" panose="05000000000000000000" pitchFamily="2" charset="2"/>
+              <a:buChar char="Ø"/>
+            </a:pPr>
+            <a:endParaRPr lang="en-CA" sz="1400" dirty="0"/>
+          </a:p>
+          <a:p>
+            <a:pPr marL="285750" indent="-285750" algn="l" fontAlgn="base">
+              <a:buFont typeface="Wingdings" panose="05000000000000000000" pitchFamily="2" charset="2"/>
+              <a:buChar char="Ø"/>
+            </a:pPr>
+            <a:endParaRPr lang="en-CA" sz="1400" dirty="0" smtClean="0"/>
+          </a:p>
+          <a:p>
+            <a:pPr marL="285750" indent="-285750" algn="l" fontAlgn="base">
+              <a:buFont typeface="Wingdings" panose="05000000000000000000" pitchFamily="2" charset="2"/>
+              <a:buChar char="Ø"/>
+            </a:pPr>
+            <a:endParaRPr lang="en-CA" sz="1400" dirty="0" smtClean="0"/>
+          </a:p>
+          <a:p>
+            <a:pPr marL="285750" indent="-285750" algn="l" fontAlgn="base">
+              <a:buFont typeface="Wingdings" panose="05000000000000000000" pitchFamily="2" charset="2"/>
+              <a:buChar char="Ø"/>
+            </a:pPr>
+            <a:endParaRPr lang="en-CA" sz="1400" dirty="0" smtClean="0"/>
+          </a:p>
+          <a:p>
+            <a:pPr marL="285750" indent="-285750" algn="l" fontAlgn="base">
+              <a:buFont typeface="Wingdings" panose="05000000000000000000" pitchFamily="2" charset="2"/>
+              <a:buChar char="Ø"/>
+            </a:pPr>
+            <a:endParaRPr lang="en-CA" sz="1400" dirty="0" smtClean="0"/>
+          </a:p>
+          <a:p>
+            <a:pPr marL="285750" indent="-285750" algn="l" fontAlgn="base">
+              <a:buFont typeface="Wingdings" panose="05000000000000000000" pitchFamily="2" charset="2"/>
+              <a:buChar char="Ø"/>
+            </a:pPr>
+            <a:endParaRPr lang="en-CA" sz="1400" dirty="0"/>
+          </a:p>
+          <a:p>
+            <a:pPr marL="285750" indent="-285750" algn="l" fontAlgn="base">
+              <a:buFont typeface="Wingdings" panose="05000000000000000000" pitchFamily="2" charset="2"/>
+              <a:buChar char="Ø"/>
+            </a:pPr>
+            <a:r>
+              <a:rPr lang="en-CA" sz="1200" dirty="0" smtClean="0">
+                <a:solidFill>
+                  <a:srgbClr val="FFC000"/>
+                </a:solidFill>
+              </a:rPr>
+              <a:t>The above represents Naïve Model capture and Equity Market state statistics (in-sample)</a:t>
+            </a:r>
+            <a:endParaRPr lang="en-CA" sz="1200" dirty="0">
+              <a:solidFill>
+                <a:srgbClr val="FFC000"/>
+              </a:solidFill>
+            </a:endParaRPr>
+          </a:p>
+          <a:p>
+            <a:pPr marL="285750" indent="-285750" algn="l" fontAlgn="base">
+              <a:buFont typeface="Wingdings" panose="05000000000000000000" pitchFamily="2" charset="2"/>
+              <a:buChar char="Ø"/>
+            </a:pPr>
+            <a:r>
+              <a:rPr lang="en-CA" sz="1200" dirty="0" smtClean="0">
+                <a:solidFill>
+                  <a:srgbClr val="FFC000"/>
+                </a:solidFill>
+              </a:rPr>
+              <a:t>Purpose of this analysis is to understand whether the strategy contains any biases in different market states</a:t>
+            </a:r>
+            <a:endParaRPr lang="en-CA" sz="1200" dirty="0">
+              <a:solidFill>
+                <a:srgbClr val="FFC000"/>
+              </a:solidFill>
+            </a:endParaRPr>
+          </a:p>
+          <a:p>
+            <a:pPr marL="285750" indent="-285750" algn="l" fontAlgn="base">
+              <a:buFont typeface="Wingdings" panose="05000000000000000000" pitchFamily="2" charset="2"/>
+              <a:buChar char="Ø"/>
+            </a:pPr>
+            <a:r>
+              <a:rPr lang="en-CA" sz="1200" dirty="0" smtClean="0">
+                <a:solidFill>
+                  <a:srgbClr val="FFC000"/>
+                </a:solidFill>
+              </a:rPr>
+              <a:t>The analysis compliments the return path analysis</a:t>
+            </a:r>
+            <a:endParaRPr lang="en-CA" sz="1200" dirty="0">
+              <a:solidFill>
+                <a:srgbClr val="FFC000"/>
+              </a:solidFill>
+            </a:endParaRPr>
+          </a:p>
+          <a:p>
+            <a:pPr marL="285750" indent="-285750" algn="l" fontAlgn="base">
+              <a:buFont typeface="Wingdings" panose="05000000000000000000" pitchFamily="2" charset="2"/>
+              <a:buChar char="Ø"/>
+            </a:pPr>
+            <a:r>
+              <a:rPr lang="en-CA" sz="1200" dirty="0" smtClean="0">
+                <a:solidFill>
+                  <a:srgbClr val="FFC000"/>
+                </a:solidFill>
+              </a:rPr>
+              <a:t>For example, the Naïve Strategy was invested in the equity market on 71 days where the market experienced a return greater than or equal to 1%</a:t>
+            </a:r>
+          </a:p>
+        </p:txBody>
+      </p:sp>
     </p:spTree>
     <p:extLst>
       <p:ext uri="{BB962C8B-B14F-4D97-AF65-F5344CB8AC3E}">
-        <p14:creationId xmlns:p14="http://schemas.microsoft.com/office/powerpoint/2010/main" val="2318355961"/>
+        <p14:creationId xmlns:p14="http://schemas.microsoft.com/office/powerpoint/2010/main" val="1983548169"/>
       </p:ext>
     </p:extLst>
   </p:cSld>
@@ -20669,7 +21358,7 @@
       </p:grpSpPr>
       <p:sp>
         <p:nvSpPr>
-          <p:cNvPr id="2" name="Title 1"/>
+          <p:cNvPr id="4" name="Title 3"/>
           <p:cNvSpPr>
             <a:spLocks noGrp="1"/>
           </p:cNvSpPr>
@@ -20677,7 +21366,12 @@
             <p:ph type="ctrTitle"/>
           </p:nvPr>
         </p:nvSpPr>
-        <p:spPr/>
+        <p:spPr>
+          <a:xfrm>
+            <a:off x="457200" y="76200"/>
+            <a:ext cx="8229600" cy="533400"/>
+          </a:xfrm>
+        </p:spPr>
         <p:txBody>
           <a:bodyPr>
             <a:normAutofit/>
@@ -20686,7 +21380,7 @@
           <a:p>
             <a:r>
               <a:rPr lang="en-US" sz="2800" dirty="0" smtClean="0"/>
-              <a:t>Forward test results</a:t>
+              <a:t>Development phase</a:t>
             </a:r>
             <a:endParaRPr lang="en-US" sz="2800" dirty="0"/>
           </a:p>
@@ -20694,7 +21388,7 @@
       </p:sp>
       <p:sp>
         <p:nvSpPr>
-          <p:cNvPr id="3" name="Subtitle 2"/>
+          <p:cNvPr id="6" name="Subtitle 2"/>
           <p:cNvSpPr>
             <a:spLocks noGrp="1"/>
           </p:cNvSpPr>
@@ -20702,19 +21396,744 @@
             <p:ph type="subTitle" idx="1"/>
           </p:nvPr>
         </p:nvSpPr>
-        <p:spPr/>
+        <p:spPr>
+          <a:xfrm>
+            <a:off x="914400" y="685800"/>
+            <a:ext cx="7315200" cy="5486400"/>
+          </a:xfrm>
+        </p:spPr>
         <p:txBody>
-          <a:bodyPr/>
+          <a:bodyPr>
+            <a:normAutofit/>
+          </a:bodyPr>
           <a:lstStyle/>
           <a:p>
-            <a:endParaRPr lang="en-US" dirty="0"/>
+            <a:pPr marL="285750" indent="-285750" algn="l">
+              <a:buFont typeface="Wingdings" panose="05000000000000000000" pitchFamily="2" charset="2"/>
+              <a:buChar char="Ø"/>
+            </a:pPr>
+            <a:endParaRPr lang="en-CA" sz="1800" dirty="0" smtClean="0"/>
+          </a:p>
+          <a:p>
+            <a:pPr marL="285750" indent="-285750" algn="l">
+              <a:buFont typeface="Wingdings" panose="05000000000000000000" pitchFamily="2" charset="2"/>
+              <a:buChar char="Ø"/>
+            </a:pPr>
+            <a:endParaRPr lang="en-CA" sz="1800" dirty="0"/>
+          </a:p>
+          <a:p>
+            <a:pPr marL="285750" indent="-285750" algn="l">
+              <a:buFont typeface="Wingdings" panose="05000000000000000000" pitchFamily="2" charset="2"/>
+              <a:buChar char="Ø"/>
+            </a:pPr>
+            <a:endParaRPr lang="en-CA" sz="1800" dirty="0" smtClean="0"/>
+          </a:p>
+          <a:p>
+            <a:pPr marL="285750" indent="-285750" algn="l">
+              <a:buFont typeface="Wingdings" panose="05000000000000000000" pitchFamily="2" charset="2"/>
+              <a:buChar char="Ø"/>
+            </a:pPr>
+            <a:endParaRPr lang="en-CA" sz="1800" dirty="0"/>
+          </a:p>
+          <a:p>
+            <a:pPr marL="285750" indent="-285750" algn="l">
+              <a:buFont typeface="Wingdings" panose="05000000000000000000" pitchFamily="2" charset="2"/>
+              <a:buChar char="Ø"/>
+            </a:pPr>
+            <a:endParaRPr lang="en-CA" sz="1800" dirty="0"/>
+          </a:p>
+          <a:p>
+            <a:pPr marL="742950" lvl="1" indent="-285750" algn="l">
+              <a:buFont typeface="Wingdings" panose="05000000000000000000" pitchFamily="2" charset="2"/>
+              <a:buChar char="Ø"/>
+            </a:pPr>
+            <a:endParaRPr lang="en-CA" sz="1600" dirty="0" smtClean="0"/>
           </a:p>
         </p:txBody>
       </p:sp>
+      <p:sp>
+        <p:nvSpPr>
+          <p:cNvPr id="5" name="Subtitle 2"/>
+          <p:cNvSpPr txBox="1">
+            <a:spLocks/>
+          </p:cNvSpPr>
+          <p:nvPr/>
+        </p:nvSpPr>
+        <p:spPr>
+          <a:xfrm>
+            <a:off x="914400" y="685800"/>
+            <a:ext cx="7315200" cy="5867400"/>
+          </a:xfrm>
+          <a:prstGeom prst="rect">
+            <a:avLst/>
+          </a:prstGeom>
+        </p:spPr>
+        <p:txBody>
+          <a:bodyPr vert="horz">
+            <a:normAutofit/>
+          </a:bodyPr>
+          <a:lstStyle>
+            <a:lvl1pPr marL="0" indent="0" algn="ctr" rtl="0" eaLnBrk="1" latinLnBrk="0" hangingPunct="1">
+              <a:spcBef>
+                <a:spcPct val="20000"/>
+              </a:spcBef>
+              <a:buClr>
+                <a:schemeClr val="tx1">
+                  <a:shade val="95000"/>
+                </a:schemeClr>
+              </a:buClr>
+              <a:buSzPct val="65000"/>
+              <a:buFont typeface="Wingdings 2"/>
+              <a:buNone/>
+              <a:defRPr kumimoji="0" sz="2800" kern="1200">
+                <a:solidFill>
+                  <a:schemeClr val="tx1"/>
+                </a:solidFill>
+                <a:latin typeface="+mn-lt"/>
+                <a:ea typeface="+mn-ea"/>
+                <a:cs typeface="+mn-cs"/>
+              </a:defRPr>
+            </a:lvl1pPr>
+            <a:lvl2pPr marL="457200" indent="0" algn="ctr" rtl="0" eaLnBrk="1" latinLnBrk="0" hangingPunct="1">
+              <a:spcBef>
+                <a:spcPct val="20000"/>
+              </a:spcBef>
+              <a:buClr>
+                <a:schemeClr val="tx1"/>
+              </a:buClr>
+              <a:buSzPct val="80000"/>
+              <a:buFont typeface="Wingdings 2"/>
+              <a:buNone/>
+              <a:defRPr kumimoji="0" sz="2400" kern="1200">
+                <a:solidFill>
+                  <a:schemeClr val="tx1"/>
+                </a:solidFill>
+                <a:latin typeface="+mn-lt"/>
+                <a:ea typeface="+mn-ea"/>
+                <a:cs typeface="+mn-cs"/>
+              </a:defRPr>
+            </a:lvl2pPr>
+            <a:lvl3pPr marL="914400" indent="0" algn="ctr" rtl="0" eaLnBrk="1" latinLnBrk="0" hangingPunct="1">
+              <a:spcBef>
+                <a:spcPct val="20000"/>
+              </a:spcBef>
+              <a:buClr>
+                <a:schemeClr val="tx1"/>
+              </a:buClr>
+              <a:buSzPct val="95000"/>
+              <a:buFont typeface="Wingdings"/>
+              <a:buNone/>
+              <a:defRPr kumimoji="0" sz="2200" kern="1200">
+                <a:solidFill>
+                  <a:schemeClr val="tx1"/>
+                </a:solidFill>
+                <a:latin typeface="+mn-lt"/>
+                <a:ea typeface="+mn-ea"/>
+                <a:cs typeface="+mn-cs"/>
+              </a:defRPr>
+            </a:lvl3pPr>
+            <a:lvl4pPr marL="1371600" indent="0" algn="ctr" rtl="0" eaLnBrk="1" latinLnBrk="0" hangingPunct="1">
+              <a:spcBef>
+                <a:spcPct val="20000"/>
+              </a:spcBef>
+              <a:buClr>
+                <a:schemeClr val="tx1"/>
+              </a:buClr>
+              <a:buSzPct val="100000"/>
+              <a:buFont typeface="Wingdings 3"/>
+              <a:buNone/>
+              <a:defRPr kumimoji="0" sz="2000" kern="1200">
+                <a:solidFill>
+                  <a:schemeClr val="tx1"/>
+                </a:solidFill>
+                <a:latin typeface="+mn-lt"/>
+                <a:ea typeface="+mn-ea"/>
+                <a:cs typeface="+mn-cs"/>
+              </a:defRPr>
+            </a:lvl4pPr>
+            <a:lvl5pPr marL="1828800" indent="0" algn="ctr" rtl="0" eaLnBrk="1" latinLnBrk="0" hangingPunct="1">
+              <a:spcBef>
+                <a:spcPct val="20000"/>
+              </a:spcBef>
+              <a:buClr>
+                <a:schemeClr val="tx1"/>
+              </a:buClr>
+              <a:buFont typeface="Wingdings 2"/>
+              <a:buNone/>
+              <a:defRPr kumimoji="0" sz="2000" kern="1200">
+                <a:solidFill>
+                  <a:schemeClr val="tx1"/>
+                </a:solidFill>
+                <a:latin typeface="+mn-lt"/>
+                <a:ea typeface="+mn-ea"/>
+                <a:cs typeface="+mn-cs"/>
+              </a:defRPr>
+            </a:lvl5pPr>
+            <a:lvl6pPr marL="2286000" indent="0" algn="ctr" rtl="0" eaLnBrk="1" latinLnBrk="0" hangingPunct="1">
+              <a:spcBef>
+                <a:spcPct val="20000"/>
+              </a:spcBef>
+              <a:buClr>
+                <a:schemeClr val="tx1"/>
+              </a:buClr>
+              <a:buFont typeface="Wingdings 3"/>
+              <a:buNone/>
+              <a:defRPr kumimoji="0" sz="1800" kern="1200">
+                <a:solidFill>
+                  <a:schemeClr val="tx1"/>
+                </a:solidFill>
+                <a:latin typeface="+mn-lt"/>
+                <a:ea typeface="+mn-ea"/>
+                <a:cs typeface="+mn-cs"/>
+              </a:defRPr>
+            </a:lvl6pPr>
+            <a:lvl7pPr marL="2743200" indent="0" algn="ctr" rtl="0" eaLnBrk="1" latinLnBrk="0" hangingPunct="1">
+              <a:spcBef>
+                <a:spcPct val="20000"/>
+              </a:spcBef>
+              <a:buClr>
+                <a:schemeClr val="tx1"/>
+              </a:buClr>
+              <a:buFont typeface="Wingdings 2"/>
+              <a:buNone/>
+              <a:defRPr kumimoji="0" sz="1600" kern="1200">
+                <a:solidFill>
+                  <a:schemeClr val="tx1"/>
+                </a:solidFill>
+                <a:latin typeface="+mn-lt"/>
+                <a:ea typeface="+mn-ea"/>
+                <a:cs typeface="+mn-cs"/>
+              </a:defRPr>
+            </a:lvl7pPr>
+            <a:lvl8pPr marL="3200400" indent="0" algn="ctr" rtl="0" eaLnBrk="1" latinLnBrk="0" hangingPunct="1">
+              <a:spcBef>
+                <a:spcPct val="20000"/>
+              </a:spcBef>
+              <a:buClr>
+                <a:schemeClr val="tx1"/>
+              </a:buClr>
+              <a:buFont typeface="Wingdings 2"/>
+              <a:buNone/>
+              <a:defRPr kumimoji="0" sz="1400" kern="1200">
+                <a:solidFill>
+                  <a:schemeClr val="tx1"/>
+                </a:solidFill>
+                <a:latin typeface="+mn-lt"/>
+                <a:ea typeface="+mn-ea"/>
+                <a:cs typeface="+mn-cs"/>
+              </a:defRPr>
+            </a:lvl8pPr>
+            <a:lvl9pPr marL="3657600" indent="0" algn="ctr" rtl="0" eaLnBrk="1" latinLnBrk="0" hangingPunct="1">
+              <a:spcBef>
+                <a:spcPct val="20000"/>
+              </a:spcBef>
+              <a:buClr>
+                <a:schemeClr val="tx1"/>
+              </a:buClr>
+              <a:buFont typeface="Wingdings 2"/>
+              <a:buNone/>
+              <a:defRPr kumimoji="0" sz="1400" kern="1200" baseline="0">
+                <a:solidFill>
+                  <a:schemeClr val="tx1"/>
+                </a:solidFill>
+                <a:latin typeface="+mn-lt"/>
+                <a:ea typeface="+mn-ea"/>
+                <a:cs typeface="+mn-cs"/>
+              </a:defRPr>
+            </a:lvl9pPr>
+          </a:lstStyle>
+          <a:p>
+            <a:pPr marL="285750" indent="-285750" algn="l">
+              <a:buFont typeface="Wingdings" panose="05000000000000000000" pitchFamily="2" charset="2"/>
+              <a:buChar char="Ø"/>
+            </a:pPr>
+            <a:endParaRPr lang="en-CA" sz="1800" smtClean="0"/>
+          </a:p>
+          <a:p>
+            <a:pPr marL="285750" indent="-285750" algn="l">
+              <a:buFont typeface="Wingdings" panose="05000000000000000000" pitchFamily="2" charset="2"/>
+              <a:buChar char="Ø"/>
+            </a:pPr>
+            <a:endParaRPr lang="en-CA" sz="1800" smtClean="0"/>
+          </a:p>
+          <a:p>
+            <a:pPr marL="285750" indent="-285750" algn="l">
+              <a:buFont typeface="Wingdings" panose="05000000000000000000" pitchFamily="2" charset="2"/>
+              <a:buChar char="Ø"/>
+            </a:pPr>
+            <a:endParaRPr lang="en-CA" sz="1800" smtClean="0"/>
+          </a:p>
+          <a:p>
+            <a:pPr marL="285750" indent="-285750" algn="l">
+              <a:buFont typeface="Wingdings" panose="05000000000000000000" pitchFamily="2" charset="2"/>
+              <a:buChar char="Ø"/>
+            </a:pPr>
+            <a:endParaRPr lang="en-CA" sz="1800" smtClean="0"/>
+          </a:p>
+          <a:p>
+            <a:pPr marL="285750" indent="-285750" algn="l">
+              <a:buFont typeface="Wingdings" panose="05000000000000000000" pitchFamily="2" charset="2"/>
+              <a:buChar char="Ø"/>
+            </a:pPr>
+            <a:endParaRPr lang="en-CA" sz="1800" smtClean="0"/>
+          </a:p>
+          <a:p>
+            <a:pPr marL="742950" lvl="1" indent="-285750" algn="l">
+              <a:buFont typeface="Wingdings" panose="05000000000000000000" pitchFamily="2" charset="2"/>
+              <a:buChar char="Ø"/>
+            </a:pPr>
+            <a:endParaRPr lang="en-CA" sz="1600" dirty="0" smtClean="0"/>
+          </a:p>
+        </p:txBody>
+      </p:sp>
+      <p:sp>
+        <p:nvSpPr>
+          <p:cNvPr id="8" name="Subtitle 2"/>
+          <p:cNvSpPr txBox="1">
+            <a:spLocks/>
+          </p:cNvSpPr>
+          <p:nvPr/>
+        </p:nvSpPr>
+        <p:spPr>
+          <a:xfrm>
+            <a:off x="914400" y="914400"/>
+            <a:ext cx="7315200" cy="5715000"/>
+          </a:xfrm>
+          <a:prstGeom prst="rect">
+            <a:avLst/>
+          </a:prstGeom>
+        </p:spPr>
+        <p:txBody>
+          <a:bodyPr vert="horz">
+            <a:normAutofit/>
+          </a:bodyPr>
+          <a:lstStyle>
+            <a:lvl1pPr marL="0" indent="0" algn="ctr" rtl="0" eaLnBrk="1" latinLnBrk="0" hangingPunct="1">
+              <a:spcBef>
+                <a:spcPct val="20000"/>
+              </a:spcBef>
+              <a:buClr>
+                <a:schemeClr val="tx1">
+                  <a:shade val="95000"/>
+                </a:schemeClr>
+              </a:buClr>
+              <a:buSzPct val="65000"/>
+              <a:buFont typeface="Wingdings 2"/>
+              <a:buNone/>
+              <a:defRPr kumimoji="0" sz="2800" kern="1200">
+                <a:solidFill>
+                  <a:schemeClr val="tx1"/>
+                </a:solidFill>
+                <a:latin typeface="+mn-lt"/>
+                <a:ea typeface="+mn-ea"/>
+                <a:cs typeface="+mn-cs"/>
+              </a:defRPr>
+            </a:lvl1pPr>
+            <a:lvl2pPr marL="457200" indent="0" algn="ctr" rtl="0" eaLnBrk="1" latinLnBrk="0" hangingPunct="1">
+              <a:spcBef>
+                <a:spcPct val="20000"/>
+              </a:spcBef>
+              <a:buClr>
+                <a:schemeClr val="tx1"/>
+              </a:buClr>
+              <a:buSzPct val="80000"/>
+              <a:buFont typeface="Wingdings 2"/>
+              <a:buNone/>
+              <a:defRPr kumimoji="0" sz="2400" kern="1200">
+                <a:solidFill>
+                  <a:schemeClr val="tx1"/>
+                </a:solidFill>
+                <a:latin typeface="+mn-lt"/>
+                <a:ea typeface="+mn-ea"/>
+                <a:cs typeface="+mn-cs"/>
+              </a:defRPr>
+            </a:lvl2pPr>
+            <a:lvl3pPr marL="914400" indent="0" algn="ctr" rtl="0" eaLnBrk="1" latinLnBrk="0" hangingPunct="1">
+              <a:spcBef>
+                <a:spcPct val="20000"/>
+              </a:spcBef>
+              <a:buClr>
+                <a:schemeClr val="tx1"/>
+              </a:buClr>
+              <a:buSzPct val="95000"/>
+              <a:buFont typeface="Wingdings"/>
+              <a:buNone/>
+              <a:defRPr kumimoji="0" sz="2200" kern="1200">
+                <a:solidFill>
+                  <a:schemeClr val="tx1"/>
+                </a:solidFill>
+                <a:latin typeface="+mn-lt"/>
+                <a:ea typeface="+mn-ea"/>
+                <a:cs typeface="+mn-cs"/>
+              </a:defRPr>
+            </a:lvl3pPr>
+            <a:lvl4pPr marL="1371600" indent="0" algn="ctr" rtl="0" eaLnBrk="1" latinLnBrk="0" hangingPunct="1">
+              <a:spcBef>
+                <a:spcPct val="20000"/>
+              </a:spcBef>
+              <a:buClr>
+                <a:schemeClr val="tx1"/>
+              </a:buClr>
+              <a:buSzPct val="100000"/>
+              <a:buFont typeface="Wingdings 3"/>
+              <a:buNone/>
+              <a:defRPr kumimoji="0" sz="2000" kern="1200">
+                <a:solidFill>
+                  <a:schemeClr val="tx1"/>
+                </a:solidFill>
+                <a:latin typeface="+mn-lt"/>
+                <a:ea typeface="+mn-ea"/>
+                <a:cs typeface="+mn-cs"/>
+              </a:defRPr>
+            </a:lvl4pPr>
+            <a:lvl5pPr marL="1828800" indent="0" algn="ctr" rtl="0" eaLnBrk="1" latinLnBrk="0" hangingPunct="1">
+              <a:spcBef>
+                <a:spcPct val="20000"/>
+              </a:spcBef>
+              <a:buClr>
+                <a:schemeClr val="tx1"/>
+              </a:buClr>
+              <a:buFont typeface="Wingdings 2"/>
+              <a:buNone/>
+              <a:defRPr kumimoji="0" sz="2000" kern="1200">
+                <a:solidFill>
+                  <a:schemeClr val="tx1"/>
+                </a:solidFill>
+                <a:latin typeface="+mn-lt"/>
+                <a:ea typeface="+mn-ea"/>
+                <a:cs typeface="+mn-cs"/>
+              </a:defRPr>
+            </a:lvl5pPr>
+            <a:lvl6pPr marL="2286000" indent="0" algn="ctr" rtl="0" eaLnBrk="1" latinLnBrk="0" hangingPunct="1">
+              <a:spcBef>
+                <a:spcPct val="20000"/>
+              </a:spcBef>
+              <a:buClr>
+                <a:schemeClr val="tx1"/>
+              </a:buClr>
+              <a:buFont typeface="Wingdings 3"/>
+              <a:buNone/>
+              <a:defRPr kumimoji="0" sz="1800" kern="1200">
+                <a:solidFill>
+                  <a:schemeClr val="tx1"/>
+                </a:solidFill>
+                <a:latin typeface="+mn-lt"/>
+                <a:ea typeface="+mn-ea"/>
+                <a:cs typeface="+mn-cs"/>
+              </a:defRPr>
+            </a:lvl6pPr>
+            <a:lvl7pPr marL="2743200" indent="0" algn="ctr" rtl="0" eaLnBrk="1" latinLnBrk="0" hangingPunct="1">
+              <a:spcBef>
+                <a:spcPct val="20000"/>
+              </a:spcBef>
+              <a:buClr>
+                <a:schemeClr val="tx1"/>
+              </a:buClr>
+              <a:buFont typeface="Wingdings 2"/>
+              <a:buNone/>
+              <a:defRPr kumimoji="0" sz="1600" kern="1200">
+                <a:solidFill>
+                  <a:schemeClr val="tx1"/>
+                </a:solidFill>
+                <a:latin typeface="+mn-lt"/>
+                <a:ea typeface="+mn-ea"/>
+                <a:cs typeface="+mn-cs"/>
+              </a:defRPr>
+            </a:lvl7pPr>
+            <a:lvl8pPr marL="3200400" indent="0" algn="ctr" rtl="0" eaLnBrk="1" latinLnBrk="0" hangingPunct="1">
+              <a:spcBef>
+                <a:spcPct val="20000"/>
+              </a:spcBef>
+              <a:buClr>
+                <a:schemeClr val="tx1"/>
+              </a:buClr>
+              <a:buFont typeface="Wingdings 2"/>
+              <a:buNone/>
+              <a:defRPr kumimoji="0" sz="1400" kern="1200">
+                <a:solidFill>
+                  <a:schemeClr val="tx1"/>
+                </a:solidFill>
+                <a:latin typeface="+mn-lt"/>
+                <a:ea typeface="+mn-ea"/>
+                <a:cs typeface="+mn-cs"/>
+              </a:defRPr>
+            </a:lvl8pPr>
+            <a:lvl9pPr marL="3657600" indent="0" algn="ctr" rtl="0" eaLnBrk="1" latinLnBrk="0" hangingPunct="1">
+              <a:spcBef>
+                <a:spcPct val="20000"/>
+              </a:spcBef>
+              <a:buClr>
+                <a:schemeClr val="tx1"/>
+              </a:buClr>
+              <a:buFont typeface="Wingdings 2"/>
+              <a:buNone/>
+              <a:defRPr kumimoji="0" sz="1400" kern="1200" baseline="0">
+                <a:solidFill>
+                  <a:schemeClr val="tx1"/>
+                </a:solidFill>
+                <a:latin typeface="+mn-lt"/>
+                <a:ea typeface="+mn-ea"/>
+                <a:cs typeface="+mn-cs"/>
+              </a:defRPr>
+            </a:lvl9pPr>
+          </a:lstStyle>
+          <a:p>
+            <a:pPr marL="285750" indent="-285750" algn="l" fontAlgn="base">
+              <a:buFont typeface="Wingdings" panose="05000000000000000000" pitchFamily="2" charset="2"/>
+              <a:buChar char="Ø"/>
+            </a:pPr>
+            <a:endParaRPr lang="en-CA" sz="1400" dirty="0" smtClean="0"/>
+          </a:p>
+          <a:p>
+            <a:pPr marL="285750" indent="-285750" algn="l" fontAlgn="base">
+              <a:buFont typeface="Wingdings" panose="05000000000000000000" pitchFamily="2" charset="2"/>
+              <a:buChar char="Ø"/>
+            </a:pPr>
+            <a:endParaRPr lang="en-CA" sz="1400" dirty="0"/>
+          </a:p>
+          <a:p>
+            <a:pPr marL="285750" indent="-285750" algn="l" fontAlgn="base">
+              <a:buFont typeface="Wingdings" panose="05000000000000000000" pitchFamily="2" charset="2"/>
+              <a:buChar char="Ø"/>
+            </a:pPr>
+            <a:endParaRPr lang="en-CA" sz="1400" dirty="0" smtClean="0"/>
+          </a:p>
+          <a:p>
+            <a:pPr marL="285750" indent="-285750" algn="l" fontAlgn="base">
+              <a:buFont typeface="Wingdings" panose="05000000000000000000" pitchFamily="2" charset="2"/>
+              <a:buChar char="Ø"/>
+            </a:pPr>
+            <a:endParaRPr lang="en-CA" sz="1400" dirty="0"/>
+          </a:p>
+          <a:p>
+            <a:pPr marL="285750" indent="-285750" algn="l" fontAlgn="base">
+              <a:buFont typeface="Wingdings" panose="05000000000000000000" pitchFamily="2" charset="2"/>
+              <a:buChar char="Ø"/>
+            </a:pPr>
+            <a:endParaRPr lang="en-CA" sz="1400" dirty="0" smtClean="0"/>
+          </a:p>
+          <a:p>
+            <a:pPr marL="285750" indent="-285750" algn="l" fontAlgn="base">
+              <a:buFont typeface="Wingdings" panose="05000000000000000000" pitchFamily="2" charset="2"/>
+              <a:buChar char="Ø"/>
+            </a:pPr>
+            <a:endParaRPr lang="en-CA" sz="1400" dirty="0"/>
+          </a:p>
+          <a:p>
+            <a:pPr marL="285750" indent="-285750" algn="l" fontAlgn="base">
+              <a:buFont typeface="Wingdings" panose="05000000000000000000" pitchFamily="2" charset="2"/>
+              <a:buChar char="Ø"/>
+            </a:pPr>
+            <a:endParaRPr lang="en-CA" sz="1400" dirty="0" smtClean="0"/>
+          </a:p>
+          <a:p>
+            <a:pPr marL="285750" indent="-285750" algn="l" fontAlgn="base">
+              <a:buFont typeface="Wingdings" panose="05000000000000000000" pitchFamily="2" charset="2"/>
+              <a:buChar char="Ø"/>
+            </a:pPr>
+            <a:endParaRPr lang="en-CA" sz="1400" dirty="0"/>
+          </a:p>
+          <a:p>
+            <a:pPr marL="285750" indent="-285750" algn="l" fontAlgn="base">
+              <a:buFont typeface="Wingdings" panose="05000000000000000000" pitchFamily="2" charset="2"/>
+              <a:buChar char="Ø"/>
+            </a:pPr>
+            <a:endParaRPr lang="en-CA" sz="1400" dirty="0" smtClean="0"/>
+          </a:p>
+          <a:p>
+            <a:pPr marL="285750" indent="-285750" algn="l" fontAlgn="base">
+              <a:buFont typeface="Wingdings" panose="05000000000000000000" pitchFamily="2" charset="2"/>
+              <a:buChar char="Ø"/>
+            </a:pPr>
+            <a:endParaRPr lang="en-CA" sz="1400" dirty="0"/>
+          </a:p>
+          <a:p>
+            <a:pPr marL="285750" indent="-285750" algn="l" fontAlgn="base">
+              <a:buFont typeface="Wingdings" panose="05000000000000000000" pitchFamily="2" charset="2"/>
+              <a:buChar char="Ø"/>
+            </a:pPr>
+            <a:endParaRPr lang="en-CA" sz="1400" dirty="0" smtClean="0"/>
+          </a:p>
+          <a:p>
+            <a:pPr marL="285750" indent="-285750" algn="l" fontAlgn="base">
+              <a:buFont typeface="Wingdings" panose="05000000000000000000" pitchFamily="2" charset="2"/>
+              <a:buChar char="Ø"/>
+            </a:pPr>
+            <a:endParaRPr lang="en-CA" sz="1400" dirty="0" smtClean="0"/>
+          </a:p>
+          <a:p>
+            <a:pPr marL="285750" indent="-285750" algn="l" fontAlgn="base">
+              <a:buFont typeface="Wingdings" panose="05000000000000000000" pitchFamily="2" charset="2"/>
+              <a:buChar char="Ø"/>
+            </a:pPr>
+            <a:endParaRPr lang="en-CA" sz="1400" dirty="0"/>
+          </a:p>
+          <a:p>
+            <a:pPr marL="285750" indent="-285750" algn="l" fontAlgn="base">
+              <a:buFont typeface="Wingdings" panose="05000000000000000000" pitchFamily="2" charset="2"/>
+              <a:buChar char="Ø"/>
+            </a:pPr>
+            <a:endParaRPr lang="en-CA" sz="1400" dirty="0" smtClean="0"/>
+          </a:p>
+          <a:p>
+            <a:pPr marL="285750" indent="-285750" algn="l" fontAlgn="base">
+              <a:buFont typeface="Wingdings" panose="05000000000000000000" pitchFamily="2" charset="2"/>
+              <a:buChar char="Ø"/>
+            </a:pPr>
+            <a:endParaRPr lang="en-CA" sz="1400" dirty="0" smtClean="0"/>
+          </a:p>
+          <a:p>
+            <a:pPr marL="285750" indent="-285750" algn="l" fontAlgn="base">
+              <a:buFont typeface="Wingdings" panose="05000000000000000000" pitchFamily="2" charset="2"/>
+              <a:buChar char="Ø"/>
+            </a:pPr>
+            <a:endParaRPr lang="en-CA" sz="1400" dirty="0" smtClean="0"/>
+          </a:p>
+          <a:p>
+            <a:pPr marL="285750" indent="-285750" algn="l" fontAlgn="base">
+              <a:buFont typeface="Wingdings" panose="05000000000000000000" pitchFamily="2" charset="2"/>
+              <a:buChar char="Ø"/>
+            </a:pPr>
+            <a:endParaRPr lang="en-CA" sz="1400" dirty="0" smtClean="0"/>
+          </a:p>
+          <a:p>
+            <a:pPr marL="285750" indent="-285750" algn="l" fontAlgn="base">
+              <a:buFont typeface="Wingdings" panose="05000000000000000000" pitchFamily="2" charset="2"/>
+              <a:buChar char="Ø"/>
+            </a:pPr>
+            <a:endParaRPr lang="en-CA" sz="1400" dirty="0"/>
+          </a:p>
+          <a:p>
+            <a:pPr marL="285750" indent="-285750" algn="l" fontAlgn="base">
+              <a:buFont typeface="Wingdings" panose="05000000000000000000" pitchFamily="2" charset="2"/>
+              <a:buChar char="Ø"/>
+            </a:pPr>
+            <a:r>
+              <a:rPr lang="en-CA" sz="1200" dirty="0">
+                <a:solidFill>
+                  <a:srgbClr val="FFC000"/>
+                </a:solidFill>
+              </a:rPr>
+              <a:t>The above represents </a:t>
+            </a:r>
+            <a:r>
+              <a:rPr lang="en-CA" sz="1200" dirty="0" smtClean="0">
+                <a:solidFill>
+                  <a:srgbClr val="FFC000"/>
+                </a:solidFill>
+              </a:rPr>
+              <a:t>Optimal Model </a:t>
+            </a:r>
+            <a:r>
+              <a:rPr lang="en-CA" sz="1200" dirty="0">
+                <a:solidFill>
+                  <a:srgbClr val="FFC000"/>
+                </a:solidFill>
+              </a:rPr>
+              <a:t>capture and Equity Market state </a:t>
+            </a:r>
+            <a:r>
+              <a:rPr lang="en-CA" sz="1200" dirty="0" smtClean="0">
+                <a:solidFill>
+                  <a:srgbClr val="FFC000"/>
+                </a:solidFill>
+              </a:rPr>
+              <a:t>statistics (in-sample)</a:t>
+            </a:r>
+            <a:endParaRPr lang="en-CA" sz="1200" dirty="0">
+              <a:solidFill>
+                <a:srgbClr val="FFC000"/>
+              </a:solidFill>
+            </a:endParaRPr>
+          </a:p>
+          <a:p>
+            <a:pPr marL="285750" indent="-285750" algn="l" fontAlgn="base">
+              <a:buFont typeface="Wingdings" panose="05000000000000000000" pitchFamily="2" charset="2"/>
+              <a:buChar char="Ø"/>
+            </a:pPr>
+            <a:r>
+              <a:rPr lang="en-CA" sz="1200" dirty="0" smtClean="0">
+                <a:solidFill>
+                  <a:srgbClr val="FFC000"/>
+                </a:solidFill>
+              </a:rPr>
+              <a:t>For example, the Optimal Strategy was invested in the equity market on 75 days where the market experienced a return greater than or equal to 1%</a:t>
+            </a:r>
+          </a:p>
+          <a:p>
+            <a:pPr marL="285750" indent="-285750" algn="l" fontAlgn="base">
+              <a:buFont typeface="Wingdings" panose="05000000000000000000" pitchFamily="2" charset="2"/>
+              <a:buChar char="Ø"/>
+            </a:pPr>
+            <a:r>
+              <a:rPr lang="en-CA" sz="1200" dirty="0" smtClean="0">
+                <a:solidFill>
+                  <a:srgbClr val="FFC000"/>
+                </a:solidFill>
+              </a:rPr>
+              <a:t>These statistics are calculated for all Naïve &amp; Optimal Models, including the different lagged versions</a:t>
+            </a:r>
+          </a:p>
+        </p:txBody>
+      </p:sp>
+      <p:pic>
+        <p:nvPicPr>
+          <p:cNvPr id="3074" name="Picture 2"/>
+          <p:cNvPicPr>
+            <a:picLocks noChangeAspect="1" noChangeArrowheads="1"/>
+          </p:cNvPicPr>
+          <p:nvPr/>
+        </p:nvPicPr>
+        <p:blipFill>
+          <a:blip r:embed="rId2">
+            <a:extLst>
+              <a:ext uri="{28A0092B-C50C-407E-A947-70E740481C1C}">
+                <a14:useLocalDpi xmlns:a14="http://schemas.microsoft.com/office/drawing/2010/main" val="0"/>
+              </a:ext>
+            </a:extLst>
+          </a:blip>
+          <a:srcRect/>
+          <a:stretch>
+            <a:fillRect/>
+          </a:stretch>
+        </p:blipFill>
+        <p:spPr bwMode="auto">
+          <a:xfrm>
+            <a:off x="1" y="685800"/>
+            <a:ext cx="9144000" cy="4203511"/>
+          </a:xfrm>
+          <a:prstGeom prst="rect">
+            <a:avLst/>
+          </a:prstGeom>
+          <a:noFill/>
+          <a:ln>
+            <a:noFill/>
+          </a:ln>
+          <a:extLst>
+            <a:ext uri="{909E8E84-426E-40DD-AFC4-6F175D3DCCD1}">
+              <a14:hiddenFill xmlns:a14="http://schemas.microsoft.com/office/drawing/2010/main">
+                <a:solidFill>
+                  <a:schemeClr val="accent1"/>
+                </a:solidFill>
+              </a14:hiddenFill>
+            </a:ext>
+            <a:ext uri="{91240B29-F687-4F45-9708-019B960494DF}">
+              <a14:hiddenLine xmlns:a14="http://schemas.microsoft.com/office/drawing/2010/main" w="9525">
+                <a:solidFill>
+                  <a:schemeClr val="tx1"/>
+                </a:solidFill>
+                <a:miter lim="800000"/>
+                <a:headEnd/>
+                <a:tailEnd/>
+              </a14:hiddenLine>
+            </a:ext>
+          </a:extLst>
+        </p:spPr>
+      </p:pic>
     </p:spTree>
     <p:extLst>
       <p:ext uri="{BB962C8B-B14F-4D97-AF65-F5344CB8AC3E}">
-        <p14:creationId xmlns:p14="http://schemas.microsoft.com/office/powerpoint/2010/main" val="376365514"/>
+        <p14:creationId xmlns:p14="http://schemas.microsoft.com/office/powerpoint/2010/main" val="2318355961"/>
       </p:ext>
     </p:extLst>
   </p:cSld>
@@ -20762,7 +22181,7 @@
       </p:grpSpPr>
       <p:sp>
         <p:nvSpPr>
-          <p:cNvPr id="4" name="Title 3"/>
+          <p:cNvPr id="2" name="Title 1"/>
           <p:cNvSpPr>
             <a:spLocks noGrp="1"/>
           </p:cNvSpPr>
@@ -20770,12 +22189,7 @@
             <p:ph type="ctrTitle"/>
           </p:nvPr>
         </p:nvSpPr>
-        <p:spPr>
-          <a:xfrm>
-            <a:off x="457200" y="76200"/>
-            <a:ext cx="8229600" cy="533400"/>
-          </a:xfrm>
-        </p:spPr>
+        <p:spPr/>
         <p:txBody>
           <a:bodyPr>
             <a:normAutofit/>
@@ -20784,7 +22198,7 @@
           <a:p>
             <a:r>
               <a:rPr lang="en-US" sz="2800" dirty="0" smtClean="0"/>
-              <a:t>Save finalized model</a:t>
+              <a:t>Forward test results</a:t>
             </a:r>
             <a:endParaRPr lang="en-US" sz="2800" dirty="0"/>
           </a:p>
@@ -20792,7 +22206,7 @@
       </p:sp>
       <p:sp>
         <p:nvSpPr>
-          <p:cNvPr id="6" name="Subtitle 2"/>
+          <p:cNvPr id="3" name="Subtitle 2"/>
           <p:cNvSpPr>
             <a:spLocks noGrp="1"/>
           </p:cNvSpPr>
@@ -20800,168 +22214,19 @@
             <p:ph type="subTitle" idx="1"/>
           </p:nvPr>
         </p:nvSpPr>
-        <p:spPr>
-          <a:xfrm>
-            <a:off x="914400" y="685800"/>
-            <a:ext cx="7315200" cy="5486400"/>
-          </a:xfrm>
-        </p:spPr>
+        <p:spPr/>
         <p:txBody>
-          <a:bodyPr>
-            <a:normAutofit/>
-          </a:bodyPr>
+          <a:bodyPr/>
           <a:lstStyle/>
           <a:p>
-            <a:pPr marL="285750" indent="-285750" algn="l">
-              <a:buFont typeface="Wingdings" panose="05000000000000000000" pitchFamily="2" charset="2"/>
-              <a:buChar char="Ø"/>
-            </a:pPr>
-            <a:r>
-              <a:rPr lang="en-CA" sz="1800" dirty="0" smtClean="0"/>
-              <a:t>Every version of the lagged models were saved using the </a:t>
-            </a:r>
-            <a:r>
-              <a:rPr lang="en-CA" sz="1800" dirty="0" err="1" smtClean="0"/>
-              <a:t>joblib</a:t>
-            </a:r>
-            <a:r>
-              <a:rPr lang="en-CA" sz="1800" dirty="0" smtClean="0"/>
-              <a:t> library</a:t>
-            </a:r>
-          </a:p>
-          <a:p>
-            <a:pPr marL="742950" lvl="1" indent="-285750" algn="l">
-              <a:buFont typeface="Wingdings" panose="05000000000000000000" pitchFamily="2" charset="2"/>
-              <a:buChar char="Ø"/>
-            </a:pPr>
-            <a:r>
-              <a:rPr lang="en-CA" sz="1400" dirty="0">
-                <a:solidFill>
-                  <a:srgbClr val="FFC000"/>
-                </a:solidFill>
-              </a:rPr>
-              <a:t>from </a:t>
-            </a:r>
-            <a:r>
-              <a:rPr lang="en-CA" sz="1400" dirty="0" err="1">
-                <a:solidFill>
-                  <a:srgbClr val="FFC000"/>
-                </a:solidFill>
-              </a:rPr>
-              <a:t>joblib</a:t>
-            </a:r>
-            <a:r>
-              <a:rPr lang="en-CA" sz="1400" dirty="0">
-                <a:solidFill>
-                  <a:srgbClr val="FFC000"/>
-                </a:solidFill>
-              </a:rPr>
-              <a:t> import dump, </a:t>
-            </a:r>
-            <a:r>
-              <a:rPr lang="en-CA" sz="1400" dirty="0" smtClean="0">
-                <a:solidFill>
-                  <a:srgbClr val="FFC000"/>
-                </a:solidFill>
-              </a:rPr>
-              <a:t>load</a:t>
-            </a:r>
-          </a:p>
-          <a:p>
-            <a:pPr marL="285750" indent="-285750" algn="l">
-              <a:buFont typeface="Wingdings" panose="05000000000000000000" pitchFamily="2" charset="2"/>
-              <a:buChar char="Ø"/>
-            </a:pPr>
-            <a:endParaRPr lang="en-CA" sz="1800" dirty="0"/>
-          </a:p>
-          <a:p>
-            <a:pPr marL="285750" indent="-285750" algn="l">
-              <a:buFont typeface="Wingdings" panose="05000000000000000000" pitchFamily="2" charset="2"/>
-              <a:buChar char="Ø"/>
-            </a:pPr>
-            <a:r>
-              <a:rPr lang="en-CA" sz="1800" dirty="0" smtClean="0"/>
-              <a:t>Naïve Model with a 27 Day lag &amp; Optimal Model with a 30 Day lag were selected for forward testing purposes</a:t>
-            </a:r>
-          </a:p>
-          <a:p>
-            <a:pPr marL="742950" lvl="1" indent="-285750" algn="l">
-              <a:buFont typeface="Wingdings" panose="05000000000000000000" pitchFamily="2" charset="2"/>
-              <a:buChar char="Ø"/>
-            </a:pPr>
-            <a:r>
-              <a:rPr lang="en-CA" sz="1400" dirty="0" smtClean="0"/>
-              <a:t>Each delivered the highest expected annual return during the test period</a:t>
-            </a:r>
-          </a:p>
-          <a:p>
-            <a:pPr marL="742950" lvl="1" indent="-285750" algn="l">
-              <a:buFont typeface="Wingdings" panose="05000000000000000000" pitchFamily="2" charset="2"/>
-              <a:buChar char="Ø"/>
-            </a:pPr>
-            <a:r>
-              <a:rPr lang="en-CA" sz="1400" dirty="0" smtClean="0"/>
-              <a:t>Recall that each model uses different model parameters (noted earlier)</a:t>
-            </a:r>
-          </a:p>
-          <a:p>
-            <a:pPr marL="285750" indent="-285750" algn="l">
-              <a:buFont typeface="Wingdings" panose="05000000000000000000" pitchFamily="2" charset="2"/>
-              <a:buChar char="Ø"/>
-            </a:pPr>
-            <a:endParaRPr lang="en-CA" sz="1800" dirty="0"/>
-          </a:p>
-          <a:p>
-            <a:pPr marL="285750" indent="-285750" algn="l">
-              <a:buFont typeface="Wingdings" panose="05000000000000000000" pitchFamily="2" charset="2"/>
-              <a:buChar char="Ø"/>
-            </a:pPr>
-            <a:r>
-              <a:rPr lang="en-CA" sz="1800" dirty="0" smtClean="0"/>
-              <a:t>The October 15, 2021 models were saved and forward testing started on Monday, October 18, 2021</a:t>
-            </a:r>
-          </a:p>
-          <a:p>
-            <a:pPr marL="285750" indent="-285750" algn="l">
-              <a:buFont typeface="Wingdings" panose="05000000000000000000" pitchFamily="2" charset="2"/>
-              <a:buChar char="Ø"/>
-            </a:pPr>
-            <a:endParaRPr lang="en-CA" sz="1800" dirty="0"/>
-          </a:p>
-          <a:p>
-            <a:pPr marL="742950" lvl="1" indent="-285750" algn="l">
-              <a:buFont typeface="Wingdings" panose="05000000000000000000" pitchFamily="2" charset="2"/>
-              <a:buChar char="Ø"/>
-            </a:pPr>
-            <a:endParaRPr lang="en-CA" sz="1400" dirty="0" smtClean="0"/>
-          </a:p>
-          <a:p>
-            <a:pPr marL="285750" indent="-285750" algn="l">
-              <a:buFont typeface="Wingdings" panose="05000000000000000000" pitchFamily="2" charset="2"/>
-              <a:buChar char="Ø"/>
-            </a:pPr>
-            <a:endParaRPr lang="en-CA" sz="1800" dirty="0"/>
-          </a:p>
-          <a:p>
-            <a:pPr marL="285750" indent="-285750" algn="l">
-              <a:buFont typeface="Wingdings" panose="05000000000000000000" pitchFamily="2" charset="2"/>
-              <a:buChar char="Ø"/>
-            </a:pPr>
-            <a:endParaRPr lang="en-CA" sz="1800" dirty="0"/>
-          </a:p>
-          <a:p>
-            <a:pPr marL="742950" lvl="1" indent="-285750" algn="l">
-              <a:buFont typeface="Wingdings" panose="05000000000000000000" pitchFamily="2" charset="2"/>
-              <a:buChar char="Ø"/>
-            </a:pPr>
-            <a:endParaRPr lang="en-CA" sz="1600" dirty="0" smtClean="0"/>
+            <a:endParaRPr lang="en-US" dirty="0"/>
           </a:p>
         </p:txBody>
       </p:sp>
     </p:spTree>
     <p:extLst>
       <p:ext uri="{BB962C8B-B14F-4D97-AF65-F5344CB8AC3E}">
-        <p14:creationId xmlns:p14="http://schemas.microsoft.com/office/powerpoint/2010/main" val="60128257"/>
+        <p14:creationId xmlns:p14="http://schemas.microsoft.com/office/powerpoint/2010/main" val="376365514"/>
       </p:ext>
     </p:extLst>
   </p:cSld>
@@ -21316,7 +22581,7 @@
           <a:p>
             <a:r>
               <a:rPr lang="en-US" sz="2800" dirty="0" smtClean="0"/>
-              <a:t>Naïve &amp; Optimal Predictions</a:t>
+              <a:t>Save finalized model</a:t>
             </a:r>
             <a:endParaRPr lang="en-US" sz="2800" dirty="0"/>
           </a:p>
@@ -21348,7 +22613,56 @@
               <a:buFont typeface="Wingdings" panose="05000000000000000000" pitchFamily="2" charset="2"/>
               <a:buChar char="Ø"/>
             </a:pPr>
-            <a:endParaRPr lang="en-CA" sz="1800" dirty="0" smtClean="0"/>
+            <a:r>
+              <a:rPr lang="en-CA" sz="1800" dirty="0" smtClean="0"/>
+              <a:t>Every version of the lagged models were saved using the </a:t>
+            </a:r>
+            <a:r>
+              <a:rPr lang="en-CA" sz="1800" dirty="0" err="1" smtClean="0"/>
+              <a:t>joblib</a:t>
+            </a:r>
+            <a:r>
+              <a:rPr lang="en-CA" sz="1800" dirty="0" smtClean="0"/>
+              <a:t> library</a:t>
+            </a:r>
+          </a:p>
+          <a:p>
+            <a:pPr marL="742950" lvl="1" indent="-285750" algn="l">
+              <a:buFont typeface="Wingdings" panose="05000000000000000000" pitchFamily="2" charset="2"/>
+              <a:buChar char="Ø"/>
+            </a:pPr>
+            <a:r>
+              <a:rPr lang="en-CA" sz="1400" dirty="0">
+                <a:solidFill>
+                  <a:srgbClr val="FFC000"/>
+                </a:solidFill>
+              </a:rPr>
+              <a:t>from </a:t>
+            </a:r>
+            <a:r>
+              <a:rPr lang="en-CA" sz="1400" dirty="0" err="1">
+                <a:solidFill>
+                  <a:srgbClr val="FFC000"/>
+                </a:solidFill>
+              </a:rPr>
+              <a:t>joblib</a:t>
+            </a:r>
+            <a:r>
+              <a:rPr lang="en-CA" sz="1400" dirty="0">
+                <a:solidFill>
+                  <a:srgbClr val="FFC000"/>
+                </a:solidFill>
+              </a:rPr>
+              <a:t> import dump, </a:t>
+            </a:r>
+            <a:r>
+              <a:rPr lang="en-CA" sz="1400" dirty="0" smtClean="0">
+                <a:solidFill>
+                  <a:srgbClr val="FFC000"/>
+                </a:solidFill>
+              </a:rPr>
+              <a:t>load</a:t>
+            </a:r>
           </a:p>
           <a:p>
             <a:pPr marL="285750" indent="-285750" algn="l">
@@ -21362,7 +22676,61 @@
               <a:buFont typeface="Wingdings" panose="05000000000000000000" pitchFamily="2" charset="2"/>
               <a:buChar char="Ø"/>
             </a:pPr>
-            <a:endParaRPr lang="en-CA" sz="1800" dirty="0" smtClean="0"/>
+            <a:r>
+              <a:rPr lang="en-CA" sz="1800" dirty="0" smtClean="0"/>
+              <a:t>Naïve Model with a 27 Day lag &amp; Optimal Model with a 30 Day lag were selected for forward testing purposes</a:t>
+            </a:r>
+          </a:p>
+          <a:p>
+            <a:pPr marL="742950" lvl="1" indent="-285750" algn="l">
+              <a:buFont typeface="Wingdings" panose="05000000000000000000" pitchFamily="2" charset="2"/>
+              <a:buChar char="Ø"/>
+            </a:pPr>
+            <a:r>
+              <a:rPr lang="en-CA" sz="1400" dirty="0" smtClean="0"/>
+              <a:t>Each delivered the highest expected annual return during the test period</a:t>
+            </a:r>
+          </a:p>
+          <a:p>
+            <a:pPr marL="742950" lvl="1" indent="-285750" algn="l">
+              <a:buFont typeface="Wingdings" panose="05000000000000000000" pitchFamily="2" charset="2"/>
+              <a:buChar char="Ø"/>
+            </a:pPr>
+            <a:r>
+              <a:rPr lang="en-CA" sz="1400" dirty="0" smtClean="0"/>
+              <a:t>Recall that each model uses different model parameters (noted earlier)</a:t>
+            </a:r>
+          </a:p>
+          <a:p>
+            <a:pPr marL="285750" indent="-285750" algn="l">
+              <a:buFont typeface="Wingdings" panose="05000000000000000000" pitchFamily="2" charset="2"/>
+              <a:buChar char="Ø"/>
+            </a:pPr>
+            <a:endParaRPr lang="en-CA" sz="1800" dirty="0"/>
+          </a:p>
+          <a:p>
+            <a:pPr marL="285750" indent="-285750" algn="l">
+              <a:buFont typeface="Wingdings" panose="05000000000000000000" pitchFamily="2" charset="2"/>
+              <a:buChar char="Ø"/>
+            </a:pPr>
+            <a:r>
+              <a:rPr lang="en-CA" sz="1800" dirty="0" smtClean="0"/>
+              <a:t>The October 15, 2021 models were saved and forward testing started on Monday, October 18, 2021</a:t>
+            </a:r>
+          </a:p>
+          <a:p>
+            <a:pPr marL="285750" indent="-285750" algn="l">
+              <a:buFont typeface="Wingdings" panose="05000000000000000000" pitchFamily="2" charset="2"/>
+              <a:buChar char="Ø"/>
+            </a:pPr>
+            <a:endParaRPr lang="en-CA" sz="1800" dirty="0"/>
+          </a:p>
+          <a:p>
+            <a:pPr marL="742950" lvl="1" indent="-285750" algn="l">
+              <a:buFont typeface="Wingdings" panose="05000000000000000000" pitchFamily="2" charset="2"/>
+              <a:buChar char="Ø"/>
+            </a:pPr>
+            <a:endParaRPr lang="en-CA" sz="1400" dirty="0" smtClean="0"/>
           </a:p>
           <a:p>
             <a:pPr marL="285750" indent="-285750" algn="l">
@@ -21387,653 +22755,10 @@
           </a:p>
         </p:txBody>
       </p:sp>
-      <p:sp>
-        <p:nvSpPr>
-          <p:cNvPr id="5" name="Subtitle 2"/>
-          <p:cNvSpPr txBox="1">
-            <a:spLocks/>
-          </p:cNvSpPr>
-          <p:nvPr/>
-        </p:nvSpPr>
-        <p:spPr>
-          <a:xfrm>
-            <a:off x="914400" y="685800"/>
-            <a:ext cx="7315200" cy="5867400"/>
-          </a:xfrm>
-          <a:prstGeom prst="rect">
-            <a:avLst/>
-          </a:prstGeom>
-        </p:spPr>
-        <p:txBody>
-          <a:bodyPr vert="horz">
-            <a:normAutofit/>
-          </a:bodyPr>
-          <a:lstStyle>
-            <a:lvl1pPr marL="0" indent="0" algn="ctr" rtl="0" eaLnBrk="1" latinLnBrk="0" hangingPunct="1">
-              <a:spcBef>
-                <a:spcPct val="20000"/>
-              </a:spcBef>
-              <a:buClr>
-                <a:schemeClr val="tx1">
-                  <a:shade val="95000"/>
-                </a:schemeClr>
-              </a:buClr>
-              <a:buSzPct val="65000"/>
-              <a:buFont typeface="Wingdings 2"/>
-              <a:buNone/>
-              <a:defRPr kumimoji="0" sz="2800" kern="1200">
-                <a:solidFill>
-                  <a:schemeClr val="tx1"/>
-                </a:solidFill>
-                <a:latin typeface="+mn-lt"/>
-                <a:ea typeface="+mn-ea"/>
-                <a:cs typeface="+mn-cs"/>
-              </a:defRPr>
-            </a:lvl1pPr>
-            <a:lvl2pPr marL="457200" indent="0" algn="ctr" rtl="0" eaLnBrk="1" latinLnBrk="0" hangingPunct="1">
-              <a:spcBef>
-                <a:spcPct val="20000"/>
-              </a:spcBef>
-              <a:buClr>
-                <a:schemeClr val="tx1"/>
-              </a:buClr>
-              <a:buSzPct val="80000"/>
-              <a:buFont typeface="Wingdings 2"/>
-              <a:buNone/>
-              <a:defRPr kumimoji="0" sz="2400" kern="1200">
-                <a:solidFill>
-                  <a:schemeClr val="tx1"/>
-                </a:solidFill>
-                <a:latin typeface="+mn-lt"/>
-                <a:ea typeface="+mn-ea"/>
-                <a:cs typeface="+mn-cs"/>
-              </a:defRPr>
-            </a:lvl2pPr>
-            <a:lvl3pPr marL="914400" indent="0" algn="ctr" rtl="0" eaLnBrk="1" latinLnBrk="0" hangingPunct="1">
-              <a:spcBef>
-                <a:spcPct val="20000"/>
-              </a:spcBef>
-              <a:buClr>
-                <a:schemeClr val="tx1"/>
-              </a:buClr>
-              <a:buSzPct val="95000"/>
-              <a:buFont typeface="Wingdings"/>
-              <a:buNone/>
-              <a:defRPr kumimoji="0" sz="2200" kern="1200">
-                <a:solidFill>
-                  <a:schemeClr val="tx1"/>
-                </a:solidFill>
-                <a:latin typeface="+mn-lt"/>
-                <a:ea typeface="+mn-ea"/>
-                <a:cs typeface="+mn-cs"/>
-              </a:defRPr>
-            </a:lvl3pPr>
-            <a:lvl4pPr marL="1371600" indent="0" algn="ctr" rtl="0" eaLnBrk="1" latinLnBrk="0" hangingPunct="1">
-              <a:spcBef>
-                <a:spcPct val="20000"/>
-              </a:spcBef>
-              <a:buClr>
-                <a:schemeClr val="tx1"/>
-              </a:buClr>
-              <a:buSzPct val="100000"/>
-              <a:buFont typeface="Wingdings 3"/>
-              <a:buNone/>
-              <a:defRPr kumimoji="0" sz="2000" kern="1200">
-                <a:solidFill>
-                  <a:schemeClr val="tx1"/>
-                </a:solidFill>
-                <a:latin typeface="+mn-lt"/>
-                <a:ea typeface="+mn-ea"/>
-                <a:cs typeface="+mn-cs"/>
-              </a:defRPr>
-            </a:lvl4pPr>
-            <a:lvl5pPr marL="1828800" indent="0" algn="ctr" rtl="0" eaLnBrk="1" latinLnBrk="0" hangingPunct="1">
-              <a:spcBef>
-                <a:spcPct val="20000"/>
-              </a:spcBef>
-              <a:buClr>
-                <a:schemeClr val="tx1"/>
-              </a:buClr>
-              <a:buFont typeface="Wingdings 2"/>
-              <a:buNone/>
-              <a:defRPr kumimoji="0" sz="2000" kern="1200">
-                <a:solidFill>
-                  <a:schemeClr val="tx1"/>
-                </a:solidFill>
-                <a:latin typeface="+mn-lt"/>
-                <a:ea typeface="+mn-ea"/>
-                <a:cs typeface="+mn-cs"/>
-              </a:defRPr>
-            </a:lvl5pPr>
-            <a:lvl6pPr marL="2286000" indent="0" algn="ctr" rtl="0" eaLnBrk="1" latinLnBrk="0" hangingPunct="1">
-              <a:spcBef>
-                <a:spcPct val="20000"/>
-              </a:spcBef>
-              <a:buClr>
-                <a:schemeClr val="tx1"/>
-              </a:buClr>
-              <a:buFont typeface="Wingdings 3"/>
-              <a:buNone/>
-              <a:defRPr kumimoji="0" sz="1800" kern="1200">
-                <a:solidFill>
-                  <a:schemeClr val="tx1"/>
-                </a:solidFill>
-                <a:latin typeface="+mn-lt"/>
-                <a:ea typeface="+mn-ea"/>
-                <a:cs typeface="+mn-cs"/>
-              </a:defRPr>
-            </a:lvl6pPr>
-            <a:lvl7pPr marL="2743200" indent="0" algn="ctr" rtl="0" eaLnBrk="1" latinLnBrk="0" hangingPunct="1">
-              <a:spcBef>
-                <a:spcPct val="20000"/>
-              </a:spcBef>
-              <a:buClr>
-                <a:schemeClr val="tx1"/>
-              </a:buClr>
-              <a:buFont typeface="Wingdings 2"/>
-              <a:buNone/>
-              <a:defRPr kumimoji="0" sz="1600" kern="1200">
-                <a:solidFill>
-                  <a:schemeClr val="tx1"/>
-                </a:solidFill>
-                <a:latin typeface="+mn-lt"/>
-                <a:ea typeface="+mn-ea"/>
-                <a:cs typeface="+mn-cs"/>
-              </a:defRPr>
-            </a:lvl7pPr>
-            <a:lvl8pPr marL="3200400" indent="0" algn="ctr" rtl="0" eaLnBrk="1" latinLnBrk="0" hangingPunct="1">
-              <a:spcBef>
-                <a:spcPct val="20000"/>
-              </a:spcBef>
-              <a:buClr>
-                <a:schemeClr val="tx1"/>
-              </a:buClr>
-              <a:buFont typeface="Wingdings 2"/>
-              <a:buNone/>
-              <a:defRPr kumimoji="0" sz="1400" kern="1200">
-                <a:solidFill>
-                  <a:schemeClr val="tx1"/>
-                </a:solidFill>
-                <a:latin typeface="+mn-lt"/>
-                <a:ea typeface="+mn-ea"/>
-                <a:cs typeface="+mn-cs"/>
-              </a:defRPr>
-            </a:lvl8pPr>
-            <a:lvl9pPr marL="3657600" indent="0" algn="ctr" rtl="0" eaLnBrk="1" latinLnBrk="0" hangingPunct="1">
-              <a:spcBef>
-                <a:spcPct val="20000"/>
-              </a:spcBef>
-              <a:buClr>
-                <a:schemeClr val="tx1"/>
-              </a:buClr>
-              <a:buFont typeface="Wingdings 2"/>
-              <a:buNone/>
-              <a:defRPr kumimoji="0" sz="1400" kern="1200" baseline="0">
-                <a:solidFill>
-                  <a:schemeClr val="tx1"/>
-                </a:solidFill>
-                <a:latin typeface="+mn-lt"/>
-                <a:ea typeface="+mn-ea"/>
-                <a:cs typeface="+mn-cs"/>
-              </a:defRPr>
-            </a:lvl9pPr>
-          </a:lstStyle>
-          <a:p>
-            <a:pPr marL="285750" indent="-285750" algn="l">
-              <a:buFont typeface="Wingdings" panose="05000000000000000000" pitchFamily="2" charset="2"/>
-              <a:buChar char="Ø"/>
-            </a:pPr>
-            <a:endParaRPr lang="en-CA" sz="1800" smtClean="0"/>
-          </a:p>
-          <a:p>
-            <a:pPr marL="285750" indent="-285750" algn="l">
-              <a:buFont typeface="Wingdings" panose="05000000000000000000" pitchFamily="2" charset="2"/>
-              <a:buChar char="Ø"/>
-            </a:pPr>
-            <a:endParaRPr lang="en-CA" sz="1800" smtClean="0"/>
-          </a:p>
-          <a:p>
-            <a:pPr marL="285750" indent="-285750" algn="l">
-              <a:buFont typeface="Wingdings" panose="05000000000000000000" pitchFamily="2" charset="2"/>
-              <a:buChar char="Ø"/>
-            </a:pPr>
-            <a:endParaRPr lang="en-CA" sz="1800" smtClean="0"/>
-          </a:p>
-          <a:p>
-            <a:pPr marL="285750" indent="-285750" algn="l">
-              <a:buFont typeface="Wingdings" panose="05000000000000000000" pitchFamily="2" charset="2"/>
-              <a:buChar char="Ø"/>
-            </a:pPr>
-            <a:endParaRPr lang="en-CA" sz="1800" smtClean="0"/>
-          </a:p>
-          <a:p>
-            <a:pPr marL="285750" indent="-285750" algn="l">
-              <a:buFont typeface="Wingdings" panose="05000000000000000000" pitchFamily="2" charset="2"/>
-              <a:buChar char="Ø"/>
-            </a:pPr>
-            <a:endParaRPr lang="en-CA" sz="1800" smtClean="0"/>
-          </a:p>
-          <a:p>
-            <a:pPr marL="742950" lvl="1" indent="-285750" algn="l">
-              <a:buFont typeface="Wingdings" panose="05000000000000000000" pitchFamily="2" charset="2"/>
-              <a:buChar char="Ø"/>
-            </a:pPr>
-            <a:endParaRPr lang="en-CA" sz="1600" dirty="0" smtClean="0"/>
-          </a:p>
-        </p:txBody>
-      </p:sp>
-      <p:sp>
-        <p:nvSpPr>
-          <p:cNvPr id="7" name="Subtitle 2"/>
-          <p:cNvSpPr txBox="1">
-            <a:spLocks/>
-          </p:cNvSpPr>
-          <p:nvPr/>
-        </p:nvSpPr>
-        <p:spPr>
-          <a:xfrm>
-            <a:off x="1066800" y="838200"/>
-            <a:ext cx="7315200" cy="5486400"/>
-          </a:xfrm>
-          <a:prstGeom prst="rect">
-            <a:avLst/>
-          </a:prstGeom>
-        </p:spPr>
-        <p:txBody>
-          <a:bodyPr vert="horz">
-            <a:normAutofit/>
-          </a:bodyPr>
-          <a:lstStyle>
-            <a:lvl1pPr marL="0" indent="0" algn="ctr" rtl="0" eaLnBrk="1" latinLnBrk="0" hangingPunct="1">
-              <a:spcBef>
-                <a:spcPct val="20000"/>
-              </a:spcBef>
-              <a:buClr>
-                <a:schemeClr val="tx1">
-                  <a:shade val="95000"/>
-                </a:schemeClr>
-              </a:buClr>
-              <a:buSzPct val="65000"/>
-              <a:buFont typeface="Wingdings 2"/>
-              <a:buNone/>
-              <a:defRPr kumimoji="0" sz="2800" kern="1200">
-                <a:solidFill>
-                  <a:schemeClr val="tx1"/>
-                </a:solidFill>
-                <a:latin typeface="+mn-lt"/>
-                <a:ea typeface="+mn-ea"/>
-                <a:cs typeface="+mn-cs"/>
-              </a:defRPr>
-            </a:lvl1pPr>
-            <a:lvl2pPr marL="457200" indent="0" algn="ctr" rtl="0" eaLnBrk="1" latinLnBrk="0" hangingPunct="1">
-              <a:spcBef>
-                <a:spcPct val="20000"/>
-              </a:spcBef>
-              <a:buClr>
-                <a:schemeClr val="tx1"/>
-              </a:buClr>
-              <a:buSzPct val="80000"/>
-              <a:buFont typeface="Wingdings 2"/>
-              <a:buNone/>
-              <a:defRPr kumimoji="0" sz="2400" kern="1200">
-                <a:solidFill>
-                  <a:schemeClr val="tx1"/>
-                </a:solidFill>
-                <a:latin typeface="+mn-lt"/>
-                <a:ea typeface="+mn-ea"/>
-                <a:cs typeface="+mn-cs"/>
-              </a:defRPr>
-            </a:lvl2pPr>
-            <a:lvl3pPr marL="914400" indent="0" algn="ctr" rtl="0" eaLnBrk="1" latinLnBrk="0" hangingPunct="1">
-              <a:spcBef>
-                <a:spcPct val="20000"/>
-              </a:spcBef>
-              <a:buClr>
-                <a:schemeClr val="tx1"/>
-              </a:buClr>
-              <a:buSzPct val="95000"/>
-              <a:buFont typeface="Wingdings"/>
-              <a:buNone/>
-              <a:defRPr kumimoji="0" sz="2200" kern="1200">
-                <a:solidFill>
-                  <a:schemeClr val="tx1"/>
-                </a:solidFill>
-                <a:latin typeface="+mn-lt"/>
-                <a:ea typeface="+mn-ea"/>
-                <a:cs typeface="+mn-cs"/>
-              </a:defRPr>
-            </a:lvl3pPr>
-            <a:lvl4pPr marL="1371600" indent="0" algn="ctr" rtl="0" eaLnBrk="1" latinLnBrk="0" hangingPunct="1">
-              <a:spcBef>
-                <a:spcPct val="20000"/>
-              </a:spcBef>
-              <a:buClr>
-                <a:schemeClr val="tx1"/>
-              </a:buClr>
-              <a:buSzPct val="100000"/>
-              <a:buFont typeface="Wingdings 3"/>
-              <a:buNone/>
-              <a:defRPr kumimoji="0" sz="2000" kern="1200">
-                <a:solidFill>
-                  <a:schemeClr val="tx1"/>
-                </a:solidFill>
-                <a:latin typeface="+mn-lt"/>
-                <a:ea typeface="+mn-ea"/>
-                <a:cs typeface="+mn-cs"/>
-              </a:defRPr>
-            </a:lvl4pPr>
-            <a:lvl5pPr marL="1828800" indent="0" algn="ctr" rtl="0" eaLnBrk="1" latinLnBrk="0" hangingPunct="1">
-              <a:spcBef>
-                <a:spcPct val="20000"/>
-              </a:spcBef>
-              <a:buClr>
-                <a:schemeClr val="tx1"/>
-              </a:buClr>
-              <a:buFont typeface="Wingdings 2"/>
-              <a:buNone/>
-              <a:defRPr kumimoji="0" sz="2000" kern="1200">
-                <a:solidFill>
-                  <a:schemeClr val="tx1"/>
-                </a:solidFill>
-                <a:latin typeface="+mn-lt"/>
-                <a:ea typeface="+mn-ea"/>
-                <a:cs typeface="+mn-cs"/>
-              </a:defRPr>
-            </a:lvl5pPr>
-            <a:lvl6pPr marL="2286000" indent="0" algn="ctr" rtl="0" eaLnBrk="1" latinLnBrk="0" hangingPunct="1">
-              <a:spcBef>
-                <a:spcPct val="20000"/>
-              </a:spcBef>
-              <a:buClr>
-                <a:schemeClr val="tx1"/>
-              </a:buClr>
-              <a:buFont typeface="Wingdings 3"/>
-              <a:buNone/>
-              <a:defRPr kumimoji="0" sz="1800" kern="1200">
-                <a:solidFill>
-                  <a:schemeClr val="tx1"/>
-                </a:solidFill>
-                <a:latin typeface="+mn-lt"/>
-                <a:ea typeface="+mn-ea"/>
-                <a:cs typeface="+mn-cs"/>
-              </a:defRPr>
-            </a:lvl6pPr>
-            <a:lvl7pPr marL="2743200" indent="0" algn="ctr" rtl="0" eaLnBrk="1" latinLnBrk="0" hangingPunct="1">
-              <a:spcBef>
-                <a:spcPct val="20000"/>
-              </a:spcBef>
-              <a:buClr>
-                <a:schemeClr val="tx1"/>
-              </a:buClr>
-              <a:buFont typeface="Wingdings 2"/>
-              <a:buNone/>
-              <a:defRPr kumimoji="0" sz="1600" kern="1200">
-                <a:solidFill>
-                  <a:schemeClr val="tx1"/>
-                </a:solidFill>
-                <a:latin typeface="+mn-lt"/>
-                <a:ea typeface="+mn-ea"/>
-                <a:cs typeface="+mn-cs"/>
-              </a:defRPr>
-            </a:lvl7pPr>
-            <a:lvl8pPr marL="3200400" indent="0" algn="ctr" rtl="0" eaLnBrk="1" latinLnBrk="0" hangingPunct="1">
-              <a:spcBef>
-                <a:spcPct val="20000"/>
-              </a:spcBef>
-              <a:buClr>
-                <a:schemeClr val="tx1"/>
-              </a:buClr>
-              <a:buFont typeface="Wingdings 2"/>
-              <a:buNone/>
-              <a:defRPr kumimoji="0" sz="1400" kern="1200">
-                <a:solidFill>
-                  <a:schemeClr val="tx1"/>
-                </a:solidFill>
-                <a:latin typeface="+mn-lt"/>
-                <a:ea typeface="+mn-ea"/>
-                <a:cs typeface="+mn-cs"/>
-              </a:defRPr>
-            </a:lvl8pPr>
-            <a:lvl9pPr marL="3657600" indent="0" algn="ctr" rtl="0" eaLnBrk="1" latinLnBrk="0" hangingPunct="1">
-              <a:spcBef>
-                <a:spcPct val="20000"/>
-              </a:spcBef>
-              <a:buClr>
-                <a:schemeClr val="tx1"/>
-              </a:buClr>
-              <a:buFont typeface="Wingdings 2"/>
-              <a:buNone/>
-              <a:defRPr kumimoji="0" sz="1400" kern="1200" baseline="0">
-                <a:solidFill>
-                  <a:schemeClr val="tx1"/>
-                </a:solidFill>
-                <a:latin typeface="+mn-lt"/>
-                <a:ea typeface="+mn-ea"/>
-                <a:cs typeface="+mn-cs"/>
-              </a:defRPr>
-            </a:lvl9pPr>
-          </a:lstStyle>
-          <a:p>
-            <a:pPr marL="285750" indent="-285750" algn="l">
-              <a:buFont typeface="Wingdings" panose="05000000000000000000" pitchFamily="2" charset="2"/>
-              <a:buChar char="Ø"/>
-            </a:pPr>
-            <a:endParaRPr lang="en-CA" sz="1800" dirty="0" smtClean="0"/>
-          </a:p>
-          <a:p>
-            <a:pPr marL="285750" indent="-285750" algn="l">
-              <a:buFont typeface="Wingdings" panose="05000000000000000000" pitchFamily="2" charset="2"/>
-              <a:buChar char="Ø"/>
-            </a:pPr>
-            <a:endParaRPr lang="en-CA" sz="1800" dirty="0"/>
-          </a:p>
-          <a:p>
-            <a:pPr marL="285750" indent="-285750" algn="l">
-              <a:buFont typeface="Wingdings" panose="05000000000000000000" pitchFamily="2" charset="2"/>
-              <a:buChar char="Ø"/>
-            </a:pPr>
-            <a:endParaRPr lang="en-CA" sz="1800" dirty="0" smtClean="0"/>
-          </a:p>
-          <a:p>
-            <a:pPr marL="285750" indent="-285750" algn="l">
-              <a:buFont typeface="Wingdings" panose="05000000000000000000" pitchFamily="2" charset="2"/>
-              <a:buChar char="Ø"/>
-            </a:pPr>
-            <a:endParaRPr lang="en-CA" sz="1800" dirty="0"/>
-          </a:p>
-          <a:p>
-            <a:pPr marL="285750" indent="-285750" algn="l">
-              <a:buFont typeface="Wingdings" panose="05000000000000000000" pitchFamily="2" charset="2"/>
-              <a:buChar char="Ø"/>
-            </a:pPr>
-            <a:endParaRPr lang="en-CA" sz="1800" dirty="0" smtClean="0"/>
-          </a:p>
-          <a:p>
-            <a:pPr marL="285750" indent="-285750" algn="l">
-              <a:buFont typeface="Wingdings" panose="05000000000000000000" pitchFamily="2" charset="2"/>
-              <a:buChar char="Ø"/>
-            </a:pPr>
-            <a:endParaRPr lang="en-CA" sz="1800" dirty="0"/>
-          </a:p>
-          <a:p>
-            <a:pPr marL="285750" indent="-285750" algn="l">
-              <a:buFont typeface="Wingdings" panose="05000000000000000000" pitchFamily="2" charset="2"/>
-              <a:buChar char="Ø"/>
-            </a:pPr>
-            <a:endParaRPr lang="en-CA" sz="1800" dirty="0" smtClean="0"/>
-          </a:p>
-          <a:p>
-            <a:pPr marL="285750" indent="-285750" algn="l">
-              <a:buFont typeface="Wingdings" panose="05000000000000000000" pitchFamily="2" charset="2"/>
-              <a:buChar char="Ø"/>
-            </a:pPr>
-            <a:endParaRPr lang="en-CA" sz="1800" dirty="0"/>
-          </a:p>
-          <a:p>
-            <a:pPr marL="285750" indent="-285750" algn="l">
-              <a:buFont typeface="Wingdings" panose="05000000000000000000" pitchFamily="2" charset="2"/>
-              <a:buChar char="Ø"/>
-            </a:pPr>
-            <a:endParaRPr lang="en-CA" sz="1800" dirty="0" smtClean="0"/>
-          </a:p>
-          <a:p>
-            <a:pPr marL="285750" indent="-285750" algn="l">
-              <a:buFont typeface="Wingdings" panose="05000000000000000000" pitchFamily="2" charset="2"/>
-              <a:buChar char="Ø"/>
-            </a:pPr>
-            <a:endParaRPr lang="en-CA" sz="1800" dirty="0"/>
-          </a:p>
-          <a:p>
-            <a:pPr marL="285750" indent="-285750" algn="l">
-              <a:buFont typeface="Wingdings" panose="05000000000000000000" pitchFamily="2" charset="2"/>
-              <a:buChar char="Ø"/>
-            </a:pPr>
-            <a:endParaRPr lang="en-CA" sz="1800" dirty="0" smtClean="0"/>
-          </a:p>
-          <a:p>
-            <a:pPr marL="285750" indent="-285750" algn="l">
-              <a:buFont typeface="Wingdings" panose="05000000000000000000" pitchFamily="2" charset="2"/>
-              <a:buChar char="Ø"/>
-            </a:pPr>
-            <a:endParaRPr lang="en-CA" sz="1800" dirty="0"/>
-          </a:p>
-          <a:p>
-            <a:pPr marL="285750" indent="-285750" algn="l">
-              <a:buFont typeface="Wingdings" panose="05000000000000000000" pitchFamily="2" charset="2"/>
-              <a:buChar char="Ø"/>
-            </a:pPr>
-            <a:endParaRPr lang="en-CA" sz="1800" dirty="0" smtClean="0"/>
-          </a:p>
-          <a:p>
-            <a:pPr marL="285750" indent="-285750" algn="l">
-              <a:buFont typeface="Wingdings" panose="05000000000000000000" pitchFamily="2" charset="2"/>
-              <a:buChar char="Ø"/>
-            </a:pPr>
-            <a:endParaRPr lang="en-CA" sz="1800" dirty="0"/>
-          </a:p>
-          <a:p>
-            <a:pPr marL="285750" indent="-285750" algn="l">
-              <a:buFont typeface="Wingdings" panose="05000000000000000000" pitchFamily="2" charset="2"/>
-              <a:buChar char="Ø"/>
-            </a:pPr>
-            <a:r>
-              <a:rPr lang="en-CA" sz="1400" dirty="0" smtClean="0">
-                <a:solidFill>
-                  <a:srgbClr val="FFC000"/>
-                </a:solidFill>
-              </a:rPr>
-              <a:t>Let the forward test battle begin!</a:t>
-            </a:r>
-          </a:p>
-          <a:p>
-            <a:pPr marL="285750" indent="-285750" algn="l">
-              <a:buFont typeface="Wingdings" panose="05000000000000000000" pitchFamily="2" charset="2"/>
-              <a:buChar char="Ø"/>
-            </a:pPr>
-            <a:r>
-              <a:rPr lang="en-CA" sz="1400" dirty="0" smtClean="0">
-                <a:solidFill>
-                  <a:srgbClr val="FFC000"/>
-                </a:solidFill>
-              </a:rPr>
-              <a:t>1 = Positive Market State &amp; 0 = Flat or Negative Market State</a:t>
-            </a:r>
-          </a:p>
-          <a:p>
-            <a:pPr marL="285750" indent="-285750" algn="l">
-              <a:buFont typeface="Wingdings" panose="05000000000000000000" pitchFamily="2" charset="2"/>
-              <a:buChar char="Ø"/>
-            </a:pPr>
-            <a:r>
-              <a:rPr lang="en-CA" sz="1400" dirty="0" smtClean="0">
-                <a:solidFill>
-                  <a:srgbClr val="FFC000"/>
-                </a:solidFill>
-              </a:rPr>
-              <a:t>Long Equity or Long Cash Strategy</a:t>
-            </a:r>
-          </a:p>
-          <a:p>
-            <a:pPr marL="285750" indent="-285750" algn="l">
-              <a:buFont typeface="Wingdings" panose="05000000000000000000" pitchFamily="2" charset="2"/>
-              <a:buChar char="Ø"/>
-            </a:pPr>
-            <a:endParaRPr lang="en-CA" sz="1800" dirty="0" smtClean="0"/>
-          </a:p>
-          <a:p>
-            <a:pPr marL="285750" indent="-285750" algn="l">
-              <a:buFont typeface="Wingdings" panose="05000000000000000000" pitchFamily="2" charset="2"/>
-              <a:buChar char="Ø"/>
-            </a:pPr>
-            <a:endParaRPr lang="en-CA" sz="1800" dirty="0" smtClean="0"/>
-          </a:p>
-          <a:p>
-            <a:pPr marL="742950" lvl="1" indent="-285750" algn="l">
-              <a:buFont typeface="Wingdings" panose="05000000000000000000" pitchFamily="2" charset="2"/>
-              <a:buChar char="Ø"/>
-            </a:pPr>
-            <a:endParaRPr lang="en-CA" sz="1600" dirty="0" smtClean="0"/>
-          </a:p>
-        </p:txBody>
-      </p:sp>
-      <p:pic>
-        <p:nvPicPr>
-          <p:cNvPr id="1026" name="Picture 2"/>
-          <p:cNvPicPr>
-            <a:picLocks noChangeAspect="1" noChangeArrowheads="1"/>
-          </p:cNvPicPr>
-          <p:nvPr/>
-        </p:nvPicPr>
-        <p:blipFill>
-          <a:blip r:embed="rId2">
-            <a:extLst>
-              <a:ext uri="{28A0092B-C50C-407E-A947-70E740481C1C}">
-                <a14:useLocalDpi xmlns:a14="http://schemas.microsoft.com/office/drawing/2010/main" val="0"/>
-              </a:ext>
-            </a:extLst>
-          </a:blip>
-          <a:srcRect/>
-          <a:stretch>
-            <a:fillRect/>
-          </a:stretch>
-        </p:blipFill>
-        <p:spPr bwMode="auto">
-          <a:xfrm>
-            <a:off x="1" y="681039"/>
-            <a:ext cx="9144000" cy="4552276"/>
-          </a:xfrm>
-          <a:prstGeom prst="rect">
-            <a:avLst/>
-          </a:prstGeom>
-          <a:noFill/>
-          <a:ln>
-            <a:noFill/>
-          </a:ln>
-          <a:extLst>
-            <a:ext uri="{909E8E84-426E-40DD-AFC4-6F175D3DCCD1}">
-              <a14:hiddenFill xmlns:a14="http://schemas.microsoft.com/office/drawing/2010/main">
-                <a:solidFill>
-                  <a:schemeClr val="accent1"/>
-                </a:solidFill>
-              </a14:hiddenFill>
-            </a:ext>
-            <a:ext uri="{91240B29-F687-4F45-9708-019B960494DF}">
-              <a14:hiddenLine xmlns:a14="http://schemas.microsoft.com/office/drawing/2010/main" w="9525">
-                <a:solidFill>
-                  <a:schemeClr val="tx1"/>
-                </a:solidFill>
-                <a:miter lim="800000"/>
-                <a:headEnd/>
-                <a:tailEnd/>
-              </a14:hiddenLine>
-            </a:ext>
-          </a:extLst>
-        </p:spPr>
-      </p:pic>
     </p:spTree>
     <p:extLst>
       <p:ext uri="{BB962C8B-B14F-4D97-AF65-F5344CB8AC3E}">
-        <p14:creationId xmlns:p14="http://schemas.microsoft.com/office/powerpoint/2010/main" val="2712962087"/>
+        <p14:creationId xmlns:p14="http://schemas.microsoft.com/office/powerpoint/2010/main" val="60128257"/>
       </p:ext>
     </p:extLst>
   </p:cSld>
@@ -22081,7 +22806,7 @@
       </p:grpSpPr>
       <p:sp>
         <p:nvSpPr>
-          <p:cNvPr id="2" name="Title 1"/>
+          <p:cNvPr id="4" name="Title 3"/>
           <p:cNvSpPr>
             <a:spLocks noGrp="1"/>
           </p:cNvSpPr>
@@ -22089,7 +22814,12 @@
             <p:ph type="ctrTitle"/>
           </p:nvPr>
         </p:nvSpPr>
-        <p:spPr/>
+        <p:spPr>
+          <a:xfrm>
+            <a:off x="457200" y="76200"/>
+            <a:ext cx="8229600" cy="533400"/>
+          </a:xfrm>
+        </p:spPr>
         <p:txBody>
           <a:bodyPr>
             <a:normAutofit/>
@@ -22098,14 +22828,7 @@
           <a:p>
             <a:r>
               <a:rPr lang="en-US" sz="2800" dirty="0" smtClean="0"/>
-              <a:t>Post mortem &amp; </a:t>
-            </a:r>
-            <a:br>
-              <a:rPr lang="en-US" sz="2800" dirty="0" smtClean="0"/>
-            </a:br>
-            <a:r>
-              <a:rPr lang="en-US" sz="2800" dirty="0" smtClean="0"/>
-              <a:t>future enhancements</a:t>
+              <a:t>Naïve &amp; Optimal Predictions</a:t>
             </a:r>
             <a:endParaRPr lang="en-US" sz="2800" dirty="0"/>
           </a:p>
@@ -22113,7 +22836,7 @@
       </p:sp>
       <p:sp>
         <p:nvSpPr>
-          <p:cNvPr id="3" name="Subtitle 2"/>
+          <p:cNvPr id="6" name="Subtitle 2"/>
           <p:cNvSpPr>
             <a:spLocks noGrp="1"/>
           </p:cNvSpPr>
@@ -22121,19 +22844,708 @@
             <p:ph type="subTitle" idx="1"/>
           </p:nvPr>
         </p:nvSpPr>
-        <p:spPr/>
+        <p:spPr>
+          <a:xfrm>
+            <a:off x="914400" y="685800"/>
+            <a:ext cx="7315200" cy="5486400"/>
+          </a:xfrm>
+        </p:spPr>
         <p:txBody>
-          <a:bodyPr/>
+          <a:bodyPr>
+            <a:normAutofit/>
+          </a:bodyPr>
           <a:lstStyle/>
           <a:p>
-            <a:endParaRPr lang="en-US" dirty="0"/>
+            <a:pPr marL="285750" indent="-285750" algn="l">
+              <a:buFont typeface="Wingdings" panose="05000000000000000000" pitchFamily="2" charset="2"/>
+              <a:buChar char="Ø"/>
+            </a:pPr>
+            <a:endParaRPr lang="en-CA" sz="1800" dirty="0" smtClean="0"/>
+          </a:p>
+          <a:p>
+            <a:pPr marL="285750" indent="-285750" algn="l">
+              <a:buFont typeface="Wingdings" panose="05000000000000000000" pitchFamily="2" charset="2"/>
+              <a:buChar char="Ø"/>
+            </a:pPr>
+            <a:endParaRPr lang="en-CA" sz="1800" dirty="0"/>
+          </a:p>
+          <a:p>
+            <a:pPr marL="285750" indent="-285750" algn="l">
+              <a:buFont typeface="Wingdings" panose="05000000000000000000" pitchFamily="2" charset="2"/>
+              <a:buChar char="Ø"/>
+            </a:pPr>
+            <a:endParaRPr lang="en-CA" sz="1800" dirty="0" smtClean="0"/>
+          </a:p>
+          <a:p>
+            <a:pPr marL="285750" indent="-285750" algn="l">
+              <a:buFont typeface="Wingdings" panose="05000000000000000000" pitchFamily="2" charset="2"/>
+              <a:buChar char="Ø"/>
+            </a:pPr>
+            <a:endParaRPr lang="en-CA" sz="1800" dirty="0"/>
+          </a:p>
+          <a:p>
+            <a:pPr marL="285750" indent="-285750" algn="l">
+              <a:buFont typeface="Wingdings" panose="05000000000000000000" pitchFamily="2" charset="2"/>
+              <a:buChar char="Ø"/>
+            </a:pPr>
+            <a:endParaRPr lang="en-CA" sz="1800" dirty="0"/>
+          </a:p>
+          <a:p>
+            <a:pPr marL="742950" lvl="1" indent="-285750" algn="l">
+              <a:buFont typeface="Wingdings" panose="05000000000000000000" pitchFamily="2" charset="2"/>
+              <a:buChar char="Ø"/>
+            </a:pPr>
+            <a:endParaRPr lang="en-CA" sz="1600" dirty="0" smtClean="0"/>
           </a:p>
         </p:txBody>
       </p:sp>
+      <p:sp>
+        <p:nvSpPr>
+          <p:cNvPr id="5" name="Subtitle 2"/>
+          <p:cNvSpPr txBox="1">
+            <a:spLocks/>
+          </p:cNvSpPr>
+          <p:nvPr/>
+        </p:nvSpPr>
+        <p:spPr>
+          <a:xfrm>
+            <a:off x="914400" y="685800"/>
+            <a:ext cx="7315200" cy="5867400"/>
+          </a:xfrm>
+          <a:prstGeom prst="rect">
+            <a:avLst/>
+          </a:prstGeom>
+        </p:spPr>
+        <p:txBody>
+          <a:bodyPr vert="horz">
+            <a:normAutofit/>
+          </a:bodyPr>
+          <a:lstStyle>
+            <a:lvl1pPr marL="0" indent="0" algn="ctr" rtl="0" eaLnBrk="1" latinLnBrk="0" hangingPunct="1">
+              <a:spcBef>
+                <a:spcPct val="20000"/>
+              </a:spcBef>
+              <a:buClr>
+                <a:schemeClr val="tx1">
+                  <a:shade val="95000"/>
+                </a:schemeClr>
+              </a:buClr>
+              <a:buSzPct val="65000"/>
+              <a:buFont typeface="Wingdings 2"/>
+              <a:buNone/>
+              <a:defRPr kumimoji="0" sz="2800" kern="1200">
+                <a:solidFill>
+                  <a:schemeClr val="tx1"/>
+                </a:solidFill>
+                <a:latin typeface="+mn-lt"/>
+                <a:ea typeface="+mn-ea"/>
+                <a:cs typeface="+mn-cs"/>
+              </a:defRPr>
+            </a:lvl1pPr>
+            <a:lvl2pPr marL="457200" indent="0" algn="ctr" rtl="0" eaLnBrk="1" latinLnBrk="0" hangingPunct="1">
+              <a:spcBef>
+                <a:spcPct val="20000"/>
+              </a:spcBef>
+              <a:buClr>
+                <a:schemeClr val="tx1"/>
+              </a:buClr>
+              <a:buSzPct val="80000"/>
+              <a:buFont typeface="Wingdings 2"/>
+              <a:buNone/>
+              <a:defRPr kumimoji="0" sz="2400" kern="1200">
+                <a:solidFill>
+                  <a:schemeClr val="tx1"/>
+                </a:solidFill>
+                <a:latin typeface="+mn-lt"/>
+                <a:ea typeface="+mn-ea"/>
+                <a:cs typeface="+mn-cs"/>
+              </a:defRPr>
+            </a:lvl2pPr>
+            <a:lvl3pPr marL="914400" indent="0" algn="ctr" rtl="0" eaLnBrk="1" latinLnBrk="0" hangingPunct="1">
+              <a:spcBef>
+                <a:spcPct val="20000"/>
+              </a:spcBef>
+              <a:buClr>
+                <a:schemeClr val="tx1"/>
+              </a:buClr>
+              <a:buSzPct val="95000"/>
+              <a:buFont typeface="Wingdings"/>
+              <a:buNone/>
+              <a:defRPr kumimoji="0" sz="2200" kern="1200">
+                <a:solidFill>
+                  <a:schemeClr val="tx1"/>
+                </a:solidFill>
+                <a:latin typeface="+mn-lt"/>
+                <a:ea typeface="+mn-ea"/>
+                <a:cs typeface="+mn-cs"/>
+              </a:defRPr>
+            </a:lvl3pPr>
+            <a:lvl4pPr marL="1371600" indent="0" algn="ctr" rtl="0" eaLnBrk="1" latinLnBrk="0" hangingPunct="1">
+              <a:spcBef>
+                <a:spcPct val="20000"/>
+              </a:spcBef>
+              <a:buClr>
+                <a:schemeClr val="tx1"/>
+              </a:buClr>
+              <a:buSzPct val="100000"/>
+              <a:buFont typeface="Wingdings 3"/>
+              <a:buNone/>
+              <a:defRPr kumimoji="0" sz="2000" kern="1200">
+                <a:solidFill>
+                  <a:schemeClr val="tx1"/>
+                </a:solidFill>
+                <a:latin typeface="+mn-lt"/>
+                <a:ea typeface="+mn-ea"/>
+                <a:cs typeface="+mn-cs"/>
+              </a:defRPr>
+            </a:lvl4pPr>
+            <a:lvl5pPr marL="1828800" indent="0" algn="ctr" rtl="0" eaLnBrk="1" latinLnBrk="0" hangingPunct="1">
+              <a:spcBef>
+                <a:spcPct val="20000"/>
+              </a:spcBef>
+              <a:buClr>
+                <a:schemeClr val="tx1"/>
+              </a:buClr>
+              <a:buFont typeface="Wingdings 2"/>
+              <a:buNone/>
+              <a:defRPr kumimoji="0" sz="2000" kern="1200">
+                <a:solidFill>
+                  <a:schemeClr val="tx1"/>
+                </a:solidFill>
+                <a:latin typeface="+mn-lt"/>
+                <a:ea typeface="+mn-ea"/>
+                <a:cs typeface="+mn-cs"/>
+              </a:defRPr>
+            </a:lvl5pPr>
+            <a:lvl6pPr marL="2286000" indent="0" algn="ctr" rtl="0" eaLnBrk="1" latinLnBrk="0" hangingPunct="1">
+              <a:spcBef>
+                <a:spcPct val="20000"/>
+              </a:spcBef>
+              <a:buClr>
+                <a:schemeClr val="tx1"/>
+              </a:buClr>
+              <a:buFont typeface="Wingdings 3"/>
+              <a:buNone/>
+              <a:defRPr kumimoji="0" sz="1800" kern="1200">
+                <a:solidFill>
+                  <a:schemeClr val="tx1"/>
+                </a:solidFill>
+                <a:latin typeface="+mn-lt"/>
+                <a:ea typeface="+mn-ea"/>
+                <a:cs typeface="+mn-cs"/>
+              </a:defRPr>
+            </a:lvl6pPr>
+            <a:lvl7pPr marL="2743200" indent="0" algn="ctr" rtl="0" eaLnBrk="1" latinLnBrk="0" hangingPunct="1">
+              <a:spcBef>
+                <a:spcPct val="20000"/>
+              </a:spcBef>
+              <a:buClr>
+                <a:schemeClr val="tx1"/>
+              </a:buClr>
+              <a:buFont typeface="Wingdings 2"/>
+              <a:buNone/>
+              <a:defRPr kumimoji="0" sz="1600" kern="1200">
+                <a:solidFill>
+                  <a:schemeClr val="tx1"/>
+                </a:solidFill>
+                <a:latin typeface="+mn-lt"/>
+                <a:ea typeface="+mn-ea"/>
+                <a:cs typeface="+mn-cs"/>
+              </a:defRPr>
+            </a:lvl7pPr>
+            <a:lvl8pPr marL="3200400" indent="0" algn="ctr" rtl="0" eaLnBrk="1" latinLnBrk="0" hangingPunct="1">
+              <a:spcBef>
+                <a:spcPct val="20000"/>
+              </a:spcBef>
+              <a:buClr>
+                <a:schemeClr val="tx1"/>
+              </a:buClr>
+              <a:buFont typeface="Wingdings 2"/>
+              <a:buNone/>
+              <a:defRPr kumimoji="0" sz="1400" kern="1200">
+                <a:solidFill>
+                  <a:schemeClr val="tx1"/>
+                </a:solidFill>
+                <a:latin typeface="+mn-lt"/>
+                <a:ea typeface="+mn-ea"/>
+                <a:cs typeface="+mn-cs"/>
+              </a:defRPr>
+            </a:lvl8pPr>
+            <a:lvl9pPr marL="3657600" indent="0" algn="ctr" rtl="0" eaLnBrk="1" latinLnBrk="0" hangingPunct="1">
+              <a:spcBef>
+                <a:spcPct val="20000"/>
+              </a:spcBef>
+              <a:buClr>
+                <a:schemeClr val="tx1"/>
+              </a:buClr>
+              <a:buFont typeface="Wingdings 2"/>
+              <a:buNone/>
+              <a:defRPr kumimoji="0" sz="1400" kern="1200" baseline="0">
+                <a:solidFill>
+                  <a:schemeClr val="tx1"/>
+                </a:solidFill>
+                <a:latin typeface="+mn-lt"/>
+                <a:ea typeface="+mn-ea"/>
+                <a:cs typeface="+mn-cs"/>
+              </a:defRPr>
+            </a:lvl9pPr>
+          </a:lstStyle>
+          <a:p>
+            <a:pPr marL="285750" indent="-285750" algn="l">
+              <a:buFont typeface="Wingdings" panose="05000000000000000000" pitchFamily="2" charset="2"/>
+              <a:buChar char="Ø"/>
+            </a:pPr>
+            <a:endParaRPr lang="en-CA" sz="1800" smtClean="0"/>
+          </a:p>
+          <a:p>
+            <a:pPr marL="285750" indent="-285750" algn="l">
+              <a:buFont typeface="Wingdings" panose="05000000000000000000" pitchFamily="2" charset="2"/>
+              <a:buChar char="Ø"/>
+            </a:pPr>
+            <a:endParaRPr lang="en-CA" sz="1800" smtClean="0"/>
+          </a:p>
+          <a:p>
+            <a:pPr marL="285750" indent="-285750" algn="l">
+              <a:buFont typeface="Wingdings" panose="05000000000000000000" pitchFamily="2" charset="2"/>
+              <a:buChar char="Ø"/>
+            </a:pPr>
+            <a:endParaRPr lang="en-CA" sz="1800" smtClean="0"/>
+          </a:p>
+          <a:p>
+            <a:pPr marL="285750" indent="-285750" algn="l">
+              <a:buFont typeface="Wingdings" panose="05000000000000000000" pitchFamily="2" charset="2"/>
+              <a:buChar char="Ø"/>
+            </a:pPr>
+            <a:endParaRPr lang="en-CA" sz="1800" smtClean="0"/>
+          </a:p>
+          <a:p>
+            <a:pPr marL="285750" indent="-285750" algn="l">
+              <a:buFont typeface="Wingdings" panose="05000000000000000000" pitchFamily="2" charset="2"/>
+              <a:buChar char="Ø"/>
+            </a:pPr>
+            <a:endParaRPr lang="en-CA" sz="1800" smtClean="0"/>
+          </a:p>
+          <a:p>
+            <a:pPr marL="742950" lvl="1" indent="-285750" algn="l">
+              <a:buFont typeface="Wingdings" panose="05000000000000000000" pitchFamily="2" charset="2"/>
+              <a:buChar char="Ø"/>
+            </a:pPr>
+            <a:endParaRPr lang="en-CA" sz="1600" dirty="0" smtClean="0"/>
+          </a:p>
+        </p:txBody>
+      </p:sp>
+      <p:sp>
+        <p:nvSpPr>
+          <p:cNvPr id="7" name="Subtitle 2"/>
+          <p:cNvSpPr txBox="1">
+            <a:spLocks/>
+          </p:cNvSpPr>
+          <p:nvPr/>
+        </p:nvSpPr>
+        <p:spPr>
+          <a:xfrm>
+            <a:off x="1066800" y="838200"/>
+            <a:ext cx="7315200" cy="5486400"/>
+          </a:xfrm>
+          <a:prstGeom prst="rect">
+            <a:avLst/>
+          </a:prstGeom>
+        </p:spPr>
+        <p:txBody>
+          <a:bodyPr vert="horz">
+            <a:normAutofit/>
+          </a:bodyPr>
+          <a:lstStyle>
+            <a:lvl1pPr marL="0" indent="0" algn="ctr" rtl="0" eaLnBrk="1" latinLnBrk="0" hangingPunct="1">
+              <a:spcBef>
+                <a:spcPct val="20000"/>
+              </a:spcBef>
+              <a:buClr>
+                <a:schemeClr val="tx1">
+                  <a:shade val="95000"/>
+                </a:schemeClr>
+              </a:buClr>
+              <a:buSzPct val="65000"/>
+              <a:buFont typeface="Wingdings 2"/>
+              <a:buNone/>
+              <a:defRPr kumimoji="0" sz="2800" kern="1200">
+                <a:solidFill>
+                  <a:schemeClr val="tx1"/>
+                </a:solidFill>
+                <a:latin typeface="+mn-lt"/>
+                <a:ea typeface="+mn-ea"/>
+                <a:cs typeface="+mn-cs"/>
+              </a:defRPr>
+            </a:lvl1pPr>
+            <a:lvl2pPr marL="457200" indent="0" algn="ctr" rtl="0" eaLnBrk="1" latinLnBrk="0" hangingPunct="1">
+              <a:spcBef>
+                <a:spcPct val="20000"/>
+              </a:spcBef>
+              <a:buClr>
+                <a:schemeClr val="tx1"/>
+              </a:buClr>
+              <a:buSzPct val="80000"/>
+              <a:buFont typeface="Wingdings 2"/>
+              <a:buNone/>
+              <a:defRPr kumimoji="0" sz="2400" kern="1200">
+                <a:solidFill>
+                  <a:schemeClr val="tx1"/>
+                </a:solidFill>
+                <a:latin typeface="+mn-lt"/>
+                <a:ea typeface="+mn-ea"/>
+                <a:cs typeface="+mn-cs"/>
+              </a:defRPr>
+            </a:lvl2pPr>
+            <a:lvl3pPr marL="914400" indent="0" algn="ctr" rtl="0" eaLnBrk="1" latinLnBrk="0" hangingPunct="1">
+              <a:spcBef>
+                <a:spcPct val="20000"/>
+              </a:spcBef>
+              <a:buClr>
+                <a:schemeClr val="tx1"/>
+              </a:buClr>
+              <a:buSzPct val="95000"/>
+              <a:buFont typeface="Wingdings"/>
+              <a:buNone/>
+              <a:defRPr kumimoji="0" sz="2200" kern="1200">
+                <a:solidFill>
+                  <a:schemeClr val="tx1"/>
+                </a:solidFill>
+                <a:latin typeface="+mn-lt"/>
+                <a:ea typeface="+mn-ea"/>
+                <a:cs typeface="+mn-cs"/>
+              </a:defRPr>
+            </a:lvl3pPr>
+            <a:lvl4pPr marL="1371600" indent="0" algn="ctr" rtl="0" eaLnBrk="1" latinLnBrk="0" hangingPunct="1">
+              <a:spcBef>
+                <a:spcPct val="20000"/>
+              </a:spcBef>
+              <a:buClr>
+                <a:schemeClr val="tx1"/>
+              </a:buClr>
+              <a:buSzPct val="100000"/>
+              <a:buFont typeface="Wingdings 3"/>
+              <a:buNone/>
+              <a:defRPr kumimoji="0" sz="2000" kern="1200">
+                <a:solidFill>
+                  <a:schemeClr val="tx1"/>
+                </a:solidFill>
+                <a:latin typeface="+mn-lt"/>
+                <a:ea typeface="+mn-ea"/>
+                <a:cs typeface="+mn-cs"/>
+              </a:defRPr>
+            </a:lvl4pPr>
+            <a:lvl5pPr marL="1828800" indent="0" algn="ctr" rtl="0" eaLnBrk="1" latinLnBrk="0" hangingPunct="1">
+              <a:spcBef>
+                <a:spcPct val="20000"/>
+              </a:spcBef>
+              <a:buClr>
+                <a:schemeClr val="tx1"/>
+              </a:buClr>
+              <a:buFont typeface="Wingdings 2"/>
+              <a:buNone/>
+              <a:defRPr kumimoji="0" sz="2000" kern="1200">
+                <a:solidFill>
+                  <a:schemeClr val="tx1"/>
+                </a:solidFill>
+                <a:latin typeface="+mn-lt"/>
+                <a:ea typeface="+mn-ea"/>
+                <a:cs typeface="+mn-cs"/>
+              </a:defRPr>
+            </a:lvl5pPr>
+            <a:lvl6pPr marL="2286000" indent="0" algn="ctr" rtl="0" eaLnBrk="1" latinLnBrk="0" hangingPunct="1">
+              <a:spcBef>
+                <a:spcPct val="20000"/>
+              </a:spcBef>
+              <a:buClr>
+                <a:schemeClr val="tx1"/>
+              </a:buClr>
+              <a:buFont typeface="Wingdings 3"/>
+              <a:buNone/>
+              <a:defRPr kumimoji="0" sz="1800" kern="1200">
+                <a:solidFill>
+                  <a:schemeClr val="tx1"/>
+                </a:solidFill>
+                <a:latin typeface="+mn-lt"/>
+                <a:ea typeface="+mn-ea"/>
+                <a:cs typeface="+mn-cs"/>
+              </a:defRPr>
+            </a:lvl6pPr>
+            <a:lvl7pPr marL="2743200" indent="0" algn="ctr" rtl="0" eaLnBrk="1" latinLnBrk="0" hangingPunct="1">
+              <a:spcBef>
+                <a:spcPct val="20000"/>
+              </a:spcBef>
+              <a:buClr>
+                <a:schemeClr val="tx1"/>
+              </a:buClr>
+              <a:buFont typeface="Wingdings 2"/>
+              <a:buNone/>
+              <a:defRPr kumimoji="0" sz="1600" kern="1200">
+                <a:solidFill>
+                  <a:schemeClr val="tx1"/>
+                </a:solidFill>
+                <a:latin typeface="+mn-lt"/>
+                <a:ea typeface="+mn-ea"/>
+                <a:cs typeface="+mn-cs"/>
+              </a:defRPr>
+            </a:lvl7pPr>
+            <a:lvl8pPr marL="3200400" indent="0" algn="ctr" rtl="0" eaLnBrk="1" latinLnBrk="0" hangingPunct="1">
+              <a:spcBef>
+                <a:spcPct val="20000"/>
+              </a:spcBef>
+              <a:buClr>
+                <a:schemeClr val="tx1"/>
+              </a:buClr>
+              <a:buFont typeface="Wingdings 2"/>
+              <a:buNone/>
+              <a:defRPr kumimoji="0" sz="1400" kern="1200">
+                <a:solidFill>
+                  <a:schemeClr val="tx1"/>
+                </a:solidFill>
+                <a:latin typeface="+mn-lt"/>
+                <a:ea typeface="+mn-ea"/>
+                <a:cs typeface="+mn-cs"/>
+              </a:defRPr>
+            </a:lvl8pPr>
+            <a:lvl9pPr marL="3657600" indent="0" algn="ctr" rtl="0" eaLnBrk="1" latinLnBrk="0" hangingPunct="1">
+              <a:spcBef>
+                <a:spcPct val="20000"/>
+              </a:spcBef>
+              <a:buClr>
+                <a:schemeClr val="tx1"/>
+              </a:buClr>
+              <a:buFont typeface="Wingdings 2"/>
+              <a:buNone/>
+              <a:defRPr kumimoji="0" sz="1400" kern="1200" baseline="0">
+                <a:solidFill>
+                  <a:schemeClr val="tx1"/>
+                </a:solidFill>
+                <a:latin typeface="+mn-lt"/>
+                <a:ea typeface="+mn-ea"/>
+                <a:cs typeface="+mn-cs"/>
+              </a:defRPr>
+            </a:lvl9pPr>
+          </a:lstStyle>
+          <a:p>
+            <a:pPr marL="285750" indent="-285750" algn="l">
+              <a:buFont typeface="Wingdings" panose="05000000000000000000" pitchFamily="2" charset="2"/>
+              <a:buChar char="Ø"/>
+            </a:pPr>
+            <a:endParaRPr lang="en-CA" sz="1800" dirty="0" smtClean="0"/>
+          </a:p>
+          <a:p>
+            <a:pPr marL="285750" indent="-285750" algn="l">
+              <a:buFont typeface="Wingdings" panose="05000000000000000000" pitchFamily="2" charset="2"/>
+              <a:buChar char="Ø"/>
+            </a:pPr>
+            <a:endParaRPr lang="en-CA" sz="1800" dirty="0"/>
+          </a:p>
+          <a:p>
+            <a:pPr marL="285750" indent="-285750" algn="l">
+              <a:buFont typeface="Wingdings" panose="05000000000000000000" pitchFamily="2" charset="2"/>
+              <a:buChar char="Ø"/>
+            </a:pPr>
+            <a:endParaRPr lang="en-CA" sz="1800" dirty="0" smtClean="0"/>
+          </a:p>
+          <a:p>
+            <a:pPr marL="285750" indent="-285750" algn="l">
+              <a:buFont typeface="Wingdings" panose="05000000000000000000" pitchFamily="2" charset="2"/>
+              <a:buChar char="Ø"/>
+            </a:pPr>
+            <a:endParaRPr lang="en-CA" sz="1800" dirty="0"/>
+          </a:p>
+          <a:p>
+            <a:pPr marL="285750" indent="-285750" algn="l">
+              <a:buFont typeface="Wingdings" panose="05000000000000000000" pitchFamily="2" charset="2"/>
+              <a:buChar char="Ø"/>
+            </a:pPr>
+            <a:endParaRPr lang="en-CA" sz="1800" dirty="0" smtClean="0"/>
+          </a:p>
+          <a:p>
+            <a:pPr marL="285750" indent="-285750" algn="l">
+              <a:buFont typeface="Wingdings" panose="05000000000000000000" pitchFamily="2" charset="2"/>
+              <a:buChar char="Ø"/>
+            </a:pPr>
+            <a:endParaRPr lang="en-CA" sz="1800" dirty="0"/>
+          </a:p>
+          <a:p>
+            <a:pPr marL="285750" indent="-285750" algn="l">
+              <a:buFont typeface="Wingdings" panose="05000000000000000000" pitchFamily="2" charset="2"/>
+              <a:buChar char="Ø"/>
+            </a:pPr>
+            <a:endParaRPr lang="en-CA" sz="1800" dirty="0" smtClean="0"/>
+          </a:p>
+          <a:p>
+            <a:pPr marL="285750" indent="-285750" algn="l">
+              <a:buFont typeface="Wingdings" panose="05000000000000000000" pitchFamily="2" charset="2"/>
+              <a:buChar char="Ø"/>
+            </a:pPr>
+            <a:endParaRPr lang="en-CA" sz="1800" dirty="0"/>
+          </a:p>
+          <a:p>
+            <a:pPr marL="285750" indent="-285750" algn="l">
+              <a:buFont typeface="Wingdings" panose="05000000000000000000" pitchFamily="2" charset="2"/>
+              <a:buChar char="Ø"/>
+            </a:pPr>
+            <a:endParaRPr lang="en-CA" sz="1800" dirty="0" smtClean="0"/>
+          </a:p>
+          <a:p>
+            <a:pPr marL="285750" indent="-285750" algn="l">
+              <a:buFont typeface="Wingdings" panose="05000000000000000000" pitchFamily="2" charset="2"/>
+              <a:buChar char="Ø"/>
+            </a:pPr>
+            <a:endParaRPr lang="en-CA" sz="1800" dirty="0"/>
+          </a:p>
+          <a:p>
+            <a:pPr marL="285750" indent="-285750" algn="l">
+              <a:buFont typeface="Wingdings" panose="05000000000000000000" pitchFamily="2" charset="2"/>
+              <a:buChar char="Ø"/>
+            </a:pPr>
+            <a:endParaRPr lang="en-CA" sz="1800" dirty="0" smtClean="0"/>
+          </a:p>
+          <a:p>
+            <a:pPr marL="285750" indent="-285750" algn="l">
+              <a:buFont typeface="Wingdings" panose="05000000000000000000" pitchFamily="2" charset="2"/>
+              <a:buChar char="Ø"/>
+            </a:pPr>
+            <a:endParaRPr lang="en-CA" sz="1800" dirty="0"/>
+          </a:p>
+          <a:p>
+            <a:pPr marL="285750" indent="-285750" algn="l">
+              <a:buFont typeface="Wingdings" panose="05000000000000000000" pitchFamily="2" charset="2"/>
+              <a:buChar char="Ø"/>
+            </a:pPr>
+            <a:endParaRPr lang="en-CA" sz="1800" dirty="0" smtClean="0"/>
+          </a:p>
+          <a:p>
+            <a:pPr marL="285750" indent="-285750" algn="l">
+              <a:buFont typeface="Wingdings" panose="05000000000000000000" pitchFamily="2" charset="2"/>
+              <a:buChar char="Ø"/>
+            </a:pPr>
+            <a:endParaRPr lang="en-CA" sz="1800" dirty="0"/>
+          </a:p>
+          <a:p>
+            <a:pPr marL="285750" indent="-285750" algn="l">
+              <a:buFont typeface="Wingdings" panose="05000000000000000000" pitchFamily="2" charset="2"/>
+              <a:buChar char="Ø"/>
+            </a:pPr>
+            <a:r>
+              <a:rPr lang="en-CA" sz="1400" dirty="0" smtClean="0">
+                <a:solidFill>
+                  <a:srgbClr val="FFC000"/>
+                </a:solidFill>
+              </a:rPr>
+              <a:t>Let the forward test battle begin!</a:t>
+            </a:r>
+          </a:p>
+          <a:p>
+            <a:pPr marL="285750" indent="-285750" algn="l">
+              <a:buFont typeface="Wingdings" panose="05000000000000000000" pitchFamily="2" charset="2"/>
+              <a:buChar char="Ø"/>
+            </a:pPr>
+            <a:r>
+              <a:rPr lang="en-CA" sz="1400" dirty="0" smtClean="0">
+                <a:solidFill>
+                  <a:srgbClr val="FFC000"/>
+                </a:solidFill>
+              </a:rPr>
+              <a:t>1 = Positive Market State &amp; 0 = Flat or Negative Market State</a:t>
+            </a:r>
+          </a:p>
+          <a:p>
+            <a:pPr marL="285750" indent="-285750" algn="l">
+              <a:buFont typeface="Wingdings" panose="05000000000000000000" pitchFamily="2" charset="2"/>
+              <a:buChar char="Ø"/>
+            </a:pPr>
+            <a:r>
+              <a:rPr lang="en-CA" sz="1400" dirty="0" smtClean="0">
+                <a:solidFill>
+                  <a:srgbClr val="FFC000"/>
+                </a:solidFill>
+              </a:rPr>
+              <a:t>Long Equity or Long Cash Strategy</a:t>
+            </a:r>
+          </a:p>
+          <a:p>
+            <a:pPr marL="285750" indent="-285750" algn="l">
+              <a:buFont typeface="Wingdings" panose="05000000000000000000" pitchFamily="2" charset="2"/>
+              <a:buChar char="Ø"/>
+            </a:pPr>
+            <a:endParaRPr lang="en-CA" sz="1800" dirty="0" smtClean="0"/>
+          </a:p>
+          <a:p>
+            <a:pPr marL="285750" indent="-285750" algn="l">
+              <a:buFont typeface="Wingdings" panose="05000000000000000000" pitchFamily="2" charset="2"/>
+              <a:buChar char="Ø"/>
+            </a:pPr>
+            <a:endParaRPr lang="en-CA" sz="1800" dirty="0" smtClean="0"/>
+          </a:p>
+          <a:p>
+            <a:pPr marL="742950" lvl="1" indent="-285750" algn="l">
+              <a:buFont typeface="Wingdings" panose="05000000000000000000" pitchFamily="2" charset="2"/>
+              <a:buChar char="Ø"/>
+            </a:pPr>
+            <a:endParaRPr lang="en-CA" sz="1600" dirty="0" smtClean="0"/>
+          </a:p>
+        </p:txBody>
+      </p:sp>
+      <p:pic>
+        <p:nvPicPr>
+          <p:cNvPr id="1026" name="Picture 2"/>
+          <p:cNvPicPr>
+            <a:picLocks noChangeAspect="1" noChangeArrowheads="1"/>
+          </p:cNvPicPr>
+          <p:nvPr/>
+        </p:nvPicPr>
+        <p:blipFill>
+          <a:blip r:embed="rId2">
+            <a:extLst>
+              <a:ext uri="{28A0092B-C50C-407E-A947-70E740481C1C}">
+                <a14:useLocalDpi xmlns:a14="http://schemas.microsoft.com/office/drawing/2010/main" val="0"/>
+              </a:ext>
+            </a:extLst>
+          </a:blip>
+          <a:srcRect/>
+          <a:stretch>
+            <a:fillRect/>
+          </a:stretch>
+        </p:blipFill>
+        <p:spPr bwMode="auto">
+          <a:xfrm>
+            <a:off x="1" y="681039"/>
+            <a:ext cx="9144000" cy="4552276"/>
+          </a:xfrm>
+          <a:prstGeom prst="rect">
+            <a:avLst/>
+          </a:prstGeom>
+          <a:noFill/>
+          <a:ln>
+            <a:noFill/>
+          </a:ln>
+          <a:extLst>
+            <a:ext uri="{909E8E84-426E-40DD-AFC4-6F175D3DCCD1}">
+              <a14:hiddenFill xmlns:a14="http://schemas.microsoft.com/office/drawing/2010/main">
+                <a:solidFill>
+                  <a:schemeClr val="accent1"/>
+                </a:solidFill>
+              </a14:hiddenFill>
+            </a:ext>
+            <a:ext uri="{91240B29-F687-4F45-9708-019B960494DF}">
+              <a14:hiddenLine xmlns:a14="http://schemas.microsoft.com/office/drawing/2010/main" w="9525">
+                <a:solidFill>
+                  <a:schemeClr val="tx1"/>
+                </a:solidFill>
+                <a:miter lim="800000"/>
+                <a:headEnd/>
+                <a:tailEnd/>
+              </a14:hiddenLine>
+            </a:ext>
+          </a:extLst>
+        </p:spPr>
+      </p:pic>
     </p:spTree>
     <p:extLst>
       <p:ext uri="{BB962C8B-B14F-4D97-AF65-F5344CB8AC3E}">
-        <p14:creationId xmlns:p14="http://schemas.microsoft.com/office/powerpoint/2010/main" val="1733367187"/>
+        <p14:creationId xmlns:p14="http://schemas.microsoft.com/office/powerpoint/2010/main" val="2712962087"/>
       </p:ext>
     </p:extLst>
   </p:cSld>
@@ -22181,7 +23593,7 @@
       </p:grpSpPr>
       <p:sp>
         <p:nvSpPr>
-          <p:cNvPr id="4" name="Title 3"/>
+          <p:cNvPr id="2" name="Title 1"/>
           <p:cNvSpPr>
             <a:spLocks noGrp="1"/>
           </p:cNvSpPr>
@@ -22189,12 +23601,7 @@
             <p:ph type="ctrTitle"/>
           </p:nvPr>
         </p:nvSpPr>
-        <p:spPr>
-          <a:xfrm>
-            <a:off x="457200" y="76200"/>
-            <a:ext cx="8229600" cy="533400"/>
-          </a:xfrm>
-        </p:spPr>
+        <p:spPr/>
         <p:txBody>
           <a:bodyPr>
             <a:normAutofit/>
@@ -22203,7 +23610,14 @@
           <a:p>
             <a:r>
               <a:rPr lang="en-US" sz="2800" dirty="0" smtClean="0"/>
-              <a:t>Post mortem &amp; future enhancements</a:t>
+              <a:t>Post mortem &amp; </a:t>
+            </a:r>
+            <a:br>
+              <a:rPr lang="en-US" sz="2800" dirty="0" smtClean="0"/>
+            </a:br>
+            <a:r>
+              <a:rPr lang="en-US" sz="2800" dirty="0" smtClean="0"/>
+              <a:t>future enhancements</a:t>
             </a:r>
             <a:endParaRPr lang="en-US" sz="2800" dirty="0"/>
           </a:p>
@@ -22211,7 +23625,7 @@
       </p:sp>
       <p:sp>
         <p:nvSpPr>
-          <p:cNvPr id="6" name="Subtitle 2"/>
+          <p:cNvPr id="3" name="Subtitle 2"/>
           <p:cNvSpPr>
             <a:spLocks noGrp="1"/>
           </p:cNvSpPr>
@@ -22219,228 +23633,19 @@
             <p:ph type="subTitle" idx="1"/>
           </p:nvPr>
         </p:nvSpPr>
-        <p:spPr>
-          <a:xfrm>
-            <a:off x="914400" y="685800"/>
-            <a:ext cx="7315200" cy="5486400"/>
-          </a:xfrm>
-        </p:spPr>
+        <p:spPr/>
         <p:txBody>
-          <a:bodyPr>
-            <a:normAutofit/>
-          </a:bodyPr>
+          <a:bodyPr/>
           <a:lstStyle/>
           <a:p>
-            <a:pPr marL="285750" indent="-285750" algn="l">
-              <a:buFont typeface="Wingdings" panose="05000000000000000000" pitchFamily="2" charset="2"/>
-              <a:buChar char="Ø"/>
-            </a:pPr>
-            <a:r>
-              <a:rPr lang="en-CA" sz="1800" dirty="0" smtClean="0"/>
-              <a:t>Develop a more robust averaging period to determine optimal RFC parameters</a:t>
-            </a:r>
-          </a:p>
-          <a:p>
-            <a:pPr marL="285750" indent="-285750" algn="l">
-              <a:buFont typeface="Wingdings" panose="05000000000000000000" pitchFamily="2" charset="2"/>
-              <a:buChar char="Ø"/>
-            </a:pPr>
-            <a:endParaRPr lang="en-CA" sz="1800" dirty="0"/>
-          </a:p>
-          <a:p>
-            <a:pPr marL="285750" indent="-285750" algn="l">
-              <a:buFont typeface="Wingdings" panose="05000000000000000000" pitchFamily="2" charset="2"/>
-              <a:buChar char="Ø"/>
-            </a:pPr>
-            <a:r>
-              <a:rPr lang="en-CA" sz="1800" dirty="0" smtClean="0"/>
-              <a:t>Calculate mean RFC parameters across different dimension</a:t>
-            </a:r>
-          </a:p>
-          <a:p>
-            <a:pPr marL="742950" lvl="1" indent="-285750" algn="l">
-              <a:buFont typeface="Wingdings" panose="05000000000000000000" pitchFamily="2" charset="2"/>
-              <a:buChar char="Ø"/>
-            </a:pPr>
-            <a:r>
-              <a:rPr lang="en-CA" sz="1400" dirty="0" smtClean="0"/>
-              <a:t>Each lags’ own test history averages rather than average across all lags</a:t>
-            </a:r>
-            <a:endParaRPr lang="en-CA" sz="1400" dirty="0"/>
-          </a:p>
-          <a:p>
-            <a:pPr marL="742950" lvl="1" indent="-285750" algn="l">
-              <a:buFont typeface="Wingdings" panose="05000000000000000000" pitchFamily="2" charset="2"/>
-              <a:buChar char="Ø"/>
-            </a:pPr>
-            <a:endParaRPr lang="en-CA" sz="1400" dirty="0" smtClean="0"/>
-          </a:p>
-          <a:p>
-            <a:pPr marL="285750" indent="-285750" algn="l">
-              <a:buFont typeface="Wingdings" panose="05000000000000000000" pitchFamily="2" charset="2"/>
-              <a:buChar char="Ø"/>
-            </a:pPr>
-            <a:r>
-              <a:rPr lang="en-CA" sz="1800" dirty="0" smtClean="0"/>
-              <a:t>Better control for Naïve RFC parameter settings</a:t>
-            </a:r>
-          </a:p>
-          <a:p>
-            <a:pPr marL="742950" lvl="1" indent="-285750" algn="l">
-              <a:buFont typeface="Wingdings" panose="05000000000000000000" pitchFamily="2" charset="2"/>
-              <a:buChar char="Ø"/>
-            </a:pPr>
-            <a:r>
-              <a:rPr lang="en-CA" sz="1400" dirty="0" smtClean="0"/>
-              <a:t>Explicitly state all the Naïve parameter settings to ensure reproducibility of results</a:t>
-            </a:r>
-          </a:p>
-          <a:p>
-            <a:pPr marL="742950" lvl="1" indent="-285750" algn="l">
-              <a:buFont typeface="Wingdings" panose="05000000000000000000" pitchFamily="2" charset="2"/>
-              <a:buChar char="Ø"/>
-            </a:pPr>
-            <a:r>
-              <a:rPr lang="en-CA" sz="1400" dirty="0" smtClean="0"/>
-              <a:t>It is believed that the </a:t>
-            </a:r>
-            <a:r>
-              <a:rPr lang="en-CA" sz="1400" dirty="0" err="1" smtClean="0"/>
-              <a:t>max_features</a:t>
-            </a:r>
-            <a:r>
-              <a:rPr lang="en-CA" sz="1400" dirty="0" smtClean="0"/>
-              <a:t> </a:t>
-            </a:r>
-            <a:r>
-              <a:rPr lang="en-CA" sz="1400" dirty="0"/>
-              <a:t>= 'auto‘ </a:t>
-            </a:r>
-            <a:r>
-              <a:rPr lang="en-CA" sz="1400" dirty="0" smtClean="0"/>
-              <a:t> created these issues</a:t>
-            </a:r>
-          </a:p>
-          <a:p>
-            <a:pPr marL="742950" lvl="1" indent="-285750" algn="l">
-              <a:buFont typeface="Wingdings" panose="05000000000000000000" pitchFamily="2" charset="2"/>
-              <a:buChar char="Ø"/>
-            </a:pPr>
-            <a:endParaRPr lang="en-CA" sz="1400" dirty="0" smtClean="0"/>
-          </a:p>
-          <a:p>
-            <a:pPr marL="285750" indent="-285750" algn="l">
-              <a:buFont typeface="Wingdings" panose="05000000000000000000" pitchFamily="2" charset="2"/>
-              <a:buChar char="Ø"/>
-            </a:pPr>
-            <a:r>
-              <a:rPr lang="en-CA" sz="1800" dirty="0" smtClean="0"/>
-              <a:t>Use findings from feature set analysis and feature importance to reduce the feature set </a:t>
-            </a:r>
-          </a:p>
-          <a:p>
-            <a:pPr marL="742950" lvl="1" indent="-285750" algn="l">
-              <a:buFont typeface="Wingdings" panose="05000000000000000000" pitchFamily="2" charset="2"/>
-              <a:buChar char="Ø"/>
-            </a:pPr>
-            <a:r>
-              <a:rPr lang="en-CA" sz="1200" dirty="0"/>
-              <a:t>Feature 0 Index: ICE </a:t>
-            </a:r>
-            <a:r>
-              <a:rPr lang="en-CA" sz="1200" dirty="0" err="1"/>
-              <a:t>BofA</a:t>
-            </a:r>
-            <a:r>
-              <a:rPr lang="en-CA" sz="1200" dirty="0"/>
-              <a:t> US High Yield Index Option-Adjusted Spread (BAMLH0A0HYM2)</a:t>
-            </a:r>
-          </a:p>
-          <a:p>
-            <a:pPr marL="742950" lvl="1" indent="-285750" algn="l">
-              <a:buFont typeface="Wingdings" panose="05000000000000000000" pitchFamily="2" charset="2"/>
-              <a:buChar char="Ø"/>
-            </a:pPr>
-            <a:r>
-              <a:rPr lang="en-CA" sz="1200" dirty="0"/>
-              <a:t>Feature 3 Index: ICE </a:t>
-            </a:r>
-            <a:r>
-              <a:rPr lang="en-CA" sz="1200" dirty="0" err="1"/>
-              <a:t>BofA</a:t>
-            </a:r>
-            <a:r>
-              <a:rPr lang="en-CA" sz="1200" dirty="0"/>
-              <a:t> BB US High Yield Index Option-Adjusted Spread (BAMLH0A1HYBB)</a:t>
-            </a:r>
-          </a:p>
-          <a:p>
-            <a:pPr marL="742950" lvl="1" indent="-285750" algn="l">
-              <a:buFont typeface="Wingdings" panose="05000000000000000000" pitchFamily="2" charset="2"/>
-              <a:buChar char="Ø"/>
-            </a:pPr>
-            <a:r>
-              <a:rPr lang="en-CA" sz="1200" dirty="0"/>
-              <a:t>Feature 4 Index: ICE </a:t>
-            </a:r>
-            <a:r>
-              <a:rPr lang="en-CA" sz="1200" dirty="0" err="1"/>
-              <a:t>BofA</a:t>
-            </a:r>
-            <a:r>
-              <a:rPr lang="en-CA" sz="1200" dirty="0"/>
-              <a:t> CCC &amp; Lower US High Yield Index Option-Adjusted Spread (BAMLH0A3HYC)</a:t>
-            </a:r>
-            <a:endParaRPr lang="en-CA" sz="1200" dirty="0" smtClean="0"/>
-          </a:p>
-          <a:p>
-            <a:pPr marL="285750" indent="-285750" algn="l">
-              <a:buFont typeface="Wingdings" panose="05000000000000000000" pitchFamily="2" charset="2"/>
-              <a:buChar char="Ø"/>
-            </a:pPr>
-            <a:endParaRPr lang="en-CA" sz="1800" dirty="0" smtClean="0"/>
-          </a:p>
-          <a:p>
-            <a:pPr marL="285750" indent="-285750" algn="l">
-              <a:buFont typeface="Wingdings" panose="05000000000000000000" pitchFamily="2" charset="2"/>
-              <a:buChar char="Ø"/>
-            </a:pPr>
-            <a:endParaRPr lang="en-CA" sz="1800" dirty="0"/>
-          </a:p>
-          <a:p>
-            <a:pPr marL="742950" lvl="1" indent="-285750" algn="l">
-              <a:buFont typeface="Wingdings" panose="05000000000000000000" pitchFamily="2" charset="2"/>
-              <a:buChar char="Ø"/>
-            </a:pPr>
-            <a:endParaRPr lang="en-CA" sz="1400" dirty="0" smtClean="0"/>
-          </a:p>
-          <a:p>
-            <a:pPr marL="742950" lvl="1" indent="-285750" algn="l">
-              <a:buFont typeface="Wingdings" panose="05000000000000000000" pitchFamily="2" charset="2"/>
-              <a:buChar char="Ø"/>
-            </a:pPr>
-            <a:endParaRPr lang="en-CA" sz="1400" dirty="0"/>
-          </a:p>
-          <a:p>
-            <a:pPr marL="285750" indent="-285750" algn="l">
-              <a:buFont typeface="Wingdings" panose="05000000000000000000" pitchFamily="2" charset="2"/>
-              <a:buChar char="Ø"/>
-            </a:pPr>
-            <a:endParaRPr lang="en-CA" sz="1800" dirty="0"/>
-          </a:p>
-          <a:p>
-            <a:pPr marL="742950" lvl="1" indent="-285750" algn="l">
-              <a:buFont typeface="Wingdings" panose="05000000000000000000" pitchFamily="2" charset="2"/>
-              <a:buChar char="Ø"/>
-            </a:pPr>
-            <a:endParaRPr lang="en-CA" sz="1600" dirty="0" smtClean="0"/>
+            <a:endParaRPr lang="en-US" dirty="0"/>
           </a:p>
         </p:txBody>
       </p:sp>
     </p:spTree>
     <p:extLst>
       <p:ext uri="{BB962C8B-B14F-4D97-AF65-F5344CB8AC3E}">
-        <p14:creationId xmlns:p14="http://schemas.microsoft.com/office/powerpoint/2010/main" val="2168028269"/>
+        <p14:creationId xmlns:p14="http://schemas.microsoft.com/office/powerpoint/2010/main" val="1733367187"/>
       </p:ext>
     </p:extLst>
   </p:cSld>
@@ -22508,6 +23713,10 @@
           </a:bodyPr>
           <a:lstStyle/>
           <a:p>
+            <a:r>
+              <a:rPr lang="en-US" sz="2800" dirty="0" smtClean="0"/>
+              <a:t>Post mortem &amp; future enhancements</a:t>
+            </a:r>
             <a:endParaRPr lang="en-US" sz="2800" dirty="0"/>
           </a:p>
         </p:txBody>
@@ -22534,66 +23743,216 @@
           </a:bodyPr>
           <a:lstStyle/>
           <a:p>
-            <a:pPr algn="l"/>
-            <a:endParaRPr lang="en-CA" sz="2600" dirty="0" smtClean="0">
-              <a:solidFill>
-                <a:srgbClr val="FFC000"/>
-              </a:solidFill>
-            </a:endParaRPr>
-          </a:p>
-          <a:p>
-            <a:pPr algn="l"/>
-            <a:endParaRPr lang="en-CA" sz="2600" dirty="0">
-              <a:solidFill>
-                <a:srgbClr val="FFC000"/>
-              </a:solidFill>
-            </a:endParaRPr>
-          </a:p>
-          <a:p>
-            <a:pPr algn="l"/>
-            <a:endParaRPr lang="en-CA" sz="2600" dirty="0" smtClean="0">
-              <a:solidFill>
-                <a:srgbClr val="FFC000"/>
-              </a:solidFill>
-            </a:endParaRPr>
-          </a:p>
-          <a:p>
-            <a:pPr algn="l"/>
-            <a:endParaRPr lang="en-CA" sz="2600" dirty="0">
-              <a:solidFill>
-                <a:srgbClr val="FFC000"/>
-              </a:solidFill>
-            </a:endParaRPr>
-          </a:p>
-          <a:p>
-            <a:pPr algn="l"/>
-            <a:endParaRPr lang="en-CA" sz="2600" dirty="0" smtClean="0">
-              <a:solidFill>
-                <a:srgbClr val="FFC000"/>
-              </a:solidFill>
-            </a:endParaRPr>
-          </a:p>
-          <a:p>
-            <a:r>
-              <a:rPr lang="en-CA" sz="2600" dirty="0" smtClean="0">
-                <a:solidFill>
-                  <a:srgbClr val="FFC000"/>
-                </a:solidFill>
-              </a:rPr>
-              <a:t>Thank you for your attention! </a:t>
-            </a:r>
-            <a:endParaRPr lang="en-CA" sz="2600" dirty="0">
-              <a:solidFill>
-                <a:srgbClr val="FFC000"/>
-              </a:solidFill>
-            </a:endParaRPr>
+            <a:pPr marL="285750" indent="-285750" algn="l">
+              <a:buFont typeface="Wingdings" panose="05000000000000000000" pitchFamily="2" charset="2"/>
+              <a:buChar char="Ø"/>
+            </a:pPr>
+            <a:r>
+              <a:rPr lang="en-CA" sz="1800" dirty="0" smtClean="0"/>
+              <a:t>Develop a more robust averaging period to determine optimal RFC parameters</a:t>
+            </a:r>
+          </a:p>
+          <a:p>
+            <a:pPr marL="285750" indent="-285750" algn="l">
+              <a:buFont typeface="Wingdings" panose="05000000000000000000" pitchFamily="2" charset="2"/>
+              <a:buChar char="Ø"/>
+            </a:pPr>
+            <a:endParaRPr lang="en-CA" sz="1800" dirty="0"/>
+          </a:p>
+          <a:p>
+            <a:pPr marL="285750" indent="-285750" algn="l">
+              <a:buFont typeface="Wingdings" panose="05000000000000000000" pitchFamily="2" charset="2"/>
+              <a:buChar char="Ø"/>
+            </a:pPr>
+            <a:r>
+              <a:rPr lang="en-CA" sz="1800" dirty="0" smtClean="0"/>
+              <a:t>Calculate mean RFC parameters across different dimension</a:t>
+            </a:r>
+          </a:p>
+          <a:p>
+            <a:pPr marL="742950" lvl="1" indent="-285750" algn="l">
+              <a:buFont typeface="Wingdings" panose="05000000000000000000" pitchFamily="2" charset="2"/>
+              <a:buChar char="Ø"/>
+            </a:pPr>
+            <a:r>
+              <a:rPr lang="en-CA" sz="1400" dirty="0" smtClean="0"/>
+              <a:t>Each lags’ own test history averages rather than average across all lags</a:t>
+            </a:r>
+            <a:endParaRPr lang="en-CA" sz="1400" dirty="0"/>
+          </a:p>
+          <a:p>
+            <a:pPr marL="742950" lvl="1" indent="-285750" algn="l">
+              <a:buFont typeface="Wingdings" panose="05000000000000000000" pitchFamily="2" charset="2"/>
+              <a:buChar char="Ø"/>
+            </a:pPr>
+            <a:endParaRPr lang="en-CA" sz="1400" dirty="0" smtClean="0"/>
+          </a:p>
+          <a:p>
+            <a:pPr marL="285750" indent="-285750" algn="l">
+              <a:buFont typeface="Wingdings" panose="05000000000000000000" pitchFamily="2" charset="2"/>
+              <a:buChar char="Ø"/>
+            </a:pPr>
+            <a:r>
+              <a:rPr lang="en-CA" sz="1800" dirty="0" smtClean="0"/>
+              <a:t>Better control for Naïve RFC parameter settings</a:t>
+            </a:r>
+          </a:p>
+          <a:p>
+            <a:pPr marL="742950" lvl="1" indent="-285750" algn="l">
+              <a:buFont typeface="Wingdings" panose="05000000000000000000" pitchFamily="2" charset="2"/>
+              <a:buChar char="Ø"/>
+            </a:pPr>
+            <a:r>
+              <a:rPr lang="en-CA" sz="1400" dirty="0" smtClean="0"/>
+              <a:t>Explicitly state all the Naïve parameter settings to ensure reproducibility of results</a:t>
+            </a:r>
+          </a:p>
+          <a:p>
+            <a:pPr marL="742950" lvl="1" indent="-285750" algn="l">
+              <a:buFont typeface="Wingdings" panose="05000000000000000000" pitchFamily="2" charset="2"/>
+              <a:buChar char="Ø"/>
+            </a:pPr>
+            <a:r>
+              <a:rPr lang="en-CA" sz="1400" dirty="0" smtClean="0"/>
+              <a:t>It is believed that the </a:t>
+            </a:r>
+            <a:r>
+              <a:rPr lang="en-CA" sz="1400" dirty="0" err="1" smtClean="0"/>
+              <a:t>max_features</a:t>
+            </a:r>
+            <a:r>
+              <a:rPr lang="en-CA" sz="1400" dirty="0" smtClean="0"/>
+              <a:t> </a:t>
+            </a:r>
+            <a:r>
+              <a:rPr lang="en-CA" sz="1400" dirty="0"/>
+              <a:t>= 'auto‘ </a:t>
+            </a:r>
+            <a:r>
+              <a:rPr lang="en-CA" sz="1400" dirty="0" smtClean="0"/>
+              <a:t> created these issues</a:t>
+            </a:r>
+          </a:p>
+          <a:p>
+            <a:pPr marL="742950" lvl="1" indent="-285750" algn="l">
+              <a:buFont typeface="Wingdings" panose="05000000000000000000" pitchFamily="2" charset="2"/>
+              <a:buChar char="Ø"/>
+            </a:pPr>
+            <a:endParaRPr lang="en-CA" sz="1400" dirty="0" smtClean="0"/>
+          </a:p>
+          <a:p>
+            <a:pPr marL="285750" indent="-285750" algn="l">
+              <a:buFont typeface="Wingdings" panose="05000000000000000000" pitchFamily="2" charset="2"/>
+              <a:buChar char="Ø"/>
+            </a:pPr>
+            <a:r>
+              <a:rPr lang="en-CA" sz="1800" dirty="0" smtClean="0"/>
+              <a:t>Use findings from feature set analysis and feature importance to reduce the feature set </a:t>
+            </a:r>
+          </a:p>
+          <a:p>
+            <a:pPr marL="742950" lvl="1" indent="-285750" algn="l">
+              <a:buFont typeface="Wingdings" panose="05000000000000000000" pitchFamily="2" charset="2"/>
+              <a:buChar char="Ø"/>
+            </a:pPr>
+            <a:r>
+              <a:rPr lang="en-CA" sz="1200" dirty="0"/>
+              <a:t>Feature 0 Index: ICE </a:t>
+            </a:r>
+            <a:r>
+              <a:rPr lang="en-CA" sz="1200" dirty="0" err="1"/>
+              <a:t>BofA</a:t>
+            </a:r>
+            <a:r>
+              <a:rPr lang="en-CA" sz="1200" dirty="0"/>
+              <a:t> US High Yield Index Option-Adjusted Spread (BAMLH0A0HYM2)</a:t>
+            </a:r>
+          </a:p>
+          <a:p>
+            <a:pPr marL="742950" lvl="1" indent="-285750" algn="l">
+              <a:buFont typeface="Wingdings" panose="05000000000000000000" pitchFamily="2" charset="2"/>
+              <a:buChar char="Ø"/>
+            </a:pPr>
+            <a:r>
+              <a:rPr lang="en-CA" sz="1200" dirty="0"/>
+              <a:t>Feature 3 Index: ICE </a:t>
+            </a:r>
+            <a:r>
+              <a:rPr lang="en-CA" sz="1200" dirty="0" err="1"/>
+              <a:t>BofA</a:t>
+            </a:r>
+            <a:r>
+              <a:rPr lang="en-CA" sz="1200" dirty="0"/>
+              <a:t> BB US High Yield Index Option-Adjusted Spread (BAMLH0A1HYBB)</a:t>
+            </a:r>
+          </a:p>
+          <a:p>
+            <a:pPr marL="742950" lvl="1" indent="-285750" algn="l">
+              <a:buFont typeface="Wingdings" panose="05000000000000000000" pitchFamily="2" charset="2"/>
+              <a:buChar char="Ø"/>
+            </a:pPr>
+            <a:r>
+              <a:rPr lang="en-CA" sz="1200" dirty="0"/>
+              <a:t>Feature 4 Index: ICE </a:t>
+            </a:r>
+            <a:r>
+              <a:rPr lang="en-CA" sz="1200" dirty="0" err="1"/>
+              <a:t>BofA</a:t>
+            </a:r>
+            <a:r>
+              <a:rPr lang="en-CA" sz="1200" dirty="0"/>
+              <a:t> CCC &amp; Lower US High Yield Index Option-Adjusted Spread (BAMLH0A3HYC)</a:t>
+            </a:r>
+            <a:endParaRPr lang="en-CA" sz="1200" dirty="0" smtClean="0"/>
+          </a:p>
+          <a:p>
+            <a:pPr marL="285750" indent="-285750" algn="l">
+              <a:buFont typeface="Wingdings" panose="05000000000000000000" pitchFamily="2" charset="2"/>
+              <a:buChar char="Ø"/>
+            </a:pPr>
+            <a:endParaRPr lang="en-CA" sz="1800" dirty="0" smtClean="0"/>
+          </a:p>
+          <a:p>
+            <a:pPr marL="285750" indent="-285750" algn="l">
+              <a:buFont typeface="Wingdings" panose="05000000000000000000" pitchFamily="2" charset="2"/>
+              <a:buChar char="Ø"/>
+            </a:pPr>
+            <a:endParaRPr lang="en-CA" sz="1800" dirty="0"/>
+          </a:p>
+          <a:p>
+            <a:pPr marL="742950" lvl="1" indent="-285750" algn="l">
+              <a:buFont typeface="Wingdings" panose="05000000000000000000" pitchFamily="2" charset="2"/>
+              <a:buChar char="Ø"/>
+            </a:pPr>
+            <a:endParaRPr lang="en-CA" sz="1400" dirty="0" smtClean="0"/>
+          </a:p>
+          <a:p>
+            <a:pPr marL="742950" lvl="1" indent="-285750" algn="l">
+              <a:buFont typeface="Wingdings" panose="05000000000000000000" pitchFamily="2" charset="2"/>
+              <a:buChar char="Ø"/>
+            </a:pPr>
+            <a:endParaRPr lang="en-CA" sz="1400" dirty="0"/>
+          </a:p>
+          <a:p>
+            <a:pPr marL="285750" indent="-285750" algn="l">
+              <a:buFont typeface="Wingdings" panose="05000000000000000000" pitchFamily="2" charset="2"/>
+              <a:buChar char="Ø"/>
+            </a:pPr>
+            <a:endParaRPr lang="en-CA" sz="1800" dirty="0"/>
+          </a:p>
+          <a:p>
+            <a:pPr marL="742950" lvl="1" indent="-285750" algn="l">
+              <a:buFont typeface="Wingdings" panose="05000000000000000000" pitchFamily="2" charset="2"/>
+              <a:buChar char="Ø"/>
+            </a:pPr>
+            <a:endParaRPr lang="en-CA" sz="1600" dirty="0" smtClean="0"/>
           </a:p>
         </p:txBody>
       </p:sp>
     </p:spTree>
     <p:extLst>
       <p:ext uri="{BB962C8B-B14F-4D97-AF65-F5344CB8AC3E}">
-        <p14:creationId xmlns:p14="http://schemas.microsoft.com/office/powerpoint/2010/main" val="4083725659"/>
+        <p14:creationId xmlns:p14="http://schemas.microsoft.com/office/powerpoint/2010/main" val="2168028269"/>
       </p:ext>
     </p:extLst>
   </p:cSld>
@@ -22661,6 +24020,159 @@
           </a:bodyPr>
           <a:lstStyle/>
           <a:p>
+            <a:endParaRPr lang="en-US" sz="2800" dirty="0"/>
+          </a:p>
+        </p:txBody>
+      </p:sp>
+      <p:sp>
+        <p:nvSpPr>
+          <p:cNvPr id="6" name="Subtitle 2"/>
+          <p:cNvSpPr>
+            <a:spLocks noGrp="1"/>
+          </p:cNvSpPr>
+          <p:nvPr>
+            <p:ph type="subTitle" idx="1"/>
+          </p:nvPr>
+        </p:nvSpPr>
+        <p:spPr>
+          <a:xfrm>
+            <a:off x="914400" y="685800"/>
+            <a:ext cx="7315200" cy="5486400"/>
+          </a:xfrm>
+        </p:spPr>
+        <p:txBody>
+          <a:bodyPr>
+            <a:normAutofit/>
+          </a:bodyPr>
+          <a:lstStyle/>
+          <a:p>
+            <a:pPr algn="l"/>
+            <a:endParaRPr lang="en-CA" sz="2600" dirty="0" smtClean="0">
+              <a:solidFill>
+                <a:srgbClr val="FFC000"/>
+              </a:solidFill>
+            </a:endParaRPr>
+          </a:p>
+          <a:p>
+            <a:pPr algn="l"/>
+            <a:endParaRPr lang="en-CA" sz="2600" dirty="0">
+              <a:solidFill>
+                <a:srgbClr val="FFC000"/>
+              </a:solidFill>
+            </a:endParaRPr>
+          </a:p>
+          <a:p>
+            <a:pPr algn="l"/>
+            <a:endParaRPr lang="en-CA" sz="2600" dirty="0" smtClean="0">
+              <a:solidFill>
+                <a:srgbClr val="FFC000"/>
+              </a:solidFill>
+            </a:endParaRPr>
+          </a:p>
+          <a:p>
+            <a:pPr algn="l"/>
+            <a:endParaRPr lang="en-CA" sz="2600" dirty="0">
+              <a:solidFill>
+                <a:srgbClr val="FFC000"/>
+              </a:solidFill>
+            </a:endParaRPr>
+          </a:p>
+          <a:p>
+            <a:pPr algn="l"/>
+            <a:endParaRPr lang="en-CA" sz="2600" dirty="0" smtClean="0">
+              <a:solidFill>
+                <a:srgbClr val="FFC000"/>
+              </a:solidFill>
+            </a:endParaRPr>
+          </a:p>
+          <a:p>
+            <a:r>
+              <a:rPr lang="en-CA" sz="2600" dirty="0" smtClean="0">
+                <a:solidFill>
+                  <a:srgbClr val="FFC000"/>
+                </a:solidFill>
+              </a:rPr>
+              <a:t>Thank you for your attention! </a:t>
+            </a:r>
+            <a:endParaRPr lang="en-CA" sz="2600" dirty="0">
+              <a:solidFill>
+                <a:srgbClr val="FFC000"/>
+              </a:solidFill>
+            </a:endParaRPr>
+          </a:p>
+        </p:txBody>
+      </p:sp>
+    </p:spTree>
+    <p:extLst>
+      <p:ext uri="{BB962C8B-B14F-4D97-AF65-F5344CB8AC3E}">
+        <p14:creationId xmlns:p14="http://schemas.microsoft.com/office/powerpoint/2010/main" val="4083725659"/>
+      </p:ext>
+    </p:extLst>
+  </p:cSld>
+  <p:clrMapOvr>
+    <a:masterClrMapping/>
+  </p:clrMapOvr>
+  <mc:AlternateContent xmlns:mc="http://schemas.openxmlformats.org/markup-compatibility/2006" xmlns:p14="http://schemas.microsoft.com/office/powerpoint/2010/main">
+    <mc:Choice Requires="p14">
+      <p:transition spd="med" p14:dur="700">
+        <p:fade/>
+      </p:transition>
+    </mc:Choice>
+    <mc:Fallback xmlns="">
+      <p:transition spd="med">
+        <p:fade/>
+      </p:transition>
+    </mc:Fallback>
+  </mc:AlternateContent>
+  <p:timing>
+    <p:tnLst>
+      <p:par>
+        <p:cTn id="1" dur="indefinite" restart="never" nodeType="tmRoot"/>
+      </p:par>
+    </p:tnLst>
+  </p:timing>
+</p:sld>
+</file>
+
+<file path=ppt/slides/slide55.xml><?xml version="1.0" encoding="utf-8"?>
+<p:sld xmlns:a="http://schemas.openxmlformats.org/drawingml/2006/main" xmlns:r="http://schemas.openxmlformats.org/officeDocument/2006/relationships" xmlns:p="http://schemas.openxmlformats.org/presentationml/2006/main">
+  <p:cSld>
+    <p:spTree>
+      <p:nvGrpSpPr>
+        <p:cNvPr id="1" name=""/>
+        <p:cNvGrpSpPr/>
+        <p:nvPr/>
+      </p:nvGrpSpPr>
+      <p:grpSpPr>
+        <a:xfrm>
+          <a:off x="0" y="0"/>
+          <a:ext cx="0" cy="0"/>
+          <a:chOff x="0" y="0"/>
+          <a:chExt cx="0" cy="0"/>
+        </a:xfrm>
+      </p:grpSpPr>
+      <p:sp>
+        <p:nvSpPr>
+          <p:cNvPr id="4" name="Title 3"/>
+          <p:cNvSpPr>
+            <a:spLocks noGrp="1"/>
+          </p:cNvSpPr>
+          <p:nvPr>
+            <p:ph type="ctrTitle"/>
+          </p:nvPr>
+        </p:nvSpPr>
+        <p:spPr>
+          <a:xfrm>
+            <a:off x="457200" y="76200"/>
+            <a:ext cx="8229600" cy="533400"/>
+          </a:xfrm>
+        </p:spPr>
+        <p:txBody>
+          <a:bodyPr>
+            <a:normAutofit/>
+          </a:bodyPr>
+          <a:lstStyle/>
+          <a:p>
             <a:r>
               <a:rPr lang="en-US" sz="2800" dirty="0" smtClean="0"/>
               <a:t>Appendix B</a:t>
@@ -23071,7 +24583,7 @@
 </p:sld>
 </file>
 
-<file path=ppt/slides/slide55.xml><?xml version="1.0" encoding="utf-8"?>
+<file path=ppt/slides/slide56.xml><?xml version="1.0" encoding="utf-8"?>
 <p:sld xmlns:a="http://schemas.openxmlformats.org/drawingml/2006/main" xmlns:r="http://schemas.openxmlformats.org/officeDocument/2006/relationships" xmlns:p="http://schemas.openxmlformats.org/presentationml/2006/main">
   <p:cSld>
     <p:spTree>
@@ -23560,13 +25072,8 @@
                   <a:srgbClr val="FFC000"/>
                 </a:solidFill>
               </a:rPr>
-              <a:t>Random Forest Classifier Model parameters can be optimized to produce a superior annual rate of return as compared to naively setting parameters or investing in the equity security directly.</a:t>
-            </a:r>
-            <a:endParaRPr lang="en-CA" sz="1800" dirty="0" smtClean="0">
-              <a:solidFill>
-                <a:srgbClr val="FFC000"/>
-              </a:solidFill>
-            </a:endParaRPr>
+              <a:t>Random Forest Classifier Model parameters can be optimized to produce a superior annual rate of return as compared to naively setting parameters or using a buy-and-hold strategy for the equity security.</a:t>
+            </a:r>
           </a:p>
           <a:p>
             <a:pPr marL="285750" indent="-285750" algn="l">

--- a/Project_3_Presentation.pptx
+++ b/Project_3_Presentation.pptx
@@ -15987,15 +15987,7 @@
             </a:pPr>
             <a:r>
               <a:rPr lang="en-CA" sz="1800" dirty="0" smtClean="0"/>
-              <a:t>Although </a:t>
-            </a:r>
-            <a:r>
-              <a:rPr lang="en-CA" sz="1800" dirty="0" smtClean="0"/>
-              <a:t>the current objective is Annual Return, </a:t>
-            </a:r>
-            <a:r>
-              <a:rPr lang="en-CA" sz="1800" dirty="0" smtClean="0"/>
-              <a:t>additional </a:t>
+              <a:t>Although the current objective is Annual Return, additional </a:t>
             </a:r>
             <a:r>
               <a:rPr lang="en-CA" sz="1800" dirty="0"/>
@@ -22423,13 +22415,34 @@
               <a:buChar char="Ø"/>
             </a:pPr>
             <a:r>
+              <a:rPr lang="en-CA" sz="1200" dirty="0" smtClean="0">
+                <a:solidFill>
+                  <a:srgbClr val="FFC000"/>
+                </a:solidFill>
+              </a:rPr>
+              <a:t>Optimal Model Cumulative Return </a:t>
+            </a:r>
+            <a:r>
               <a:rPr lang="en-CA" sz="1200" dirty="0">
                 <a:solidFill>
                   <a:srgbClr val="FFC000"/>
                 </a:solidFill>
               </a:rPr>
-              <a:t>Were strategy returns earned during volatile periods?</a:t>
-            </a:r>
+              <a:t>= </a:t>
+            </a:r>
+            <a:r>
+              <a:rPr lang="en-CA" sz="1200" dirty="0" smtClean="0">
+                <a:solidFill>
+                  <a:srgbClr val="FFC000"/>
+                </a:solidFill>
+              </a:rPr>
+              <a:t>106.81%</a:t>
+            </a:r>
+            <a:endParaRPr lang="en-CA" sz="1200" dirty="0">
+              <a:solidFill>
+                <a:srgbClr val="FFC000"/>
+              </a:solidFill>
+            </a:endParaRPr>
           </a:p>
           <a:p>
             <a:pPr marL="285750" indent="-285750" algn="l" fontAlgn="base">
@@ -22437,13 +22450,34 @@
               <a:buChar char="Ø"/>
             </a:pPr>
             <a:r>
+              <a:rPr lang="en-CA" sz="1200" dirty="0" smtClean="0">
+                <a:solidFill>
+                  <a:srgbClr val="FFC000"/>
+                </a:solidFill>
+              </a:rPr>
+              <a:t>Naïve Model Cumulative Return </a:t>
+            </a:r>
+            <a:r>
               <a:rPr lang="en-CA" sz="1200" dirty="0">
                 <a:solidFill>
                   <a:srgbClr val="FFC000"/>
                 </a:solidFill>
               </a:rPr>
-              <a:t>Were strategy returns earned during up markets or down markets?</a:t>
-            </a:r>
+              <a:t>=  </a:t>
+            </a:r>
+            <a:r>
+              <a:rPr lang="en-CA" sz="1200" dirty="0" smtClean="0">
+                <a:solidFill>
+                  <a:srgbClr val="FFC000"/>
+                </a:solidFill>
+              </a:rPr>
+              <a:t>105.25%</a:t>
+            </a:r>
+            <a:endParaRPr lang="en-CA" sz="1200" dirty="0">
+              <a:solidFill>
+                <a:srgbClr val="FFC000"/>
+              </a:solidFill>
+            </a:endParaRPr>
           </a:p>
           <a:p>
             <a:pPr marL="285750" indent="-285750" algn="l" fontAlgn="base">
@@ -22451,12 +22485,20 @@
               <a:buChar char="Ø"/>
             </a:pPr>
             <a:r>
+              <a:rPr lang="en-CA" sz="1200" dirty="0" smtClean="0">
+                <a:solidFill>
+                  <a:srgbClr val="FFC000"/>
+                </a:solidFill>
+              </a:rPr>
+              <a:t>Equity Buy-and-Hold Cumulative Return </a:t>
+            </a:r>
+            <a:r>
               <a:rPr lang="en-CA" sz="1200" dirty="0">
                 <a:solidFill>
                   <a:srgbClr val="FFC000"/>
                 </a:solidFill>
               </a:rPr>
-              <a:t>Are there periods where one outperforms the other and how consistently does this occur</a:t>
+              <a:t>= </a:t>
             </a:r>
             <a:r>
               <a:rPr lang="en-CA" sz="1200" dirty="0" smtClean="0">
@@ -22464,8 +22506,13 @@
                   <a:srgbClr val="FFC000"/>
                 </a:solidFill>
               </a:rPr>
-              <a:t>?</a:t>
-            </a:r>
+              <a:t>80.46%</a:t>
+            </a:r>
+            <a:endParaRPr lang="en-CA" sz="1200" dirty="0" smtClean="0">
+              <a:solidFill>
+                <a:srgbClr val="FFC000"/>
+              </a:solidFill>
+            </a:endParaRPr>
           </a:p>
         </p:txBody>
       </p:sp>
@@ -23616,15 +23663,15 @@
             </a:r>
             <a:r>
               <a:rPr lang="en-CA" sz="1400" dirty="0"/>
-              <a:t>as the total decrease in node impurity weighted by the probability of reaching that node (which is approximated by the proportion of samples reaching that node</a:t>
+              <a:t>as the total decrease in node impurity weighted by the probability of reaching that node </a:t>
             </a:r>
             <a:r>
               <a:rPr lang="en-CA" sz="1400" dirty="0" smtClean="0"/>
-              <a:t>) </a:t>
+              <a:t>averaged </a:t>
             </a:r>
             <a:r>
               <a:rPr lang="en-CA" sz="1400" dirty="0"/>
-              <a:t>averaged over all trees of the ensemble. </a:t>
+              <a:t>over all trees of the ensemble. </a:t>
             </a:r>
             <a:endParaRPr lang="en-CA" sz="1400" dirty="0" smtClean="0"/>
           </a:p>
